--- a/Документы/Григорьев_Презентация.pptx
+++ b/Документы/Григорьев_Презентация.pptx
@@ -4275,8 +4275,8 @@
         </p:nvSpPr>
         <p:spPr>
           <a:xfrm>
-            <a:off x="931900" y="3365528"/>
-            <a:ext cx="7512537" cy="1055959"/>
+            <a:off x="257137" y="3184505"/>
+            <a:ext cx="8629723" cy="1055959"/>
           </a:xfrm>
         </p:spPr>
         <p:txBody>

--- a/Документы/Григорьев_Презентация.pptx
+++ b/Документы/Григорьев_Презентация.pptx
@@ -4329,6 +4329,110 @@
       </p:grpSpPr>
       <p:sp>
         <p:nvSpPr>
+          <p:cNvPr id="14" name="Прямоугольник 13">
+            <a:extLst>
+              <a:ext uri="{FF2B5EF4-FFF2-40B4-BE49-F238E27FC236}">
+                <a16:creationId xmlns:a16="http://schemas.microsoft.com/office/drawing/2014/main" id="{193C5B48-3B79-405D-96C9-76A083468F79}"/>
+              </a:ext>
+            </a:extLst>
+          </p:cNvPr>
+          <p:cNvSpPr/>
+          <p:nvPr/>
+        </p:nvSpPr>
+        <p:spPr>
+          <a:xfrm>
+            <a:off x="712382" y="2041529"/>
+            <a:ext cx="8314660" cy="4338712"/>
+          </a:xfrm>
+          <a:prstGeom prst="rect">
+            <a:avLst/>
+          </a:prstGeom>
+          <a:ln w="28575"/>
+          <a:effectLst>
+            <a:outerShdw blurRad="50800" dist="38100" dir="18900000" algn="bl" rotWithShape="0">
+              <a:prstClr val="black">
+                <a:alpha val="40000"/>
+              </a:prstClr>
+            </a:outerShdw>
+          </a:effectLst>
+        </p:spPr>
+        <p:style>
+          <a:lnRef idx="2">
+            <a:schemeClr val="dk1"/>
+          </a:lnRef>
+          <a:fillRef idx="1">
+            <a:schemeClr val="lt1"/>
+          </a:fillRef>
+          <a:effectRef idx="0">
+            <a:schemeClr val="dk1"/>
+          </a:effectRef>
+          <a:fontRef idx="minor">
+            <a:schemeClr val="dk1"/>
+          </a:fontRef>
+        </p:style>
+        <p:txBody>
+          <a:bodyPr rtlCol="0" anchor="ctr"/>
+          <a:lstStyle/>
+          <a:p>
+            <a:pPr algn="ctr"/>
+            <a:endParaRPr lang="ru-RU" dirty="0"/>
+          </a:p>
+        </p:txBody>
+      </p:sp>
+      <p:sp>
+        <p:nvSpPr>
+          <p:cNvPr id="13" name="Прямоугольник 12">
+            <a:extLst>
+              <a:ext uri="{FF2B5EF4-FFF2-40B4-BE49-F238E27FC236}">
+                <a16:creationId xmlns:a16="http://schemas.microsoft.com/office/drawing/2014/main" id="{759BE80E-7419-4A3E-90C0-0D17480F65D8}"/>
+              </a:ext>
+            </a:extLst>
+          </p:cNvPr>
+          <p:cNvSpPr/>
+          <p:nvPr/>
+        </p:nvSpPr>
+        <p:spPr>
+          <a:xfrm>
+            <a:off x="917057" y="858492"/>
+            <a:ext cx="8109983" cy="1050464"/>
+          </a:xfrm>
+          <a:prstGeom prst="rect">
+            <a:avLst/>
+          </a:prstGeom>
+          <a:ln w="28575"/>
+          <a:effectLst>
+            <a:outerShdw blurRad="50800" dist="38100" dir="18900000" algn="bl" rotWithShape="0">
+              <a:prstClr val="black">
+                <a:alpha val="40000"/>
+              </a:prstClr>
+            </a:outerShdw>
+          </a:effectLst>
+        </p:spPr>
+        <p:style>
+          <a:lnRef idx="2">
+            <a:schemeClr val="dk1"/>
+          </a:lnRef>
+          <a:fillRef idx="1">
+            <a:schemeClr val="lt1"/>
+          </a:fillRef>
+          <a:effectRef idx="0">
+            <a:schemeClr val="dk1"/>
+          </a:effectRef>
+          <a:fontRef idx="minor">
+            <a:schemeClr val="dk1"/>
+          </a:fontRef>
+        </p:style>
+        <p:txBody>
+          <a:bodyPr rtlCol="0" anchor="ctr"/>
+          <a:lstStyle/>
+          <a:p>
+            <a:pPr algn="ctr"/>
+            <a:endParaRPr lang="ru-RU"/>
+          </a:p>
+        </p:txBody>
+      </p:sp>
+      <p:sp>
+        <p:nvSpPr>
           <p:cNvPr id="2" name="Заголовок 1">
             <a:extLst>
               <a:ext uri="{FF2B5EF4-FFF2-40B4-BE49-F238E27FC236}">
@@ -4410,7 +4514,7 @@
         </p:blipFill>
         <p:spPr>
           <a:xfrm>
-            <a:off x="1678648" y="1265275"/>
+            <a:off x="1232079" y="991065"/>
             <a:ext cx="5411767" cy="760006"/>
           </a:xfrm>
           <a:prstGeom prst="rect">
@@ -4420,10 +4524,10 @@
       </p:pic>
       <p:pic>
         <p:nvPicPr>
-          <p:cNvPr id="9" name="Рисунок 8">
-            <a:extLst>
-              <a:ext uri="{FF2B5EF4-FFF2-40B4-BE49-F238E27FC236}">
-                <a16:creationId xmlns:a16="http://schemas.microsoft.com/office/drawing/2014/main" id="{F497DB79-A460-433D-84A8-B407E25C4E9C}"/>
+          <p:cNvPr id="10" name="Рисунок 9">
+            <a:extLst>
+              <a:ext uri="{FF2B5EF4-FFF2-40B4-BE49-F238E27FC236}">
+                <a16:creationId xmlns:a16="http://schemas.microsoft.com/office/drawing/2014/main" id="{8EB5AC82-ED18-4E9C-9BDB-F4FC133D4278}"/>
               </a:ext>
             </a:extLst>
           </p:cNvPr>
@@ -4440,14 +4544,84 @@
         </p:blipFill>
         <p:spPr>
           <a:xfrm>
-            <a:off x="1678648" y="2313066"/>
-            <a:ext cx="5610225" cy="3990975"/>
+            <a:off x="863484" y="2120541"/>
+            <a:ext cx="8067675" cy="4143375"/>
           </a:xfrm>
           <a:prstGeom prst="rect">
             <a:avLst/>
           </a:prstGeom>
         </p:spPr>
       </p:pic>
+      <p:sp>
+        <p:nvSpPr>
+          <p:cNvPr id="11" name="TextBox 10">
+            <a:extLst>
+              <a:ext uri="{FF2B5EF4-FFF2-40B4-BE49-F238E27FC236}">
+                <a16:creationId xmlns:a16="http://schemas.microsoft.com/office/drawing/2014/main" id="{C9EC3931-2665-4916-8F52-CB183BBC1666}"/>
+              </a:ext>
+            </a:extLst>
+          </p:cNvPr>
+          <p:cNvSpPr txBox="1"/>
+          <p:nvPr/>
+        </p:nvSpPr>
+        <p:spPr>
+          <a:xfrm>
+            <a:off x="6615802" y="1186402"/>
+            <a:ext cx="2411238" cy="369332"/>
+          </a:xfrm>
+          <a:prstGeom prst="rect">
+            <a:avLst/>
+          </a:prstGeom>
+          <a:noFill/>
+        </p:spPr>
+        <p:txBody>
+          <a:bodyPr wrap="none" rtlCol="0">
+            <a:spAutoFit/>
+          </a:bodyPr>
+          <a:lstStyle/>
+          <a:p>
+            <a:r>
+              <a:rPr lang="ru-RU" dirty="0"/>
+              <a:t>РДПД верхнего уровня</a:t>
+            </a:r>
+          </a:p>
+        </p:txBody>
+      </p:sp>
+      <p:sp>
+        <p:nvSpPr>
+          <p:cNvPr id="15" name="TextBox 14">
+            <a:extLst>
+              <a:ext uri="{FF2B5EF4-FFF2-40B4-BE49-F238E27FC236}">
+                <a16:creationId xmlns:a16="http://schemas.microsoft.com/office/drawing/2014/main" id="{5BCBEBB8-EE81-410A-804C-5425F129530C}"/>
+              </a:ext>
+            </a:extLst>
+          </p:cNvPr>
+          <p:cNvSpPr txBox="1"/>
+          <p:nvPr/>
+        </p:nvSpPr>
+        <p:spPr>
+          <a:xfrm>
+            <a:off x="6020380" y="5278731"/>
+            <a:ext cx="2495042" cy="369332"/>
+          </a:xfrm>
+          <a:prstGeom prst="rect">
+            <a:avLst/>
+          </a:prstGeom>
+          <a:noFill/>
+        </p:spPr>
+        <p:txBody>
+          <a:bodyPr wrap="none" rtlCol="0">
+            <a:spAutoFit/>
+          </a:bodyPr>
+          <a:lstStyle/>
+          <a:p>
+            <a:r>
+              <a:rPr lang="ru-RU" dirty="0"/>
+              <a:t>Детализирующая РДПД</a:t>
+            </a:r>
+          </a:p>
+        </p:txBody>
+      </p:sp>
     </p:spTree>
     <p:extLst>
       <p:ext uri="{BB962C8B-B14F-4D97-AF65-F5344CB8AC3E}">
@@ -4480,6 +4654,231 @@
       </p:grpSpPr>
       <p:sp>
         <p:nvSpPr>
+          <p:cNvPr id="12" name="Стрелка: вниз 11">
+            <a:extLst>
+              <a:ext uri="{FF2B5EF4-FFF2-40B4-BE49-F238E27FC236}">
+                <a16:creationId xmlns:a16="http://schemas.microsoft.com/office/drawing/2014/main" id="{69536337-0C35-4248-AB00-BF842C759A01}"/>
+              </a:ext>
+            </a:extLst>
+          </p:cNvPr>
+          <p:cNvSpPr/>
+          <p:nvPr/>
+        </p:nvSpPr>
+        <p:spPr>
+          <a:xfrm rot="18605327" flipH="1">
+            <a:off x="6402785" y="794711"/>
+            <a:ext cx="484632" cy="2053945"/>
+          </a:xfrm>
+          <a:prstGeom prst="downArrow">
+            <a:avLst/>
+          </a:prstGeom>
+          <a:ln w="28575"/>
+        </p:spPr>
+        <p:style>
+          <a:lnRef idx="2">
+            <a:schemeClr val="accent1"/>
+          </a:lnRef>
+          <a:fillRef idx="1">
+            <a:schemeClr val="lt1"/>
+          </a:fillRef>
+          <a:effectRef idx="0">
+            <a:schemeClr val="accent1"/>
+          </a:effectRef>
+          <a:fontRef idx="minor">
+            <a:schemeClr val="dk1"/>
+          </a:fontRef>
+        </p:style>
+        <p:txBody>
+          <a:bodyPr rtlCol="0" anchor="ctr"/>
+          <a:lstStyle/>
+          <a:p>
+            <a:pPr algn="ctr"/>
+            <a:endParaRPr lang="ru-RU"/>
+          </a:p>
+        </p:txBody>
+      </p:sp>
+      <p:sp>
+        <p:nvSpPr>
+          <p:cNvPr id="11" name="Стрелка: вниз 10">
+            <a:extLst>
+              <a:ext uri="{FF2B5EF4-FFF2-40B4-BE49-F238E27FC236}">
+                <a16:creationId xmlns:a16="http://schemas.microsoft.com/office/drawing/2014/main" id="{4200621A-07E4-4DAE-97FD-BBC958D7C5F2}"/>
+              </a:ext>
+            </a:extLst>
+          </p:cNvPr>
+          <p:cNvSpPr/>
+          <p:nvPr/>
+        </p:nvSpPr>
+        <p:spPr>
+          <a:xfrm rot="20621313" flipH="1">
+            <a:off x="5766243" y="1525994"/>
+            <a:ext cx="484632" cy="2306315"/>
+          </a:xfrm>
+          <a:prstGeom prst="downArrow">
+            <a:avLst/>
+          </a:prstGeom>
+          <a:ln w="28575"/>
+        </p:spPr>
+        <p:style>
+          <a:lnRef idx="2">
+            <a:schemeClr val="accent1"/>
+          </a:lnRef>
+          <a:fillRef idx="1">
+            <a:schemeClr val="lt1"/>
+          </a:fillRef>
+          <a:effectRef idx="0">
+            <a:schemeClr val="accent1"/>
+          </a:effectRef>
+          <a:fontRef idx="minor">
+            <a:schemeClr val="dk1"/>
+          </a:fontRef>
+        </p:style>
+        <p:txBody>
+          <a:bodyPr rtlCol="0" anchor="ctr"/>
+          <a:lstStyle/>
+          <a:p>
+            <a:pPr algn="ctr"/>
+            <a:endParaRPr lang="ru-RU"/>
+          </a:p>
+        </p:txBody>
+      </p:sp>
+      <p:sp>
+        <p:nvSpPr>
+          <p:cNvPr id="10" name="Стрелка: вниз 9">
+            <a:extLst>
+              <a:ext uri="{FF2B5EF4-FFF2-40B4-BE49-F238E27FC236}">
+                <a16:creationId xmlns:a16="http://schemas.microsoft.com/office/drawing/2014/main" id="{4624CF0B-E6A7-4950-A8BF-EDAF7554099D}"/>
+              </a:ext>
+            </a:extLst>
+          </p:cNvPr>
+          <p:cNvSpPr/>
+          <p:nvPr/>
+        </p:nvSpPr>
+        <p:spPr>
+          <a:xfrm>
+            <a:off x="4598636" y="1502100"/>
+            <a:ext cx="484632" cy="2662433"/>
+          </a:xfrm>
+          <a:prstGeom prst="downArrow">
+            <a:avLst/>
+          </a:prstGeom>
+          <a:ln w="28575"/>
+        </p:spPr>
+        <p:style>
+          <a:lnRef idx="2">
+            <a:schemeClr val="accent1"/>
+          </a:lnRef>
+          <a:fillRef idx="1">
+            <a:schemeClr val="lt1"/>
+          </a:fillRef>
+          <a:effectRef idx="0">
+            <a:schemeClr val="accent1"/>
+          </a:effectRef>
+          <a:fontRef idx="minor">
+            <a:schemeClr val="dk1"/>
+          </a:fontRef>
+        </p:style>
+        <p:txBody>
+          <a:bodyPr rtlCol="0" anchor="ctr"/>
+          <a:lstStyle/>
+          <a:p>
+            <a:pPr algn="ctr"/>
+            <a:endParaRPr lang="ru-RU"/>
+          </a:p>
+        </p:txBody>
+      </p:sp>
+      <p:sp>
+        <p:nvSpPr>
+          <p:cNvPr id="9" name="Стрелка: вниз 8">
+            <a:extLst>
+              <a:ext uri="{FF2B5EF4-FFF2-40B4-BE49-F238E27FC236}">
+                <a16:creationId xmlns:a16="http://schemas.microsoft.com/office/drawing/2014/main" id="{6B7E5C50-6B9D-4647-9CD7-55383AF47C95}"/>
+              </a:ext>
+            </a:extLst>
+          </p:cNvPr>
+          <p:cNvSpPr/>
+          <p:nvPr/>
+        </p:nvSpPr>
+        <p:spPr>
+          <a:xfrm rot="978687">
+            <a:off x="3397671" y="1524823"/>
+            <a:ext cx="484632" cy="2252567"/>
+          </a:xfrm>
+          <a:prstGeom prst="downArrow">
+            <a:avLst/>
+          </a:prstGeom>
+          <a:ln w="28575"/>
+        </p:spPr>
+        <p:style>
+          <a:lnRef idx="2">
+            <a:schemeClr val="accent1"/>
+          </a:lnRef>
+          <a:fillRef idx="1">
+            <a:schemeClr val="lt1"/>
+          </a:fillRef>
+          <a:effectRef idx="0">
+            <a:schemeClr val="accent1"/>
+          </a:effectRef>
+          <a:fontRef idx="minor">
+            <a:schemeClr val="dk1"/>
+          </a:fontRef>
+        </p:style>
+        <p:txBody>
+          <a:bodyPr rtlCol="0" anchor="ctr"/>
+          <a:lstStyle/>
+          <a:p>
+            <a:pPr algn="ctr"/>
+            <a:endParaRPr lang="ru-RU"/>
+          </a:p>
+        </p:txBody>
+      </p:sp>
+      <p:sp>
+        <p:nvSpPr>
+          <p:cNvPr id="6" name="Стрелка: вниз 5">
+            <a:extLst>
+              <a:ext uri="{FF2B5EF4-FFF2-40B4-BE49-F238E27FC236}">
+                <a16:creationId xmlns:a16="http://schemas.microsoft.com/office/drawing/2014/main" id="{D960312F-DCC8-4E0B-B6E1-F442C357F947}"/>
+              </a:ext>
+            </a:extLst>
+          </p:cNvPr>
+          <p:cNvSpPr/>
+          <p:nvPr/>
+        </p:nvSpPr>
+        <p:spPr>
+          <a:xfrm rot="2994673">
+            <a:off x="2722646" y="794709"/>
+            <a:ext cx="484632" cy="2053945"/>
+          </a:xfrm>
+          <a:prstGeom prst="downArrow">
+            <a:avLst/>
+          </a:prstGeom>
+          <a:ln w="28575"/>
+        </p:spPr>
+        <p:style>
+          <a:lnRef idx="2">
+            <a:schemeClr val="accent1"/>
+          </a:lnRef>
+          <a:fillRef idx="1">
+            <a:schemeClr val="lt1"/>
+          </a:fillRef>
+          <a:effectRef idx="0">
+            <a:schemeClr val="accent1"/>
+          </a:effectRef>
+          <a:fontRef idx="minor">
+            <a:schemeClr val="dk1"/>
+          </a:fontRef>
+        </p:style>
+        <p:txBody>
+          <a:bodyPr rtlCol="0" anchor="ctr"/>
+          <a:lstStyle/>
+          <a:p>
+            <a:pPr algn="ctr"/>
+            <a:endParaRPr lang="ru-RU"/>
+          </a:p>
+        </p:txBody>
+      </p:sp>
+      <p:sp>
+        <p:nvSpPr>
           <p:cNvPr id="2" name="Заголовок 1"/>
           <p:cNvSpPr>
             <a:spLocks noGrp="1"/>
@@ -4532,6 +4931,738 @@
           </a:p>
         </p:txBody>
       </p:sp>
+      <p:sp>
+        <p:nvSpPr>
+          <p:cNvPr id="3" name="Блок-схема: типовой процесс 2">
+            <a:extLst>
+              <a:ext uri="{FF2B5EF4-FFF2-40B4-BE49-F238E27FC236}">
+                <a16:creationId xmlns:a16="http://schemas.microsoft.com/office/drawing/2014/main" id="{EB7F03B8-9108-4C09-ACB0-658E2C2FE450}"/>
+              </a:ext>
+            </a:extLst>
+          </p:cNvPr>
+          <p:cNvSpPr/>
+          <p:nvPr/>
+        </p:nvSpPr>
+        <p:spPr>
+          <a:xfrm>
+            <a:off x="3496252" y="974954"/>
+            <a:ext cx="2631559" cy="687014"/>
+          </a:xfrm>
+          <a:prstGeom prst="flowChartPredefinedProcess">
+            <a:avLst/>
+          </a:prstGeom>
+          <a:solidFill>
+            <a:schemeClr val="accent1">
+              <a:lumMod val="20000"/>
+              <a:lumOff val="80000"/>
+            </a:schemeClr>
+          </a:solidFill>
+          <a:ln w="38100"/>
+        </p:spPr>
+        <p:style>
+          <a:lnRef idx="2">
+            <a:schemeClr val="accent1"/>
+          </a:lnRef>
+          <a:fillRef idx="1">
+            <a:schemeClr val="lt1"/>
+          </a:fillRef>
+          <a:effectRef idx="0">
+            <a:schemeClr val="accent1"/>
+          </a:effectRef>
+          <a:fontRef idx="minor">
+            <a:schemeClr val="dk1"/>
+          </a:fontRef>
+        </p:style>
+        <p:txBody>
+          <a:bodyPr rtlCol="0" anchor="ctr"/>
+          <a:lstStyle/>
+          <a:p>
+            <a:pPr algn="ctr"/>
+            <a:r>
+              <a:rPr lang="ru-RU" sz="2000" dirty="0">
+                <a:latin typeface="Times New Roman" panose="02020603050405020304" pitchFamily="18" charset="0"/>
+                <a:cs typeface="Times New Roman" panose="02020603050405020304" pitchFamily="18" charset="0"/>
+              </a:rPr>
+              <a:t>Модель задачи диагностики</a:t>
+            </a:r>
+          </a:p>
+        </p:txBody>
+      </p:sp>
+      <p:graphicFrame>
+        <p:nvGraphicFramePr>
+          <p:cNvPr id="14" name="Таблица 13">
+            <a:extLst>
+              <a:ext uri="{FF2B5EF4-FFF2-40B4-BE49-F238E27FC236}">
+                <a16:creationId xmlns:a16="http://schemas.microsoft.com/office/drawing/2014/main" id="{D30D1BD8-404F-4C35-A867-2612B87EB0A6}"/>
+              </a:ext>
+            </a:extLst>
+          </p:cNvPr>
+          <p:cNvGraphicFramePr>
+            <a:graphicFrameLocks noGrp="1"/>
+          </p:cNvGraphicFramePr>
+          <p:nvPr>
+            <p:extLst>
+              <p:ext uri="{D42A27DB-BD31-4B8C-83A1-F6EECF244321}">
+                <p14:modId xmlns:p14="http://schemas.microsoft.com/office/powerpoint/2010/main" val="912756375"/>
+              </p:ext>
+            </p:extLst>
+          </p:nvPr>
+        </p:nvGraphicFramePr>
+        <p:xfrm>
+          <a:off x="464888" y="2562335"/>
+          <a:ext cx="2372532" cy="994908"/>
+        </p:xfrm>
+        <a:graphic>
+          <a:graphicData uri="http://schemas.openxmlformats.org/drawingml/2006/table">
+            <a:tbl>
+              <a:tblPr firstRow="1" bandRow="1">
+                <a:tableStyleId>{5A111915-BE36-4E01-A7E5-04B1672EAD32}</a:tableStyleId>
+              </a:tblPr>
+              <a:tblGrid>
+                <a:gridCol w="2372532">
+                  <a:extLst>
+                    <a:ext uri="{9D8B030D-6E8A-4147-A177-3AD203B41FA5}">
+                      <a16:colId xmlns:a16="http://schemas.microsoft.com/office/drawing/2014/main" val="1349256452"/>
+                    </a:ext>
+                  </a:extLst>
+                </a:gridCol>
+              </a:tblGrid>
+              <a:tr h="319088">
+                <a:tc>
+                  <a:txBody>
+                    <a:bodyPr/>
+                    <a:lstStyle/>
+                    <a:p>
+                      <a:r>
+                        <a:rPr lang="ru-RU" sz="1400" b="0" dirty="0">
+                          <a:latin typeface="Times New Roman" panose="02020603050405020304" pitchFamily="18" charset="0"/>
+                          <a:cs typeface="Times New Roman" panose="02020603050405020304" pitchFamily="18" charset="0"/>
+                        </a:rPr>
+                        <a:t>Диагностируемый объект</a:t>
+                      </a:r>
+                    </a:p>
+                  </a:txBody>
+                  <a:tcPr/>
+                </a:tc>
+                <a:extLst>
+                  <a:ext uri="{0D108BD9-81ED-4DB2-BD59-A6C34878D82A}">
+                    <a16:rowId xmlns:a16="http://schemas.microsoft.com/office/drawing/2014/main" val="1975612644"/>
+                  </a:ext>
+                </a:extLst>
+              </a:tr>
+              <a:tr h="675820">
+                <a:tc>
+                  <a:txBody>
+                    <a:bodyPr/>
+                    <a:lstStyle/>
+                    <a:p>
+                      <a:r>
+                        <a:rPr lang="ru-RU" sz="1600" dirty="0">
+                          <a:latin typeface="Times New Roman" panose="02020603050405020304" pitchFamily="18" charset="0"/>
+                          <a:cs typeface="Times New Roman" panose="02020603050405020304" pitchFamily="18" charset="0"/>
+                        </a:rPr>
+                        <a:t>Образование в молочной железе</a:t>
+                      </a:r>
+                    </a:p>
+                  </a:txBody>
+                  <a:tcPr/>
+                </a:tc>
+                <a:extLst>
+                  <a:ext uri="{0D108BD9-81ED-4DB2-BD59-A6C34878D82A}">
+                    <a16:rowId xmlns:a16="http://schemas.microsoft.com/office/drawing/2014/main" val="2738651601"/>
+                  </a:ext>
+                </a:extLst>
+              </a:tr>
+            </a:tbl>
+          </a:graphicData>
+        </a:graphic>
+      </p:graphicFrame>
+      <p:graphicFrame>
+        <p:nvGraphicFramePr>
+          <p:cNvPr id="16" name="Таблица 15">
+            <a:extLst>
+              <a:ext uri="{FF2B5EF4-FFF2-40B4-BE49-F238E27FC236}">
+                <a16:creationId xmlns:a16="http://schemas.microsoft.com/office/drawing/2014/main" id="{DDCA654A-6EED-48F7-ACFC-8E355641BC31}"/>
+              </a:ext>
+            </a:extLst>
+          </p:cNvPr>
+          <p:cNvGraphicFramePr>
+            <a:graphicFrameLocks noGrp="1"/>
+          </p:cNvGraphicFramePr>
+          <p:nvPr>
+            <p:extLst>
+              <p:ext uri="{D42A27DB-BD31-4B8C-83A1-F6EECF244321}">
+                <p14:modId xmlns:p14="http://schemas.microsoft.com/office/powerpoint/2010/main" val="286993330"/>
+              </p:ext>
+            </p:extLst>
+          </p:nvPr>
+        </p:nvGraphicFramePr>
+        <p:xfrm>
+          <a:off x="1077274" y="3757581"/>
+          <a:ext cx="2372532" cy="2031013"/>
+        </p:xfrm>
+        <a:graphic>
+          <a:graphicData uri="http://schemas.openxmlformats.org/drawingml/2006/table">
+            <a:tbl>
+              <a:tblPr firstRow="1" bandRow="1">
+                <a:tableStyleId>{5A111915-BE36-4E01-A7E5-04B1672EAD32}</a:tableStyleId>
+              </a:tblPr>
+              <a:tblGrid>
+                <a:gridCol w="2372532">
+                  <a:extLst>
+                    <a:ext uri="{9D8B030D-6E8A-4147-A177-3AD203B41FA5}">
+                      <a16:colId xmlns:a16="http://schemas.microsoft.com/office/drawing/2014/main" val="1349256452"/>
+                    </a:ext>
+                  </a:extLst>
+                </a:gridCol>
+              </a:tblGrid>
+              <a:tr h="354613">
+                <a:tc>
+                  <a:txBody>
+                    <a:bodyPr/>
+                    <a:lstStyle/>
+                    <a:p>
+                      <a:r>
+                        <a:rPr lang="ru-RU" sz="1400" b="0" dirty="0">
+                          <a:latin typeface="Times New Roman" panose="02020603050405020304" pitchFamily="18" charset="0"/>
+                          <a:cs typeface="Times New Roman" panose="02020603050405020304" pitchFamily="18" charset="0"/>
+                        </a:rPr>
+                        <a:t>Множество симптомов</a:t>
+                      </a:r>
+                    </a:p>
+                  </a:txBody>
+                  <a:tcPr/>
+                </a:tc>
+                <a:extLst>
+                  <a:ext uri="{0D108BD9-81ED-4DB2-BD59-A6C34878D82A}">
+                    <a16:rowId xmlns:a16="http://schemas.microsoft.com/office/drawing/2014/main" val="1975612644"/>
+                  </a:ext>
+                </a:extLst>
+              </a:tr>
+              <a:tr h="305429">
+                <a:tc>
+                  <a:txBody>
+                    <a:bodyPr/>
+                    <a:lstStyle/>
+                    <a:p>
+                      <a:r>
+                        <a:rPr lang="ru-RU" sz="1600" dirty="0">
+                          <a:latin typeface="Times New Roman" panose="02020603050405020304" pitchFamily="18" charset="0"/>
+                          <a:cs typeface="Times New Roman" panose="02020603050405020304" pitchFamily="18" charset="0"/>
+                        </a:rPr>
+                        <a:t>Эхоструктура</a:t>
+                      </a:r>
+                    </a:p>
+                  </a:txBody>
+                  <a:tcPr/>
+                </a:tc>
+                <a:extLst>
+                  <a:ext uri="{0D108BD9-81ED-4DB2-BD59-A6C34878D82A}">
+                    <a16:rowId xmlns:a16="http://schemas.microsoft.com/office/drawing/2014/main" val="2738651601"/>
+                  </a:ext>
+                </a:extLst>
+              </a:tr>
+              <a:tr h="305429">
+                <a:tc>
+                  <a:txBody>
+                    <a:bodyPr/>
+                    <a:lstStyle/>
+                    <a:p>
+                      <a:r>
+                        <a:rPr lang="ru-RU" sz="1600" dirty="0">
+                          <a:latin typeface="Times New Roman" panose="02020603050405020304" pitchFamily="18" charset="0"/>
+                          <a:cs typeface="Times New Roman" panose="02020603050405020304" pitchFamily="18" charset="0"/>
+                        </a:rPr>
+                        <a:t>Эхогенность</a:t>
+                      </a:r>
+                    </a:p>
+                  </a:txBody>
+                  <a:tcPr/>
+                </a:tc>
+                <a:extLst>
+                  <a:ext uri="{0D108BD9-81ED-4DB2-BD59-A6C34878D82A}">
+                    <a16:rowId xmlns:a16="http://schemas.microsoft.com/office/drawing/2014/main" val="961168654"/>
+                  </a:ext>
+                </a:extLst>
+              </a:tr>
+              <a:tr h="305429">
+                <a:tc>
+                  <a:txBody>
+                    <a:bodyPr/>
+                    <a:lstStyle/>
+                    <a:p>
+                      <a:r>
+                        <a:rPr lang="ru-RU" sz="1600" dirty="0">
+                          <a:latin typeface="Times New Roman" panose="02020603050405020304" pitchFamily="18" charset="0"/>
+                          <a:cs typeface="Times New Roman" panose="02020603050405020304" pitchFamily="18" charset="0"/>
+                        </a:rPr>
+                        <a:t>Форма</a:t>
+                      </a:r>
+                    </a:p>
+                  </a:txBody>
+                  <a:tcPr/>
+                </a:tc>
+                <a:extLst>
+                  <a:ext uri="{0D108BD9-81ED-4DB2-BD59-A6C34878D82A}">
+                    <a16:rowId xmlns:a16="http://schemas.microsoft.com/office/drawing/2014/main" val="1597883752"/>
+                  </a:ext>
+                </a:extLst>
+              </a:tr>
+              <a:tr h="305429">
+                <a:tc>
+                  <a:txBody>
+                    <a:bodyPr/>
+                    <a:lstStyle/>
+                    <a:p>
+                      <a:r>
+                        <a:rPr lang="ru-RU" sz="1600" dirty="0">
+                          <a:latin typeface="Times New Roman" panose="02020603050405020304" pitchFamily="18" charset="0"/>
+                          <a:cs typeface="Times New Roman" panose="02020603050405020304" pitchFamily="18" charset="0"/>
+                        </a:rPr>
+                        <a:t>Контур</a:t>
+                      </a:r>
+                    </a:p>
+                  </a:txBody>
+                  <a:tcPr/>
+                </a:tc>
+                <a:extLst>
+                  <a:ext uri="{0D108BD9-81ED-4DB2-BD59-A6C34878D82A}">
+                    <a16:rowId xmlns:a16="http://schemas.microsoft.com/office/drawing/2014/main" val="1194591036"/>
+                  </a:ext>
+                </a:extLst>
+              </a:tr>
+              <a:tr h="305429">
+                <a:tc>
+                  <a:txBody>
+                    <a:bodyPr/>
+                    <a:lstStyle/>
+                    <a:p>
+                      <a:r>
+                        <a:rPr lang="ru-RU" sz="1600" dirty="0">
+                          <a:latin typeface="Times New Roman" panose="02020603050405020304" pitchFamily="18" charset="0"/>
+                          <a:cs typeface="Times New Roman" panose="02020603050405020304" pitchFamily="18" charset="0"/>
+                        </a:rPr>
+                        <a:t>…</a:t>
+                      </a:r>
+                    </a:p>
+                  </a:txBody>
+                  <a:tcPr/>
+                </a:tc>
+                <a:extLst>
+                  <a:ext uri="{0D108BD9-81ED-4DB2-BD59-A6C34878D82A}">
+                    <a16:rowId xmlns:a16="http://schemas.microsoft.com/office/drawing/2014/main" val="3825993850"/>
+                  </a:ext>
+                </a:extLst>
+              </a:tr>
+            </a:tbl>
+          </a:graphicData>
+        </a:graphic>
+      </p:graphicFrame>
+      <p:graphicFrame>
+        <p:nvGraphicFramePr>
+          <p:cNvPr id="17" name="Таблица 16">
+            <a:extLst>
+              <a:ext uri="{FF2B5EF4-FFF2-40B4-BE49-F238E27FC236}">
+                <a16:creationId xmlns:a16="http://schemas.microsoft.com/office/drawing/2014/main" id="{3F252F72-AA71-45F5-BB7F-C33A3BA9355C}"/>
+              </a:ext>
+            </a:extLst>
+          </p:cNvPr>
+          <p:cNvGraphicFramePr>
+            <a:graphicFrameLocks noGrp="1"/>
+          </p:cNvGraphicFramePr>
+          <p:nvPr>
+            <p:extLst>
+              <p:ext uri="{D42A27DB-BD31-4B8C-83A1-F6EECF244321}">
+                <p14:modId xmlns:p14="http://schemas.microsoft.com/office/powerpoint/2010/main" val="3671288243"/>
+              </p:ext>
+            </p:extLst>
+          </p:nvPr>
+        </p:nvGraphicFramePr>
+        <p:xfrm>
+          <a:off x="3821197" y="4206698"/>
+          <a:ext cx="2039510" cy="1904151"/>
+        </p:xfrm>
+        <a:graphic>
+          <a:graphicData uri="http://schemas.openxmlformats.org/drawingml/2006/table">
+            <a:tbl>
+              <a:tblPr firstRow="1" bandRow="1">
+                <a:tableStyleId>{5A111915-BE36-4E01-A7E5-04B1672EAD32}</a:tableStyleId>
+              </a:tblPr>
+              <a:tblGrid>
+                <a:gridCol w="2039510">
+                  <a:extLst>
+                    <a:ext uri="{9D8B030D-6E8A-4147-A177-3AD203B41FA5}">
+                      <a16:colId xmlns:a16="http://schemas.microsoft.com/office/drawing/2014/main" val="1349256452"/>
+                    </a:ext>
+                  </a:extLst>
+                </a:gridCol>
+              </a:tblGrid>
+              <a:tr h="319191">
+                <a:tc>
+                  <a:txBody>
+                    <a:bodyPr/>
+                    <a:lstStyle/>
+                    <a:p>
+                      <a:r>
+                        <a:rPr lang="ru-RU" sz="1400" b="0" dirty="0">
+                          <a:latin typeface="Times New Roman" panose="02020603050405020304" pitchFamily="18" charset="0"/>
+                          <a:cs typeface="Times New Roman" panose="02020603050405020304" pitchFamily="18" charset="0"/>
+                        </a:rPr>
+                        <a:t>Множество диагнозов</a:t>
+                      </a:r>
+                    </a:p>
+                  </a:txBody>
+                  <a:tcPr/>
+                </a:tc>
+                <a:extLst>
+                  <a:ext uri="{0D108BD9-81ED-4DB2-BD59-A6C34878D82A}">
+                    <a16:rowId xmlns:a16="http://schemas.microsoft.com/office/drawing/2014/main" val="1975612644"/>
+                  </a:ext>
+                </a:extLst>
+              </a:tr>
+              <a:tr h="294600">
+                <a:tc>
+                  <a:txBody>
+                    <a:bodyPr/>
+                    <a:lstStyle/>
+                    <a:p>
+                      <a:r>
+                        <a:rPr lang="ru-RU" sz="1600" dirty="0">
+                          <a:latin typeface="Times New Roman" panose="02020603050405020304" pitchFamily="18" charset="0"/>
+                          <a:cs typeface="Times New Roman" panose="02020603050405020304" pitchFamily="18" charset="0"/>
+                        </a:rPr>
+                        <a:t>Доброкачественное</a:t>
+                      </a:r>
+                    </a:p>
+                  </a:txBody>
+                  <a:tcPr/>
+                </a:tc>
+                <a:extLst>
+                  <a:ext uri="{0D108BD9-81ED-4DB2-BD59-A6C34878D82A}">
+                    <a16:rowId xmlns:a16="http://schemas.microsoft.com/office/drawing/2014/main" val="2738651601"/>
+                  </a:ext>
+                </a:extLst>
+              </a:tr>
+              <a:tr h="508854">
+                <a:tc>
+                  <a:txBody>
+                    <a:bodyPr/>
+                    <a:lstStyle/>
+                    <a:p>
+                      <a:r>
+                        <a:rPr lang="ru-RU" sz="1600" dirty="0">
+                          <a:latin typeface="Times New Roman" panose="02020603050405020304" pitchFamily="18" charset="0"/>
+                          <a:cs typeface="Times New Roman" panose="02020603050405020304" pitchFamily="18" charset="0"/>
+                        </a:rPr>
+                        <a:t>Без подозрений на злокачественное</a:t>
+                      </a:r>
+                    </a:p>
+                  </a:txBody>
+                  <a:tcPr/>
+                </a:tc>
+                <a:extLst>
+                  <a:ext uri="{0D108BD9-81ED-4DB2-BD59-A6C34878D82A}">
+                    <a16:rowId xmlns:a16="http://schemas.microsoft.com/office/drawing/2014/main" val="961168654"/>
+                  </a:ext>
+                </a:extLst>
+              </a:tr>
+              <a:tr h="294600">
+                <a:tc>
+                  <a:txBody>
+                    <a:bodyPr/>
+                    <a:lstStyle/>
+                    <a:p>
+                      <a:r>
+                        <a:rPr lang="ru-RU" sz="1600" dirty="0">
+                          <a:latin typeface="Times New Roman" panose="02020603050405020304" pitchFamily="18" charset="0"/>
+                          <a:cs typeface="Times New Roman" panose="02020603050405020304" pitchFamily="18" charset="0"/>
+                        </a:rPr>
+                        <a:t>Подозрительное</a:t>
+                      </a:r>
+                    </a:p>
+                  </a:txBody>
+                  <a:tcPr/>
+                </a:tc>
+                <a:extLst>
+                  <a:ext uri="{0D108BD9-81ED-4DB2-BD59-A6C34878D82A}">
+                    <a16:rowId xmlns:a16="http://schemas.microsoft.com/office/drawing/2014/main" val="1597883752"/>
+                  </a:ext>
+                </a:extLst>
+              </a:tr>
+              <a:tr h="263359">
+                <a:tc>
+                  <a:txBody>
+                    <a:bodyPr/>
+                    <a:lstStyle/>
+                    <a:p>
+                      <a:r>
+                        <a:rPr lang="ru-RU" sz="1600" dirty="0">
+                          <a:latin typeface="Times New Roman" panose="02020603050405020304" pitchFamily="18" charset="0"/>
+                          <a:cs typeface="Times New Roman" panose="02020603050405020304" pitchFamily="18" charset="0"/>
+                        </a:rPr>
+                        <a:t>…</a:t>
+                      </a:r>
+                    </a:p>
+                  </a:txBody>
+                  <a:tcPr/>
+                </a:tc>
+                <a:extLst>
+                  <a:ext uri="{0D108BD9-81ED-4DB2-BD59-A6C34878D82A}">
+                    <a16:rowId xmlns:a16="http://schemas.microsoft.com/office/drawing/2014/main" val="1194591036"/>
+                  </a:ext>
+                </a:extLst>
+              </a:tr>
+            </a:tbl>
+          </a:graphicData>
+        </a:graphic>
+      </p:graphicFrame>
+      <p:graphicFrame>
+        <p:nvGraphicFramePr>
+          <p:cNvPr id="18" name="Таблица 17">
+            <a:extLst>
+              <a:ext uri="{FF2B5EF4-FFF2-40B4-BE49-F238E27FC236}">
+                <a16:creationId xmlns:a16="http://schemas.microsoft.com/office/drawing/2014/main" id="{3DA66A8F-082D-4863-9EE5-A8C37945EFAC}"/>
+              </a:ext>
+            </a:extLst>
+          </p:cNvPr>
+          <p:cNvGraphicFramePr>
+            <a:graphicFrameLocks noGrp="1"/>
+          </p:cNvGraphicFramePr>
+          <p:nvPr>
+            <p:extLst>
+              <p:ext uri="{D42A27DB-BD31-4B8C-83A1-F6EECF244321}">
+                <p14:modId xmlns:p14="http://schemas.microsoft.com/office/powerpoint/2010/main" val="328057281"/>
+              </p:ext>
+            </p:extLst>
+          </p:nvPr>
+        </p:nvGraphicFramePr>
+        <p:xfrm>
+          <a:off x="6336902" y="3853950"/>
+          <a:ext cx="1807638" cy="2256898"/>
+        </p:xfrm>
+        <a:graphic>
+          <a:graphicData uri="http://schemas.openxmlformats.org/drawingml/2006/table">
+            <a:tbl>
+              <a:tblPr firstRow="1" bandRow="1">
+                <a:tableStyleId>{5A111915-BE36-4E01-A7E5-04B1672EAD32}</a:tableStyleId>
+              </a:tblPr>
+              <a:tblGrid>
+                <a:gridCol w="1807638">
+                  <a:extLst>
+                    <a:ext uri="{9D8B030D-6E8A-4147-A177-3AD203B41FA5}">
+                      <a16:colId xmlns:a16="http://schemas.microsoft.com/office/drawing/2014/main" val="1349256452"/>
+                    </a:ext>
+                  </a:extLst>
+                </a:gridCol>
+              </a:tblGrid>
+              <a:tr h="542798">
+                <a:tc>
+                  <a:txBody>
+                    <a:bodyPr/>
+                    <a:lstStyle/>
+                    <a:p>
+                      <a:r>
+                        <a:rPr lang="ru-RU" sz="1400" b="0" dirty="0">
+                          <a:latin typeface="Times New Roman" panose="02020603050405020304" pitchFamily="18" charset="0"/>
+                          <a:cs typeface="Times New Roman" panose="02020603050405020304" pitchFamily="18" charset="0"/>
+                        </a:rPr>
+                        <a:t>Дифференцирующие признаки</a:t>
+                      </a:r>
+                    </a:p>
+                  </a:txBody>
+                  <a:tcPr/>
+                </a:tc>
+                <a:extLst>
+                  <a:ext uri="{0D108BD9-81ED-4DB2-BD59-A6C34878D82A}">
+                    <a16:rowId xmlns:a16="http://schemas.microsoft.com/office/drawing/2014/main" val="1975612644"/>
+                  </a:ext>
+                </a:extLst>
+              </a:tr>
+              <a:tr h="342820">
+                <a:tc>
+                  <a:txBody>
+                    <a:bodyPr/>
+                    <a:lstStyle/>
+                    <a:p>
+                      <a:r>
+                        <a:rPr lang="ru-RU" sz="1600" dirty="0">
+                          <a:latin typeface="Times New Roman" panose="02020603050405020304" pitchFamily="18" charset="0"/>
+                          <a:cs typeface="Times New Roman" panose="02020603050405020304" pitchFamily="18" charset="0"/>
+                        </a:rPr>
+                        <a:t>Эхогенность</a:t>
+                      </a:r>
+                    </a:p>
+                  </a:txBody>
+                  <a:tcPr/>
+                </a:tc>
+                <a:extLst>
+                  <a:ext uri="{0D108BD9-81ED-4DB2-BD59-A6C34878D82A}">
+                    <a16:rowId xmlns:a16="http://schemas.microsoft.com/office/drawing/2014/main" val="2738651601"/>
+                  </a:ext>
+                </a:extLst>
+              </a:tr>
+              <a:tr h="342820">
+                <a:tc>
+                  <a:txBody>
+                    <a:bodyPr/>
+                    <a:lstStyle/>
+                    <a:p>
+                      <a:r>
+                        <a:rPr lang="ru-RU" sz="1600" dirty="0">
+                          <a:latin typeface="Times New Roman" panose="02020603050405020304" pitchFamily="18" charset="0"/>
+                          <a:cs typeface="Times New Roman" panose="02020603050405020304" pitchFamily="18" charset="0"/>
+                        </a:rPr>
+                        <a:t>Форма</a:t>
+                      </a:r>
+                    </a:p>
+                  </a:txBody>
+                  <a:tcPr/>
+                </a:tc>
+                <a:extLst>
+                  <a:ext uri="{0D108BD9-81ED-4DB2-BD59-A6C34878D82A}">
+                    <a16:rowId xmlns:a16="http://schemas.microsoft.com/office/drawing/2014/main" val="961168654"/>
+                  </a:ext>
+                </a:extLst>
+              </a:tr>
+              <a:tr h="342820">
+                <a:tc>
+                  <a:txBody>
+                    <a:bodyPr/>
+                    <a:lstStyle/>
+                    <a:p>
+                      <a:r>
+                        <a:rPr lang="ru-RU" sz="1600" dirty="0">
+                          <a:latin typeface="Times New Roman" panose="02020603050405020304" pitchFamily="18" charset="0"/>
+                          <a:cs typeface="Times New Roman" panose="02020603050405020304" pitchFamily="18" charset="0"/>
+                        </a:rPr>
+                        <a:t>Включения</a:t>
+                      </a:r>
+                    </a:p>
+                  </a:txBody>
+                  <a:tcPr/>
+                </a:tc>
+                <a:extLst>
+                  <a:ext uri="{0D108BD9-81ED-4DB2-BD59-A6C34878D82A}">
+                    <a16:rowId xmlns:a16="http://schemas.microsoft.com/office/drawing/2014/main" val="1597883752"/>
+                  </a:ext>
+                </a:extLst>
+              </a:tr>
+              <a:tr h="342820">
+                <a:tc>
+                  <a:txBody>
+                    <a:bodyPr/>
+                    <a:lstStyle/>
+                    <a:p>
+                      <a:r>
+                        <a:rPr lang="ru-RU" sz="1600" dirty="0">
+                          <a:latin typeface="Times New Roman" panose="02020603050405020304" pitchFamily="18" charset="0"/>
+                          <a:cs typeface="Times New Roman" panose="02020603050405020304" pitchFamily="18" charset="0"/>
+                        </a:rPr>
+                        <a:t>Размер</a:t>
+                      </a:r>
+                    </a:p>
+                  </a:txBody>
+                  <a:tcPr/>
+                </a:tc>
+                <a:extLst>
+                  <a:ext uri="{0D108BD9-81ED-4DB2-BD59-A6C34878D82A}">
+                    <a16:rowId xmlns:a16="http://schemas.microsoft.com/office/drawing/2014/main" val="1194591036"/>
+                  </a:ext>
+                </a:extLst>
+              </a:tr>
+              <a:tr h="342820">
+                <a:tc>
+                  <a:txBody>
+                    <a:bodyPr/>
+                    <a:lstStyle/>
+                    <a:p>
+                      <a:r>
+                        <a:rPr lang="ru-RU" sz="1600" dirty="0">
+                          <a:latin typeface="Times New Roman" panose="02020603050405020304" pitchFamily="18" charset="0"/>
+                          <a:cs typeface="Times New Roman" panose="02020603050405020304" pitchFamily="18" charset="0"/>
+                        </a:rPr>
+                        <a:t>…</a:t>
+                      </a:r>
+                    </a:p>
+                  </a:txBody>
+                  <a:tcPr/>
+                </a:tc>
+                <a:extLst>
+                  <a:ext uri="{0D108BD9-81ED-4DB2-BD59-A6C34878D82A}">
+                    <a16:rowId xmlns:a16="http://schemas.microsoft.com/office/drawing/2014/main" val="3825993850"/>
+                  </a:ext>
+                </a:extLst>
+              </a:tr>
+            </a:tbl>
+          </a:graphicData>
+        </a:graphic>
+      </p:graphicFrame>
+      <p:graphicFrame>
+        <p:nvGraphicFramePr>
+          <p:cNvPr id="19" name="Таблица 18">
+            <a:extLst>
+              <a:ext uri="{FF2B5EF4-FFF2-40B4-BE49-F238E27FC236}">
+                <a16:creationId xmlns:a16="http://schemas.microsoft.com/office/drawing/2014/main" id="{F66772AD-2596-40FB-ADA8-82FAE5D16DA2}"/>
+              </a:ext>
+            </a:extLst>
+          </p:cNvPr>
+          <p:cNvGraphicFramePr>
+            <a:graphicFrameLocks noGrp="1"/>
+          </p:cNvGraphicFramePr>
+          <p:nvPr>
+            <p:extLst>
+              <p:ext uri="{D42A27DB-BD31-4B8C-83A1-F6EECF244321}">
+                <p14:modId xmlns:p14="http://schemas.microsoft.com/office/powerpoint/2010/main" val="2320008438"/>
+              </p:ext>
+            </p:extLst>
+          </p:nvPr>
+        </p:nvGraphicFramePr>
+        <p:xfrm>
+          <a:off x="7175674" y="2574236"/>
+          <a:ext cx="1807638" cy="518160"/>
+        </p:xfrm>
+        <a:graphic>
+          <a:graphicData uri="http://schemas.openxmlformats.org/drawingml/2006/table">
+            <a:tbl>
+              <a:tblPr firstRow="1" bandRow="1">
+                <a:tableStyleId>{5A111915-BE36-4E01-A7E5-04B1672EAD32}</a:tableStyleId>
+              </a:tblPr>
+              <a:tblGrid>
+                <a:gridCol w="1807638">
+                  <a:extLst>
+                    <a:ext uri="{9D8B030D-6E8A-4147-A177-3AD203B41FA5}">
+                      <a16:colId xmlns:a16="http://schemas.microsoft.com/office/drawing/2014/main" val="1349256452"/>
+                    </a:ext>
+                  </a:extLst>
+                </a:gridCol>
+              </a:tblGrid>
+              <a:tr h="133485">
+                <a:tc>
+                  <a:txBody>
+                    <a:bodyPr/>
+                    <a:lstStyle/>
+                    <a:p>
+                      <a:r>
+                        <a:rPr lang="ru-RU" sz="1400" b="0" dirty="0">
+                          <a:latin typeface="Times New Roman" panose="02020603050405020304" pitchFamily="18" charset="0"/>
+                          <a:cs typeface="Times New Roman" panose="02020603050405020304" pitchFamily="18" charset="0"/>
+                        </a:rPr>
+                        <a:t>Процедуры диагностики</a:t>
+                      </a:r>
+                    </a:p>
+                  </a:txBody>
+                  <a:tcPr/>
+                </a:tc>
+                <a:extLst>
+                  <a:ext uri="{0D108BD9-81ED-4DB2-BD59-A6C34878D82A}">
+                    <a16:rowId xmlns:a16="http://schemas.microsoft.com/office/drawing/2014/main" val="1975612644"/>
+                  </a:ext>
+                </a:extLst>
+              </a:tr>
+            </a:tbl>
+          </a:graphicData>
+        </a:graphic>
+      </p:graphicFrame>
     </p:spTree>
     <p:extLst>
       <p:ext uri="{BB962C8B-B14F-4D97-AF65-F5344CB8AC3E}">
@@ -4562,6 +5693,36 @@
           <a:chExt cx="0" cy="0"/>
         </a:xfrm>
       </p:grpSpPr>
+      <p:pic>
+        <p:nvPicPr>
+          <p:cNvPr id="7" name="Рисунок 6">
+            <a:extLst>
+              <a:ext uri="{FF2B5EF4-FFF2-40B4-BE49-F238E27FC236}">
+                <a16:creationId xmlns:a16="http://schemas.microsoft.com/office/drawing/2014/main" id="{5AA89D5F-EC4D-4AEF-A32D-E412E1581A2F}"/>
+              </a:ext>
+            </a:extLst>
+          </p:cNvPr>
+          <p:cNvPicPr>
+            <a:picLocks noChangeAspect="1"/>
+          </p:cNvPicPr>
+          <p:nvPr/>
+        </p:nvPicPr>
+        <p:blipFill>
+          <a:blip r:embed="rId2"/>
+          <a:stretch>
+            <a:fillRect/>
+          </a:stretch>
+        </p:blipFill>
+        <p:spPr>
+          <a:xfrm>
+            <a:off x="1211582" y="2192477"/>
+            <a:ext cx="7200900" cy="3619500"/>
+          </a:xfrm>
+          <a:prstGeom prst="rect">
+            <a:avLst/>
+          </a:prstGeom>
+        </p:spPr>
+      </p:pic>
       <p:sp>
         <p:nvSpPr>
           <p:cNvPr id="2" name="Заголовок 1"/>
@@ -4616,6 +5777,36 @@
           </a:p>
         </p:txBody>
       </p:sp>
+      <p:pic>
+        <p:nvPicPr>
+          <p:cNvPr id="3" name="Рисунок 2">
+            <a:extLst>
+              <a:ext uri="{FF2B5EF4-FFF2-40B4-BE49-F238E27FC236}">
+                <a16:creationId xmlns:a16="http://schemas.microsoft.com/office/drawing/2014/main" id="{09BF26BC-379A-4937-99D1-BD0F75F4969C}"/>
+              </a:ext>
+            </a:extLst>
+          </p:cNvPr>
+          <p:cNvPicPr>
+            <a:picLocks noChangeAspect="1"/>
+          </p:cNvPicPr>
+          <p:nvPr/>
+        </p:nvPicPr>
+        <p:blipFill>
+          <a:blip r:embed="rId3"/>
+          <a:stretch>
+            <a:fillRect/>
+          </a:stretch>
+        </p:blipFill>
+        <p:spPr>
+          <a:xfrm>
+            <a:off x="1057275" y="1400041"/>
+            <a:ext cx="7458075" cy="1504950"/>
+          </a:xfrm>
+          <a:prstGeom prst="rect">
+            <a:avLst/>
+          </a:prstGeom>
+        </p:spPr>
+      </p:pic>
     </p:spTree>
     <p:extLst>
       <p:ext uri="{BB962C8B-B14F-4D97-AF65-F5344CB8AC3E}">
@@ -7247,6 +8438,40 @@
           </a:p>
         </p:txBody>
       </p:sp>
+      <p:pic>
+        <p:nvPicPr>
+          <p:cNvPr id="12" name="Рисунок 11">
+            <a:extLst>
+              <a:ext uri="{FF2B5EF4-FFF2-40B4-BE49-F238E27FC236}">
+                <a16:creationId xmlns:a16="http://schemas.microsoft.com/office/drawing/2014/main" id="{326BC743-BE1F-4698-A241-AF9133A55965}"/>
+              </a:ext>
+            </a:extLst>
+          </p:cNvPr>
+          <p:cNvPicPr/>
+          <p:nvPr/>
+        </p:nvPicPr>
+        <p:blipFill>
+          <a:blip r:embed="rId2">
+            <a:extLst>
+              <a:ext uri="{28A0092B-C50C-407E-A947-70E740481C1C}">
+                <a14:useLocalDpi xmlns:a14="http://schemas.microsoft.com/office/drawing/2010/main" val="0"/>
+              </a:ext>
+            </a:extLst>
+          </a:blip>
+          <a:stretch>
+            <a:fillRect/>
+          </a:stretch>
+        </p:blipFill>
+        <p:spPr>
+          <a:xfrm>
+            <a:off x="1029507" y="1137683"/>
+            <a:ext cx="7299515" cy="4741759"/>
+          </a:xfrm>
+          <a:prstGeom prst="rect">
+            <a:avLst/>
+          </a:prstGeom>
+        </p:spPr>
+      </p:pic>
     </p:spTree>
     <p:extLst>
       <p:ext uri="{BB962C8B-B14F-4D97-AF65-F5344CB8AC3E}">
@@ -7343,6 +8568,66 @@
           </a:p>
         </p:txBody>
       </p:sp>
+      <p:pic>
+        <p:nvPicPr>
+          <p:cNvPr id="3074" name="Picture 2" descr="Структура АТ-РЕШАТЕЛЯ">
+            <a:extLst>
+              <a:ext uri="{FF2B5EF4-FFF2-40B4-BE49-F238E27FC236}">
+                <a16:creationId xmlns:a16="http://schemas.microsoft.com/office/drawing/2014/main" id="{EF42777B-7280-42BE-AD48-758D255C64B7}"/>
+              </a:ext>
+            </a:extLst>
+          </p:cNvPr>
+          <p:cNvPicPr>
+            <a:picLocks noChangeAspect="1" noChangeArrowheads="1"/>
+          </p:cNvPicPr>
+          <p:nvPr/>
+        </p:nvPicPr>
+        <p:blipFill>
+          <a:blip r:embed="rId2">
+            <a:extLst>
+              <a:ext uri="{28A0092B-C50C-407E-A947-70E740481C1C}">
+                <a14:useLocalDpi xmlns:a14="http://schemas.microsoft.com/office/drawing/2010/main" val="0"/>
+              </a:ext>
+            </a:extLst>
+          </a:blip>
+          <a:srcRect/>
+          <a:stretch>
+            <a:fillRect/>
+          </a:stretch>
+        </p:blipFill>
+        <p:spPr bwMode="auto">
+          <a:xfrm>
+            <a:off x="800617" y="1004223"/>
+            <a:ext cx="7736304" cy="4418381"/>
+          </a:xfrm>
+          <a:prstGeom prst="rect">
+            <a:avLst/>
+          </a:prstGeom>
+          <a:noFill/>
+          <a:ln>
+            <a:noFill/>
+          </a:ln>
+          <a:extLst>
+            <a:ext uri="{909E8E84-426E-40DD-AFC4-6F175D3DCCD1}">
+              <a14:hiddenFill xmlns:a14="http://schemas.microsoft.com/office/drawing/2010/main">
+                <a:solidFill>
+                  <a:srgbClr val="FFFFFF"/>
+                </a:solidFill>
+              </a14:hiddenFill>
+            </a:ext>
+            <a:ext uri="{91240B29-F687-4F45-9708-019B960494DF}">
+              <a14:hiddenLine xmlns:a14="http://schemas.microsoft.com/office/drawing/2010/main" w="9525">
+                <a:solidFill>
+                  <a:srgbClr val="000000"/>
+                </a:solidFill>
+                <a:miter lim="800000"/>
+                <a:headEnd/>
+                <a:tailEnd/>
+              </a14:hiddenLine>
+            </a:ext>
+          </a:extLst>
+        </p:spPr>
+      </p:pic>
     </p:spTree>
     <p:extLst>
       <p:ext uri="{BB962C8B-B14F-4D97-AF65-F5344CB8AC3E}">

--- a/Документы/Григорьев_Презентация.pptx
+++ b/Документы/Григорьев_Презентация.pptx
@@ -8307,6 +8307,56 @@
       </p:grpSpPr>
       <p:sp>
         <p:nvSpPr>
+          <p:cNvPr id="30" name="Прямоугольник 29">
+            <a:extLst>
+              <a:ext uri="{FF2B5EF4-FFF2-40B4-BE49-F238E27FC236}">
+                <a16:creationId xmlns:a16="http://schemas.microsoft.com/office/drawing/2014/main" id="{41EDD23E-015C-40AC-B55A-01B8C5EC5974}"/>
+              </a:ext>
+            </a:extLst>
+          </p:cNvPr>
+          <p:cNvSpPr/>
+          <p:nvPr/>
+        </p:nvSpPr>
+        <p:spPr>
+          <a:xfrm>
+            <a:off x="754912" y="2081087"/>
+            <a:ext cx="7921256" cy="2381694"/>
+          </a:xfrm>
+          <a:prstGeom prst="rect">
+            <a:avLst/>
+          </a:prstGeom>
+          <a:solidFill>
+            <a:schemeClr val="accent1">
+              <a:lumMod val="60000"/>
+              <a:lumOff val="40000"/>
+            </a:schemeClr>
+          </a:solidFill>
+        </p:spPr>
+        <p:style>
+          <a:lnRef idx="2">
+            <a:schemeClr val="accent1"/>
+          </a:lnRef>
+          <a:fillRef idx="1">
+            <a:schemeClr val="lt1"/>
+          </a:fillRef>
+          <a:effectRef idx="0">
+            <a:schemeClr val="accent1"/>
+          </a:effectRef>
+          <a:fontRef idx="minor">
+            <a:schemeClr val="dk1"/>
+          </a:fontRef>
+        </p:style>
+        <p:txBody>
+          <a:bodyPr rtlCol="0" anchor="ctr"/>
+          <a:lstStyle/>
+          <a:p>
+            <a:pPr algn="ctr"/>
+            <a:endParaRPr lang="ru-RU"/>
+          </a:p>
+        </p:txBody>
+      </p:sp>
+      <p:sp>
+        <p:nvSpPr>
           <p:cNvPr id="2" name="Заголовок 1">
             <a:extLst>
               <a:ext uri="{FF2B5EF4-FFF2-40B4-BE49-F238E27FC236}">
@@ -8375,6 +8425,547 @@
               <a:t>5</a:t>
             </a:fld>
             <a:endParaRPr lang="ru-RU" sz="1800" dirty="0"/>
+          </a:p>
+        </p:txBody>
+      </p:sp>
+      <p:sp>
+        <p:nvSpPr>
+          <p:cNvPr id="5" name="Прямоугольник: скругленные углы 4">
+            <a:extLst>
+              <a:ext uri="{FF2B5EF4-FFF2-40B4-BE49-F238E27FC236}">
+                <a16:creationId xmlns:a16="http://schemas.microsoft.com/office/drawing/2014/main" id="{960A6EB8-AABE-4A85-8E91-993DEACFC4D0}"/>
+              </a:ext>
+            </a:extLst>
+          </p:cNvPr>
+          <p:cNvSpPr/>
+          <p:nvPr/>
+        </p:nvSpPr>
+        <p:spPr>
+          <a:xfrm>
+            <a:off x="2839692" y="850604"/>
+            <a:ext cx="3944679" cy="649109"/>
+          </a:xfrm>
+          <a:prstGeom prst="roundRect">
+            <a:avLst/>
+          </a:prstGeom>
+          <a:solidFill>
+            <a:schemeClr val="accent1">
+              <a:lumMod val="20000"/>
+              <a:lumOff val="80000"/>
+            </a:schemeClr>
+          </a:solidFill>
+        </p:spPr>
+        <p:style>
+          <a:lnRef idx="1">
+            <a:schemeClr val="accent1"/>
+          </a:lnRef>
+          <a:fillRef idx="2">
+            <a:schemeClr val="accent1"/>
+          </a:fillRef>
+          <a:effectRef idx="1">
+            <a:schemeClr val="accent1"/>
+          </a:effectRef>
+          <a:fontRef idx="minor">
+            <a:schemeClr val="dk1"/>
+          </a:fontRef>
+        </p:style>
+        <p:txBody>
+          <a:bodyPr rtlCol="0" anchor="ctr"/>
+          <a:lstStyle/>
+          <a:p>
+            <a:pPr algn="ctr"/>
+            <a:r>
+              <a:rPr lang="ru-RU" sz="3200" dirty="0">
+                <a:latin typeface="Times New Roman" panose="02020603050405020304" pitchFamily="18" charset="0"/>
+                <a:cs typeface="Times New Roman" panose="02020603050405020304" pitchFamily="18" charset="0"/>
+              </a:rPr>
+              <a:t>Основные принципы</a:t>
+            </a:r>
+          </a:p>
+        </p:txBody>
+      </p:sp>
+      <p:graphicFrame>
+        <p:nvGraphicFramePr>
+          <p:cNvPr id="6" name="Таблица 5">
+            <a:extLst>
+              <a:ext uri="{FF2B5EF4-FFF2-40B4-BE49-F238E27FC236}">
+                <a16:creationId xmlns:a16="http://schemas.microsoft.com/office/drawing/2014/main" id="{0EB8349B-3977-492F-AB6F-64660FD7D1C2}"/>
+              </a:ext>
+            </a:extLst>
+          </p:cNvPr>
+          <p:cNvGraphicFramePr>
+            <a:graphicFrameLocks noGrp="1"/>
+          </p:cNvGraphicFramePr>
+          <p:nvPr>
+            <p:extLst>
+              <p:ext uri="{D42A27DB-BD31-4B8C-83A1-F6EECF244321}">
+                <p14:modId xmlns:p14="http://schemas.microsoft.com/office/powerpoint/2010/main" val="711440046"/>
+              </p:ext>
+            </p:extLst>
+          </p:nvPr>
+        </p:nvGraphicFramePr>
+        <p:xfrm>
+          <a:off x="981740" y="2265973"/>
+          <a:ext cx="2300176" cy="920900"/>
+        </p:xfrm>
+        <a:graphic>
+          <a:graphicData uri="http://schemas.openxmlformats.org/drawingml/2006/table">
+            <a:tbl>
+              <a:tblPr firstRow="1" bandRow="1">
+                <a:tableStyleId>{69CF1AB2-1976-4502-BF36-3FF5EA218861}</a:tableStyleId>
+              </a:tblPr>
+              <a:tblGrid>
+                <a:gridCol w="2300176">
+                  <a:extLst>
+                    <a:ext uri="{9D8B030D-6E8A-4147-A177-3AD203B41FA5}">
+                      <a16:colId xmlns:a16="http://schemas.microsoft.com/office/drawing/2014/main" val="3902822123"/>
+                    </a:ext>
+                  </a:extLst>
+                </a:gridCol>
+              </a:tblGrid>
+              <a:tr h="920900">
+                <a:tc>
+                  <a:txBody>
+                    <a:bodyPr/>
+                    <a:lstStyle/>
+                    <a:p>
+                      <a:r>
+                        <a:rPr lang="ru-RU" b="0" dirty="0">
+                          <a:latin typeface="Times New Roman" panose="02020603050405020304" pitchFamily="18" charset="0"/>
+                          <a:cs typeface="Times New Roman" panose="02020603050405020304" pitchFamily="18" charset="0"/>
+                        </a:rPr>
+                        <a:t>Включение в ЭС нетрадиционных для них функций</a:t>
+                      </a:r>
+                    </a:p>
+                  </a:txBody>
+                  <a:tcPr/>
+                </a:tc>
+                <a:extLst>
+                  <a:ext uri="{0D108BD9-81ED-4DB2-BD59-A6C34878D82A}">
+                    <a16:rowId xmlns:a16="http://schemas.microsoft.com/office/drawing/2014/main" val="169499787"/>
+                  </a:ext>
+                </a:extLst>
+              </a:tr>
+            </a:tbl>
+          </a:graphicData>
+        </a:graphic>
+      </p:graphicFrame>
+      <p:graphicFrame>
+        <p:nvGraphicFramePr>
+          <p:cNvPr id="26" name="Таблица 25">
+            <a:extLst>
+              <a:ext uri="{FF2B5EF4-FFF2-40B4-BE49-F238E27FC236}">
+                <a16:creationId xmlns:a16="http://schemas.microsoft.com/office/drawing/2014/main" id="{F3F0986B-1B22-483C-8BD0-D34A08B26A72}"/>
+              </a:ext>
+            </a:extLst>
+          </p:cNvPr>
+          <p:cNvGraphicFramePr>
+            <a:graphicFrameLocks noGrp="1"/>
+          </p:cNvGraphicFramePr>
+          <p:nvPr>
+            <p:extLst>
+              <p:ext uri="{D42A27DB-BD31-4B8C-83A1-F6EECF244321}">
+                <p14:modId xmlns:p14="http://schemas.microsoft.com/office/powerpoint/2010/main" val="764385225"/>
+              </p:ext>
+            </p:extLst>
+          </p:nvPr>
+        </p:nvGraphicFramePr>
+        <p:xfrm>
+          <a:off x="3732027" y="2265973"/>
+          <a:ext cx="2105249" cy="1303671"/>
+        </p:xfrm>
+        <a:graphic>
+          <a:graphicData uri="http://schemas.openxmlformats.org/drawingml/2006/table">
+            <a:tbl>
+              <a:tblPr firstRow="1" bandRow="1">
+                <a:tableStyleId>{69CF1AB2-1976-4502-BF36-3FF5EA218861}</a:tableStyleId>
+              </a:tblPr>
+              <a:tblGrid>
+                <a:gridCol w="2105249">
+                  <a:extLst>
+                    <a:ext uri="{9D8B030D-6E8A-4147-A177-3AD203B41FA5}">
+                      <a16:colId xmlns:a16="http://schemas.microsoft.com/office/drawing/2014/main" val="3902822123"/>
+                    </a:ext>
+                  </a:extLst>
+                </a:gridCol>
+              </a:tblGrid>
+              <a:tr h="1303671">
+                <a:tc>
+                  <a:txBody>
+                    <a:bodyPr/>
+                    <a:lstStyle/>
+                    <a:p>
+                      <a:r>
+                        <a:rPr lang="ru-RU" b="0" dirty="0">
+                          <a:latin typeface="Times New Roman" panose="02020603050405020304" pitchFamily="18" charset="0"/>
+                          <a:cs typeface="Times New Roman" panose="02020603050405020304" pitchFamily="18" charset="0"/>
+                        </a:rPr>
+                        <a:t>Построение иерархии моделей ЭС по уровням интеграции</a:t>
+                      </a:r>
+                    </a:p>
+                  </a:txBody>
+                  <a:tcPr/>
+                </a:tc>
+                <a:extLst>
+                  <a:ext uri="{0D108BD9-81ED-4DB2-BD59-A6C34878D82A}">
+                    <a16:rowId xmlns:a16="http://schemas.microsoft.com/office/drawing/2014/main" val="169499787"/>
+                  </a:ext>
+                </a:extLst>
+              </a:tr>
+            </a:tbl>
+          </a:graphicData>
+        </a:graphic>
+      </p:graphicFrame>
+      <p:graphicFrame>
+        <p:nvGraphicFramePr>
+          <p:cNvPr id="27" name="Таблица 26">
+            <a:extLst>
+              <a:ext uri="{FF2B5EF4-FFF2-40B4-BE49-F238E27FC236}">
+                <a16:creationId xmlns:a16="http://schemas.microsoft.com/office/drawing/2014/main" id="{6ED2A7C4-30F1-433B-AA21-FE018DB5E43A}"/>
+              </a:ext>
+            </a:extLst>
+          </p:cNvPr>
+          <p:cNvGraphicFramePr>
+            <a:graphicFrameLocks noGrp="1"/>
+          </p:cNvGraphicFramePr>
+          <p:nvPr>
+            <p:extLst>
+              <p:ext uri="{D42A27DB-BD31-4B8C-83A1-F6EECF244321}">
+                <p14:modId xmlns:p14="http://schemas.microsoft.com/office/powerpoint/2010/main" val="1127745456"/>
+              </p:ext>
+            </p:extLst>
+          </p:nvPr>
+        </p:nvGraphicFramePr>
+        <p:xfrm>
+          <a:off x="6195238" y="2265973"/>
+          <a:ext cx="2300176" cy="920900"/>
+        </p:xfrm>
+        <a:graphic>
+          <a:graphicData uri="http://schemas.openxmlformats.org/drawingml/2006/table">
+            <a:tbl>
+              <a:tblPr firstRow="1" bandRow="1">
+                <a:tableStyleId>{69CF1AB2-1976-4502-BF36-3FF5EA218861}</a:tableStyleId>
+              </a:tblPr>
+              <a:tblGrid>
+                <a:gridCol w="2300176">
+                  <a:extLst>
+                    <a:ext uri="{9D8B030D-6E8A-4147-A177-3AD203B41FA5}">
+                      <a16:colId xmlns:a16="http://schemas.microsoft.com/office/drawing/2014/main" val="3902822123"/>
+                    </a:ext>
+                  </a:extLst>
+                </a:gridCol>
+              </a:tblGrid>
+              <a:tr h="920900">
+                <a:tc>
+                  <a:txBody>
+                    <a:bodyPr/>
+                    <a:lstStyle/>
+                    <a:p>
+                      <a:r>
+                        <a:rPr lang="ru-RU" b="0" dirty="0">
+                          <a:latin typeface="Times New Roman" panose="02020603050405020304" pitchFamily="18" charset="0"/>
+                          <a:cs typeface="Times New Roman" panose="02020603050405020304" pitchFamily="18" charset="0"/>
+                        </a:rPr>
+                        <a:t>Моделирование конкретных типов НФ-задач</a:t>
+                      </a:r>
+                    </a:p>
+                  </a:txBody>
+                  <a:tcPr/>
+                </a:tc>
+                <a:extLst>
+                  <a:ext uri="{0D108BD9-81ED-4DB2-BD59-A6C34878D82A}">
+                    <a16:rowId xmlns:a16="http://schemas.microsoft.com/office/drawing/2014/main" val="169499787"/>
+                  </a:ext>
+                </a:extLst>
+              </a:tr>
+            </a:tbl>
+          </a:graphicData>
+        </a:graphic>
+      </p:graphicFrame>
+      <p:graphicFrame>
+        <p:nvGraphicFramePr>
+          <p:cNvPr id="28" name="Таблица 27">
+            <a:extLst>
+              <a:ext uri="{FF2B5EF4-FFF2-40B4-BE49-F238E27FC236}">
+                <a16:creationId xmlns:a16="http://schemas.microsoft.com/office/drawing/2014/main" id="{AD22F5A3-3FE4-4B42-B141-371CB2297B5C}"/>
+              </a:ext>
+            </a:extLst>
+          </p:cNvPr>
+          <p:cNvGraphicFramePr>
+            <a:graphicFrameLocks noGrp="1"/>
+          </p:cNvGraphicFramePr>
+          <p:nvPr>
+            <p:extLst>
+              <p:ext uri="{D42A27DB-BD31-4B8C-83A1-F6EECF244321}">
+                <p14:modId xmlns:p14="http://schemas.microsoft.com/office/powerpoint/2010/main" val="745050519"/>
+              </p:ext>
+            </p:extLst>
+          </p:nvPr>
+        </p:nvGraphicFramePr>
+        <p:xfrm>
+          <a:off x="981740" y="3432305"/>
+          <a:ext cx="2300176" cy="920900"/>
+        </p:xfrm>
+        <a:graphic>
+          <a:graphicData uri="http://schemas.openxmlformats.org/drawingml/2006/table">
+            <a:tbl>
+              <a:tblPr firstRow="1" bandRow="1">
+                <a:tableStyleId>{69CF1AB2-1976-4502-BF36-3FF5EA218861}</a:tableStyleId>
+              </a:tblPr>
+              <a:tblGrid>
+                <a:gridCol w="2300176">
+                  <a:extLst>
+                    <a:ext uri="{9D8B030D-6E8A-4147-A177-3AD203B41FA5}">
+                      <a16:colId xmlns:a16="http://schemas.microsoft.com/office/drawing/2014/main" val="3902822123"/>
+                    </a:ext>
+                  </a:extLst>
+                </a:gridCol>
+              </a:tblGrid>
+              <a:tr h="920900">
+                <a:tc>
+                  <a:txBody>
+                    <a:bodyPr/>
+                    <a:lstStyle/>
+                    <a:p>
+                      <a:r>
+                        <a:rPr lang="ru-RU" b="0" dirty="0">
+                          <a:latin typeface="Times New Roman" panose="02020603050405020304" pitchFamily="18" charset="0"/>
+                          <a:cs typeface="Times New Roman" panose="02020603050405020304" pitchFamily="18" charset="0"/>
+                        </a:rPr>
+                        <a:t>Ориентация на модель решения типовой задачи</a:t>
+                      </a:r>
+                    </a:p>
+                  </a:txBody>
+                  <a:tcPr/>
+                </a:tc>
+                <a:extLst>
+                  <a:ext uri="{0D108BD9-81ED-4DB2-BD59-A6C34878D82A}">
+                    <a16:rowId xmlns:a16="http://schemas.microsoft.com/office/drawing/2014/main" val="169499787"/>
+                  </a:ext>
+                </a:extLst>
+              </a:tr>
+            </a:tbl>
+          </a:graphicData>
+        </a:graphic>
+      </p:graphicFrame>
+      <p:graphicFrame>
+        <p:nvGraphicFramePr>
+          <p:cNvPr id="29" name="Таблица 28">
+            <a:extLst>
+              <a:ext uri="{FF2B5EF4-FFF2-40B4-BE49-F238E27FC236}">
+                <a16:creationId xmlns:a16="http://schemas.microsoft.com/office/drawing/2014/main" id="{C9A67E64-BFFA-4284-B69D-FEC0B4858BDF}"/>
+              </a:ext>
+            </a:extLst>
+          </p:cNvPr>
+          <p:cNvGraphicFramePr>
+            <a:graphicFrameLocks noGrp="1"/>
+          </p:cNvGraphicFramePr>
+          <p:nvPr>
+            <p:extLst>
+              <p:ext uri="{D42A27DB-BD31-4B8C-83A1-F6EECF244321}">
+                <p14:modId xmlns:p14="http://schemas.microsoft.com/office/powerpoint/2010/main" val="1563167960"/>
+              </p:ext>
+            </p:extLst>
+          </p:nvPr>
+        </p:nvGraphicFramePr>
+        <p:xfrm>
+          <a:off x="6195238" y="3432305"/>
+          <a:ext cx="2300176" cy="920900"/>
+        </p:xfrm>
+        <a:graphic>
+          <a:graphicData uri="http://schemas.openxmlformats.org/drawingml/2006/table">
+            <a:tbl>
+              <a:tblPr firstRow="1" bandRow="1">
+                <a:tableStyleId>{69CF1AB2-1976-4502-BF36-3FF5EA218861}</a:tableStyleId>
+              </a:tblPr>
+              <a:tblGrid>
+                <a:gridCol w="2300176">
+                  <a:extLst>
+                    <a:ext uri="{9D8B030D-6E8A-4147-A177-3AD203B41FA5}">
+                      <a16:colId xmlns:a16="http://schemas.microsoft.com/office/drawing/2014/main" val="3902822123"/>
+                    </a:ext>
+                  </a:extLst>
+                </a:gridCol>
+              </a:tblGrid>
+              <a:tr h="920900">
+                <a:tc>
+                  <a:txBody>
+                    <a:bodyPr/>
+                    <a:lstStyle/>
+                    <a:p>
+                      <a:r>
+                        <a:rPr lang="ru-RU" b="0" dirty="0">
+                          <a:latin typeface="Times New Roman" panose="02020603050405020304" pitchFamily="18" charset="0"/>
+                          <a:cs typeface="Times New Roman" panose="02020603050405020304" pitchFamily="18" charset="0"/>
+                        </a:rPr>
+                        <a:t>Организация этапов жизненного цикла построения ИЭС</a:t>
+                      </a:r>
+                    </a:p>
+                  </a:txBody>
+                  <a:tcPr/>
+                </a:tc>
+                <a:extLst>
+                  <a:ext uri="{0D108BD9-81ED-4DB2-BD59-A6C34878D82A}">
+                    <a16:rowId xmlns:a16="http://schemas.microsoft.com/office/drawing/2014/main" val="169499787"/>
+                  </a:ext>
+                </a:extLst>
+              </a:tr>
+            </a:tbl>
+          </a:graphicData>
+        </a:graphic>
+      </p:graphicFrame>
+      <p:sp>
+        <p:nvSpPr>
+          <p:cNvPr id="31" name="Стрелка: вниз 30">
+            <a:extLst>
+              <a:ext uri="{FF2B5EF4-FFF2-40B4-BE49-F238E27FC236}">
+                <a16:creationId xmlns:a16="http://schemas.microsoft.com/office/drawing/2014/main" id="{C8385C68-0071-49FD-AB3C-25EAE9979467}"/>
+              </a:ext>
+            </a:extLst>
+          </p:cNvPr>
+          <p:cNvSpPr/>
+          <p:nvPr/>
+        </p:nvSpPr>
+        <p:spPr>
+          <a:xfrm>
+            <a:off x="4407195" y="1617195"/>
+            <a:ext cx="850605" cy="346410"/>
+          </a:xfrm>
+          <a:prstGeom prst="downArrow">
+            <a:avLst/>
+          </a:prstGeom>
+        </p:spPr>
+        <p:style>
+          <a:lnRef idx="2">
+            <a:schemeClr val="accent1">
+              <a:shade val="50000"/>
+            </a:schemeClr>
+          </a:lnRef>
+          <a:fillRef idx="1">
+            <a:schemeClr val="accent1"/>
+          </a:fillRef>
+          <a:effectRef idx="0">
+            <a:schemeClr val="accent1"/>
+          </a:effectRef>
+          <a:fontRef idx="minor">
+            <a:schemeClr val="lt1"/>
+          </a:fontRef>
+        </p:style>
+        <p:txBody>
+          <a:bodyPr rtlCol="0" anchor="ctr"/>
+          <a:lstStyle/>
+          <a:p>
+            <a:pPr algn="ctr"/>
+            <a:endParaRPr lang="ru-RU"/>
+          </a:p>
+        </p:txBody>
+      </p:sp>
+      <p:sp>
+        <p:nvSpPr>
+          <p:cNvPr id="32" name="Крест 31">
+            <a:extLst>
+              <a:ext uri="{FF2B5EF4-FFF2-40B4-BE49-F238E27FC236}">
+                <a16:creationId xmlns:a16="http://schemas.microsoft.com/office/drawing/2014/main" id="{EE538506-944A-447C-8B1B-F2693AD8B8DD}"/>
+              </a:ext>
+            </a:extLst>
+          </p:cNvPr>
+          <p:cNvSpPr/>
+          <p:nvPr/>
+        </p:nvSpPr>
+        <p:spPr>
+          <a:xfrm>
+            <a:off x="4618747" y="4580263"/>
+            <a:ext cx="427500" cy="427500"/>
+          </a:xfrm>
+          <a:prstGeom prst="plus">
+            <a:avLst>
+              <a:gd name="adj" fmla="val 42241"/>
+            </a:avLst>
+          </a:prstGeom>
+        </p:spPr>
+        <p:style>
+          <a:lnRef idx="2">
+            <a:schemeClr val="accent1">
+              <a:shade val="50000"/>
+            </a:schemeClr>
+          </a:lnRef>
+          <a:fillRef idx="1">
+            <a:schemeClr val="accent1"/>
+          </a:fillRef>
+          <a:effectRef idx="0">
+            <a:schemeClr val="accent1"/>
+          </a:effectRef>
+          <a:fontRef idx="minor">
+            <a:schemeClr val="lt1"/>
+          </a:fontRef>
+        </p:style>
+        <p:txBody>
+          <a:bodyPr rtlCol="0" anchor="ctr"/>
+          <a:lstStyle/>
+          <a:p>
+            <a:pPr algn="ctr"/>
+            <a:endParaRPr lang="ru-RU"/>
+          </a:p>
+        </p:txBody>
+      </p:sp>
+      <p:sp>
+        <p:nvSpPr>
+          <p:cNvPr id="33" name="Прямоугольник 32">
+            <a:extLst>
+              <a:ext uri="{FF2B5EF4-FFF2-40B4-BE49-F238E27FC236}">
+                <a16:creationId xmlns:a16="http://schemas.microsoft.com/office/drawing/2014/main" id="{C93B6179-79F4-48D4-8976-5D44ECEE5453}"/>
+              </a:ext>
+            </a:extLst>
+          </p:cNvPr>
+          <p:cNvSpPr/>
+          <p:nvPr/>
+        </p:nvSpPr>
+        <p:spPr>
+          <a:xfrm>
+            <a:off x="1892594" y="5124893"/>
+            <a:ext cx="5879805" cy="573796"/>
+          </a:xfrm>
+          <a:prstGeom prst="rect">
+            <a:avLst/>
+          </a:prstGeom>
+          <a:solidFill>
+            <a:schemeClr val="accent1">
+              <a:lumMod val="20000"/>
+              <a:lumOff val="80000"/>
+            </a:schemeClr>
+          </a:solidFill>
+        </p:spPr>
+        <p:style>
+          <a:lnRef idx="2">
+            <a:schemeClr val="accent1">
+              <a:shade val="50000"/>
+            </a:schemeClr>
+          </a:lnRef>
+          <a:fillRef idx="1">
+            <a:schemeClr val="accent1"/>
+          </a:fillRef>
+          <a:effectRef idx="0">
+            <a:schemeClr val="accent1"/>
+          </a:effectRef>
+          <a:fontRef idx="minor">
+            <a:schemeClr val="lt1"/>
+          </a:fontRef>
+        </p:style>
+        <p:txBody>
+          <a:bodyPr rtlCol="0" anchor="ctr"/>
+          <a:lstStyle/>
+          <a:p>
+            <a:pPr algn="ctr"/>
+            <a:r>
+              <a:rPr lang="ru-RU" sz="2400" dirty="0">
+                <a:solidFill>
+                  <a:schemeClr val="tx1"/>
+                </a:solidFill>
+                <a:latin typeface="Times New Roman" panose="02020603050405020304" pitchFamily="18" charset="0"/>
+                <a:cs typeface="Times New Roman" panose="02020603050405020304" pitchFamily="18" charset="0"/>
+              </a:rPr>
+              <a:t>Автоматизированное приобретение знаний</a:t>
+            </a:r>
           </a:p>
         </p:txBody>
       </p:sp>

--- a/Документы/Григорьев_Презентация.pptx
+++ b/Документы/Григорьев_Презентация.pptx
@@ -6582,7 +6582,7 @@
                 <a:latin typeface="Times New Roman" panose="02020603050405020304" pitchFamily="18" charset="0"/>
                 <a:cs typeface="Times New Roman" panose="02020603050405020304" pitchFamily="18" charset="0"/>
               </a:rPr>
-              <a:t>III. </a:t>
+              <a:t>IV. </a:t>
             </a:r>
             <a:r>
               <a:rPr lang="ru-RU" sz="2800" dirty="0">
@@ -7217,7 +7217,7 @@
                   </a:schemeClr>
                 </a:solidFill>
               </a:rPr>
-              <a:t>задачно-ориентированная методология, инструментальный комплекс АТ-ТЕХНОЛОГИЯ, интегрированные экспертные системы, прямой вывод, обратный вывод, смешанный вывод, ультразвуковая диагностика.</a:t>
+              <a:t>задачно-ориентированная методология, инструментальный комплекс АТ-ТЕХНОЛОГИЯ, интегрированные экспертные системы.</a:t>
             </a:r>
           </a:p>
           <a:p>

--- a/Документы/Григорьев_Презентация.pptx
+++ b/Документы/Григорьев_Презентация.pptx
@@ -5,7 +5,7 @@
     <p:sldMasterId id="2147483660" r:id="rId1"/>
   </p:sldMasterIdLst>
   <p:notesMasterIdLst>
-    <p:notesMasterId r:id="rId22"/>
+    <p:notesMasterId r:id="rId24"/>
   </p:notesMasterIdLst>
   <p:sldIdLst>
     <p:sldId id="275" r:id="rId2"/>
@@ -25,9 +25,11 @@
     <p:sldId id="286" r:id="rId16"/>
     <p:sldId id="288" r:id="rId17"/>
     <p:sldId id="301" r:id="rId18"/>
-    <p:sldId id="302" r:id="rId19"/>
-    <p:sldId id="265" r:id="rId20"/>
-    <p:sldId id="269" r:id="rId21"/>
+    <p:sldId id="305" r:id="rId19"/>
+    <p:sldId id="304" r:id="rId20"/>
+    <p:sldId id="302" r:id="rId21"/>
+    <p:sldId id="265" r:id="rId22"/>
+    <p:sldId id="269" r:id="rId23"/>
   </p:sldIdLst>
   <p:sldSz cx="9144000" cy="6858000" type="screen4x3"/>
   <p:notesSz cx="6858000" cy="9144000"/>
@@ -6674,7 +6676,7 @@
             <a:pPr algn="ctr"/>
             <a:r>
               <a:rPr lang="ru-RU" sz="3200" dirty="0"/>
-              <a:t>Сценарий тестирования АТ-РЕШАТЕЛЯ</a:t>
+              <a:t>Тестирование АТ-РЕШАТЕЛЯ</a:t>
             </a:r>
           </a:p>
         </p:txBody>
@@ -6795,7 +6797,102 @@
       </p:grpSpPr>
       <p:sp>
         <p:nvSpPr>
-          <p:cNvPr id="2" name="Заголовок 1"/>
+          <p:cNvPr id="16" name="Блок-схема: внутренняя память 15">
+            <a:extLst>
+              <a:ext uri="{FF2B5EF4-FFF2-40B4-BE49-F238E27FC236}">
+                <a16:creationId xmlns:a16="http://schemas.microsoft.com/office/drawing/2014/main" id="{7270CF74-4FCA-4AC2-84B8-85A399298BB5}"/>
+              </a:ext>
+            </a:extLst>
+          </p:cNvPr>
+          <p:cNvSpPr/>
+          <p:nvPr/>
+        </p:nvSpPr>
+        <p:spPr>
+          <a:xfrm>
+            <a:off x="6642364" y="1281223"/>
+            <a:ext cx="1871331" cy="1860698"/>
+          </a:xfrm>
+          <a:prstGeom prst="flowChartInternalStorage">
+            <a:avLst/>
+          </a:prstGeom>
+          <a:effectLst>
+            <a:outerShdw blurRad="50800" dist="38100" algn="l" rotWithShape="0">
+              <a:prstClr val="black">
+                <a:alpha val="40000"/>
+              </a:prstClr>
+            </a:outerShdw>
+          </a:effectLst>
+        </p:spPr>
+        <p:style>
+          <a:lnRef idx="2">
+            <a:schemeClr val="dk1"/>
+          </a:lnRef>
+          <a:fillRef idx="1">
+            <a:schemeClr val="lt1"/>
+          </a:fillRef>
+          <a:effectRef idx="0">
+            <a:schemeClr val="dk1"/>
+          </a:effectRef>
+          <a:fontRef idx="minor">
+            <a:schemeClr val="dk1"/>
+          </a:fontRef>
+        </p:style>
+        <p:txBody>
+          <a:bodyPr rtlCol="0" anchor="t"/>
+          <a:lstStyle/>
+          <a:p>
+            <a:pPr algn="ctr"/>
+            <a:r>
+              <a:rPr lang="ru-RU" dirty="0"/>
+              <a:t>Объекты </a:t>
+            </a:r>
+            <a:r>
+              <a:rPr lang="en-US" dirty="0"/>
+              <a:t>Pascal</a:t>
+            </a:r>
+            <a:endParaRPr lang="ru-RU" dirty="0"/>
+          </a:p>
+        </p:txBody>
+      </p:sp>
+      <p:sp>
+        <p:nvSpPr>
+          <p:cNvPr id="4" name="Номер слайда 3">
+            <a:extLst>
+              <a:ext uri="{FF2B5EF4-FFF2-40B4-BE49-F238E27FC236}">
+                <a16:creationId xmlns:a16="http://schemas.microsoft.com/office/drawing/2014/main" id="{C4CB720F-C480-4F89-9754-5E8B3BD3259F}"/>
+              </a:ext>
+            </a:extLst>
+          </p:cNvPr>
+          <p:cNvSpPr>
+            <a:spLocks noGrp="1"/>
+          </p:cNvSpPr>
+          <p:nvPr>
+            <p:ph type="sldNum" sz="quarter" idx="4"/>
+          </p:nvPr>
+        </p:nvSpPr>
+        <p:spPr/>
+        <p:txBody>
+          <a:bodyPr/>
+          <a:lstStyle/>
+          <a:p>
+            <a:fld id="{24882390-5E8C-4CFA-AF90-B2445B96FD8B}" type="slidenum">
+              <a:rPr lang="ru-RU" smtClean="0"/>
+              <a:pPr/>
+              <a:t>18</a:t>
+            </a:fld>
+            <a:endParaRPr lang="ru-RU" dirty="0"/>
+          </a:p>
+        </p:txBody>
+      </p:sp>
+      <p:sp>
+        <p:nvSpPr>
+          <p:cNvPr id="6" name="Заголовок 1">
+            <a:extLst>
+              <a:ext uri="{FF2B5EF4-FFF2-40B4-BE49-F238E27FC236}">
+                <a16:creationId xmlns:a16="http://schemas.microsoft.com/office/drawing/2014/main" id="{176D0AB6-CDEE-4967-9AAB-6213363CB8E1}"/>
+              </a:ext>
+            </a:extLst>
+          </p:cNvPr>
           <p:cNvSpPr>
             <a:spLocks noGrp="1"/>
           </p:cNvSpPr>
@@ -6803,7 +6900,12 @@
             <p:ph type="title"/>
           </p:nvPr>
         </p:nvSpPr>
-        <p:spPr/>
+        <p:spPr>
+          <a:xfrm>
+            <a:off x="628650" y="36094"/>
+            <a:ext cx="7886700" cy="687013"/>
+          </a:xfrm>
+        </p:spPr>
         <p:txBody>
           <a:bodyPr>
             <a:normAutofit/>
@@ -6812,80 +6914,557 @@
           <a:p>
             <a:pPr algn="ctr"/>
             <a:r>
-              <a:rPr lang="ru-RU" sz="3600" dirty="0"/>
-              <a:t>Заключение</a:t>
-            </a:r>
-          </a:p>
-        </p:txBody>
-      </p:sp>
-      <p:sp>
-        <p:nvSpPr>
-          <p:cNvPr id="4" name="Номер слайда 3"/>
-          <p:cNvSpPr>
-            <a:spLocks noGrp="1"/>
-          </p:cNvSpPr>
-          <p:nvPr>
-            <p:ph type="sldNum" sz="quarter" idx="4"/>
-          </p:nvPr>
-        </p:nvSpPr>
-        <p:spPr/>
-        <p:txBody>
-          <a:bodyPr/>
-          <a:lstStyle/>
-          <a:p>
-            <a:fld id="{24882390-5E8C-4CFA-AF90-B2445B96FD8B}" type="slidenum">
-              <a:rPr lang="ru-RU" smtClean="0"/>
-              <a:pPr/>
-              <a:t>18</a:t>
-            </a:fld>
+              <a:rPr lang="ru-RU" sz="3200" dirty="0"/>
+              <a:t>Инициализация АТ-РЕШАТЕЛЯ</a:t>
+            </a:r>
+          </a:p>
+        </p:txBody>
+      </p:sp>
+      <p:sp>
+        <p:nvSpPr>
+          <p:cNvPr id="5" name="Куб 4">
+            <a:extLst>
+              <a:ext uri="{FF2B5EF4-FFF2-40B4-BE49-F238E27FC236}">
+                <a16:creationId xmlns:a16="http://schemas.microsoft.com/office/drawing/2014/main" id="{D013B6F1-20B0-4D5E-B9FE-096B34FC120D}"/>
+              </a:ext>
+            </a:extLst>
+          </p:cNvPr>
+          <p:cNvSpPr/>
+          <p:nvPr/>
+        </p:nvSpPr>
+        <p:spPr>
+          <a:xfrm>
+            <a:off x="628650" y="1589565"/>
+            <a:ext cx="1966556" cy="1095155"/>
+          </a:xfrm>
+          <a:prstGeom prst="cube">
+            <a:avLst>
+              <a:gd name="adj" fmla="val 17553"/>
+            </a:avLst>
+          </a:prstGeom>
+          <a:effectLst>
+            <a:outerShdw blurRad="50800" dist="38100" algn="l" rotWithShape="0">
+              <a:prstClr val="black">
+                <a:alpha val="40000"/>
+              </a:prstClr>
+            </a:outerShdw>
+          </a:effectLst>
+        </p:spPr>
+        <p:style>
+          <a:lnRef idx="2">
+            <a:schemeClr val="dk1"/>
+          </a:lnRef>
+          <a:fillRef idx="1">
+            <a:schemeClr val="lt1"/>
+          </a:fillRef>
+          <a:effectRef idx="0">
+            <a:schemeClr val="dk1"/>
+          </a:effectRef>
+          <a:fontRef idx="minor">
+            <a:schemeClr val="dk1"/>
+          </a:fontRef>
+        </p:style>
+        <p:txBody>
+          <a:bodyPr rtlCol="0" anchor="t"/>
+          <a:lstStyle/>
+          <a:p>
+            <a:pPr algn="ctr"/>
+            <a:r>
+              <a:rPr lang="ru-RU" dirty="0"/>
+              <a:t>База знаний</a:t>
+            </a:r>
+          </a:p>
+        </p:txBody>
+      </p:sp>
+      <p:sp>
+        <p:nvSpPr>
+          <p:cNvPr id="7" name="Стрелка: вправо 6">
+            <a:extLst>
+              <a:ext uri="{FF2B5EF4-FFF2-40B4-BE49-F238E27FC236}">
+                <a16:creationId xmlns:a16="http://schemas.microsoft.com/office/drawing/2014/main" id="{B1E1A7AB-246E-414A-97FD-3B4848DD41C8}"/>
+              </a:ext>
+            </a:extLst>
+          </p:cNvPr>
+          <p:cNvSpPr/>
+          <p:nvPr/>
+        </p:nvSpPr>
+        <p:spPr>
+          <a:xfrm>
+            <a:off x="2766494" y="1945757"/>
+            <a:ext cx="1116418" cy="467833"/>
+          </a:xfrm>
+          <a:prstGeom prst="rightArrow">
+            <a:avLst/>
+          </a:prstGeom>
+        </p:spPr>
+        <p:style>
+          <a:lnRef idx="1">
+            <a:schemeClr val="dk1"/>
+          </a:lnRef>
+          <a:fillRef idx="2">
+            <a:schemeClr val="dk1"/>
+          </a:fillRef>
+          <a:effectRef idx="1">
+            <a:schemeClr val="dk1"/>
+          </a:effectRef>
+          <a:fontRef idx="minor">
+            <a:schemeClr val="dk1"/>
+          </a:fontRef>
+        </p:style>
+        <p:txBody>
+          <a:bodyPr rtlCol="0" anchor="ctr"/>
+          <a:lstStyle/>
+          <a:p>
+            <a:pPr algn="ctr"/>
+            <a:endParaRPr lang="ru-RU"/>
+          </a:p>
+        </p:txBody>
+      </p:sp>
+      <p:sp>
+        <p:nvSpPr>
+          <p:cNvPr id="8" name="Прямоугольник: один усеченный угол 7">
+            <a:extLst>
+              <a:ext uri="{FF2B5EF4-FFF2-40B4-BE49-F238E27FC236}">
+                <a16:creationId xmlns:a16="http://schemas.microsoft.com/office/drawing/2014/main" id="{09267601-B2D1-40C9-AF73-5E4DD358B06C}"/>
+              </a:ext>
+            </a:extLst>
+          </p:cNvPr>
+          <p:cNvSpPr/>
+          <p:nvPr/>
+        </p:nvSpPr>
+        <p:spPr>
+          <a:xfrm>
+            <a:off x="3967940" y="1520456"/>
+            <a:ext cx="1301690" cy="1382232"/>
+          </a:xfrm>
+          <a:prstGeom prst="snip1Rect">
+            <a:avLst/>
+          </a:prstGeom>
+          <a:effectLst>
+            <a:outerShdw blurRad="50800" dist="38100" algn="l" rotWithShape="0">
+              <a:prstClr val="black">
+                <a:alpha val="40000"/>
+              </a:prstClr>
+            </a:outerShdw>
+          </a:effectLst>
+        </p:spPr>
+        <p:style>
+          <a:lnRef idx="2">
+            <a:schemeClr val="dk1"/>
+          </a:lnRef>
+          <a:fillRef idx="1">
+            <a:schemeClr val="lt1"/>
+          </a:fillRef>
+          <a:effectRef idx="0">
+            <a:schemeClr val="dk1"/>
+          </a:effectRef>
+          <a:fontRef idx="minor">
+            <a:schemeClr val="dk1"/>
+          </a:fontRef>
+        </p:style>
+        <p:txBody>
+          <a:bodyPr rtlCol="0" anchor="ctr"/>
+          <a:lstStyle/>
+          <a:p>
+            <a:pPr algn="ctr"/>
+            <a:r>
+              <a:rPr lang="en-US" dirty="0"/>
+              <a:t>XML</a:t>
+            </a:r>
             <a:endParaRPr lang="ru-RU" dirty="0"/>
           </a:p>
         </p:txBody>
       </p:sp>
       <p:sp>
         <p:nvSpPr>
-          <p:cNvPr id="6" name="Объект 5">
-            <a:extLst>
-              <a:ext uri="{FF2B5EF4-FFF2-40B4-BE49-F238E27FC236}">
-                <a16:creationId xmlns:a16="http://schemas.microsoft.com/office/drawing/2014/main" id="{97A16F38-C76B-4AB4-B188-C1C2BE9BA159}"/>
-              </a:ext>
-            </a:extLst>
-          </p:cNvPr>
-          <p:cNvSpPr>
-            <a:spLocks noGrp="1"/>
-          </p:cNvSpPr>
-          <p:nvPr>
-            <p:ph idx="1"/>
-          </p:nvPr>
-        </p:nvSpPr>
-        <p:spPr/>
-        <p:txBody>
-          <a:bodyPr/>
-          <a:lstStyle/>
-          <a:p>
-            <a:r>
-              <a:rPr lang="ru-RU" dirty="0"/>
-              <a:t>Проведено исследование отдельных компонентов комплекса АТ-ТЕХНОЛОГИЯ.</a:t>
-            </a:r>
-          </a:p>
-          <a:p>
-            <a:r>
-              <a:rPr lang="ru-RU" dirty="0"/>
-              <a:t>Построен и протестирован демонстрационный прототип интегрированной экспертной системы по проблемной области «Медицинская ультразвуковая диагностика» в направлении диагностики рака молочной железы.</a:t>
-            </a:r>
-          </a:p>
-          <a:p>
-            <a:r>
-              <a:rPr lang="ru-RU" dirty="0"/>
-              <a:t>Проведено программное исследование и разработаны предложения по реинжинирингу универсального АТ-РЕШАТЕЛЯ.</a:t>
-            </a:r>
+          <p:cNvPr id="10" name="Стрелка: вправо 9">
+            <a:extLst>
+              <a:ext uri="{FF2B5EF4-FFF2-40B4-BE49-F238E27FC236}">
+                <a16:creationId xmlns:a16="http://schemas.microsoft.com/office/drawing/2014/main" id="{BB86DF4F-A994-4C73-98B4-D91BBBF23583}"/>
+              </a:ext>
+            </a:extLst>
+          </p:cNvPr>
+          <p:cNvSpPr/>
+          <p:nvPr/>
+        </p:nvSpPr>
+        <p:spPr>
+          <a:xfrm>
+            <a:off x="5461121" y="1945757"/>
+            <a:ext cx="1116418" cy="467833"/>
+          </a:xfrm>
+          <a:prstGeom prst="rightArrow">
+            <a:avLst/>
+          </a:prstGeom>
+        </p:spPr>
+        <p:style>
+          <a:lnRef idx="1">
+            <a:schemeClr val="dk1"/>
+          </a:lnRef>
+          <a:fillRef idx="2">
+            <a:schemeClr val="dk1"/>
+          </a:fillRef>
+          <a:effectRef idx="1">
+            <a:schemeClr val="dk1"/>
+          </a:effectRef>
+          <a:fontRef idx="minor">
+            <a:schemeClr val="dk1"/>
+          </a:fontRef>
+        </p:style>
+        <p:txBody>
+          <a:bodyPr rtlCol="0" anchor="ctr"/>
+          <a:lstStyle/>
+          <a:p>
+            <a:pPr algn="ctr"/>
+            <a:endParaRPr lang="ru-RU"/>
+          </a:p>
+        </p:txBody>
+      </p:sp>
+      <p:pic>
+        <p:nvPicPr>
+          <p:cNvPr id="11" name="Рисунок 10" descr="Веб-дизайн ">
+            <a:extLst>
+              <a:ext uri="{FF2B5EF4-FFF2-40B4-BE49-F238E27FC236}">
+                <a16:creationId xmlns:a16="http://schemas.microsoft.com/office/drawing/2014/main" id="{1BCC0CCE-5557-478F-9F2E-5B442F153328}"/>
+              </a:ext>
+            </a:extLst>
+          </p:cNvPr>
+          <p:cNvPicPr>
+            <a:picLocks noChangeAspect="1"/>
+          </p:cNvPicPr>
+          <p:nvPr/>
+        </p:nvPicPr>
+        <p:blipFill>
+          <a:blip r:embed="rId2">
+            <a:extLst>
+              <a:ext uri="{28A0092B-C50C-407E-A947-70E740481C1C}">
+                <a14:useLocalDpi xmlns:a14="http://schemas.microsoft.com/office/drawing/2010/main" val="0"/>
+              </a:ext>
+              <a:ext uri="{96DAC541-7B7A-43D3-8B79-37D633B846F1}">
+                <asvg:svgBlip xmlns:asvg="http://schemas.microsoft.com/office/drawing/2016/SVG/main" r:embed="rId3"/>
+              </a:ext>
+            </a:extLst>
+          </a:blip>
+          <a:stretch>
+            <a:fillRect/>
+          </a:stretch>
+        </p:blipFill>
+        <p:spPr>
+          <a:xfrm>
+            <a:off x="4027481" y="1520456"/>
+            <a:ext cx="478465" cy="478465"/>
+          </a:xfrm>
+          <a:prstGeom prst="rect">
+            <a:avLst/>
+          </a:prstGeom>
+        </p:spPr>
+      </p:pic>
+      <p:pic>
+        <p:nvPicPr>
+          <p:cNvPr id="13" name="Рисунок 12" descr="База данных">
+            <a:extLst>
+              <a:ext uri="{FF2B5EF4-FFF2-40B4-BE49-F238E27FC236}">
+                <a16:creationId xmlns:a16="http://schemas.microsoft.com/office/drawing/2014/main" id="{72ABA249-5B2F-4A96-BC57-93C3B0906EBD}"/>
+              </a:ext>
+            </a:extLst>
+          </p:cNvPr>
+          <p:cNvPicPr>
+            <a:picLocks noChangeAspect="1"/>
+          </p:cNvPicPr>
+          <p:nvPr/>
+        </p:nvPicPr>
+        <p:blipFill>
+          <a:blip r:embed="rId4">
+            <a:extLst>
+              <a:ext uri="{28A0092B-C50C-407E-A947-70E740481C1C}">
+                <a14:useLocalDpi xmlns:a14="http://schemas.microsoft.com/office/drawing/2010/main" val="0"/>
+              </a:ext>
+              <a:ext uri="{96DAC541-7B7A-43D3-8B79-37D633B846F1}">
+                <asvg:svgBlip xmlns:asvg="http://schemas.microsoft.com/office/drawing/2016/SVG/main" r:embed="rId5"/>
+              </a:ext>
+            </a:extLst>
+          </a:blip>
+          <a:stretch>
+            <a:fillRect/>
+          </a:stretch>
+        </p:blipFill>
+        <p:spPr>
+          <a:xfrm>
+            <a:off x="1254873" y="2073349"/>
+            <a:ext cx="574158" cy="574158"/>
+          </a:xfrm>
+          <a:prstGeom prst="rect">
+            <a:avLst/>
+          </a:prstGeom>
+        </p:spPr>
+      </p:pic>
+      <p:pic>
+        <p:nvPicPr>
+          <p:cNvPr id="15" name="Рисунок 14" descr="Сетевая диаграмма ">
+            <a:extLst>
+              <a:ext uri="{FF2B5EF4-FFF2-40B4-BE49-F238E27FC236}">
+                <a16:creationId xmlns:a16="http://schemas.microsoft.com/office/drawing/2014/main" id="{7795DEBE-6C7A-4446-B0AE-32175C2622B8}"/>
+              </a:ext>
+            </a:extLst>
+          </p:cNvPr>
+          <p:cNvPicPr>
+            <a:picLocks noChangeAspect="1"/>
+          </p:cNvPicPr>
+          <p:nvPr/>
+        </p:nvPicPr>
+        <p:blipFill>
+          <a:blip r:embed="rId6">
+            <a:extLst>
+              <a:ext uri="{28A0092B-C50C-407E-A947-70E740481C1C}">
+                <a14:useLocalDpi xmlns:a14="http://schemas.microsoft.com/office/drawing/2010/main" val="0"/>
+              </a:ext>
+              <a:ext uri="{96DAC541-7B7A-43D3-8B79-37D633B846F1}">
+                <asvg:svgBlip xmlns:asvg="http://schemas.microsoft.com/office/drawing/2016/SVG/main" r:embed="rId7"/>
+              </a:ext>
+            </a:extLst>
+          </a:blip>
+          <a:stretch>
+            <a:fillRect/>
+          </a:stretch>
+        </p:blipFill>
+        <p:spPr>
+          <a:xfrm>
+            <a:off x="7406048" y="2280683"/>
+            <a:ext cx="632637" cy="632637"/>
+          </a:xfrm>
+          <a:prstGeom prst="rect">
+            <a:avLst/>
+          </a:prstGeom>
+        </p:spPr>
+      </p:pic>
+      <p:pic>
+        <p:nvPicPr>
+          <p:cNvPr id="17" name="Рисунок 16">
+            <a:extLst>
+              <a:ext uri="{FF2B5EF4-FFF2-40B4-BE49-F238E27FC236}">
+                <a16:creationId xmlns:a16="http://schemas.microsoft.com/office/drawing/2014/main" id="{BB06E959-B624-43E3-AE0D-62FDD604B1A6}"/>
+              </a:ext>
+            </a:extLst>
+          </p:cNvPr>
+          <p:cNvPicPr>
+            <a:picLocks noChangeAspect="1"/>
+          </p:cNvPicPr>
+          <p:nvPr/>
+        </p:nvPicPr>
+        <p:blipFill>
+          <a:blip r:embed="rId8"/>
+          <a:stretch>
+            <a:fillRect/>
+          </a:stretch>
+        </p:blipFill>
+        <p:spPr>
+          <a:xfrm>
+            <a:off x="3324703" y="3636240"/>
+            <a:ext cx="2708145" cy="1860698"/>
+          </a:xfrm>
+          <a:prstGeom prst="rect">
+            <a:avLst/>
+          </a:prstGeom>
+        </p:spPr>
+      </p:pic>
+      <p:pic>
+        <p:nvPicPr>
+          <p:cNvPr id="18" name="Рисунок 17">
+            <a:extLst>
+              <a:ext uri="{FF2B5EF4-FFF2-40B4-BE49-F238E27FC236}">
+                <a16:creationId xmlns:a16="http://schemas.microsoft.com/office/drawing/2014/main" id="{A3C4D94A-6C53-4A8C-88E2-8B8CE48A2CD7}"/>
+              </a:ext>
+            </a:extLst>
+          </p:cNvPr>
+          <p:cNvPicPr>
+            <a:picLocks noChangeAspect="1"/>
+          </p:cNvPicPr>
+          <p:nvPr/>
+        </p:nvPicPr>
+        <p:blipFill>
+          <a:blip r:embed="rId9"/>
+          <a:stretch>
+            <a:fillRect/>
+          </a:stretch>
+        </p:blipFill>
+        <p:spPr>
+          <a:xfrm>
+            <a:off x="580347" y="3429000"/>
+            <a:ext cx="1857928" cy="2229514"/>
+          </a:xfrm>
+          <a:prstGeom prst="rect">
+            <a:avLst/>
+          </a:prstGeom>
+        </p:spPr>
+      </p:pic>
+      <p:sp>
+        <p:nvSpPr>
+          <p:cNvPr id="20" name="TextBox 19">
+            <a:extLst>
+              <a:ext uri="{FF2B5EF4-FFF2-40B4-BE49-F238E27FC236}">
+                <a16:creationId xmlns:a16="http://schemas.microsoft.com/office/drawing/2014/main" id="{FD9FCD4A-579D-4371-8BDC-2BC7749A2803}"/>
+              </a:ext>
+            </a:extLst>
+          </p:cNvPr>
+          <p:cNvSpPr txBox="1"/>
+          <p:nvPr/>
+        </p:nvSpPr>
+        <p:spPr>
+          <a:xfrm>
+            <a:off x="897605" y="4220591"/>
+            <a:ext cx="1223412" cy="646331"/>
+          </a:xfrm>
+          <a:prstGeom prst="rect">
+            <a:avLst/>
+          </a:prstGeom>
+          <a:noFill/>
+        </p:spPr>
+        <p:txBody>
+          <a:bodyPr wrap="none" rtlCol="0">
+            <a:spAutoFit/>
+          </a:bodyPr>
+          <a:lstStyle/>
+          <a:p>
+            <a:r>
+              <a:rPr lang="en-US" sz="3600" b="1" dirty="0">
+                <a:latin typeface="Times New Roman" panose="02020603050405020304" pitchFamily="18" charset="0"/>
+                <a:cs typeface="Times New Roman" panose="02020603050405020304" pitchFamily="18" charset="0"/>
+              </a:rPr>
+              <a:t>.KBS</a:t>
+            </a:r>
+            <a:endParaRPr lang="ru-RU" sz="3600" b="1" dirty="0">
+              <a:latin typeface="Times New Roman" panose="02020603050405020304" pitchFamily="18" charset="0"/>
+              <a:cs typeface="Times New Roman" panose="02020603050405020304" pitchFamily="18" charset="0"/>
+            </a:endParaRPr>
+          </a:p>
+        </p:txBody>
+      </p:sp>
+      <p:sp>
+        <p:nvSpPr>
+          <p:cNvPr id="22" name="TextBox 21">
+            <a:extLst>
+              <a:ext uri="{FF2B5EF4-FFF2-40B4-BE49-F238E27FC236}">
+                <a16:creationId xmlns:a16="http://schemas.microsoft.com/office/drawing/2014/main" id="{BBEF9276-C896-40F3-8196-FAE8095E2744}"/>
+              </a:ext>
+            </a:extLst>
+          </p:cNvPr>
+          <p:cNvSpPr txBox="1"/>
+          <p:nvPr/>
+        </p:nvSpPr>
+        <p:spPr>
+          <a:xfrm>
+            <a:off x="3930135" y="4220591"/>
+            <a:ext cx="1377300" cy="646331"/>
+          </a:xfrm>
+          <a:prstGeom prst="rect">
+            <a:avLst/>
+          </a:prstGeom>
+          <a:noFill/>
+        </p:spPr>
+        <p:txBody>
+          <a:bodyPr wrap="none" rtlCol="0">
+            <a:spAutoFit/>
+          </a:bodyPr>
+          <a:lstStyle/>
+          <a:p>
+            <a:r>
+              <a:rPr lang="en-US" sz="3600" b="1" dirty="0">
+                <a:latin typeface="Times New Roman" panose="02020603050405020304" pitchFamily="18" charset="0"/>
+                <a:cs typeface="Times New Roman" panose="02020603050405020304" pitchFamily="18" charset="0"/>
+              </a:rPr>
+              <a:t>.XML</a:t>
+            </a:r>
+            <a:endParaRPr lang="ru-RU" sz="3600" b="1" dirty="0">
+              <a:latin typeface="Times New Roman" panose="02020603050405020304" pitchFamily="18" charset="0"/>
+              <a:cs typeface="Times New Roman" panose="02020603050405020304" pitchFamily="18" charset="0"/>
+            </a:endParaRPr>
+          </a:p>
+        </p:txBody>
+      </p:sp>
+      <p:pic>
+        <p:nvPicPr>
+          <p:cNvPr id="21" name="Рисунок 20">
+            <a:extLst>
+              <a:ext uri="{FF2B5EF4-FFF2-40B4-BE49-F238E27FC236}">
+                <a16:creationId xmlns:a16="http://schemas.microsoft.com/office/drawing/2014/main" id="{F6A59885-0DF0-47B9-8B2D-FA3F790A11E9}"/>
+              </a:ext>
+            </a:extLst>
+          </p:cNvPr>
+          <p:cNvPicPr>
+            <a:picLocks noChangeAspect="1"/>
+          </p:cNvPicPr>
+          <p:nvPr/>
+        </p:nvPicPr>
+        <p:blipFill>
+          <a:blip r:embed="rId10"/>
+          <a:stretch>
+            <a:fillRect/>
+          </a:stretch>
+        </p:blipFill>
+        <p:spPr>
+          <a:xfrm>
+            <a:off x="6394264" y="3526816"/>
+            <a:ext cx="2656204" cy="2033880"/>
+          </a:xfrm>
+          <a:prstGeom prst="rect">
+            <a:avLst/>
+          </a:prstGeom>
+        </p:spPr>
+      </p:pic>
+      <p:sp>
+        <p:nvSpPr>
+          <p:cNvPr id="24" name="TextBox 23">
+            <a:extLst>
+              <a:ext uri="{FF2B5EF4-FFF2-40B4-BE49-F238E27FC236}">
+                <a16:creationId xmlns:a16="http://schemas.microsoft.com/office/drawing/2014/main" id="{4273CB32-6998-4B92-81D8-88453030FCE7}"/>
+              </a:ext>
+            </a:extLst>
+          </p:cNvPr>
+          <p:cNvSpPr txBox="1"/>
+          <p:nvPr/>
+        </p:nvSpPr>
+        <p:spPr>
+          <a:xfrm>
+            <a:off x="6919276" y="3943591"/>
+            <a:ext cx="1518364" cy="1200329"/>
+          </a:xfrm>
+          <a:prstGeom prst="rect">
+            <a:avLst/>
+          </a:prstGeom>
+          <a:noFill/>
+        </p:spPr>
+        <p:txBody>
+          <a:bodyPr wrap="none" rtlCol="0">
+            <a:spAutoFit/>
+          </a:bodyPr>
+          <a:lstStyle/>
+          <a:p>
+            <a:r>
+              <a:rPr lang="en-US" sz="3600" b="1" dirty="0">
+                <a:latin typeface="Times New Roman" panose="02020603050405020304" pitchFamily="18" charset="0"/>
+                <a:cs typeface="Times New Roman" panose="02020603050405020304" pitchFamily="18" charset="0"/>
+              </a:rPr>
+              <a:t>Object</a:t>
+            </a:r>
+          </a:p>
+          <a:p>
+            <a:r>
+              <a:rPr lang="en-US" sz="3600" b="1" dirty="0">
+                <a:latin typeface="Times New Roman" panose="02020603050405020304" pitchFamily="18" charset="0"/>
+                <a:cs typeface="Times New Roman" panose="02020603050405020304" pitchFamily="18" charset="0"/>
+              </a:rPr>
+              <a:t>Pascal</a:t>
+            </a:r>
+            <a:endParaRPr lang="ru-RU" sz="3600" b="1" dirty="0">
+              <a:latin typeface="Times New Roman" panose="02020603050405020304" pitchFamily="18" charset="0"/>
+              <a:cs typeface="Times New Roman" panose="02020603050405020304" pitchFamily="18" charset="0"/>
+            </a:endParaRPr>
           </a:p>
         </p:txBody>
       </p:sp>
     </p:spTree>
     <p:extLst>
       <p:ext uri="{BB962C8B-B14F-4D97-AF65-F5344CB8AC3E}">
-        <p14:creationId xmlns:p14="http://schemas.microsoft.com/office/powerpoint/2010/main" val="1439077611"/>
+        <p14:creationId xmlns:p14="http://schemas.microsoft.com/office/powerpoint/2010/main" val="1742834513"/>
       </p:ext>
     </p:extLst>
   </p:cSld>
@@ -6914,10 +7493,40 @@
       </p:grpSpPr>
       <p:sp>
         <p:nvSpPr>
-          <p:cNvPr id="2" name="Заголовок 1">
-            <a:extLst>
-              <a:ext uri="{FF2B5EF4-FFF2-40B4-BE49-F238E27FC236}">
-                <a16:creationId xmlns:a16="http://schemas.microsoft.com/office/drawing/2014/main" id="{5FD859FE-0C84-474E-96A4-72A9CAF34CBA}"/>
+          <p:cNvPr id="4" name="Номер слайда 3">
+            <a:extLst>
+              <a:ext uri="{FF2B5EF4-FFF2-40B4-BE49-F238E27FC236}">
+                <a16:creationId xmlns:a16="http://schemas.microsoft.com/office/drawing/2014/main" id="{309D8972-073B-4E61-9148-69F6305175B6}"/>
+              </a:ext>
+            </a:extLst>
+          </p:cNvPr>
+          <p:cNvSpPr>
+            <a:spLocks noGrp="1"/>
+          </p:cNvSpPr>
+          <p:nvPr>
+            <p:ph type="sldNum" sz="quarter" idx="4"/>
+          </p:nvPr>
+        </p:nvSpPr>
+        <p:spPr/>
+        <p:txBody>
+          <a:bodyPr/>
+          <a:lstStyle/>
+          <a:p>
+            <a:fld id="{24882390-5E8C-4CFA-AF90-B2445B96FD8B}" type="slidenum">
+              <a:rPr lang="ru-RU" smtClean="0"/>
+              <a:pPr/>
+              <a:t>19</a:t>
+            </a:fld>
+            <a:endParaRPr lang="ru-RU" dirty="0"/>
+          </a:p>
+        </p:txBody>
+      </p:sp>
+      <p:sp>
+        <p:nvSpPr>
+          <p:cNvPr id="5" name="Заголовок 1">
+            <a:extLst>
+              <a:ext uri="{FF2B5EF4-FFF2-40B4-BE49-F238E27FC236}">
+                <a16:creationId xmlns:a16="http://schemas.microsoft.com/office/drawing/2014/main" id="{CC9EE7DD-18A0-468F-8C3D-6A1DF303EEB1}"/>
               </a:ext>
             </a:extLst>
           </p:cNvPr>
@@ -6928,137 +7537,577 @@
             <p:ph type="title"/>
           </p:nvPr>
         </p:nvSpPr>
-        <p:spPr/>
+        <p:spPr>
+          <a:xfrm>
+            <a:off x="628650" y="36513"/>
+            <a:ext cx="7886700" cy="687387"/>
+          </a:xfrm>
+        </p:spPr>
         <p:txBody>
           <a:bodyPr>
-            <a:noAutofit/>
+            <a:normAutofit/>
           </a:bodyPr>
           <a:lstStyle/>
           <a:p>
             <a:pPr algn="ctr"/>
             <a:r>
-              <a:rPr lang="ru-RU" sz="2800" dirty="0"/>
-              <a:t>Список литературы</a:t>
-            </a:r>
-          </a:p>
-        </p:txBody>
-      </p:sp>
-      <p:sp>
-        <p:nvSpPr>
-          <p:cNvPr id="4" name="Номер слайда 3">
-            <a:extLst>
-              <a:ext uri="{FF2B5EF4-FFF2-40B4-BE49-F238E27FC236}">
-                <a16:creationId xmlns:a16="http://schemas.microsoft.com/office/drawing/2014/main" id="{637AA394-B5C2-4F01-84A1-584E5DBA3388}"/>
-              </a:ext>
-            </a:extLst>
-          </p:cNvPr>
-          <p:cNvSpPr>
-            <a:spLocks noGrp="1"/>
-          </p:cNvSpPr>
+              <a:rPr lang="ru-RU" sz="3200" dirty="0"/>
+              <a:t>Особенности программных разработок</a:t>
+            </a:r>
+          </a:p>
+        </p:txBody>
+      </p:sp>
+      <p:pic>
+        <p:nvPicPr>
+          <p:cNvPr id="6" name="Рисунок 5">
+            <a:extLst>
+              <a:ext uri="{FF2B5EF4-FFF2-40B4-BE49-F238E27FC236}">
+                <a16:creationId xmlns:a16="http://schemas.microsoft.com/office/drawing/2014/main" id="{CE682FE0-86A8-4660-A332-9D762A138685}"/>
+              </a:ext>
+            </a:extLst>
+          </p:cNvPr>
+          <p:cNvPicPr>
+            <a:picLocks noChangeAspect="1"/>
+          </p:cNvPicPr>
+          <p:nvPr/>
+        </p:nvPicPr>
+        <p:blipFill>
+          <a:blip r:embed="rId2"/>
+          <a:stretch>
+            <a:fillRect/>
+          </a:stretch>
+        </p:blipFill>
+        <p:spPr>
+          <a:xfrm>
+            <a:off x="1749911" y="5007934"/>
+            <a:ext cx="1445172" cy="1445172"/>
+          </a:xfrm>
+          <a:prstGeom prst="rect">
+            <a:avLst/>
+          </a:prstGeom>
+        </p:spPr>
+      </p:pic>
+      <p:pic>
+        <p:nvPicPr>
+          <p:cNvPr id="7" name="Рисунок 6">
+            <a:extLst>
+              <a:ext uri="{FF2B5EF4-FFF2-40B4-BE49-F238E27FC236}">
+                <a16:creationId xmlns:a16="http://schemas.microsoft.com/office/drawing/2014/main" id="{AEFCFC85-3FD0-465E-98C7-23C778DB527C}"/>
+              </a:ext>
+            </a:extLst>
+          </p:cNvPr>
+          <p:cNvPicPr>
+            <a:picLocks noChangeAspect="1"/>
+          </p:cNvPicPr>
+          <p:nvPr/>
+        </p:nvPicPr>
+        <p:blipFill>
+          <a:blip r:embed="rId3"/>
+          <a:stretch>
+            <a:fillRect/>
+          </a:stretch>
+        </p:blipFill>
+        <p:spPr>
+          <a:xfrm>
+            <a:off x="1957860" y="913914"/>
+            <a:ext cx="1029274" cy="1445172"/>
+          </a:xfrm>
+          <a:prstGeom prst="rect">
+            <a:avLst/>
+          </a:prstGeom>
+        </p:spPr>
+      </p:pic>
+      <p:pic>
+        <p:nvPicPr>
+          <p:cNvPr id="8" name="Рисунок 7">
+            <a:extLst>
+              <a:ext uri="{FF2B5EF4-FFF2-40B4-BE49-F238E27FC236}">
+                <a16:creationId xmlns:a16="http://schemas.microsoft.com/office/drawing/2014/main" id="{6381FFA9-0963-4D97-9F3E-BDC99A715246}"/>
+              </a:ext>
+            </a:extLst>
+          </p:cNvPr>
+          <p:cNvPicPr>
+            <a:picLocks noChangeAspect="1"/>
+          </p:cNvPicPr>
+          <p:nvPr/>
+        </p:nvPicPr>
+        <p:blipFill>
+          <a:blip r:embed="rId4"/>
+          <a:stretch>
+            <a:fillRect/>
+          </a:stretch>
+        </p:blipFill>
+        <p:spPr>
+          <a:xfrm>
+            <a:off x="1838445" y="3252994"/>
+            <a:ext cx="1448002" cy="809738"/>
+          </a:xfrm>
+          <a:prstGeom prst="rect">
+            <a:avLst/>
+          </a:prstGeom>
+        </p:spPr>
+      </p:pic>
+      <p:sp>
+        <p:nvSpPr>
+          <p:cNvPr id="9" name="Стрелка: вниз 8">
+            <a:extLst>
+              <a:ext uri="{FF2B5EF4-FFF2-40B4-BE49-F238E27FC236}">
+                <a16:creationId xmlns:a16="http://schemas.microsoft.com/office/drawing/2014/main" id="{D1EAD94C-FA7A-449E-9143-E91384E6A6AD}"/>
+              </a:ext>
+            </a:extLst>
+          </p:cNvPr>
+          <p:cNvSpPr/>
+          <p:nvPr/>
+        </p:nvSpPr>
+        <p:spPr>
+          <a:xfrm>
+            <a:off x="2071331" y="2616901"/>
+            <a:ext cx="802331" cy="687387"/>
+          </a:xfrm>
+          <a:prstGeom prst="downArrow">
+            <a:avLst/>
+          </a:prstGeom>
+        </p:spPr>
+        <p:style>
+          <a:lnRef idx="0">
+            <a:schemeClr val="accent1"/>
+          </a:lnRef>
+          <a:fillRef idx="3">
+            <a:schemeClr val="accent1"/>
+          </a:fillRef>
+          <a:effectRef idx="3">
+            <a:schemeClr val="accent1"/>
+          </a:effectRef>
+          <a:fontRef idx="minor">
+            <a:schemeClr val="lt1"/>
+          </a:fontRef>
+        </p:style>
+        <p:txBody>
+          <a:bodyPr rtlCol="0" anchor="ctr"/>
+          <a:lstStyle/>
+          <a:p>
+            <a:pPr algn="ctr"/>
+            <a:endParaRPr lang="ru-RU"/>
+          </a:p>
+        </p:txBody>
+      </p:sp>
+      <p:sp>
+        <p:nvSpPr>
+          <p:cNvPr id="11" name="Стрелка: вниз 10">
+            <a:extLst>
+              <a:ext uri="{FF2B5EF4-FFF2-40B4-BE49-F238E27FC236}">
+                <a16:creationId xmlns:a16="http://schemas.microsoft.com/office/drawing/2014/main" id="{B456F4E4-A5A1-4F6D-8B23-EE8715E27398}"/>
+              </a:ext>
+            </a:extLst>
+          </p:cNvPr>
+          <p:cNvSpPr/>
+          <p:nvPr/>
+        </p:nvSpPr>
+        <p:spPr>
+          <a:xfrm>
+            <a:off x="2092080" y="4191639"/>
+            <a:ext cx="802331" cy="687387"/>
+          </a:xfrm>
+          <a:prstGeom prst="downArrow">
+            <a:avLst/>
+          </a:prstGeom>
+        </p:spPr>
+        <p:style>
+          <a:lnRef idx="0">
+            <a:schemeClr val="accent1"/>
+          </a:lnRef>
+          <a:fillRef idx="3">
+            <a:schemeClr val="accent1"/>
+          </a:fillRef>
+          <a:effectRef idx="3">
+            <a:schemeClr val="accent1"/>
+          </a:effectRef>
+          <a:fontRef idx="minor">
+            <a:schemeClr val="lt1"/>
+          </a:fontRef>
+        </p:style>
+        <p:txBody>
+          <a:bodyPr rtlCol="0" anchor="ctr"/>
+          <a:lstStyle/>
+          <a:p>
+            <a:pPr algn="ctr"/>
+            <a:endParaRPr lang="ru-RU"/>
+          </a:p>
+        </p:txBody>
+      </p:sp>
+      <p:graphicFrame>
+        <p:nvGraphicFramePr>
+          <p:cNvPr id="10" name="Таблица 9">
+            <a:extLst>
+              <a:ext uri="{FF2B5EF4-FFF2-40B4-BE49-F238E27FC236}">
+                <a16:creationId xmlns:a16="http://schemas.microsoft.com/office/drawing/2014/main" id="{0F4C8E24-9980-44C9-9FDE-C87332C6CBB2}"/>
+              </a:ext>
+            </a:extLst>
+          </p:cNvPr>
+          <p:cNvGraphicFramePr>
+            <a:graphicFrameLocks noGrp="1"/>
+          </p:cNvGraphicFramePr>
           <p:nvPr>
-            <p:ph type="sldNum" sz="quarter" idx="4"/>
+            <p:extLst>
+              <p:ext uri="{D42A27DB-BD31-4B8C-83A1-F6EECF244321}">
+                <p14:modId xmlns:p14="http://schemas.microsoft.com/office/powerpoint/2010/main" val="4060440620"/>
+              </p:ext>
+            </p:extLst>
           </p:nvPr>
-        </p:nvSpPr>
-        <p:spPr/>
-        <p:txBody>
-          <a:bodyPr/>
-          <a:lstStyle/>
-          <a:p>
-            <a:fld id="{24882390-5E8C-4CFA-AF90-B2445B96FD8B}" type="slidenum">
-              <a:rPr lang="ru-RU" smtClean="0"/>
-              <a:pPr/>
-              <a:t>19</a:t>
-            </a:fld>
-            <a:endParaRPr lang="ru-RU" dirty="0"/>
-          </a:p>
-        </p:txBody>
-      </p:sp>
-      <p:sp>
-        <p:nvSpPr>
-          <p:cNvPr id="5" name="Объект 4">
-            <a:extLst>
-              <a:ext uri="{FF2B5EF4-FFF2-40B4-BE49-F238E27FC236}">
-                <a16:creationId xmlns:a16="http://schemas.microsoft.com/office/drawing/2014/main" id="{2F473416-6538-491E-82A2-E86C7075E8B2}"/>
-              </a:ext>
-            </a:extLst>
-          </p:cNvPr>
-          <p:cNvSpPr>
-            <a:spLocks noGrp="1"/>
-          </p:cNvSpPr>
-          <p:nvPr>
-            <p:ph idx="1"/>
-          </p:nvPr>
-        </p:nvSpPr>
-        <p:spPr/>
-        <p:txBody>
-          <a:bodyPr/>
-          <a:lstStyle/>
-          <a:p>
-            <a:pPr marL="514350" indent="-514350">
-              <a:buAutoNum type="arabicPeriod"/>
-            </a:pPr>
-            <a:r>
-              <a:rPr lang="ru-RU" dirty="0"/>
-              <a:t>Рыбина Г.В. Теория и технология построения интегрированных экспертных систем. Монография. М.:</a:t>
-            </a:r>
-            <a:r>
-              <a:rPr lang="en-US" dirty="0"/>
-              <a:t>”</a:t>
-            </a:r>
-            <a:r>
-              <a:rPr lang="ru-RU" dirty="0"/>
-              <a:t>Научтехлитиздат</a:t>
-            </a:r>
-            <a:r>
-              <a:rPr lang="en-US" dirty="0"/>
-              <a:t>”</a:t>
-            </a:r>
-            <a:r>
-              <a:rPr lang="ru-RU" dirty="0"/>
-              <a:t>, 2008. – 482 с.</a:t>
-            </a:r>
-          </a:p>
-          <a:p>
-            <a:pPr marL="514350" indent="-514350">
-              <a:buAutoNum type="arabicPeriod"/>
-            </a:pPr>
-            <a:r>
-              <a:rPr lang="ru-RU" dirty="0"/>
-              <a:t>Рыбина Г.В., Демидов Д.В. Модели, методы и программные средства вывода в интегрированных экспертных системах // Инженерная физика. №2,2007. с.51-60.</a:t>
-            </a:r>
-          </a:p>
-          <a:p>
-            <a:pPr marL="514350" indent="-514350">
-              <a:buAutoNum type="arabicPeriod"/>
-            </a:pPr>
-            <a:r>
-              <a:rPr lang="en-US" dirty="0"/>
-              <a:t>Dominique A. Lobar Approach to Breast Ultrasound. – </a:t>
-            </a:r>
-            <a:r>
-              <a:rPr lang="ru-RU" dirty="0"/>
-              <a:t>М</a:t>
-            </a:r>
-            <a:r>
-              <a:rPr lang="en-US" dirty="0"/>
-              <a:t>.: Springer International Publishing AG. Part of Springer Nature 2018. – 346 </a:t>
-            </a:r>
-            <a:r>
-              <a:rPr lang="ru-RU" dirty="0"/>
-              <a:t>с</a:t>
-            </a:r>
-            <a:r>
-              <a:rPr lang="en-US" dirty="0"/>
-              <a:t>. </a:t>
-            </a:r>
-            <a:endParaRPr lang="ru-RU" dirty="0"/>
+        </p:nvGraphicFramePr>
+        <p:xfrm>
+          <a:off x="5014051" y="2092503"/>
+          <a:ext cx="3501299" cy="3940457"/>
+        </p:xfrm>
+        <a:graphic>
+          <a:graphicData uri="http://schemas.openxmlformats.org/drawingml/2006/table">
+            <a:tbl>
+              <a:tblPr firstRow="1" bandRow="1">
+                <a:tableStyleId>{69CF1AB2-1976-4502-BF36-3FF5EA218861}</a:tableStyleId>
+              </a:tblPr>
+              <a:tblGrid>
+                <a:gridCol w="3501299">
+                  <a:extLst>
+                    <a:ext uri="{9D8B030D-6E8A-4147-A177-3AD203B41FA5}">
+                      <a16:colId xmlns:a16="http://schemas.microsoft.com/office/drawing/2014/main" val="4079902741"/>
+                    </a:ext>
+                  </a:extLst>
+                </a:gridCol>
+              </a:tblGrid>
+              <a:tr h="3940457">
+                <a:tc>
+                  <a:txBody>
+                    <a:bodyPr/>
+                    <a:lstStyle/>
+                    <a:p>
+                      <a:pPr algn="just">
+                        <a:lnSpc>
+                          <a:spcPts val="2400"/>
+                        </a:lnSpc>
+                      </a:pPr>
+                      <a:r>
+                        <a:rPr lang="en-US" b="0" dirty="0" err="1">
+                          <a:latin typeface="Times New Roman" panose="02020603050405020304" pitchFamily="18" charset="0"/>
+                          <a:cs typeface="Times New Roman" panose="02020603050405020304" pitchFamily="18" charset="0"/>
+                        </a:rPr>
+                        <a:t>XMLDom</a:t>
+                      </a:r>
+                      <a:r>
+                        <a:rPr lang="en-US" b="0" dirty="0">
+                          <a:latin typeface="Times New Roman" panose="02020603050405020304" pitchFamily="18" charset="0"/>
+                          <a:cs typeface="Times New Roman" panose="02020603050405020304" pitchFamily="18" charset="0"/>
+                        </a:rPr>
+                        <a:t>, </a:t>
+                      </a:r>
+                      <a:r>
+                        <a:rPr lang="en-US" b="0" dirty="0" err="1">
+                          <a:latin typeface="Times New Roman" panose="02020603050405020304" pitchFamily="18" charset="0"/>
+                          <a:cs typeface="Times New Roman" panose="02020603050405020304" pitchFamily="18" charset="0"/>
+                        </a:rPr>
+                        <a:t>AT_KRL_Editor</a:t>
+                      </a:r>
+                      <a:r>
+                        <a:rPr lang="en-US" b="0" dirty="0">
+                          <a:latin typeface="Times New Roman" panose="02020603050405020304" pitchFamily="18" charset="0"/>
+                          <a:cs typeface="Times New Roman" panose="02020603050405020304" pitchFamily="18" charset="0"/>
+                        </a:rPr>
+                        <a:t>, </a:t>
+                      </a:r>
+                      <a:r>
+                        <a:rPr lang="en-US" b="0" dirty="0" err="1">
+                          <a:latin typeface="Times New Roman" panose="02020603050405020304" pitchFamily="18" charset="0"/>
+                          <a:cs typeface="Times New Roman" panose="02020603050405020304" pitchFamily="18" charset="0"/>
+                        </a:rPr>
+                        <a:t>AT_KRL_Type</a:t>
+                      </a:r>
+                      <a:r>
+                        <a:rPr lang="en-US" b="0" dirty="0">
+                          <a:latin typeface="Times New Roman" panose="02020603050405020304" pitchFamily="18" charset="0"/>
+                          <a:cs typeface="Times New Roman" panose="02020603050405020304" pitchFamily="18" charset="0"/>
+                        </a:rPr>
+                        <a:t>, </a:t>
+                      </a:r>
+                      <a:r>
+                        <a:rPr lang="en-US" b="0" dirty="0" err="1">
+                          <a:latin typeface="Times New Roman" panose="02020603050405020304" pitchFamily="18" charset="0"/>
+                          <a:cs typeface="Times New Roman" panose="02020603050405020304" pitchFamily="18" charset="0"/>
+                        </a:rPr>
+                        <a:t>AT_KRL_Object</a:t>
+                      </a:r>
+                      <a:r>
+                        <a:rPr lang="en-US" b="0" dirty="0">
+                          <a:latin typeface="Times New Roman" panose="02020603050405020304" pitchFamily="18" charset="0"/>
+                          <a:cs typeface="Times New Roman" panose="02020603050405020304" pitchFamily="18" charset="0"/>
+                        </a:rPr>
+                        <a:t>, </a:t>
+                      </a:r>
+                      <a:r>
+                        <a:rPr lang="en-US" b="0" dirty="0" err="1">
+                          <a:latin typeface="Times New Roman" panose="02020603050405020304" pitchFamily="18" charset="0"/>
+                          <a:cs typeface="Times New Roman" panose="02020603050405020304" pitchFamily="18" charset="0"/>
+                        </a:rPr>
+                        <a:t>AT_KRL_Attribute</a:t>
+                      </a:r>
+                      <a:r>
+                        <a:rPr lang="en-US" b="0" dirty="0">
+                          <a:latin typeface="Times New Roman" panose="02020603050405020304" pitchFamily="18" charset="0"/>
+                          <a:cs typeface="Times New Roman" panose="02020603050405020304" pitchFamily="18" charset="0"/>
+                        </a:rPr>
+                        <a:t>, </a:t>
+                      </a:r>
+                      <a:r>
+                        <a:rPr lang="en-US" b="0" dirty="0" err="1">
+                          <a:latin typeface="Times New Roman" panose="02020603050405020304" pitchFamily="18" charset="0"/>
+                          <a:cs typeface="Times New Roman" panose="02020603050405020304" pitchFamily="18" charset="0"/>
+                        </a:rPr>
+                        <a:t>AT_KRL_MathExpression</a:t>
+                      </a:r>
+                      <a:r>
+                        <a:rPr lang="en-US" b="0" dirty="0">
+                          <a:latin typeface="Times New Roman" panose="02020603050405020304" pitchFamily="18" charset="0"/>
+                          <a:cs typeface="Times New Roman" panose="02020603050405020304" pitchFamily="18" charset="0"/>
+                        </a:rPr>
+                        <a:t>, </a:t>
+                      </a:r>
+                      <a:r>
+                        <a:rPr lang="en-US" b="0" dirty="0" err="1">
+                          <a:latin typeface="Times New Roman" panose="02020603050405020304" pitchFamily="18" charset="0"/>
+                          <a:cs typeface="Times New Roman" panose="02020603050405020304" pitchFamily="18" charset="0"/>
+                        </a:rPr>
+                        <a:t>AT_KRL_StFzExpression</a:t>
+                      </a:r>
+                      <a:r>
+                        <a:rPr lang="en-US" b="0" dirty="0">
+                          <a:latin typeface="Times New Roman" panose="02020603050405020304" pitchFamily="18" charset="0"/>
+                          <a:cs typeface="Times New Roman" panose="02020603050405020304" pitchFamily="18" charset="0"/>
+                        </a:rPr>
+                        <a:t>, </a:t>
+                      </a:r>
+                      <a:r>
+                        <a:rPr lang="en-US" b="0" dirty="0" err="1">
+                          <a:latin typeface="Times New Roman" panose="02020603050405020304" pitchFamily="18" charset="0"/>
+                          <a:cs typeface="Times New Roman" panose="02020603050405020304" pitchFamily="18" charset="0"/>
+                        </a:rPr>
+                        <a:t>AT_KRL_Fact</a:t>
+                      </a:r>
+                      <a:r>
+                        <a:rPr lang="en-US" b="0" dirty="0">
+                          <a:latin typeface="Times New Roman" panose="02020603050405020304" pitchFamily="18" charset="0"/>
+                          <a:cs typeface="Times New Roman" panose="02020603050405020304" pitchFamily="18" charset="0"/>
+                        </a:rPr>
+                        <a:t>, </a:t>
+                      </a:r>
+                      <a:r>
+                        <a:rPr lang="en-US" b="0" dirty="0" err="1">
+                          <a:latin typeface="Times New Roman" panose="02020603050405020304" pitchFamily="18" charset="0"/>
+                          <a:cs typeface="Times New Roman" panose="02020603050405020304" pitchFamily="18" charset="0"/>
+                        </a:rPr>
+                        <a:t>AT_KRL_ConditionNot</a:t>
+                      </a:r>
+                      <a:r>
+                        <a:rPr lang="en-US" b="0" dirty="0">
+                          <a:latin typeface="Times New Roman" panose="02020603050405020304" pitchFamily="18" charset="0"/>
+                          <a:cs typeface="Times New Roman" panose="02020603050405020304" pitchFamily="18" charset="0"/>
+                        </a:rPr>
+                        <a:t>, </a:t>
+                      </a:r>
+                      <a:r>
+                        <a:rPr lang="en-US" b="0" dirty="0" err="1">
+                          <a:latin typeface="Times New Roman" panose="02020603050405020304" pitchFamily="18" charset="0"/>
+                          <a:cs typeface="Times New Roman" panose="02020603050405020304" pitchFamily="18" charset="0"/>
+                        </a:rPr>
+                        <a:t>AT_KRL_ConditionAnd</a:t>
+                      </a:r>
+                      <a:r>
+                        <a:rPr lang="en-US" b="0" dirty="0">
+                          <a:latin typeface="Times New Roman" panose="02020603050405020304" pitchFamily="18" charset="0"/>
+                          <a:cs typeface="Times New Roman" panose="02020603050405020304" pitchFamily="18" charset="0"/>
+                        </a:rPr>
+                        <a:t>, </a:t>
+                      </a:r>
+                      <a:r>
+                        <a:rPr lang="en-US" b="0" dirty="0" err="1">
+                          <a:latin typeface="Times New Roman" panose="02020603050405020304" pitchFamily="18" charset="0"/>
+                          <a:cs typeface="Times New Roman" panose="02020603050405020304" pitchFamily="18" charset="0"/>
+                        </a:rPr>
+                        <a:t>AT_KRL_ConditionOr</a:t>
+                      </a:r>
+                      <a:r>
+                        <a:rPr lang="en-US" b="0" dirty="0">
+                          <a:latin typeface="Times New Roman" panose="02020603050405020304" pitchFamily="18" charset="0"/>
+                          <a:cs typeface="Times New Roman" panose="02020603050405020304" pitchFamily="18" charset="0"/>
+                        </a:rPr>
+                        <a:t>, </a:t>
+                      </a:r>
+                      <a:r>
+                        <a:rPr lang="en-US" b="0" dirty="0" err="1">
+                          <a:latin typeface="Times New Roman" panose="02020603050405020304" pitchFamily="18" charset="0"/>
+                          <a:cs typeface="Times New Roman" panose="02020603050405020304" pitchFamily="18" charset="0"/>
+                        </a:rPr>
+                        <a:t>AT_KRL_Rule</a:t>
+                      </a:r>
+                      <a:r>
+                        <a:rPr lang="en-US" b="0" dirty="0">
+                          <a:latin typeface="Times New Roman" panose="02020603050405020304" pitchFamily="18" charset="0"/>
+                          <a:cs typeface="Times New Roman" panose="02020603050405020304" pitchFamily="18" charset="0"/>
+                        </a:rPr>
+                        <a:t>, </a:t>
+                      </a:r>
+                      <a:r>
+                        <a:rPr lang="en-US" b="0" dirty="0" err="1">
+                          <a:latin typeface="Times New Roman" panose="02020603050405020304" pitchFamily="18" charset="0"/>
+                          <a:cs typeface="Times New Roman" panose="02020603050405020304" pitchFamily="18" charset="0"/>
+                        </a:rPr>
+                        <a:t>AT_KRL_Parser</a:t>
+                      </a:r>
+                      <a:r>
+                        <a:rPr lang="en-US" b="0" dirty="0">
+                          <a:latin typeface="Times New Roman" panose="02020603050405020304" pitchFamily="18" charset="0"/>
+                          <a:cs typeface="Times New Roman" panose="02020603050405020304" pitchFamily="18" charset="0"/>
+                        </a:rPr>
+                        <a:t>, </a:t>
+                      </a:r>
+                      <a:r>
+                        <a:rPr lang="en-US" b="0" dirty="0" err="1">
+                          <a:latin typeface="Times New Roman" panose="02020603050405020304" pitchFamily="18" charset="0"/>
+                          <a:cs typeface="Times New Roman" panose="02020603050405020304" pitchFamily="18" charset="0"/>
+                        </a:rPr>
+                        <a:t>TKBConvertor</a:t>
+                      </a:r>
+                      <a:r>
+                        <a:rPr lang="en-US" b="0" dirty="0">
+                          <a:latin typeface="Times New Roman" panose="02020603050405020304" pitchFamily="18" charset="0"/>
+                          <a:cs typeface="Times New Roman" panose="02020603050405020304" pitchFamily="18" charset="0"/>
+                        </a:rPr>
+                        <a:t>, </a:t>
+                      </a:r>
+                      <a:r>
+                        <a:rPr lang="en-US" b="0" dirty="0" err="1">
+                          <a:latin typeface="Times New Roman" panose="02020603050405020304" pitchFamily="18" charset="0"/>
+                          <a:cs typeface="Times New Roman" panose="02020603050405020304" pitchFamily="18" charset="0"/>
+                        </a:rPr>
+                        <a:t>TSolverX</a:t>
+                      </a:r>
+                      <a:r>
+                        <a:rPr lang="en-US" b="0" dirty="0">
+                          <a:latin typeface="Times New Roman" panose="02020603050405020304" pitchFamily="18" charset="0"/>
+                          <a:cs typeface="Times New Roman" panose="02020603050405020304" pitchFamily="18" charset="0"/>
+                        </a:rPr>
+                        <a:t>, </a:t>
+                      </a:r>
+                      <a:r>
+                        <a:rPr lang="en-US" b="0" dirty="0" err="1">
+                          <a:latin typeface="Times New Roman" panose="02020603050405020304" pitchFamily="18" charset="0"/>
+                          <a:cs typeface="Times New Roman" panose="02020603050405020304" pitchFamily="18" charset="0"/>
+                        </a:rPr>
+                        <a:t>TXMLLoader</a:t>
+                      </a:r>
+                      <a:r>
+                        <a:rPr lang="en-US" b="0" dirty="0">
+                          <a:latin typeface="Times New Roman" panose="02020603050405020304" pitchFamily="18" charset="0"/>
+                          <a:cs typeface="Times New Roman" panose="02020603050405020304" pitchFamily="18" charset="0"/>
+                        </a:rPr>
+                        <a:t>.</a:t>
+                      </a:r>
+                    </a:p>
+                  </a:txBody>
+                  <a:tcPr/>
+                </a:tc>
+                <a:extLst>
+                  <a:ext uri="{0D108BD9-81ED-4DB2-BD59-A6C34878D82A}">
+                    <a16:rowId xmlns:a16="http://schemas.microsoft.com/office/drawing/2014/main" val="808857388"/>
+                  </a:ext>
+                </a:extLst>
+              </a:tr>
+            </a:tbl>
+          </a:graphicData>
+        </a:graphic>
+      </p:graphicFrame>
+      <p:sp>
+        <p:nvSpPr>
+          <p:cNvPr id="12" name="TextBox 11">
+            <a:extLst>
+              <a:ext uri="{FF2B5EF4-FFF2-40B4-BE49-F238E27FC236}">
+                <a16:creationId xmlns:a16="http://schemas.microsoft.com/office/drawing/2014/main" id="{FBABEBCE-3276-420D-B028-E4A178DE4F94}"/>
+              </a:ext>
+            </a:extLst>
+          </p:cNvPr>
+          <p:cNvSpPr txBox="1"/>
+          <p:nvPr/>
+        </p:nvSpPr>
+        <p:spPr>
+          <a:xfrm>
+            <a:off x="4974192" y="1054258"/>
+            <a:ext cx="3299749" cy="707886"/>
+          </a:xfrm>
+          <a:prstGeom prst="rect">
+            <a:avLst/>
+          </a:prstGeom>
+          <a:noFill/>
+        </p:spPr>
+        <p:txBody>
+          <a:bodyPr wrap="none" rtlCol="0">
+            <a:spAutoFit/>
+          </a:bodyPr>
+          <a:lstStyle/>
+          <a:p>
+            <a:r>
+              <a:rPr lang="ru-RU" sz="2000" dirty="0">
+                <a:solidFill>
+                  <a:schemeClr val="accent1">
+                    <a:lumMod val="75000"/>
+                  </a:schemeClr>
+                </a:solidFill>
+                <a:latin typeface="Times New Roman" panose="02020603050405020304" pitchFamily="18" charset="0"/>
+                <a:cs typeface="Times New Roman" panose="02020603050405020304" pitchFamily="18" charset="0"/>
+              </a:rPr>
+              <a:t>Разработано и/или </a:t>
+            </a:r>
+          </a:p>
+          <a:p>
+            <a:r>
+              <a:rPr lang="ru-RU" sz="2000" dirty="0">
+                <a:solidFill>
+                  <a:schemeClr val="accent1">
+                    <a:lumMod val="75000"/>
+                  </a:schemeClr>
+                </a:solidFill>
+                <a:latin typeface="Times New Roman" panose="02020603050405020304" pitchFamily="18" charset="0"/>
+                <a:cs typeface="Times New Roman" panose="02020603050405020304" pitchFamily="18" charset="0"/>
+              </a:rPr>
+              <a:t>модифицировано 1</a:t>
+            </a:r>
+            <a:r>
+              <a:rPr lang="en-US" sz="2000" dirty="0">
+                <a:solidFill>
+                  <a:schemeClr val="accent1">
+                    <a:lumMod val="75000"/>
+                  </a:schemeClr>
+                </a:solidFill>
+                <a:latin typeface="Times New Roman" panose="02020603050405020304" pitchFamily="18" charset="0"/>
+                <a:cs typeface="Times New Roman" panose="02020603050405020304" pitchFamily="18" charset="0"/>
+              </a:rPr>
+              <a:t>6</a:t>
+            </a:r>
+            <a:r>
+              <a:rPr lang="ru-RU" sz="2000" dirty="0">
+                <a:solidFill>
+                  <a:schemeClr val="accent1">
+                    <a:lumMod val="75000"/>
+                  </a:schemeClr>
+                </a:solidFill>
+                <a:latin typeface="Times New Roman" panose="02020603050405020304" pitchFamily="18" charset="0"/>
+                <a:cs typeface="Times New Roman" panose="02020603050405020304" pitchFamily="18" charset="0"/>
+              </a:rPr>
+              <a:t> классов</a:t>
+            </a:r>
           </a:p>
         </p:txBody>
       </p:sp>
     </p:spTree>
     <p:extLst>
       <p:ext uri="{BB962C8B-B14F-4D97-AF65-F5344CB8AC3E}">
-        <p14:creationId xmlns:p14="http://schemas.microsoft.com/office/powerpoint/2010/main" val="1750056012"/>
+        <p14:creationId xmlns:p14="http://schemas.microsoft.com/office/powerpoint/2010/main" val="3088120629"/>
       </p:ext>
     </p:extLst>
   </p:cSld>
@@ -7326,13 +8375,32 @@
       </p:grpSpPr>
       <p:sp>
         <p:nvSpPr>
-          <p:cNvPr id="4" name="Номер слайда 3">
-            <a:extLst>
-              <a:ext uri="{FF2B5EF4-FFF2-40B4-BE49-F238E27FC236}">
-                <a16:creationId xmlns:a16="http://schemas.microsoft.com/office/drawing/2014/main" id="{669CC55E-4EB3-4177-9E4C-130DE6DB234C}"/>
-              </a:ext>
-            </a:extLst>
-          </p:cNvPr>
+          <p:cNvPr id="2" name="Заголовок 1"/>
+          <p:cNvSpPr>
+            <a:spLocks noGrp="1"/>
+          </p:cNvSpPr>
+          <p:nvPr>
+            <p:ph type="title"/>
+          </p:nvPr>
+        </p:nvSpPr>
+        <p:spPr/>
+        <p:txBody>
+          <a:bodyPr>
+            <a:normAutofit/>
+          </a:bodyPr>
+          <a:lstStyle/>
+          <a:p>
+            <a:pPr algn="ctr"/>
+            <a:r>
+              <a:rPr lang="ru-RU" sz="3600" dirty="0"/>
+              <a:t>Заключение</a:t>
+            </a:r>
+          </a:p>
+        </p:txBody>
+      </p:sp>
+      <p:sp>
+        <p:nvSpPr>
+          <p:cNvPr id="4" name="Номер слайда 3"/>
           <p:cNvSpPr>
             <a:spLocks noGrp="1"/>
           </p:cNvSpPr>
@@ -7349,6 +8417,279 @@
               <a:rPr lang="ru-RU" smtClean="0"/>
               <a:pPr/>
               <a:t>20</a:t>
+            </a:fld>
+            <a:endParaRPr lang="ru-RU" dirty="0"/>
+          </a:p>
+        </p:txBody>
+      </p:sp>
+      <p:sp>
+        <p:nvSpPr>
+          <p:cNvPr id="6" name="Объект 5">
+            <a:extLst>
+              <a:ext uri="{FF2B5EF4-FFF2-40B4-BE49-F238E27FC236}">
+                <a16:creationId xmlns:a16="http://schemas.microsoft.com/office/drawing/2014/main" id="{97A16F38-C76B-4AB4-B188-C1C2BE9BA159}"/>
+              </a:ext>
+            </a:extLst>
+          </p:cNvPr>
+          <p:cNvSpPr>
+            <a:spLocks noGrp="1"/>
+          </p:cNvSpPr>
+          <p:nvPr>
+            <p:ph idx="1"/>
+          </p:nvPr>
+        </p:nvSpPr>
+        <p:spPr/>
+        <p:txBody>
+          <a:bodyPr/>
+          <a:lstStyle/>
+          <a:p>
+            <a:r>
+              <a:rPr lang="ru-RU" dirty="0"/>
+              <a:t>Проведено исследование отдельных компонентов комплекса АТ-ТЕХНОЛОГИЯ.</a:t>
+            </a:r>
+          </a:p>
+          <a:p>
+            <a:r>
+              <a:rPr lang="ru-RU" dirty="0"/>
+              <a:t>Построен и протестирован демонстрационный прототип интегрированной экспертной системы по проблемной области «Медицинская ультразвуковая диагностика» в направлении диагностики рака молочной железы.</a:t>
+            </a:r>
+          </a:p>
+          <a:p>
+            <a:r>
+              <a:rPr lang="ru-RU" dirty="0"/>
+              <a:t>Проведено программное исследование и разработаны предложения по реинжинирингу универсального АТ-РЕШАТЕЛЯ.</a:t>
+            </a:r>
+          </a:p>
+        </p:txBody>
+      </p:sp>
+    </p:spTree>
+    <p:extLst>
+      <p:ext uri="{BB962C8B-B14F-4D97-AF65-F5344CB8AC3E}">
+        <p14:creationId xmlns:p14="http://schemas.microsoft.com/office/powerpoint/2010/main" val="1439077611"/>
+      </p:ext>
+    </p:extLst>
+  </p:cSld>
+  <p:clrMapOvr>
+    <a:masterClrMapping/>
+  </p:clrMapOvr>
+</p:sld>
+</file>
+
+<file path=ppt/slides/slide21.xml><?xml version="1.0" encoding="utf-8"?>
+<p:sld xmlns:a="http://schemas.openxmlformats.org/drawingml/2006/main" xmlns:r="http://schemas.openxmlformats.org/officeDocument/2006/relationships" xmlns:p="http://schemas.openxmlformats.org/presentationml/2006/main">
+  <p:cSld>
+    <p:spTree>
+      <p:nvGrpSpPr>
+        <p:cNvPr id="1" name=""/>
+        <p:cNvGrpSpPr/>
+        <p:nvPr/>
+      </p:nvGrpSpPr>
+      <p:grpSpPr>
+        <a:xfrm>
+          <a:off x="0" y="0"/>
+          <a:ext cx="0" cy="0"/>
+          <a:chOff x="0" y="0"/>
+          <a:chExt cx="0" cy="0"/>
+        </a:xfrm>
+      </p:grpSpPr>
+      <p:sp>
+        <p:nvSpPr>
+          <p:cNvPr id="2" name="Заголовок 1">
+            <a:extLst>
+              <a:ext uri="{FF2B5EF4-FFF2-40B4-BE49-F238E27FC236}">
+                <a16:creationId xmlns:a16="http://schemas.microsoft.com/office/drawing/2014/main" id="{5FD859FE-0C84-474E-96A4-72A9CAF34CBA}"/>
+              </a:ext>
+            </a:extLst>
+          </p:cNvPr>
+          <p:cNvSpPr>
+            <a:spLocks noGrp="1"/>
+          </p:cNvSpPr>
+          <p:nvPr>
+            <p:ph type="title"/>
+          </p:nvPr>
+        </p:nvSpPr>
+        <p:spPr/>
+        <p:txBody>
+          <a:bodyPr>
+            <a:noAutofit/>
+          </a:bodyPr>
+          <a:lstStyle/>
+          <a:p>
+            <a:pPr algn="ctr"/>
+            <a:r>
+              <a:rPr lang="ru-RU" sz="2800" dirty="0"/>
+              <a:t>Список литературы</a:t>
+            </a:r>
+          </a:p>
+        </p:txBody>
+      </p:sp>
+      <p:sp>
+        <p:nvSpPr>
+          <p:cNvPr id="4" name="Номер слайда 3">
+            <a:extLst>
+              <a:ext uri="{FF2B5EF4-FFF2-40B4-BE49-F238E27FC236}">
+                <a16:creationId xmlns:a16="http://schemas.microsoft.com/office/drawing/2014/main" id="{637AA394-B5C2-4F01-84A1-584E5DBA3388}"/>
+              </a:ext>
+            </a:extLst>
+          </p:cNvPr>
+          <p:cNvSpPr>
+            <a:spLocks noGrp="1"/>
+          </p:cNvSpPr>
+          <p:nvPr>
+            <p:ph type="sldNum" sz="quarter" idx="4"/>
+          </p:nvPr>
+        </p:nvSpPr>
+        <p:spPr/>
+        <p:txBody>
+          <a:bodyPr/>
+          <a:lstStyle/>
+          <a:p>
+            <a:fld id="{24882390-5E8C-4CFA-AF90-B2445B96FD8B}" type="slidenum">
+              <a:rPr lang="ru-RU" smtClean="0"/>
+              <a:pPr/>
+              <a:t>21</a:t>
+            </a:fld>
+            <a:endParaRPr lang="ru-RU" dirty="0"/>
+          </a:p>
+        </p:txBody>
+      </p:sp>
+      <p:sp>
+        <p:nvSpPr>
+          <p:cNvPr id="5" name="Объект 4">
+            <a:extLst>
+              <a:ext uri="{FF2B5EF4-FFF2-40B4-BE49-F238E27FC236}">
+                <a16:creationId xmlns:a16="http://schemas.microsoft.com/office/drawing/2014/main" id="{2F473416-6538-491E-82A2-E86C7075E8B2}"/>
+              </a:ext>
+            </a:extLst>
+          </p:cNvPr>
+          <p:cNvSpPr>
+            <a:spLocks noGrp="1"/>
+          </p:cNvSpPr>
+          <p:nvPr>
+            <p:ph idx="1"/>
+          </p:nvPr>
+        </p:nvSpPr>
+        <p:spPr/>
+        <p:txBody>
+          <a:bodyPr/>
+          <a:lstStyle/>
+          <a:p>
+            <a:pPr marL="514350" indent="-514350">
+              <a:buAutoNum type="arabicPeriod"/>
+            </a:pPr>
+            <a:r>
+              <a:rPr lang="ru-RU" dirty="0"/>
+              <a:t>Рыбина Г.В. Теория и технология построения интегрированных экспертных систем. Монография. М.:</a:t>
+            </a:r>
+            <a:r>
+              <a:rPr lang="en-US" dirty="0"/>
+              <a:t>”</a:t>
+            </a:r>
+            <a:r>
+              <a:rPr lang="ru-RU" dirty="0"/>
+              <a:t>Научтехлитиздат</a:t>
+            </a:r>
+            <a:r>
+              <a:rPr lang="en-US" dirty="0"/>
+              <a:t>”</a:t>
+            </a:r>
+            <a:r>
+              <a:rPr lang="ru-RU" dirty="0"/>
+              <a:t>, 2008. – 482 с.</a:t>
+            </a:r>
+          </a:p>
+          <a:p>
+            <a:pPr marL="514350" indent="-514350">
+              <a:buAutoNum type="arabicPeriod"/>
+            </a:pPr>
+            <a:r>
+              <a:rPr lang="ru-RU" dirty="0"/>
+              <a:t>Рыбина Г.В., Демидов Д.В. Модели, методы и программные средства вывода в интегрированных экспертных системах // Инженерная физика. №2,2007. с.51-60.</a:t>
+            </a:r>
+          </a:p>
+          <a:p>
+            <a:pPr marL="514350" indent="-514350">
+              <a:buAutoNum type="arabicPeriod"/>
+            </a:pPr>
+            <a:r>
+              <a:rPr lang="en-US" dirty="0"/>
+              <a:t>Dominique A. Lobar Approach to Breast Ultrasound. – </a:t>
+            </a:r>
+            <a:r>
+              <a:rPr lang="ru-RU" dirty="0"/>
+              <a:t>М</a:t>
+            </a:r>
+            <a:r>
+              <a:rPr lang="en-US" dirty="0"/>
+              <a:t>.: Springer International Publishing AG. Part of Springer Nature 2018. – 346 </a:t>
+            </a:r>
+            <a:r>
+              <a:rPr lang="ru-RU" dirty="0"/>
+              <a:t>с</a:t>
+            </a:r>
+            <a:r>
+              <a:rPr lang="en-US" dirty="0"/>
+              <a:t>. </a:t>
+            </a:r>
+            <a:endParaRPr lang="ru-RU" dirty="0"/>
+          </a:p>
+        </p:txBody>
+      </p:sp>
+    </p:spTree>
+    <p:extLst>
+      <p:ext uri="{BB962C8B-B14F-4D97-AF65-F5344CB8AC3E}">
+        <p14:creationId xmlns:p14="http://schemas.microsoft.com/office/powerpoint/2010/main" val="1750056012"/>
+      </p:ext>
+    </p:extLst>
+  </p:cSld>
+  <p:clrMapOvr>
+    <a:masterClrMapping/>
+  </p:clrMapOvr>
+</p:sld>
+</file>
+
+<file path=ppt/slides/slide22.xml><?xml version="1.0" encoding="utf-8"?>
+<p:sld xmlns:a="http://schemas.openxmlformats.org/drawingml/2006/main" xmlns:r="http://schemas.openxmlformats.org/officeDocument/2006/relationships" xmlns:p="http://schemas.openxmlformats.org/presentationml/2006/main">
+  <p:cSld>
+    <p:spTree>
+      <p:nvGrpSpPr>
+        <p:cNvPr id="1" name=""/>
+        <p:cNvGrpSpPr/>
+        <p:nvPr/>
+      </p:nvGrpSpPr>
+      <p:grpSpPr>
+        <a:xfrm>
+          <a:off x="0" y="0"/>
+          <a:ext cx="0" cy="0"/>
+          <a:chOff x="0" y="0"/>
+          <a:chExt cx="0" cy="0"/>
+        </a:xfrm>
+      </p:grpSpPr>
+      <p:sp>
+        <p:nvSpPr>
+          <p:cNvPr id="4" name="Номер слайда 3">
+            <a:extLst>
+              <a:ext uri="{FF2B5EF4-FFF2-40B4-BE49-F238E27FC236}">
+                <a16:creationId xmlns:a16="http://schemas.microsoft.com/office/drawing/2014/main" id="{669CC55E-4EB3-4177-9E4C-130DE6DB234C}"/>
+              </a:ext>
+            </a:extLst>
+          </p:cNvPr>
+          <p:cNvSpPr>
+            <a:spLocks noGrp="1"/>
+          </p:cNvSpPr>
+          <p:nvPr>
+            <p:ph type="sldNum" sz="quarter" idx="4"/>
+          </p:nvPr>
+        </p:nvSpPr>
+        <p:spPr/>
+        <p:txBody>
+          <a:bodyPr/>
+          <a:lstStyle/>
+          <a:p>
+            <a:fld id="{24882390-5E8C-4CFA-AF90-B2445B96FD8B}" type="slidenum">
+              <a:rPr lang="ru-RU" smtClean="0"/>
+              <a:pPr/>
+              <a:t>22</a:t>
             </a:fld>
             <a:endParaRPr lang="ru-RU" dirty="0"/>
           </a:p>

--- a/Документы/Григорьев_Презентация.pptx
+++ b/Документы/Григорьев_Презентация.pptx
@@ -6707,10 +6707,10 @@
       </p:sp>
       <p:pic>
         <p:nvPicPr>
-          <p:cNvPr id="1026" name="Picture 2" descr="Сценарий тестирования АТ-РЕШАТЕЛЯ">
-            <a:extLst>
-              <a:ext uri="{FF2B5EF4-FFF2-40B4-BE49-F238E27FC236}">
-                <a16:creationId xmlns:a16="http://schemas.microsoft.com/office/drawing/2014/main" id="{95B43CA0-40DE-49A7-9533-F17BFB72576B}"/>
+          <p:cNvPr id="1027" name="Picture 3" descr="Сценарий тестирования АТ-РЕШАТЕЛЯ (1) (1)">
+            <a:extLst>
+              <a:ext uri="{FF2B5EF4-FFF2-40B4-BE49-F238E27FC236}">
+                <a16:creationId xmlns:a16="http://schemas.microsoft.com/office/drawing/2014/main" id="{CA3D0717-E1A1-448B-A982-F0C98CF856D9}"/>
               </a:ext>
             </a:extLst>
           </p:cNvPr>
@@ -6734,8 +6734,8 @@
         </p:blipFill>
         <p:spPr bwMode="auto">
           <a:xfrm>
-            <a:off x="2260706" y="817244"/>
-            <a:ext cx="4675151" cy="5552852"/>
+            <a:off x="2194647" y="810024"/>
+            <a:ext cx="4807269" cy="5694884"/>
           </a:xfrm>
           <a:prstGeom prst="rect">
             <a:avLst/>

--- a/Документы/Григорьев_Презентация.pptx
+++ b/Документы/Григорьев_Презентация.pptx
@@ -8212,7 +8212,17 @@
                   </a:schemeClr>
                 </a:solidFill>
               </a:rPr>
-              <a:t>41</a:t>
+              <a:t>43</a:t>
+            </a:r>
+            <a:r>
+              <a:rPr lang="ru-RU" sz="2600">
+                <a:solidFill>
+                  <a:schemeClr val="bg1">
+                    <a:lumMod val="50000"/>
+                  </a:schemeClr>
+                </a:solidFill>
+              </a:rPr>
+              <a:t> страницы, </a:t>
             </a:r>
             <a:r>
               <a:rPr lang="ru-RU" sz="2600" dirty="0">
@@ -8222,7 +8232,7 @@
                   </a:schemeClr>
                 </a:solidFill>
               </a:rPr>
-              <a:t> страницу, 18 рисунков, 2 таблицы,  </a:t>
+              <a:t>18 рисунков, 2 таблицы,  </a:t>
             </a:r>
             <a:r>
               <a:rPr lang="en-US" sz="2600" dirty="0">

--- a/Документы/Григорьев_Презентация.pptx
+++ b/Документы/Григорьев_Презентация.pptx
@@ -6707,15 +6707,15 @@
       </p:sp>
       <p:pic>
         <p:nvPicPr>
-          <p:cNvPr id="1027" name="Picture 3" descr="Сценарий тестирования АТ-РЕШАТЕЛЯ (1) (1)">
-            <a:extLst>
-              <a:ext uri="{FF2B5EF4-FFF2-40B4-BE49-F238E27FC236}">
-                <a16:creationId xmlns:a16="http://schemas.microsoft.com/office/drawing/2014/main" id="{CA3D0717-E1A1-448B-A982-F0C98CF856D9}"/>
+          <p:cNvPr id="13" name="Рисунок 12">
+            <a:extLst>
+              <a:ext uri="{FF2B5EF4-FFF2-40B4-BE49-F238E27FC236}">
+                <a16:creationId xmlns:a16="http://schemas.microsoft.com/office/drawing/2014/main" id="{A289D3B9-6050-4624-8922-50F06D7B41C6}"/>
               </a:ext>
             </a:extLst>
           </p:cNvPr>
           <p:cNvPicPr>
-            <a:picLocks noChangeAspect="1" noChangeArrowheads="1"/>
+            <a:picLocks noChangeAspect="1"/>
           </p:cNvPicPr>
           <p:nvPr/>
         </p:nvPicPr>
@@ -6727,42 +6727,18 @@
               </a:ext>
             </a:extLst>
           </a:blip>
-          <a:srcRect/>
           <a:stretch>
             <a:fillRect/>
           </a:stretch>
         </p:blipFill>
-        <p:spPr bwMode="auto">
-          <a:xfrm>
-            <a:off x="2194647" y="810024"/>
-            <a:ext cx="4807269" cy="5694884"/>
+        <p:spPr>
+          <a:xfrm>
+            <a:off x="551901" y="1289395"/>
+            <a:ext cx="8520261" cy="4279210"/>
           </a:xfrm>
           <a:prstGeom prst="rect">
             <a:avLst/>
           </a:prstGeom>
-          <a:noFill/>
-          <a:ln>
-            <a:noFill/>
-          </a:ln>
-          <a:extLst>
-            <a:ext uri="{909E8E84-426E-40DD-AFC4-6F175D3DCCD1}">
-              <a14:hiddenFill xmlns:a14="http://schemas.microsoft.com/office/drawing/2010/main">
-                <a:solidFill>
-                  <a:srgbClr val="FFFFFF"/>
-                </a:solidFill>
-              </a14:hiddenFill>
-            </a:ext>
-            <a:ext uri="{91240B29-F687-4F45-9708-019B960494DF}">
-              <a14:hiddenLine xmlns:a14="http://schemas.microsoft.com/office/drawing/2010/main" w="9525">
-                <a:solidFill>
-                  <a:srgbClr val="000000"/>
-                </a:solidFill>
-                <a:miter lim="800000"/>
-                <a:headEnd/>
-                <a:tailEnd/>
-              </a14:hiddenLine>
-            </a:ext>
-          </a:extLst>
         </p:spPr>
       </p:pic>
     </p:spTree>
@@ -8215,16 +8191,6 @@
               <a:t>43</a:t>
             </a:r>
             <a:r>
-              <a:rPr lang="ru-RU" sz="2600">
-                <a:solidFill>
-                  <a:schemeClr val="bg1">
-                    <a:lumMod val="50000"/>
-                  </a:schemeClr>
-                </a:solidFill>
-              </a:rPr>
-              <a:t> страницы, </a:t>
-            </a:r>
-            <a:r>
               <a:rPr lang="ru-RU" sz="2600" dirty="0">
                 <a:solidFill>
                   <a:schemeClr val="bg1">
@@ -8232,7 +8198,7 @@
                   </a:schemeClr>
                 </a:solidFill>
               </a:rPr>
-              <a:t>18 рисунков, 2 таблицы,  </a:t>
+              <a:t> страницы, 18 рисунков, 2 таблицы,  </a:t>
             </a:r>
             <a:r>
               <a:rPr lang="en-US" sz="2600" dirty="0">

--- a/Документы/Григорьев_Презентация.pptx
+++ b/Документы/Григорьев_Презентация.pptx
@@ -7726,13 +7726,13 @@
           <p:nvPr>
             <p:extLst>
               <p:ext uri="{D42A27DB-BD31-4B8C-83A1-F6EECF244321}">
-                <p14:modId xmlns:p14="http://schemas.microsoft.com/office/powerpoint/2010/main" val="4060440620"/>
+                <p14:modId xmlns:p14="http://schemas.microsoft.com/office/powerpoint/2010/main" val="2173808924"/>
               </p:ext>
             </p:extLst>
           </p:nvPr>
         </p:nvGraphicFramePr>
         <p:xfrm>
-          <a:off x="5014051" y="2092503"/>
+          <a:off x="5014051" y="1863285"/>
           <a:ext cx="3501299" cy="3940457"/>
         </p:xfrm>
         <a:graphic>

--- a/Документы/Григорьев_Презентация.pptx
+++ b/Документы/Григорьев_Презентация.pptx
@@ -5,7 +5,7 @@
     <p:sldMasterId id="2147483660" r:id="rId1"/>
   </p:sldMasterIdLst>
   <p:notesMasterIdLst>
-    <p:notesMasterId r:id="rId24"/>
+    <p:notesMasterId r:id="rId25"/>
   </p:notesMasterIdLst>
   <p:sldIdLst>
     <p:sldId id="275" r:id="rId2"/>
@@ -18,18 +18,19 @@
     <p:sldId id="262" r:id="rId9"/>
     <p:sldId id="300" r:id="rId10"/>
     <p:sldId id="263" r:id="rId11"/>
-    <p:sldId id="270" r:id="rId12"/>
-    <p:sldId id="284" r:id="rId13"/>
-    <p:sldId id="303" r:id="rId14"/>
-    <p:sldId id="285" r:id="rId15"/>
-    <p:sldId id="286" r:id="rId16"/>
-    <p:sldId id="288" r:id="rId17"/>
-    <p:sldId id="301" r:id="rId18"/>
-    <p:sldId id="305" r:id="rId19"/>
-    <p:sldId id="304" r:id="rId20"/>
-    <p:sldId id="302" r:id="rId21"/>
-    <p:sldId id="265" r:id="rId22"/>
-    <p:sldId id="269" r:id="rId23"/>
+    <p:sldId id="306" r:id="rId12"/>
+    <p:sldId id="270" r:id="rId13"/>
+    <p:sldId id="284" r:id="rId14"/>
+    <p:sldId id="303" r:id="rId15"/>
+    <p:sldId id="285" r:id="rId16"/>
+    <p:sldId id="286" r:id="rId17"/>
+    <p:sldId id="288" r:id="rId18"/>
+    <p:sldId id="301" r:id="rId19"/>
+    <p:sldId id="305" r:id="rId20"/>
+    <p:sldId id="304" r:id="rId21"/>
+    <p:sldId id="302" r:id="rId22"/>
+    <p:sldId id="265" r:id="rId23"/>
+    <p:sldId id="269" r:id="rId24"/>
   </p:sldIdLst>
   <p:sldSz cx="9144000" cy="6858000" type="screen4x3"/>
   <p:notesSz cx="6858000" cy="9144000"/>
@@ -229,7 +230,7 @@
           <a:p>
             <a:fld id="{B16452A2-87B4-47F0-AC37-ED6F4B94E49A}" type="datetimeFigureOut">
               <a:rPr lang="ru-RU" smtClean="0"/>
-              <a:t>08.06.2019</a:t>
+              <a:t>11.06.2019</a:t>
             </a:fld>
             <a:endParaRPr lang="ru-RU"/>
           </a:p>
@@ -4331,110 +4332,6 @@
       </p:grpSpPr>
       <p:sp>
         <p:nvSpPr>
-          <p:cNvPr id="14" name="Прямоугольник 13">
-            <a:extLst>
-              <a:ext uri="{FF2B5EF4-FFF2-40B4-BE49-F238E27FC236}">
-                <a16:creationId xmlns:a16="http://schemas.microsoft.com/office/drawing/2014/main" id="{193C5B48-3B79-405D-96C9-76A083468F79}"/>
-              </a:ext>
-            </a:extLst>
-          </p:cNvPr>
-          <p:cNvSpPr/>
-          <p:nvPr/>
-        </p:nvSpPr>
-        <p:spPr>
-          <a:xfrm>
-            <a:off x="712382" y="2041529"/>
-            <a:ext cx="8314660" cy="4338712"/>
-          </a:xfrm>
-          <a:prstGeom prst="rect">
-            <a:avLst/>
-          </a:prstGeom>
-          <a:ln w="28575"/>
-          <a:effectLst>
-            <a:outerShdw blurRad="50800" dist="38100" dir="18900000" algn="bl" rotWithShape="0">
-              <a:prstClr val="black">
-                <a:alpha val="40000"/>
-              </a:prstClr>
-            </a:outerShdw>
-          </a:effectLst>
-        </p:spPr>
-        <p:style>
-          <a:lnRef idx="2">
-            <a:schemeClr val="dk1"/>
-          </a:lnRef>
-          <a:fillRef idx="1">
-            <a:schemeClr val="lt1"/>
-          </a:fillRef>
-          <a:effectRef idx="0">
-            <a:schemeClr val="dk1"/>
-          </a:effectRef>
-          <a:fontRef idx="minor">
-            <a:schemeClr val="dk1"/>
-          </a:fontRef>
-        </p:style>
-        <p:txBody>
-          <a:bodyPr rtlCol="0" anchor="ctr"/>
-          <a:lstStyle/>
-          <a:p>
-            <a:pPr algn="ctr"/>
-            <a:endParaRPr lang="ru-RU" dirty="0"/>
-          </a:p>
-        </p:txBody>
-      </p:sp>
-      <p:sp>
-        <p:nvSpPr>
-          <p:cNvPr id="13" name="Прямоугольник 12">
-            <a:extLst>
-              <a:ext uri="{FF2B5EF4-FFF2-40B4-BE49-F238E27FC236}">
-                <a16:creationId xmlns:a16="http://schemas.microsoft.com/office/drawing/2014/main" id="{759BE80E-7419-4A3E-90C0-0D17480F65D8}"/>
-              </a:ext>
-            </a:extLst>
-          </p:cNvPr>
-          <p:cNvSpPr/>
-          <p:nvPr/>
-        </p:nvSpPr>
-        <p:spPr>
-          <a:xfrm>
-            <a:off x="917057" y="858492"/>
-            <a:ext cx="8109983" cy="1050464"/>
-          </a:xfrm>
-          <a:prstGeom prst="rect">
-            <a:avLst/>
-          </a:prstGeom>
-          <a:ln w="28575"/>
-          <a:effectLst>
-            <a:outerShdw blurRad="50800" dist="38100" dir="18900000" algn="bl" rotWithShape="0">
-              <a:prstClr val="black">
-                <a:alpha val="40000"/>
-              </a:prstClr>
-            </a:outerShdw>
-          </a:effectLst>
-        </p:spPr>
-        <p:style>
-          <a:lnRef idx="2">
-            <a:schemeClr val="dk1"/>
-          </a:lnRef>
-          <a:fillRef idx="1">
-            <a:schemeClr val="lt1"/>
-          </a:fillRef>
-          <a:effectRef idx="0">
-            <a:schemeClr val="dk1"/>
-          </a:effectRef>
-          <a:fontRef idx="minor">
-            <a:schemeClr val="dk1"/>
-          </a:fontRef>
-        </p:style>
-        <p:txBody>
-          <a:bodyPr rtlCol="0" anchor="ctr"/>
-          <a:lstStyle/>
-          <a:p>
-            <a:pPr algn="ctr"/>
-            <a:endParaRPr lang="ru-RU"/>
-          </a:p>
-        </p:txBody>
-      </p:sp>
-      <p:sp>
-        <p:nvSpPr>
           <p:cNvPr id="2" name="Заголовок 1">
             <a:extLst>
               <a:ext uri="{FF2B5EF4-FFF2-40B4-BE49-F238E27FC236}">
@@ -4494,136 +4391,115 @@
           </a:p>
         </p:txBody>
       </p:sp>
+      <p:sp>
+        <p:nvSpPr>
+          <p:cNvPr id="11" name="TextBox 10">
+            <a:extLst>
+              <a:ext uri="{FF2B5EF4-FFF2-40B4-BE49-F238E27FC236}">
+                <a16:creationId xmlns:a16="http://schemas.microsoft.com/office/drawing/2014/main" id="{C9EC3931-2665-4916-8F52-CB183BBC1666}"/>
+              </a:ext>
+            </a:extLst>
+          </p:cNvPr>
+          <p:cNvSpPr txBox="1"/>
+          <p:nvPr/>
+        </p:nvSpPr>
+        <p:spPr>
+          <a:xfrm>
+            <a:off x="6615802" y="1186402"/>
+            <a:ext cx="2411238" cy="369332"/>
+          </a:xfrm>
+          <a:prstGeom prst="rect">
+            <a:avLst/>
+          </a:prstGeom>
+          <a:noFill/>
+        </p:spPr>
+        <p:txBody>
+          <a:bodyPr wrap="none" rtlCol="0">
+            <a:spAutoFit/>
+          </a:bodyPr>
+          <a:lstStyle/>
+          <a:p>
+            <a:r>
+              <a:rPr lang="ru-RU" dirty="0"/>
+              <a:t>РДПД верхнего уровня</a:t>
+            </a:r>
+          </a:p>
+        </p:txBody>
+      </p:sp>
+      <p:sp>
+        <p:nvSpPr>
+          <p:cNvPr id="15" name="TextBox 14">
+            <a:extLst>
+              <a:ext uri="{FF2B5EF4-FFF2-40B4-BE49-F238E27FC236}">
+                <a16:creationId xmlns:a16="http://schemas.microsoft.com/office/drawing/2014/main" id="{5BCBEBB8-EE81-410A-804C-5425F129530C}"/>
+              </a:ext>
+            </a:extLst>
+          </p:cNvPr>
+          <p:cNvSpPr txBox="1"/>
+          <p:nvPr/>
+        </p:nvSpPr>
+        <p:spPr>
+          <a:xfrm>
+            <a:off x="6020380" y="5278731"/>
+            <a:ext cx="2495042" cy="369332"/>
+          </a:xfrm>
+          <a:prstGeom prst="rect">
+            <a:avLst/>
+          </a:prstGeom>
+          <a:noFill/>
+        </p:spPr>
+        <p:txBody>
+          <a:bodyPr wrap="none" rtlCol="0">
+            <a:spAutoFit/>
+          </a:bodyPr>
+          <a:lstStyle/>
+          <a:p>
+            <a:r>
+              <a:rPr lang="ru-RU" dirty="0"/>
+              <a:t>Детализирующая РДПД</a:t>
+            </a:r>
+          </a:p>
+        </p:txBody>
+      </p:sp>
       <p:pic>
         <p:nvPicPr>
-          <p:cNvPr id="8" name="Рисунок 7">
-            <a:extLst>
-              <a:ext uri="{FF2B5EF4-FFF2-40B4-BE49-F238E27FC236}">
-                <a16:creationId xmlns:a16="http://schemas.microsoft.com/office/drawing/2014/main" id="{4A086265-1756-43AA-BE6C-D8289C24278C}"/>
-              </a:ext>
-            </a:extLst>
-          </p:cNvPr>
-          <p:cNvPicPr>
-            <a:picLocks noChangeAspect="1"/>
-          </p:cNvPicPr>
+          <p:cNvPr id="12" name="Рисунок 11" descr="https://sun1-16.userapi.com/c855328/v855328657/67c76/UITaRIjoAhg.jpg">
+            <a:extLst>
+              <a:ext uri="{FF2B5EF4-FFF2-40B4-BE49-F238E27FC236}">
+                <a16:creationId xmlns:a16="http://schemas.microsoft.com/office/drawing/2014/main" id="{9F00FC76-44D1-4499-BF08-774C05DDB2AB}"/>
+              </a:ext>
+            </a:extLst>
+          </p:cNvPr>
+          <p:cNvPicPr/>
           <p:nvPr/>
         </p:nvPicPr>
         <p:blipFill>
-          <a:blip r:embed="rId2"/>
+          <a:blip r:embed="rId2">
+            <a:extLst>
+              <a:ext uri="{28A0092B-C50C-407E-A947-70E740481C1C}">
+                <a14:useLocalDpi xmlns:a14="http://schemas.microsoft.com/office/drawing/2010/main" val="0"/>
+              </a:ext>
+            </a:extLst>
+          </a:blip>
+          <a:srcRect/>
           <a:stretch>
             <a:fillRect/>
           </a:stretch>
         </p:blipFill>
-        <p:spPr>
-          <a:xfrm>
-            <a:off x="1232079" y="991065"/>
-            <a:ext cx="5411767" cy="760006"/>
+        <p:spPr bwMode="auto">
+          <a:xfrm>
+            <a:off x="628578" y="1715222"/>
+            <a:ext cx="8046108" cy="4217701"/>
           </a:xfrm>
           <a:prstGeom prst="rect">
             <a:avLst/>
           </a:prstGeom>
+          <a:noFill/>
+          <a:ln>
+            <a:noFill/>
+          </a:ln>
         </p:spPr>
       </p:pic>
-      <p:pic>
-        <p:nvPicPr>
-          <p:cNvPr id="10" name="Рисунок 9">
-            <a:extLst>
-              <a:ext uri="{FF2B5EF4-FFF2-40B4-BE49-F238E27FC236}">
-                <a16:creationId xmlns:a16="http://schemas.microsoft.com/office/drawing/2014/main" id="{8EB5AC82-ED18-4E9C-9BDB-F4FC133D4278}"/>
-              </a:ext>
-            </a:extLst>
-          </p:cNvPr>
-          <p:cNvPicPr>
-            <a:picLocks noChangeAspect="1"/>
-          </p:cNvPicPr>
-          <p:nvPr/>
-        </p:nvPicPr>
-        <p:blipFill>
-          <a:blip r:embed="rId3"/>
-          <a:stretch>
-            <a:fillRect/>
-          </a:stretch>
-        </p:blipFill>
-        <p:spPr>
-          <a:xfrm>
-            <a:off x="863484" y="2120541"/>
-            <a:ext cx="8067675" cy="4143375"/>
-          </a:xfrm>
-          <a:prstGeom prst="rect">
-            <a:avLst/>
-          </a:prstGeom>
-        </p:spPr>
-      </p:pic>
-      <p:sp>
-        <p:nvSpPr>
-          <p:cNvPr id="11" name="TextBox 10">
-            <a:extLst>
-              <a:ext uri="{FF2B5EF4-FFF2-40B4-BE49-F238E27FC236}">
-                <a16:creationId xmlns:a16="http://schemas.microsoft.com/office/drawing/2014/main" id="{C9EC3931-2665-4916-8F52-CB183BBC1666}"/>
-              </a:ext>
-            </a:extLst>
-          </p:cNvPr>
-          <p:cNvSpPr txBox="1"/>
-          <p:nvPr/>
-        </p:nvSpPr>
-        <p:spPr>
-          <a:xfrm>
-            <a:off x="6615802" y="1186402"/>
-            <a:ext cx="2411238" cy="369332"/>
-          </a:xfrm>
-          <a:prstGeom prst="rect">
-            <a:avLst/>
-          </a:prstGeom>
-          <a:noFill/>
-        </p:spPr>
-        <p:txBody>
-          <a:bodyPr wrap="none" rtlCol="0">
-            <a:spAutoFit/>
-          </a:bodyPr>
-          <a:lstStyle/>
-          <a:p>
-            <a:r>
-              <a:rPr lang="ru-RU" dirty="0"/>
-              <a:t>РДПД верхнего уровня</a:t>
-            </a:r>
-          </a:p>
-        </p:txBody>
-      </p:sp>
-      <p:sp>
-        <p:nvSpPr>
-          <p:cNvPr id="15" name="TextBox 14">
-            <a:extLst>
-              <a:ext uri="{FF2B5EF4-FFF2-40B4-BE49-F238E27FC236}">
-                <a16:creationId xmlns:a16="http://schemas.microsoft.com/office/drawing/2014/main" id="{5BCBEBB8-EE81-410A-804C-5425F129530C}"/>
-              </a:ext>
-            </a:extLst>
-          </p:cNvPr>
-          <p:cNvSpPr txBox="1"/>
-          <p:nvPr/>
-        </p:nvSpPr>
-        <p:spPr>
-          <a:xfrm>
-            <a:off x="6020380" y="5278731"/>
-            <a:ext cx="2495042" cy="369332"/>
-          </a:xfrm>
-          <a:prstGeom prst="rect">
-            <a:avLst/>
-          </a:prstGeom>
-          <a:noFill/>
-        </p:spPr>
-        <p:txBody>
-          <a:bodyPr wrap="none" rtlCol="0">
-            <a:spAutoFit/>
-          </a:bodyPr>
-          <a:lstStyle/>
-          <a:p>
-            <a:r>
-              <a:rPr lang="ru-RU" dirty="0"/>
-              <a:t>Детализирующая РДПД</a:t>
-            </a:r>
-          </a:p>
-        </p:txBody>
-      </p:sp>
     </p:spTree>
     <p:extLst>
       <p:ext uri="{BB962C8B-B14F-4D97-AF65-F5344CB8AC3E}">
@@ -4656,232 +4532,13 @@
       </p:grpSpPr>
       <p:sp>
         <p:nvSpPr>
-          <p:cNvPr id="12" name="Стрелка: вниз 11">
-            <a:extLst>
-              <a:ext uri="{FF2B5EF4-FFF2-40B4-BE49-F238E27FC236}">
-                <a16:creationId xmlns:a16="http://schemas.microsoft.com/office/drawing/2014/main" id="{69536337-0C35-4248-AB00-BF842C759A01}"/>
-              </a:ext>
-            </a:extLst>
-          </p:cNvPr>
-          <p:cNvSpPr/>
-          <p:nvPr/>
-        </p:nvSpPr>
-        <p:spPr>
-          <a:xfrm rot="18605327" flipH="1">
-            <a:off x="6402785" y="794711"/>
-            <a:ext cx="484632" cy="2053945"/>
-          </a:xfrm>
-          <a:prstGeom prst="downArrow">
-            <a:avLst/>
-          </a:prstGeom>
-          <a:ln w="28575"/>
-        </p:spPr>
-        <p:style>
-          <a:lnRef idx="2">
-            <a:schemeClr val="accent1"/>
-          </a:lnRef>
-          <a:fillRef idx="1">
-            <a:schemeClr val="lt1"/>
-          </a:fillRef>
-          <a:effectRef idx="0">
-            <a:schemeClr val="accent1"/>
-          </a:effectRef>
-          <a:fontRef idx="minor">
-            <a:schemeClr val="dk1"/>
-          </a:fontRef>
-        </p:style>
-        <p:txBody>
-          <a:bodyPr rtlCol="0" anchor="ctr"/>
-          <a:lstStyle/>
-          <a:p>
-            <a:pPr algn="ctr"/>
-            <a:endParaRPr lang="ru-RU"/>
-          </a:p>
-        </p:txBody>
-      </p:sp>
-      <p:sp>
-        <p:nvSpPr>
-          <p:cNvPr id="11" name="Стрелка: вниз 10">
-            <a:extLst>
-              <a:ext uri="{FF2B5EF4-FFF2-40B4-BE49-F238E27FC236}">
-                <a16:creationId xmlns:a16="http://schemas.microsoft.com/office/drawing/2014/main" id="{4200621A-07E4-4DAE-97FD-BBC958D7C5F2}"/>
-              </a:ext>
-            </a:extLst>
-          </p:cNvPr>
-          <p:cNvSpPr/>
-          <p:nvPr/>
-        </p:nvSpPr>
-        <p:spPr>
-          <a:xfrm rot="20621313" flipH="1">
-            <a:off x="5766243" y="1525994"/>
-            <a:ext cx="484632" cy="2306315"/>
-          </a:xfrm>
-          <a:prstGeom prst="downArrow">
-            <a:avLst/>
-          </a:prstGeom>
-          <a:ln w="28575"/>
-        </p:spPr>
-        <p:style>
-          <a:lnRef idx="2">
-            <a:schemeClr val="accent1"/>
-          </a:lnRef>
-          <a:fillRef idx="1">
-            <a:schemeClr val="lt1"/>
-          </a:fillRef>
-          <a:effectRef idx="0">
-            <a:schemeClr val="accent1"/>
-          </a:effectRef>
-          <a:fontRef idx="minor">
-            <a:schemeClr val="dk1"/>
-          </a:fontRef>
-        </p:style>
-        <p:txBody>
-          <a:bodyPr rtlCol="0" anchor="ctr"/>
-          <a:lstStyle/>
-          <a:p>
-            <a:pPr algn="ctr"/>
-            <a:endParaRPr lang="ru-RU"/>
-          </a:p>
-        </p:txBody>
-      </p:sp>
-      <p:sp>
-        <p:nvSpPr>
-          <p:cNvPr id="10" name="Стрелка: вниз 9">
-            <a:extLst>
-              <a:ext uri="{FF2B5EF4-FFF2-40B4-BE49-F238E27FC236}">
-                <a16:creationId xmlns:a16="http://schemas.microsoft.com/office/drawing/2014/main" id="{4624CF0B-E6A7-4950-A8BF-EDAF7554099D}"/>
-              </a:ext>
-            </a:extLst>
-          </p:cNvPr>
-          <p:cNvSpPr/>
-          <p:nvPr/>
-        </p:nvSpPr>
-        <p:spPr>
-          <a:xfrm>
-            <a:off x="4598636" y="1502100"/>
-            <a:ext cx="484632" cy="2662433"/>
-          </a:xfrm>
-          <a:prstGeom prst="downArrow">
-            <a:avLst/>
-          </a:prstGeom>
-          <a:ln w="28575"/>
-        </p:spPr>
-        <p:style>
-          <a:lnRef idx="2">
-            <a:schemeClr val="accent1"/>
-          </a:lnRef>
-          <a:fillRef idx="1">
-            <a:schemeClr val="lt1"/>
-          </a:fillRef>
-          <a:effectRef idx="0">
-            <a:schemeClr val="accent1"/>
-          </a:effectRef>
-          <a:fontRef idx="minor">
-            <a:schemeClr val="dk1"/>
-          </a:fontRef>
-        </p:style>
-        <p:txBody>
-          <a:bodyPr rtlCol="0" anchor="ctr"/>
-          <a:lstStyle/>
-          <a:p>
-            <a:pPr algn="ctr"/>
-            <a:endParaRPr lang="ru-RU"/>
-          </a:p>
-        </p:txBody>
-      </p:sp>
-      <p:sp>
-        <p:nvSpPr>
-          <p:cNvPr id="9" name="Стрелка: вниз 8">
-            <a:extLst>
-              <a:ext uri="{FF2B5EF4-FFF2-40B4-BE49-F238E27FC236}">
-                <a16:creationId xmlns:a16="http://schemas.microsoft.com/office/drawing/2014/main" id="{6B7E5C50-6B9D-4647-9CD7-55383AF47C95}"/>
-              </a:ext>
-            </a:extLst>
-          </p:cNvPr>
-          <p:cNvSpPr/>
-          <p:nvPr/>
-        </p:nvSpPr>
-        <p:spPr>
-          <a:xfrm rot="978687">
-            <a:off x="3397671" y="1524823"/>
-            <a:ext cx="484632" cy="2252567"/>
-          </a:xfrm>
-          <a:prstGeom prst="downArrow">
-            <a:avLst/>
-          </a:prstGeom>
-          <a:ln w="28575"/>
-        </p:spPr>
-        <p:style>
-          <a:lnRef idx="2">
-            <a:schemeClr val="accent1"/>
-          </a:lnRef>
-          <a:fillRef idx="1">
-            <a:schemeClr val="lt1"/>
-          </a:fillRef>
-          <a:effectRef idx="0">
-            <a:schemeClr val="accent1"/>
-          </a:effectRef>
-          <a:fontRef idx="minor">
-            <a:schemeClr val="dk1"/>
-          </a:fontRef>
-        </p:style>
-        <p:txBody>
-          <a:bodyPr rtlCol="0" anchor="ctr"/>
-          <a:lstStyle/>
-          <a:p>
-            <a:pPr algn="ctr"/>
-            <a:endParaRPr lang="ru-RU"/>
-          </a:p>
-        </p:txBody>
-      </p:sp>
-      <p:sp>
-        <p:nvSpPr>
-          <p:cNvPr id="6" name="Стрелка: вниз 5">
-            <a:extLst>
-              <a:ext uri="{FF2B5EF4-FFF2-40B4-BE49-F238E27FC236}">
-                <a16:creationId xmlns:a16="http://schemas.microsoft.com/office/drawing/2014/main" id="{D960312F-DCC8-4E0B-B6E1-F442C357F947}"/>
-              </a:ext>
-            </a:extLst>
-          </p:cNvPr>
-          <p:cNvSpPr/>
-          <p:nvPr/>
-        </p:nvSpPr>
-        <p:spPr>
-          <a:xfrm rot="2994673">
-            <a:off x="2722646" y="794709"/>
-            <a:ext cx="484632" cy="2053945"/>
-          </a:xfrm>
-          <a:prstGeom prst="downArrow">
-            <a:avLst/>
-          </a:prstGeom>
-          <a:ln w="28575"/>
-        </p:spPr>
-        <p:style>
-          <a:lnRef idx="2">
-            <a:schemeClr val="accent1"/>
-          </a:lnRef>
-          <a:fillRef idx="1">
-            <a:schemeClr val="lt1"/>
-          </a:fillRef>
-          <a:effectRef idx="0">
-            <a:schemeClr val="accent1"/>
-          </a:effectRef>
-          <a:fontRef idx="minor">
-            <a:schemeClr val="dk1"/>
-          </a:fontRef>
-        </p:style>
-        <p:txBody>
-          <a:bodyPr rtlCol="0" anchor="ctr"/>
-          <a:lstStyle/>
-          <a:p>
-            <a:pPr algn="ctr"/>
-            <a:endParaRPr lang="ru-RU"/>
-          </a:p>
-        </p:txBody>
-      </p:sp>
-      <p:sp>
-        <p:nvSpPr>
-          <p:cNvPr id="2" name="Заголовок 1"/>
+          <p:cNvPr id="2" name="Заголовок 1">
+            <a:extLst>
+              <a:ext uri="{FF2B5EF4-FFF2-40B4-BE49-F238E27FC236}">
+                <a16:creationId xmlns:a16="http://schemas.microsoft.com/office/drawing/2014/main" id="{F5DA2664-D692-4762-9A26-60AA777F370E}"/>
+              </a:ext>
+            </a:extLst>
+          </p:cNvPr>
           <p:cNvSpPr>
             <a:spLocks noGrp="1"/>
           </p:cNvSpPr>
@@ -4889,29 +4546,30 @@
             <p:ph type="title"/>
           </p:nvPr>
         </p:nvSpPr>
-        <p:spPr>
-          <a:xfrm>
-            <a:off x="628650" y="36094"/>
-            <a:ext cx="8080784" cy="687013"/>
-          </a:xfrm>
-        </p:spPr>
+        <p:spPr/>
         <p:txBody>
           <a:bodyPr>
-            <a:noAutofit/>
+            <a:normAutofit/>
           </a:bodyPr>
           <a:lstStyle/>
           <a:p>
             <a:pPr algn="ctr"/>
             <a:r>
               <a:rPr lang="ru-RU" sz="3200" dirty="0"/>
-              <a:t>Модель проблемной области</a:t>
-            </a:r>
-          </a:p>
-        </p:txBody>
-      </p:sp>
-      <p:sp>
-        <p:nvSpPr>
-          <p:cNvPr id="4" name="Номер слайда 3"/>
+              <a:t>Модель архитектуры прототипа ИЭС</a:t>
+            </a:r>
+          </a:p>
+        </p:txBody>
+      </p:sp>
+      <p:sp>
+        <p:nvSpPr>
+          <p:cNvPr id="4" name="Номер слайда 3">
+            <a:extLst>
+              <a:ext uri="{FF2B5EF4-FFF2-40B4-BE49-F238E27FC236}">
+                <a16:creationId xmlns:a16="http://schemas.microsoft.com/office/drawing/2014/main" id="{5C84937D-9D75-4E06-A537-436E4EC18686}"/>
+              </a:ext>
+            </a:extLst>
+          </p:cNvPr>
           <p:cNvSpPr>
             <a:spLocks noGrp="1"/>
           </p:cNvSpPr>
@@ -4935,740 +4593,88 @@
       </p:sp>
       <p:sp>
         <p:nvSpPr>
-          <p:cNvPr id="3" name="Блок-схема: типовой процесс 2">
-            <a:extLst>
-              <a:ext uri="{FF2B5EF4-FFF2-40B4-BE49-F238E27FC236}">
-                <a16:creationId xmlns:a16="http://schemas.microsoft.com/office/drawing/2014/main" id="{EB7F03B8-9108-4C09-ACB0-658E2C2FE450}"/>
-              </a:ext>
-            </a:extLst>
-          </p:cNvPr>
-          <p:cNvSpPr/>
+          <p:cNvPr id="15" name="TextBox 14">
+            <a:extLst>
+              <a:ext uri="{FF2B5EF4-FFF2-40B4-BE49-F238E27FC236}">
+                <a16:creationId xmlns:a16="http://schemas.microsoft.com/office/drawing/2014/main" id="{5BCBEBB8-EE81-410A-804C-5425F129530C}"/>
+              </a:ext>
+            </a:extLst>
+          </p:cNvPr>
+          <p:cNvSpPr txBox="1"/>
           <p:nvPr/>
         </p:nvSpPr>
         <p:spPr>
           <a:xfrm>
-            <a:off x="3496252" y="974954"/>
-            <a:ext cx="2631559" cy="687014"/>
-          </a:xfrm>
-          <a:prstGeom prst="flowChartPredefinedProcess">
+            <a:off x="4063917" y="5492724"/>
+            <a:ext cx="4716869" cy="646331"/>
+          </a:xfrm>
+          <a:prstGeom prst="rect">
             <a:avLst/>
           </a:prstGeom>
-          <a:solidFill>
-            <a:schemeClr val="accent1">
-              <a:lumMod val="20000"/>
-              <a:lumOff val="80000"/>
-            </a:schemeClr>
-          </a:solidFill>
-          <a:ln w="38100"/>
-        </p:spPr>
-        <p:style>
-          <a:lnRef idx="2">
-            <a:schemeClr val="accent1"/>
-          </a:lnRef>
-          <a:fillRef idx="1">
-            <a:schemeClr val="lt1"/>
-          </a:fillRef>
-          <a:effectRef idx="0">
-            <a:schemeClr val="accent1"/>
-          </a:effectRef>
-          <a:fontRef idx="minor">
-            <a:schemeClr val="dk1"/>
-          </a:fontRef>
-        </p:style>
-        <p:txBody>
-          <a:bodyPr rtlCol="0" anchor="ctr"/>
-          <a:lstStyle/>
-          <a:p>
-            <a:pPr algn="ctr"/>
-            <a:r>
-              <a:rPr lang="ru-RU" sz="2000" dirty="0">
-                <a:latin typeface="Times New Roman" panose="02020603050405020304" pitchFamily="18" charset="0"/>
-                <a:cs typeface="Times New Roman" panose="02020603050405020304" pitchFamily="18" charset="0"/>
-              </a:rPr>
-              <a:t>Модель задачи диагностики</a:t>
-            </a:r>
-          </a:p>
-        </p:txBody>
-      </p:sp>
-      <p:graphicFrame>
-        <p:nvGraphicFramePr>
-          <p:cNvPr id="14" name="Таблица 13">
-            <a:extLst>
-              <a:ext uri="{FF2B5EF4-FFF2-40B4-BE49-F238E27FC236}">
-                <a16:creationId xmlns:a16="http://schemas.microsoft.com/office/drawing/2014/main" id="{D30D1BD8-404F-4C35-A867-2612B87EB0A6}"/>
-              </a:ext>
-            </a:extLst>
-          </p:cNvPr>
-          <p:cNvGraphicFramePr>
-            <a:graphicFrameLocks noGrp="1"/>
-          </p:cNvGraphicFramePr>
-          <p:nvPr>
-            <p:extLst>
-              <p:ext uri="{D42A27DB-BD31-4B8C-83A1-F6EECF244321}">
-                <p14:modId xmlns:p14="http://schemas.microsoft.com/office/powerpoint/2010/main" val="912756375"/>
-              </p:ext>
-            </p:extLst>
-          </p:nvPr>
-        </p:nvGraphicFramePr>
-        <p:xfrm>
-          <a:off x="464888" y="2562335"/>
-          <a:ext cx="2372532" cy="994908"/>
-        </p:xfrm>
-        <a:graphic>
-          <a:graphicData uri="http://schemas.openxmlformats.org/drawingml/2006/table">
-            <a:tbl>
-              <a:tblPr firstRow="1" bandRow="1">
-                <a:tableStyleId>{5A111915-BE36-4E01-A7E5-04B1672EAD32}</a:tableStyleId>
-              </a:tblPr>
-              <a:tblGrid>
-                <a:gridCol w="2372532">
-                  <a:extLst>
-                    <a:ext uri="{9D8B030D-6E8A-4147-A177-3AD203B41FA5}">
-                      <a16:colId xmlns:a16="http://schemas.microsoft.com/office/drawing/2014/main" val="1349256452"/>
-                    </a:ext>
-                  </a:extLst>
-                </a:gridCol>
-              </a:tblGrid>
-              <a:tr h="319088">
-                <a:tc>
-                  <a:txBody>
-                    <a:bodyPr/>
-                    <a:lstStyle/>
-                    <a:p>
-                      <a:r>
-                        <a:rPr lang="ru-RU" sz="1400" b="0" dirty="0">
-                          <a:latin typeface="Times New Roman" panose="02020603050405020304" pitchFamily="18" charset="0"/>
-                          <a:cs typeface="Times New Roman" panose="02020603050405020304" pitchFamily="18" charset="0"/>
-                        </a:rPr>
-                        <a:t>Диагностируемый объект</a:t>
-                      </a:r>
-                    </a:p>
-                  </a:txBody>
-                  <a:tcPr/>
-                </a:tc>
-                <a:extLst>
-                  <a:ext uri="{0D108BD9-81ED-4DB2-BD59-A6C34878D82A}">
-                    <a16:rowId xmlns:a16="http://schemas.microsoft.com/office/drawing/2014/main" val="1975612644"/>
-                  </a:ext>
-                </a:extLst>
-              </a:tr>
-              <a:tr h="675820">
-                <a:tc>
-                  <a:txBody>
-                    <a:bodyPr/>
-                    <a:lstStyle/>
-                    <a:p>
-                      <a:r>
-                        <a:rPr lang="ru-RU" sz="1600" dirty="0">
-                          <a:latin typeface="Times New Roman" panose="02020603050405020304" pitchFamily="18" charset="0"/>
-                          <a:cs typeface="Times New Roman" panose="02020603050405020304" pitchFamily="18" charset="0"/>
-                        </a:rPr>
-                        <a:t>Образование в молочной железе</a:t>
-                      </a:r>
-                    </a:p>
-                  </a:txBody>
-                  <a:tcPr/>
-                </a:tc>
-                <a:extLst>
-                  <a:ext uri="{0D108BD9-81ED-4DB2-BD59-A6C34878D82A}">
-                    <a16:rowId xmlns:a16="http://schemas.microsoft.com/office/drawing/2014/main" val="2738651601"/>
-                  </a:ext>
-                </a:extLst>
-              </a:tr>
-            </a:tbl>
-          </a:graphicData>
-        </a:graphic>
-      </p:graphicFrame>
-      <p:graphicFrame>
-        <p:nvGraphicFramePr>
-          <p:cNvPr id="16" name="Таблица 15">
-            <a:extLst>
-              <a:ext uri="{FF2B5EF4-FFF2-40B4-BE49-F238E27FC236}">
-                <a16:creationId xmlns:a16="http://schemas.microsoft.com/office/drawing/2014/main" id="{DDCA654A-6EED-48F7-ACFC-8E355641BC31}"/>
-              </a:ext>
-            </a:extLst>
-          </p:cNvPr>
-          <p:cNvGraphicFramePr>
-            <a:graphicFrameLocks noGrp="1"/>
-          </p:cNvGraphicFramePr>
-          <p:nvPr>
-            <p:extLst>
-              <p:ext uri="{D42A27DB-BD31-4B8C-83A1-F6EECF244321}">
-                <p14:modId xmlns:p14="http://schemas.microsoft.com/office/powerpoint/2010/main" val="286993330"/>
-              </p:ext>
-            </p:extLst>
-          </p:nvPr>
-        </p:nvGraphicFramePr>
-        <p:xfrm>
-          <a:off x="1077274" y="3757581"/>
-          <a:ext cx="2372532" cy="2031013"/>
-        </p:xfrm>
-        <a:graphic>
-          <a:graphicData uri="http://schemas.openxmlformats.org/drawingml/2006/table">
-            <a:tbl>
-              <a:tblPr firstRow="1" bandRow="1">
-                <a:tableStyleId>{5A111915-BE36-4E01-A7E5-04B1672EAD32}</a:tableStyleId>
-              </a:tblPr>
-              <a:tblGrid>
-                <a:gridCol w="2372532">
-                  <a:extLst>
-                    <a:ext uri="{9D8B030D-6E8A-4147-A177-3AD203B41FA5}">
-                      <a16:colId xmlns:a16="http://schemas.microsoft.com/office/drawing/2014/main" val="1349256452"/>
-                    </a:ext>
-                  </a:extLst>
-                </a:gridCol>
-              </a:tblGrid>
-              <a:tr h="354613">
-                <a:tc>
-                  <a:txBody>
-                    <a:bodyPr/>
-                    <a:lstStyle/>
-                    <a:p>
-                      <a:r>
-                        <a:rPr lang="ru-RU" sz="1400" b="0" dirty="0">
-                          <a:latin typeface="Times New Roman" panose="02020603050405020304" pitchFamily="18" charset="0"/>
-                          <a:cs typeface="Times New Roman" panose="02020603050405020304" pitchFamily="18" charset="0"/>
-                        </a:rPr>
-                        <a:t>Множество симптомов</a:t>
-                      </a:r>
-                    </a:p>
-                  </a:txBody>
-                  <a:tcPr/>
-                </a:tc>
-                <a:extLst>
-                  <a:ext uri="{0D108BD9-81ED-4DB2-BD59-A6C34878D82A}">
-                    <a16:rowId xmlns:a16="http://schemas.microsoft.com/office/drawing/2014/main" val="1975612644"/>
-                  </a:ext>
-                </a:extLst>
-              </a:tr>
-              <a:tr h="305429">
-                <a:tc>
-                  <a:txBody>
-                    <a:bodyPr/>
-                    <a:lstStyle/>
-                    <a:p>
-                      <a:r>
-                        <a:rPr lang="ru-RU" sz="1600" dirty="0">
-                          <a:latin typeface="Times New Roman" panose="02020603050405020304" pitchFamily="18" charset="0"/>
-                          <a:cs typeface="Times New Roman" panose="02020603050405020304" pitchFamily="18" charset="0"/>
-                        </a:rPr>
-                        <a:t>Эхоструктура</a:t>
-                      </a:r>
-                    </a:p>
-                  </a:txBody>
-                  <a:tcPr/>
-                </a:tc>
-                <a:extLst>
-                  <a:ext uri="{0D108BD9-81ED-4DB2-BD59-A6C34878D82A}">
-                    <a16:rowId xmlns:a16="http://schemas.microsoft.com/office/drawing/2014/main" val="2738651601"/>
-                  </a:ext>
-                </a:extLst>
-              </a:tr>
-              <a:tr h="305429">
-                <a:tc>
-                  <a:txBody>
-                    <a:bodyPr/>
-                    <a:lstStyle/>
-                    <a:p>
-                      <a:r>
-                        <a:rPr lang="ru-RU" sz="1600" dirty="0">
-                          <a:latin typeface="Times New Roman" panose="02020603050405020304" pitchFamily="18" charset="0"/>
-                          <a:cs typeface="Times New Roman" panose="02020603050405020304" pitchFamily="18" charset="0"/>
-                        </a:rPr>
-                        <a:t>Эхогенность</a:t>
-                      </a:r>
-                    </a:p>
-                  </a:txBody>
-                  <a:tcPr/>
-                </a:tc>
-                <a:extLst>
-                  <a:ext uri="{0D108BD9-81ED-4DB2-BD59-A6C34878D82A}">
-                    <a16:rowId xmlns:a16="http://schemas.microsoft.com/office/drawing/2014/main" val="961168654"/>
-                  </a:ext>
-                </a:extLst>
-              </a:tr>
-              <a:tr h="305429">
-                <a:tc>
-                  <a:txBody>
-                    <a:bodyPr/>
-                    <a:lstStyle/>
-                    <a:p>
-                      <a:r>
-                        <a:rPr lang="ru-RU" sz="1600" dirty="0">
-                          <a:latin typeface="Times New Roman" panose="02020603050405020304" pitchFamily="18" charset="0"/>
-                          <a:cs typeface="Times New Roman" panose="02020603050405020304" pitchFamily="18" charset="0"/>
-                        </a:rPr>
-                        <a:t>Форма</a:t>
-                      </a:r>
-                    </a:p>
-                  </a:txBody>
-                  <a:tcPr/>
-                </a:tc>
-                <a:extLst>
-                  <a:ext uri="{0D108BD9-81ED-4DB2-BD59-A6C34878D82A}">
-                    <a16:rowId xmlns:a16="http://schemas.microsoft.com/office/drawing/2014/main" val="1597883752"/>
-                  </a:ext>
-                </a:extLst>
-              </a:tr>
-              <a:tr h="305429">
-                <a:tc>
-                  <a:txBody>
-                    <a:bodyPr/>
-                    <a:lstStyle/>
-                    <a:p>
-                      <a:r>
-                        <a:rPr lang="ru-RU" sz="1600" dirty="0">
-                          <a:latin typeface="Times New Roman" panose="02020603050405020304" pitchFamily="18" charset="0"/>
-                          <a:cs typeface="Times New Roman" panose="02020603050405020304" pitchFamily="18" charset="0"/>
-                        </a:rPr>
-                        <a:t>Контур</a:t>
-                      </a:r>
-                    </a:p>
-                  </a:txBody>
-                  <a:tcPr/>
-                </a:tc>
-                <a:extLst>
-                  <a:ext uri="{0D108BD9-81ED-4DB2-BD59-A6C34878D82A}">
-                    <a16:rowId xmlns:a16="http://schemas.microsoft.com/office/drawing/2014/main" val="1194591036"/>
-                  </a:ext>
-                </a:extLst>
-              </a:tr>
-              <a:tr h="305429">
-                <a:tc>
-                  <a:txBody>
-                    <a:bodyPr/>
-                    <a:lstStyle/>
-                    <a:p>
-                      <a:r>
-                        <a:rPr lang="ru-RU" sz="1600" dirty="0">
-                          <a:latin typeface="Times New Roman" panose="02020603050405020304" pitchFamily="18" charset="0"/>
-                          <a:cs typeface="Times New Roman" panose="02020603050405020304" pitchFamily="18" charset="0"/>
-                        </a:rPr>
-                        <a:t>…</a:t>
-                      </a:r>
-                    </a:p>
-                  </a:txBody>
-                  <a:tcPr/>
-                </a:tc>
-                <a:extLst>
-                  <a:ext uri="{0D108BD9-81ED-4DB2-BD59-A6C34878D82A}">
-                    <a16:rowId xmlns:a16="http://schemas.microsoft.com/office/drawing/2014/main" val="3825993850"/>
-                  </a:ext>
-                </a:extLst>
-              </a:tr>
-            </a:tbl>
-          </a:graphicData>
-        </a:graphic>
-      </p:graphicFrame>
-      <p:graphicFrame>
-        <p:nvGraphicFramePr>
-          <p:cNvPr id="17" name="Таблица 16">
-            <a:extLst>
-              <a:ext uri="{FF2B5EF4-FFF2-40B4-BE49-F238E27FC236}">
-                <a16:creationId xmlns:a16="http://schemas.microsoft.com/office/drawing/2014/main" id="{3F252F72-AA71-45F5-BB7F-C33A3BA9355C}"/>
-              </a:ext>
-            </a:extLst>
-          </p:cNvPr>
-          <p:cNvGraphicFramePr>
-            <a:graphicFrameLocks noGrp="1"/>
-          </p:cNvGraphicFramePr>
-          <p:nvPr>
-            <p:extLst>
-              <p:ext uri="{D42A27DB-BD31-4B8C-83A1-F6EECF244321}">
-                <p14:modId xmlns:p14="http://schemas.microsoft.com/office/powerpoint/2010/main" val="3671288243"/>
-              </p:ext>
-            </p:extLst>
-          </p:nvPr>
-        </p:nvGraphicFramePr>
-        <p:xfrm>
-          <a:off x="3821197" y="4206698"/>
-          <a:ext cx="2039510" cy="1904151"/>
-        </p:xfrm>
-        <a:graphic>
-          <a:graphicData uri="http://schemas.openxmlformats.org/drawingml/2006/table">
-            <a:tbl>
-              <a:tblPr firstRow="1" bandRow="1">
-                <a:tableStyleId>{5A111915-BE36-4E01-A7E5-04B1672EAD32}</a:tableStyleId>
-              </a:tblPr>
-              <a:tblGrid>
-                <a:gridCol w="2039510">
-                  <a:extLst>
-                    <a:ext uri="{9D8B030D-6E8A-4147-A177-3AD203B41FA5}">
-                      <a16:colId xmlns:a16="http://schemas.microsoft.com/office/drawing/2014/main" val="1349256452"/>
-                    </a:ext>
-                  </a:extLst>
-                </a:gridCol>
-              </a:tblGrid>
-              <a:tr h="319191">
-                <a:tc>
-                  <a:txBody>
-                    <a:bodyPr/>
-                    <a:lstStyle/>
-                    <a:p>
-                      <a:r>
-                        <a:rPr lang="ru-RU" sz="1400" b="0" dirty="0">
-                          <a:latin typeface="Times New Roman" panose="02020603050405020304" pitchFamily="18" charset="0"/>
-                          <a:cs typeface="Times New Roman" panose="02020603050405020304" pitchFamily="18" charset="0"/>
-                        </a:rPr>
-                        <a:t>Множество диагнозов</a:t>
-                      </a:r>
-                    </a:p>
-                  </a:txBody>
-                  <a:tcPr/>
-                </a:tc>
-                <a:extLst>
-                  <a:ext uri="{0D108BD9-81ED-4DB2-BD59-A6C34878D82A}">
-                    <a16:rowId xmlns:a16="http://schemas.microsoft.com/office/drawing/2014/main" val="1975612644"/>
-                  </a:ext>
-                </a:extLst>
-              </a:tr>
-              <a:tr h="294600">
-                <a:tc>
-                  <a:txBody>
-                    <a:bodyPr/>
-                    <a:lstStyle/>
-                    <a:p>
-                      <a:r>
-                        <a:rPr lang="ru-RU" sz="1600" dirty="0">
-                          <a:latin typeface="Times New Roman" panose="02020603050405020304" pitchFamily="18" charset="0"/>
-                          <a:cs typeface="Times New Roman" panose="02020603050405020304" pitchFamily="18" charset="0"/>
-                        </a:rPr>
-                        <a:t>Доброкачественное</a:t>
-                      </a:r>
-                    </a:p>
-                  </a:txBody>
-                  <a:tcPr/>
-                </a:tc>
-                <a:extLst>
-                  <a:ext uri="{0D108BD9-81ED-4DB2-BD59-A6C34878D82A}">
-                    <a16:rowId xmlns:a16="http://schemas.microsoft.com/office/drawing/2014/main" val="2738651601"/>
-                  </a:ext>
-                </a:extLst>
-              </a:tr>
-              <a:tr h="508854">
-                <a:tc>
-                  <a:txBody>
-                    <a:bodyPr/>
-                    <a:lstStyle/>
-                    <a:p>
-                      <a:r>
-                        <a:rPr lang="ru-RU" sz="1600" dirty="0">
-                          <a:latin typeface="Times New Roman" panose="02020603050405020304" pitchFamily="18" charset="0"/>
-                          <a:cs typeface="Times New Roman" panose="02020603050405020304" pitchFamily="18" charset="0"/>
-                        </a:rPr>
-                        <a:t>Без подозрений на злокачественное</a:t>
-                      </a:r>
-                    </a:p>
-                  </a:txBody>
-                  <a:tcPr/>
-                </a:tc>
-                <a:extLst>
-                  <a:ext uri="{0D108BD9-81ED-4DB2-BD59-A6C34878D82A}">
-                    <a16:rowId xmlns:a16="http://schemas.microsoft.com/office/drawing/2014/main" val="961168654"/>
-                  </a:ext>
-                </a:extLst>
-              </a:tr>
-              <a:tr h="294600">
-                <a:tc>
-                  <a:txBody>
-                    <a:bodyPr/>
-                    <a:lstStyle/>
-                    <a:p>
-                      <a:r>
-                        <a:rPr lang="ru-RU" sz="1600" dirty="0">
-                          <a:latin typeface="Times New Roman" panose="02020603050405020304" pitchFamily="18" charset="0"/>
-                          <a:cs typeface="Times New Roman" panose="02020603050405020304" pitchFamily="18" charset="0"/>
-                        </a:rPr>
-                        <a:t>Подозрительное</a:t>
-                      </a:r>
-                    </a:p>
-                  </a:txBody>
-                  <a:tcPr/>
-                </a:tc>
-                <a:extLst>
-                  <a:ext uri="{0D108BD9-81ED-4DB2-BD59-A6C34878D82A}">
-                    <a16:rowId xmlns:a16="http://schemas.microsoft.com/office/drawing/2014/main" val="1597883752"/>
-                  </a:ext>
-                </a:extLst>
-              </a:tr>
-              <a:tr h="263359">
-                <a:tc>
-                  <a:txBody>
-                    <a:bodyPr/>
-                    <a:lstStyle/>
-                    <a:p>
-                      <a:r>
-                        <a:rPr lang="ru-RU" sz="1600" dirty="0">
-                          <a:latin typeface="Times New Roman" panose="02020603050405020304" pitchFamily="18" charset="0"/>
-                          <a:cs typeface="Times New Roman" panose="02020603050405020304" pitchFamily="18" charset="0"/>
-                        </a:rPr>
-                        <a:t>…</a:t>
-                      </a:r>
-                    </a:p>
-                  </a:txBody>
-                  <a:tcPr/>
-                </a:tc>
-                <a:extLst>
-                  <a:ext uri="{0D108BD9-81ED-4DB2-BD59-A6C34878D82A}">
-                    <a16:rowId xmlns:a16="http://schemas.microsoft.com/office/drawing/2014/main" val="1194591036"/>
-                  </a:ext>
-                </a:extLst>
-              </a:tr>
-            </a:tbl>
-          </a:graphicData>
-        </a:graphic>
-      </p:graphicFrame>
-      <p:graphicFrame>
-        <p:nvGraphicFramePr>
-          <p:cNvPr id="18" name="Таблица 17">
-            <a:extLst>
-              <a:ext uri="{FF2B5EF4-FFF2-40B4-BE49-F238E27FC236}">
-                <a16:creationId xmlns:a16="http://schemas.microsoft.com/office/drawing/2014/main" id="{3DA66A8F-082D-4863-9EE5-A8C37945EFAC}"/>
-              </a:ext>
-            </a:extLst>
-          </p:cNvPr>
-          <p:cNvGraphicFramePr>
-            <a:graphicFrameLocks noGrp="1"/>
-          </p:cNvGraphicFramePr>
-          <p:nvPr>
-            <p:extLst>
-              <p:ext uri="{D42A27DB-BD31-4B8C-83A1-F6EECF244321}">
-                <p14:modId xmlns:p14="http://schemas.microsoft.com/office/powerpoint/2010/main" val="328057281"/>
-              </p:ext>
-            </p:extLst>
-          </p:nvPr>
-        </p:nvGraphicFramePr>
-        <p:xfrm>
-          <a:off x="6336902" y="3853950"/>
-          <a:ext cx="1807638" cy="2256898"/>
-        </p:xfrm>
-        <a:graphic>
-          <a:graphicData uri="http://schemas.openxmlformats.org/drawingml/2006/table">
-            <a:tbl>
-              <a:tblPr firstRow="1" bandRow="1">
-                <a:tableStyleId>{5A111915-BE36-4E01-A7E5-04B1672EAD32}</a:tableStyleId>
-              </a:tblPr>
-              <a:tblGrid>
-                <a:gridCol w="1807638">
-                  <a:extLst>
-                    <a:ext uri="{9D8B030D-6E8A-4147-A177-3AD203B41FA5}">
-                      <a16:colId xmlns:a16="http://schemas.microsoft.com/office/drawing/2014/main" val="1349256452"/>
-                    </a:ext>
-                  </a:extLst>
-                </a:gridCol>
-              </a:tblGrid>
-              <a:tr h="542798">
-                <a:tc>
-                  <a:txBody>
-                    <a:bodyPr/>
-                    <a:lstStyle/>
-                    <a:p>
-                      <a:r>
-                        <a:rPr lang="ru-RU" sz="1400" b="0" dirty="0">
-                          <a:latin typeface="Times New Roman" panose="02020603050405020304" pitchFamily="18" charset="0"/>
-                          <a:cs typeface="Times New Roman" panose="02020603050405020304" pitchFamily="18" charset="0"/>
-                        </a:rPr>
-                        <a:t>Дифференцирующие признаки</a:t>
-                      </a:r>
-                    </a:p>
-                  </a:txBody>
-                  <a:tcPr/>
-                </a:tc>
-                <a:extLst>
-                  <a:ext uri="{0D108BD9-81ED-4DB2-BD59-A6C34878D82A}">
-                    <a16:rowId xmlns:a16="http://schemas.microsoft.com/office/drawing/2014/main" val="1975612644"/>
-                  </a:ext>
-                </a:extLst>
-              </a:tr>
-              <a:tr h="342820">
-                <a:tc>
-                  <a:txBody>
-                    <a:bodyPr/>
-                    <a:lstStyle/>
-                    <a:p>
-                      <a:r>
-                        <a:rPr lang="ru-RU" sz="1600" dirty="0">
-                          <a:latin typeface="Times New Roman" panose="02020603050405020304" pitchFamily="18" charset="0"/>
-                          <a:cs typeface="Times New Roman" panose="02020603050405020304" pitchFamily="18" charset="0"/>
-                        </a:rPr>
-                        <a:t>Эхогенность</a:t>
-                      </a:r>
-                    </a:p>
-                  </a:txBody>
-                  <a:tcPr/>
-                </a:tc>
-                <a:extLst>
-                  <a:ext uri="{0D108BD9-81ED-4DB2-BD59-A6C34878D82A}">
-                    <a16:rowId xmlns:a16="http://schemas.microsoft.com/office/drawing/2014/main" val="2738651601"/>
-                  </a:ext>
-                </a:extLst>
-              </a:tr>
-              <a:tr h="342820">
-                <a:tc>
-                  <a:txBody>
-                    <a:bodyPr/>
-                    <a:lstStyle/>
-                    <a:p>
-                      <a:r>
-                        <a:rPr lang="ru-RU" sz="1600" dirty="0">
-                          <a:latin typeface="Times New Roman" panose="02020603050405020304" pitchFamily="18" charset="0"/>
-                          <a:cs typeface="Times New Roman" panose="02020603050405020304" pitchFamily="18" charset="0"/>
-                        </a:rPr>
-                        <a:t>Форма</a:t>
-                      </a:r>
-                    </a:p>
-                  </a:txBody>
-                  <a:tcPr/>
-                </a:tc>
-                <a:extLst>
-                  <a:ext uri="{0D108BD9-81ED-4DB2-BD59-A6C34878D82A}">
-                    <a16:rowId xmlns:a16="http://schemas.microsoft.com/office/drawing/2014/main" val="961168654"/>
-                  </a:ext>
-                </a:extLst>
-              </a:tr>
-              <a:tr h="342820">
-                <a:tc>
-                  <a:txBody>
-                    <a:bodyPr/>
-                    <a:lstStyle/>
-                    <a:p>
-                      <a:r>
-                        <a:rPr lang="ru-RU" sz="1600" dirty="0">
-                          <a:latin typeface="Times New Roman" panose="02020603050405020304" pitchFamily="18" charset="0"/>
-                          <a:cs typeface="Times New Roman" panose="02020603050405020304" pitchFamily="18" charset="0"/>
-                        </a:rPr>
-                        <a:t>Включения</a:t>
-                      </a:r>
-                    </a:p>
-                  </a:txBody>
-                  <a:tcPr/>
-                </a:tc>
-                <a:extLst>
-                  <a:ext uri="{0D108BD9-81ED-4DB2-BD59-A6C34878D82A}">
-                    <a16:rowId xmlns:a16="http://schemas.microsoft.com/office/drawing/2014/main" val="1597883752"/>
-                  </a:ext>
-                </a:extLst>
-              </a:tr>
-              <a:tr h="342820">
-                <a:tc>
-                  <a:txBody>
-                    <a:bodyPr/>
-                    <a:lstStyle/>
-                    <a:p>
-                      <a:r>
-                        <a:rPr lang="ru-RU" sz="1600" dirty="0">
-                          <a:latin typeface="Times New Roman" panose="02020603050405020304" pitchFamily="18" charset="0"/>
-                          <a:cs typeface="Times New Roman" panose="02020603050405020304" pitchFamily="18" charset="0"/>
-                        </a:rPr>
-                        <a:t>Размер</a:t>
-                      </a:r>
-                    </a:p>
-                  </a:txBody>
-                  <a:tcPr/>
-                </a:tc>
-                <a:extLst>
-                  <a:ext uri="{0D108BD9-81ED-4DB2-BD59-A6C34878D82A}">
-                    <a16:rowId xmlns:a16="http://schemas.microsoft.com/office/drawing/2014/main" val="1194591036"/>
-                  </a:ext>
-                </a:extLst>
-              </a:tr>
-              <a:tr h="342820">
-                <a:tc>
-                  <a:txBody>
-                    <a:bodyPr/>
-                    <a:lstStyle/>
-                    <a:p>
-                      <a:r>
-                        <a:rPr lang="ru-RU" sz="1600" dirty="0">
-                          <a:latin typeface="Times New Roman" panose="02020603050405020304" pitchFamily="18" charset="0"/>
-                          <a:cs typeface="Times New Roman" panose="02020603050405020304" pitchFamily="18" charset="0"/>
-                        </a:rPr>
-                        <a:t>…</a:t>
-                      </a:r>
-                    </a:p>
-                  </a:txBody>
-                  <a:tcPr/>
-                </a:tc>
-                <a:extLst>
-                  <a:ext uri="{0D108BD9-81ED-4DB2-BD59-A6C34878D82A}">
-                    <a16:rowId xmlns:a16="http://schemas.microsoft.com/office/drawing/2014/main" val="3825993850"/>
-                  </a:ext>
-                </a:extLst>
-              </a:tr>
-            </a:tbl>
-          </a:graphicData>
-        </a:graphic>
-      </p:graphicFrame>
-      <p:graphicFrame>
-        <p:nvGraphicFramePr>
-          <p:cNvPr id="19" name="Таблица 18">
-            <a:extLst>
-              <a:ext uri="{FF2B5EF4-FFF2-40B4-BE49-F238E27FC236}">
-                <a16:creationId xmlns:a16="http://schemas.microsoft.com/office/drawing/2014/main" id="{F66772AD-2596-40FB-ADA8-82FAE5D16DA2}"/>
-              </a:ext>
-            </a:extLst>
-          </p:cNvPr>
-          <p:cNvGraphicFramePr>
-            <a:graphicFrameLocks noGrp="1"/>
-          </p:cNvGraphicFramePr>
-          <p:nvPr>
-            <p:extLst>
-              <p:ext uri="{D42A27DB-BD31-4B8C-83A1-F6EECF244321}">
-                <p14:modId xmlns:p14="http://schemas.microsoft.com/office/powerpoint/2010/main" val="2320008438"/>
-              </p:ext>
-            </p:extLst>
-          </p:nvPr>
-        </p:nvGraphicFramePr>
-        <p:xfrm>
-          <a:off x="7175674" y="2574236"/>
-          <a:ext cx="1807638" cy="518160"/>
-        </p:xfrm>
-        <a:graphic>
-          <a:graphicData uri="http://schemas.openxmlformats.org/drawingml/2006/table">
-            <a:tbl>
-              <a:tblPr firstRow="1" bandRow="1">
-                <a:tableStyleId>{5A111915-BE36-4E01-A7E5-04B1672EAD32}</a:tableStyleId>
-              </a:tblPr>
-              <a:tblGrid>
-                <a:gridCol w="1807638">
-                  <a:extLst>
-                    <a:ext uri="{9D8B030D-6E8A-4147-A177-3AD203B41FA5}">
-                      <a16:colId xmlns:a16="http://schemas.microsoft.com/office/drawing/2014/main" val="1349256452"/>
-                    </a:ext>
-                  </a:extLst>
-                </a:gridCol>
-              </a:tblGrid>
-              <a:tr h="133485">
-                <a:tc>
-                  <a:txBody>
-                    <a:bodyPr/>
-                    <a:lstStyle/>
-                    <a:p>
-                      <a:r>
-                        <a:rPr lang="ru-RU" sz="1400" b="0" dirty="0">
-                          <a:latin typeface="Times New Roman" panose="02020603050405020304" pitchFamily="18" charset="0"/>
-                          <a:cs typeface="Times New Roman" panose="02020603050405020304" pitchFamily="18" charset="0"/>
-                        </a:rPr>
-                        <a:t>Процедуры диагностики</a:t>
-                      </a:r>
-                    </a:p>
-                  </a:txBody>
-                  <a:tcPr/>
-                </a:tc>
-                <a:extLst>
-                  <a:ext uri="{0D108BD9-81ED-4DB2-BD59-A6C34878D82A}">
-                    <a16:rowId xmlns:a16="http://schemas.microsoft.com/office/drawing/2014/main" val="1975612644"/>
-                  </a:ext>
-                </a:extLst>
-              </a:tr>
-            </a:tbl>
-          </a:graphicData>
-        </a:graphic>
-      </p:graphicFrame>
+          <a:noFill/>
+        </p:spPr>
+        <p:txBody>
+          <a:bodyPr wrap="none" rtlCol="0">
+            <a:spAutoFit/>
+          </a:bodyPr>
+          <a:lstStyle/>
+          <a:p>
+            <a:r>
+              <a:rPr lang="ru-RU" dirty="0"/>
+              <a:t>РДПД, детализирующая</a:t>
+            </a:r>
+          </a:p>
+          <a:p>
+            <a:r>
+              <a:rPr lang="ru-RU" dirty="0"/>
+              <a:t>операцию «получить признаки образования»</a:t>
+            </a:r>
+          </a:p>
+        </p:txBody>
+      </p:sp>
+      <p:pic>
+        <p:nvPicPr>
+          <p:cNvPr id="7" name="Рисунок 6" descr="https://pp.userapi.com/c855328/v855328657/67c32/X08V8-MuCOI.jpg">
+            <a:extLst>
+              <a:ext uri="{FF2B5EF4-FFF2-40B4-BE49-F238E27FC236}">
+                <a16:creationId xmlns:a16="http://schemas.microsoft.com/office/drawing/2014/main" id="{5160172A-D8A3-4FA2-954F-D381C6DC0434}"/>
+              </a:ext>
+            </a:extLst>
+          </p:cNvPr>
+          <p:cNvPicPr/>
+          <p:nvPr/>
+        </p:nvPicPr>
+        <p:blipFill>
+          <a:blip r:embed="rId2">
+            <a:extLst>
+              <a:ext uri="{28A0092B-C50C-407E-A947-70E740481C1C}">
+                <a14:useLocalDpi xmlns:a14="http://schemas.microsoft.com/office/drawing/2010/main" val="0"/>
+              </a:ext>
+            </a:extLst>
+          </a:blip>
+          <a:srcRect/>
+          <a:stretch>
+            <a:fillRect/>
+          </a:stretch>
+        </p:blipFill>
+        <p:spPr bwMode="auto">
+          <a:xfrm>
+            <a:off x="1601787" y="1257449"/>
+            <a:ext cx="5940425" cy="4221480"/>
+          </a:xfrm>
+          <a:prstGeom prst="rect">
+            <a:avLst/>
+          </a:prstGeom>
+          <a:noFill/>
+          <a:ln>
+            <a:noFill/>
+          </a:ln>
+        </p:spPr>
+      </p:pic>
     </p:spTree>
     <p:extLst>
       <p:ext uri="{BB962C8B-B14F-4D97-AF65-F5344CB8AC3E}">
-        <p14:creationId xmlns:p14="http://schemas.microsoft.com/office/powerpoint/2010/main" val="3061112028"/>
+        <p14:creationId xmlns:p14="http://schemas.microsoft.com/office/powerpoint/2010/main" val="2267586674"/>
       </p:ext>
     </p:extLst>
   </p:cSld>
@@ -5695,12 +4701,118 @@
           <a:chExt cx="0" cy="0"/>
         </a:xfrm>
       </p:grpSpPr>
+      <p:sp>
+        <p:nvSpPr>
+          <p:cNvPr id="2" name="Заголовок 1"/>
+          <p:cNvSpPr>
+            <a:spLocks noGrp="1"/>
+          </p:cNvSpPr>
+          <p:nvPr>
+            <p:ph type="title"/>
+          </p:nvPr>
+        </p:nvSpPr>
+        <p:spPr>
+          <a:xfrm>
+            <a:off x="628650" y="36094"/>
+            <a:ext cx="8080784" cy="687013"/>
+          </a:xfrm>
+        </p:spPr>
+        <p:txBody>
+          <a:bodyPr>
+            <a:noAutofit/>
+          </a:bodyPr>
+          <a:lstStyle/>
+          <a:p>
+            <a:pPr algn="ctr"/>
+            <a:r>
+              <a:rPr lang="ru-RU" sz="3200" dirty="0"/>
+              <a:t>Модель проблемной области</a:t>
+            </a:r>
+          </a:p>
+        </p:txBody>
+      </p:sp>
+      <p:sp>
+        <p:nvSpPr>
+          <p:cNvPr id="4" name="Номер слайда 3"/>
+          <p:cNvSpPr>
+            <a:spLocks noGrp="1"/>
+          </p:cNvSpPr>
+          <p:nvPr>
+            <p:ph type="sldNum" sz="quarter" idx="4"/>
+          </p:nvPr>
+        </p:nvSpPr>
+        <p:spPr/>
+        <p:txBody>
+          <a:bodyPr/>
+          <a:lstStyle/>
+          <a:p>
+            <a:fld id="{24882390-5E8C-4CFA-AF90-B2445B96FD8B}" type="slidenum">
+              <a:rPr lang="ru-RU" smtClean="0"/>
+              <a:pPr/>
+              <a:t>12</a:t>
+            </a:fld>
+            <a:endParaRPr lang="ru-RU" dirty="0"/>
+          </a:p>
+        </p:txBody>
+      </p:sp>
+      <p:sp>
+        <p:nvSpPr>
+          <p:cNvPr id="5" name="Прямоугольник: скругленные углы 4">
+            <a:extLst>
+              <a:ext uri="{FF2B5EF4-FFF2-40B4-BE49-F238E27FC236}">
+                <a16:creationId xmlns:a16="http://schemas.microsoft.com/office/drawing/2014/main" id="{B2679C67-4284-4132-AD2F-6C9E6F46ED91}"/>
+              </a:ext>
+            </a:extLst>
+          </p:cNvPr>
+          <p:cNvSpPr/>
+          <p:nvPr/>
+        </p:nvSpPr>
+        <p:spPr>
+          <a:xfrm>
+            <a:off x="3462246" y="914400"/>
+            <a:ext cx="2413591" cy="999461"/>
+          </a:xfrm>
+          <a:prstGeom prst="roundRect">
+            <a:avLst/>
+          </a:prstGeom>
+        </p:spPr>
+        <p:style>
+          <a:lnRef idx="2">
+            <a:schemeClr val="accent1">
+              <a:shade val="50000"/>
+            </a:schemeClr>
+          </a:lnRef>
+          <a:fillRef idx="1">
+            <a:schemeClr val="accent1"/>
+          </a:fillRef>
+          <a:effectRef idx="0">
+            <a:schemeClr val="accent1"/>
+          </a:effectRef>
+          <a:fontRef idx="minor">
+            <a:schemeClr val="lt1"/>
+          </a:fontRef>
+        </p:style>
+        <p:txBody>
+          <a:bodyPr rtlCol="0" anchor="ctr"/>
+          <a:lstStyle/>
+          <a:p>
+            <a:pPr algn="ctr"/>
+            <a:r>
+              <a:rPr lang="ru-RU" dirty="0">
+                <a:latin typeface="Times New Roman" panose="02020603050405020304" pitchFamily="18" charset="0"/>
+                <a:cs typeface="Times New Roman" panose="02020603050405020304" pitchFamily="18" charset="0"/>
+              </a:rPr>
+              <a:t>Комбинированный метод приобретения знаний</a:t>
+            </a:r>
+          </a:p>
+        </p:txBody>
+      </p:sp>
       <p:pic>
         <p:nvPicPr>
-          <p:cNvPr id="7" name="Рисунок 6">
-            <a:extLst>
-              <a:ext uri="{FF2B5EF4-FFF2-40B4-BE49-F238E27FC236}">
-                <a16:creationId xmlns:a16="http://schemas.microsoft.com/office/drawing/2014/main" id="{5AA89D5F-EC4D-4AEF-A32D-E412E1581A2F}"/>
+          <p:cNvPr id="20" name="Рисунок 19">
+            <a:extLst>
+              <a:ext uri="{FF2B5EF4-FFF2-40B4-BE49-F238E27FC236}">
+                <a16:creationId xmlns:a16="http://schemas.microsoft.com/office/drawing/2014/main" id="{A55BAE20-D558-4D51-B92D-4A2967892AF1}"/>
               </a:ext>
             </a:extLst>
           </p:cNvPr>
@@ -5717,74 +4829,20 @@
         </p:blipFill>
         <p:spPr>
           <a:xfrm>
-            <a:off x="1211582" y="2192477"/>
-            <a:ext cx="7200900" cy="3619500"/>
+            <a:off x="1032379" y="4089532"/>
+            <a:ext cx="5049747" cy="2202549"/>
           </a:xfrm>
           <a:prstGeom prst="rect">
             <a:avLst/>
           </a:prstGeom>
         </p:spPr>
       </p:pic>
-      <p:sp>
-        <p:nvSpPr>
-          <p:cNvPr id="2" name="Заголовок 1"/>
-          <p:cNvSpPr>
-            <a:spLocks noGrp="1"/>
-          </p:cNvSpPr>
-          <p:nvPr>
-            <p:ph type="title"/>
-          </p:nvPr>
-        </p:nvSpPr>
-        <p:spPr>
-          <a:xfrm>
-            <a:off x="628650" y="36094"/>
-            <a:ext cx="7886700" cy="687013"/>
-          </a:xfrm>
-        </p:spPr>
-        <p:txBody>
-          <a:bodyPr>
-            <a:noAutofit/>
-          </a:bodyPr>
-          <a:lstStyle/>
-          <a:p>
-            <a:pPr algn="ctr"/>
-            <a:r>
-              <a:rPr lang="ru-RU" sz="3200" dirty="0"/>
-              <a:t>Модель сценария диалога с пользователем</a:t>
-            </a:r>
-          </a:p>
-        </p:txBody>
-      </p:sp>
-      <p:sp>
-        <p:nvSpPr>
-          <p:cNvPr id="4" name="Номер слайда 3"/>
-          <p:cNvSpPr>
-            <a:spLocks noGrp="1"/>
-          </p:cNvSpPr>
-          <p:nvPr>
-            <p:ph type="sldNum" sz="quarter" idx="4"/>
-          </p:nvPr>
-        </p:nvSpPr>
-        <p:spPr/>
-        <p:txBody>
-          <a:bodyPr/>
-          <a:lstStyle/>
-          <a:p>
-            <a:fld id="{24882390-5E8C-4CFA-AF90-B2445B96FD8B}" type="slidenum">
-              <a:rPr lang="ru-RU" smtClean="0"/>
-              <a:pPr/>
-              <a:t>12</a:t>
-            </a:fld>
-            <a:endParaRPr lang="ru-RU" dirty="0"/>
-          </a:p>
-        </p:txBody>
-      </p:sp>
       <p:pic>
         <p:nvPicPr>
-          <p:cNvPr id="3" name="Рисунок 2">
-            <a:extLst>
-              <a:ext uri="{FF2B5EF4-FFF2-40B4-BE49-F238E27FC236}">
-                <a16:creationId xmlns:a16="http://schemas.microsoft.com/office/drawing/2014/main" id="{09BF26BC-379A-4937-99D1-BD0F75F4969C}"/>
+          <p:cNvPr id="21" name="Рисунок 20">
+            <a:extLst>
+              <a:ext uri="{FF2B5EF4-FFF2-40B4-BE49-F238E27FC236}">
+                <a16:creationId xmlns:a16="http://schemas.microsoft.com/office/drawing/2014/main" id="{A1088430-8873-4CE1-935F-905C233B80AC}"/>
               </a:ext>
             </a:extLst>
           </p:cNvPr>
@@ -5801,8 +4859,98 @@
         </p:blipFill>
         <p:spPr>
           <a:xfrm>
-            <a:off x="1057275" y="1400041"/>
-            <a:ext cx="7458075" cy="1504950"/>
+            <a:off x="862258" y="2081674"/>
+            <a:ext cx="4996026" cy="2372665"/>
+          </a:xfrm>
+          <a:prstGeom prst="rect">
+            <a:avLst/>
+          </a:prstGeom>
+        </p:spPr>
+      </p:pic>
+      <p:pic>
+        <p:nvPicPr>
+          <p:cNvPr id="22" name="Рисунок 21">
+            <a:extLst>
+              <a:ext uri="{FF2B5EF4-FFF2-40B4-BE49-F238E27FC236}">
+                <a16:creationId xmlns:a16="http://schemas.microsoft.com/office/drawing/2014/main" id="{0EF5A225-0FD3-46E6-BB97-CC9C13322F58}"/>
+              </a:ext>
+            </a:extLst>
+          </p:cNvPr>
+          <p:cNvPicPr>
+            <a:picLocks noChangeAspect="1"/>
+          </p:cNvPicPr>
+          <p:nvPr/>
+        </p:nvPicPr>
+        <p:blipFill>
+          <a:blip r:embed="rId4"/>
+          <a:stretch>
+            <a:fillRect/>
+          </a:stretch>
+        </p:blipFill>
+        <p:spPr>
+          <a:xfrm>
+            <a:off x="4812032" y="2260637"/>
+            <a:ext cx="3581381" cy="1378832"/>
+          </a:xfrm>
+          <a:prstGeom prst="rect">
+            <a:avLst/>
+          </a:prstGeom>
+        </p:spPr>
+      </p:pic>
+      <p:pic>
+        <p:nvPicPr>
+          <p:cNvPr id="23" name="Рисунок 22">
+            <a:extLst>
+              <a:ext uri="{FF2B5EF4-FFF2-40B4-BE49-F238E27FC236}">
+                <a16:creationId xmlns:a16="http://schemas.microsoft.com/office/drawing/2014/main" id="{96ACC32B-CBFB-4974-9EE7-F44CEC18A712}"/>
+              </a:ext>
+            </a:extLst>
+          </p:cNvPr>
+          <p:cNvPicPr>
+            <a:picLocks noChangeAspect="1"/>
+          </p:cNvPicPr>
+          <p:nvPr/>
+        </p:nvPicPr>
+        <p:blipFill>
+          <a:blip r:embed="rId5"/>
+          <a:stretch>
+            <a:fillRect/>
+          </a:stretch>
+        </p:blipFill>
+        <p:spPr>
+          <a:xfrm>
+            <a:off x="3285152" y="3755884"/>
+            <a:ext cx="5022887" cy="2668129"/>
+          </a:xfrm>
+          <a:prstGeom prst="rect">
+            <a:avLst/>
+          </a:prstGeom>
+        </p:spPr>
+      </p:pic>
+      <p:pic>
+        <p:nvPicPr>
+          <p:cNvPr id="24" name="Рисунок 23">
+            <a:extLst>
+              <a:ext uri="{FF2B5EF4-FFF2-40B4-BE49-F238E27FC236}">
+                <a16:creationId xmlns:a16="http://schemas.microsoft.com/office/drawing/2014/main" id="{8ADB9391-9BF2-4245-8815-D900003EE028}"/>
+              </a:ext>
+            </a:extLst>
+          </p:cNvPr>
+          <p:cNvPicPr>
+            <a:picLocks noChangeAspect="1"/>
+          </p:cNvPicPr>
+          <p:nvPr/>
+        </p:nvPicPr>
+        <p:blipFill>
+          <a:blip r:embed="rId6"/>
+          <a:stretch>
+            <a:fillRect/>
+          </a:stretch>
+        </p:blipFill>
+        <p:spPr>
+          <a:xfrm>
+            <a:off x="2909887" y="3364506"/>
+            <a:ext cx="3324225" cy="1114425"/>
           </a:xfrm>
           <a:prstGeom prst="rect">
             <a:avLst/>
@@ -5812,7 +4960,7 @@
     </p:spTree>
     <p:extLst>
       <p:ext uri="{BB962C8B-B14F-4D97-AF65-F5344CB8AC3E}">
-        <p14:creationId xmlns:p14="http://schemas.microsoft.com/office/powerpoint/2010/main" val="1364229401"/>
+        <p14:creationId xmlns:p14="http://schemas.microsoft.com/office/powerpoint/2010/main" val="3061112028"/>
       </p:ext>
     </p:extLst>
   </p:cSld>
@@ -5841,10 +4989,10 @@
       </p:grpSpPr>
       <p:pic>
         <p:nvPicPr>
-          <p:cNvPr id="13" name="Рисунок 12">
-            <a:extLst>
-              <a:ext uri="{FF2B5EF4-FFF2-40B4-BE49-F238E27FC236}">
-                <a16:creationId xmlns:a16="http://schemas.microsoft.com/office/drawing/2014/main" id="{A8CB26C5-25A8-46CE-82D0-FE8B97E213A3}"/>
+          <p:cNvPr id="7" name="Рисунок 6">
+            <a:extLst>
+              <a:ext uri="{FF2B5EF4-FFF2-40B4-BE49-F238E27FC236}">
+                <a16:creationId xmlns:a16="http://schemas.microsoft.com/office/drawing/2014/main" id="{5AA89D5F-EC4D-4AEF-A32D-E412E1581A2F}"/>
               </a:ext>
             </a:extLst>
           </p:cNvPr>
@@ -5861,8 +5009,8 @@
         </p:blipFill>
         <p:spPr>
           <a:xfrm>
-            <a:off x="925697" y="3739088"/>
-            <a:ext cx="5372100" cy="2343150"/>
+            <a:off x="1211582" y="2192477"/>
+            <a:ext cx="7200900" cy="3619500"/>
           </a:xfrm>
           <a:prstGeom prst="rect">
             <a:avLst/>
@@ -5879,7 +5027,12 @@
             <p:ph type="title"/>
           </p:nvPr>
         </p:nvSpPr>
-        <p:spPr/>
+        <p:spPr>
+          <a:xfrm>
+            <a:off x="628650" y="36094"/>
+            <a:ext cx="7886700" cy="687013"/>
+          </a:xfrm>
+        </p:spPr>
         <p:txBody>
           <a:bodyPr>
             <a:noAutofit/>
@@ -5889,7 +5042,7 @@
             <a:pPr algn="ctr"/>
             <a:r>
               <a:rPr lang="ru-RU" sz="3200" dirty="0"/>
-              <a:t>Построение прототипа ИЭС</a:t>
+              <a:t>Модель сценария диалога с пользователем</a:t>
             </a:r>
           </a:p>
         </p:txBody>
@@ -5918,57 +5071,12 @@
           </a:p>
         </p:txBody>
       </p:sp>
-      <p:sp>
-        <p:nvSpPr>
-          <p:cNvPr id="8" name="TextBox 7">
-            <a:extLst>
-              <a:ext uri="{FF2B5EF4-FFF2-40B4-BE49-F238E27FC236}">
-                <a16:creationId xmlns:a16="http://schemas.microsoft.com/office/drawing/2014/main" id="{6D854EE2-4980-426A-A201-28BC3C2430F5}"/>
-              </a:ext>
-            </a:extLst>
-          </p:cNvPr>
-          <p:cNvSpPr txBox="1"/>
-          <p:nvPr/>
-        </p:nvSpPr>
-        <p:spPr>
-          <a:xfrm>
-            <a:off x="628650" y="1081331"/>
-            <a:ext cx="6475228" cy="523220"/>
-          </a:xfrm>
-          <a:prstGeom prst="rect">
-            <a:avLst/>
-          </a:prstGeom>
-          <a:noFill/>
-        </p:spPr>
-        <p:txBody>
-          <a:bodyPr wrap="square" rtlCol="0">
-            <a:spAutoFit/>
-          </a:bodyPr>
-          <a:lstStyle/>
-          <a:p>
-            <a:r>
-              <a:rPr lang="en-US" sz="2800" dirty="0">
-                <a:latin typeface="Times New Roman" panose="02020603050405020304" pitchFamily="18" charset="0"/>
-                <a:cs typeface="Times New Roman" panose="02020603050405020304" pitchFamily="18" charset="0"/>
-              </a:rPr>
-              <a:t>I. </a:t>
-            </a:r>
-            <a:r>
-              <a:rPr lang="ru-RU" sz="2800" dirty="0">
-                <a:latin typeface="Times New Roman" panose="02020603050405020304" pitchFamily="18" charset="0"/>
-                <a:cs typeface="Times New Roman" panose="02020603050405020304" pitchFamily="18" charset="0"/>
-              </a:rPr>
-              <a:t>Этап анализа системных требований</a:t>
-            </a:r>
-          </a:p>
-        </p:txBody>
-      </p:sp>
       <p:pic>
         <p:nvPicPr>
-          <p:cNvPr id="9" name="Рисунок 8">
-            <a:extLst>
-              <a:ext uri="{FF2B5EF4-FFF2-40B4-BE49-F238E27FC236}">
-                <a16:creationId xmlns:a16="http://schemas.microsoft.com/office/drawing/2014/main" id="{659AB6A1-3CA7-4BED-AE71-16661D5B134B}"/>
+          <p:cNvPr id="3" name="Рисунок 2">
+            <a:extLst>
+              <a:ext uri="{FF2B5EF4-FFF2-40B4-BE49-F238E27FC236}">
+                <a16:creationId xmlns:a16="http://schemas.microsoft.com/office/drawing/2014/main" id="{09BF26BC-379A-4937-99D1-BD0F75F4969C}"/>
               </a:ext>
             </a:extLst>
           </p:cNvPr>
@@ -5985,98 +5093,8 @@
         </p:blipFill>
         <p:spPr>
           <a:xfrm>
-            <a:off x="755576" y="1720370"/>
-            <a:ext cx="5314950" cy="2524125"/>
-          </a:xfrm>
-          <a:prstGeom prst="rect">
-            <a:avLst/>
-          </a:prstGeom>
-        </p:spPr>
-      </p:pic>
-      <p:pic>
-        <p:nvPicPr>
-          <p:cNvPr id="10" name="Рисунок 9">
-            <a:extLst>
-              <a:ext uri="{FF2B5EF4-FFF2-40B4-BE49-F238E27FC236}">
-                <a16:creationId xmlns:a16="http://schemas.microsoft.com/office/drawing/2014/main" id="{C6F5C858-12AF-4916-B0FA-3F0A04AB27B2}"/>
-              </a:ext>
-            </a:extLst>
-          </p:cNvPr>
-          <p:cNvPicPr>
-            <a:picLocks noChangeAspect="1"/>
-          </p:cNvPicPr>
-          <p:nvPr/>
-        </p:nvPicPr>
-        <p:blipFill>
-          <a:blip r:embed="rId4"/>
-          <a:stretch>
-            <a:fillRect/>
-          </a:stretch>
-        </p:blipFill>
-        <p:spPr>
-          <a:xfrm>
-            <a:off x="1633980" y="2513225"/>
-            <a:ext cx="3324225" cy="1114425"/>
-          </a:xfrm>
-          <a:prstGeom prst="rect">
-            <a:avLst/>
-          </a:prstGeom>
-        </p:spPr>
-      </p:pic>
-      <p:pic>
-        <p:nvPicPr>
-          <p:cNvPr id="11" name="Рисунок 10">
-            <a:extLst>
-              <a:ext uri="{FF2B5EF4-FFF2-40B4-BE49-F238E27FC236}">
-                <a16:creationId xmlns:a16="http://schemas.microsoft.com/office/drawing/2014/main" id="{CE0D7DF8-7F90-4272-8336-BA138D7F90BD}"/>
-              </a:ext>
-            </a:extLst>
-          </p:cNvPr>
-          <p:cNvPicPr>
-            <a:picLocks noChangeAspect="1"/>
-          </p:cNvPicPr>
-          <p:nvPr/>
-        </p:nvPicPr>
-        <p:blipFill>
-          <a:blip r:embed="rId5"/>
-          <a:stretch>
-            <a:fillRect/>
-          </a:stretch>
-        </p:blipFill>
-        <p:spPr>
-          <a:xfrm>
-            <a:off x="4705350" y="1962775"/>
-            <a:ext cx="3810000" cy="1466850"/>
-          </a:xfrm>
-          <a:prstGeom prst="rect">
-            <a:avLst/>
-          </a:prstGeom>
-        </p:spPr>
-      </p:pic>
-      <p:pic>
-        <p:nvPicPr>
-          <p:cNvPr id="12" name="Рисунок 11">
-            <a:extLst>
-              <a:ext uri="{FF2B5EF4-FFF2-40B4-BE49-F238E27FC236}">
-                <a16:creationId xmlns:a16="http://schemas.microsoft.com/office/drawing/2014/main" id="{C6587245-2D69-4377-9B82-8FB7BD5DC9B5}"/>
-              </a:ext>
-            </a:extLst>
-          </p:cNvPr>
-          <p:cNvPicPr>
-            <a:picLocks noChangeAspect="1"/>
-          </p:cNvPicPr>
-          <p:nvPr/>
-        </p:nvPicPr>
-        <p:blipFill>
-          <a:blip r:embed="rId6"/>
-          <a:stretch>
-            <a:fillRect/>
-          </a:stretch>
-        </p:blipFill>
-        <p:spPr>
-          <a:xfrm>
-            <a:off x="3178470" y="3375720"/>
-            <a:ext cx="5343525" cy="2838450"/>
+            <a:off x="1057275" y="1400041"/>
+            <a:ext cx="7458075" cy="1504950"/>
           </a:xfrm>
           <a:prstGeom prst="rect">
             <a:avLst/>
@@ -6086,7 +5104,7 @@
     </p:spTree>
     <p:extLst>
       <p:ext uri="{BB962C8B-B14F-4D97-AF65-F5344CB8AC3E}">
-        <p14:creationId xmlns:p14="http://schemas.microsoft.com/office/powerpoint/2010/main" val="561301958"/>
+        <p14:creationId xmlns:p14="http://schemas.microsoft.com/office/powerpoint/2010/main" val="1364229401"/>
       </p:ext>
     </p:extLst>
   </p:cSld>
@@ -6113,66 +5131,6 @@
           <a:chExt cx="0" cy="0"/>
         </a:xfrm>
       </p:grpSpPr>
-      <p:pic>
-        <p:nvPicPr>
-          <p:cNvPr id="3" name="Рисунок 2">
-            <a:extLst>
-              <a:ext uri="{FF2B5EF4-FFF2-40B4-BE49-F238E27FC236}">
-                <a16:creationId xmlns:a16="http://schemas.microsoft.com/office/drawing/2014/main" id="{6D0EE9C6-F839-4CDB-8D23-6C2BC564BFD6}"/>
-              </a:ext>
-            </a:extLst>
-          </p:cNvPr>
-          <p:cNvPicPr>
-            <a:picLocks noChangeAspect="1"/>
-          </p:cNvPicPr>
-          <p:nvPr/>
-        </p:nvPicPr>
-        <p:blipFill>
-          <a:blip r:embed="rId2"/>
-          <a:stretch>
-            <a:fillRect/>
-          </a:stretch>
-        </p:blipFill>
-        <p:spPr>
-          <a:xfrm>
-            <a:off x="1108468" y="1763779"/>
-            <a:ext cx="3703564" cy="4668818"/>
-          </a:xfrm>
-          <a:prstGeom prst="rect">
-            <a:avLst/>
-          </a:prstGeom>
-        </p:spPr>
-      </p:pic>
-      <p:pic>
-        <p:nvPicPr>
-          <p:cNvPr id="6" name="Рисунок 5">
-            <a:extLst>
-              <a:ext uri="{FF2B5EF4-FFF2-40B4-BE49-F238E27FC236}">
-                <a16:creationId xmlns:a16="http://schemas.microsoft.com/office/drawing/2014/main" id="{479C8806-7C4E-49F1-891A-1D78B93F2A0C}"/>
-              </a:ext>
-            </a:extLst>
-          </p:cNvPr>
-          <p:cNvPicPr>
-            <a:picLocks noChangeAspect="1"/>
-          </p:cNvPicPr>
-          <p:nvPr/>
-        </p:nvPicPr>
-        <p:blipFill>
-          <a:blip r:embed="rId3"/>
-          <a:stretch>
-            <a:fillRect/>
-          </a:stretch>
-        </p:blipFill>
-        <p:spPr>
-          <a:xfrm>
-            <a:off x="3077208" y="2210346"/>
-            <a:ext cx="5934075" cy="3943350"/>
-          </a:xfrm>
-          <a:prstGeom prst="rect">
-            <a:avLst/>
-          </a:prstGeom>
-        </p:spPr>
-      </p:pic>
       <p:sp>
         <p:nvSpPr>
           <p:cNvPr id="2" name="Заголовок 1"/>
@@ -6224,10 +5182,10 @@
       </p:sp>
       <p:sp>
         <p:nvSpPr>
-          <p:cNvPr id="10" name="TextBox 9">
-            <a:extLst>
-              <a:ext uri="{FF2B5EF4-FFF2-40B4-BE49-F238E27FC236}">
-                <a16:creationId xmlns:a16="http://schemas.microsoft.com/office/drawing/2014/main" id="{321269B3-0855-4D83-9F09-90F7F7DE02C2}"/>
+          <p:cNvPr id="8" name="TextBox 7">
+            <a:extLst>
+              <a:ext uri="{FF2B5EF4-FFF2-40B4-BE49-F238E27FC236}">
+                <a16:creationId xmlns:a16="http://schemas.microsoft.com/office/drawing/2014/main" id="{6D854EE2-4980-426A-A201-28BC3C2430F5}"/>
               </a:ext>
             </a:extLst>
           </p:cNvPr>
@@ -6255,52 +5213,201 @@
                 <a:latin typeface="Times New Roman" panose="02020603050405020304" pitchFamily="18" charset="0"/>
                 <a:cs typeface="Times New Roman" panose="02020603050405020304" pitchFamily="18" charset="0"/>
               </a:rPr>
-              <a:t>II. </a:t>
+              <a:t>I. </a:t>
             </a:r>
             <a:r>
               <a:rPr lang="ru-RU" sz="2800" dirty="0">
                 <a:latin typeface="Times New Roman" panose="02020603050405020304" pitchFamily="18" charset="0"/>
                 <a:cs typeface="Times New Roman" panose="02020603050405020304" pitchFamily="18" charset="0"/>
               </a:rPr>
-              <a:t>Этап детального проектирования</a:t>
-            </a:r>
-          </a:p>
-        </p:txBody>
-      </p:sp>
-      <p:pic>
-        <p:nvPicPr>
-          <p:cNvPr id="5" name="Рисунок 4">
-            <a:extLst>
-              <a:ext uri="{FF2B5EF4-FFF2-40B4-BE49-F238E27FC236}">
-                <a16:creationId xmlns:a16="http://schemas.microsoft.com/office/drawing/2014/main" id="{91529864-A40C-43BF-B60C-C032A631F858}"/>
-              </a:ext>
-            </a:extLst>
-          </p:cNvPr>
-          <p:cNvPicPr>
-            <a:picLocks noChangeAspect="1"/>
-          </p:cNvPicPr>
+              <a:t>Этап анализа системных требований</a:t>
+            </a:r>
+          </a:p>
+        </p:txBody>
+      </p:sp>
+      <p:sp>
+        <p:nvSpPr>
+          <p:cNvPr id="16" name="Прямоугольник 15">
+            <a:extLst>
+              <a:ext uri="{FF2B5EF4-FFF2-40B4-BE49-F238E27FC236}">
+                <a16:creationId xmlns:a16="http://schemas.microsoft.com/office/drawing/2014/main" id="{3481FFF0-52CB-49AE-B8AB-2F89CF7E4A50}"/>
+              </a:ext>
+            </a:extLst>
+          </p:cNvPr>
+          <p:cNvSpPr/>
           <p:nvPr/>
-        </p:nvPicPr>
-        <p:blipFill>
-          <a:blip r:embed="rId4"/>
-          <a:stretch>
-            <a:fillRect/>
-          </a:stretch>
-        </p:blipFill>
-        <p:spPr>
-          <a:xfrm>
-            <a:off x="2088712" y="3303070"/>
-            <a:ext cx="3838575" cy="1400175"/>
+        </p:nvSpPr>
+        <p:spPr>
+          <a:xfrm>
+            <a:off x="1271850" y="1720012"/>
+            <a:ext cx="6225363" cy="4370427"/>
           </a:xfrm>
           <a:prstGeom prst="rect">
             <a:avLst/>
           </a:prstGeom>
         </p:spPr>
-      </p:pic>
+        <p:txBody>
+          <a:bodyPr wrap="square">
+            <a:spAutoFit/>
+          </a:bodyPr>
+          <a:lstStyle/>
+          <a:p>
+            <a:pPr marL="342900" lvl="0" indent="-342900">
+              <a:buFont typeface="Symbol" panose="05050102010706020507" pitchFamily="18" charset="2"/>
+              <a:buChar char=""/>
+            </a:pPr>
+            <a:r>
+              <a:rPr lang="ru-RU" dirty="0">
+                <a:solidFill>
+                  <a:srgbClr val="000000"/>
+                </a:solidFill>
+                <a:latin typeface="Times New Roman" panose="02020603050405020304" pitchFamily="18" charset="0"/>
+                <a:ea typeface="Times New Roman" panose="02020603050405020304" pitchFamily="18" charset="0"/>
+              </a:rPr>
+              <a:t>Прототип должен производить диагностику объекта «Пациент» с жалобами на опухоль в молочной железе.</a:t>
+            </a:r>
+          </a:p>
+          <a:p>
+            <a:pPr marL="342900" lvl="0" indent="-342900">
+              <a:buFont typeface="Symbol" panose="05050102010706020507" pitchFamily="18" charset="2"/>
+              <a:buChar char=""/>
+            </a:pPr>
+            <a:endParaRPr lang="ru-RU" sz="1600" dirty="0">
+              <a:latin typeface="Times New Roman" panose="02020603050405020304" pitchFamily="18" charset="0"/>
+              <a:ea typeface="Times New Roman" panose="02020603050405020304" pitchFamily="18" charset="0"/>
+            </a:endParaRPr>
+          </a:p>
+          <a:p>
+            <a:pPr marL="342900" lvl="0" indent="-342900">
+              <a:buFont typeface="Symbol" panose="05050102010706020507" pitchFamily="18" charset="2"/>
+              <a:buChar char=""/>
+            </a:pPr>
+            <a:r>
+              <a:rPr lang="ru-RU" dirty="0">
+                <a:solidFill>
+                  <a:srgbClr val="000000"/>
+                </a:solidFill>
+                <a:latin typeface="Times New Roman" panose="02020603050405020304" pitchFamily="18" charset="0"/>
+                <a:ea typeface="Times New Roman" panose="02020603050405020304" pitchFamily="18" charset="0"/>
+              </a:rPr>
+              <a:t>Необходимо показывать трассу вывода решения</a:t>
+            </a:r>
+          </a:p>
+          <a:p>
+            <a:pPr marL="342900" lvl="0" indent="-342900">
+              <a:buFont typeface="Symbol" panose="05050102010706020507" pitchFamily="18" charset="2"/>
+              <a:buChar char=""/>
+            </a:pPr>
+            <a:endParaRPr lang="ru-RU" sz="1600" dirty="0">
+              <a:latin typeface="Times New Roman" panose="02020603050405020304" pitchFamily="18" charset="0"/>
+              <a:ea typeface="Times New Roman" panose="02020603050405020304" pitchFamily="18" charset="0"/>
+            </a:endParaRPr>
+          </a:p>
+          <a:p>
+            <a:pPr marL="342900" lvl="0" indent="-342900">
+              <a:buFont typeface="Symbol" panose="05050102010706020507" pitchFamily="18" charset="2"/>
+              <a:buChar char=""/>
+            </a:pPr>
+            <a:r>
+              <a:rPr lang="ru-RU" dirty="0">
+                <a:solidFill>
+                  <a:srgbClr val="000000"/>
+                </a:solidFill>
+                <a:latin typeface="Times New Roman" panose="02020603050405020304" pitchFamily="18" charset="0"/>
+                <a:ea typeface="Times New Roman" panose="02020603050405020304" pitchFamily="18" charset="0"/>
+              </a:rPr>
+              <a:t>Необходимо формировать объяснения по каждому сработанному правилу</a:t>
+            </a:r>
+          </a:p>
+          <a:p>
+            <a:pPr marL="342900" lvl="0" indent="-342900">
+              <a:buFont typeface="Symbol" panose="05050102010706020507" pitchFamily="18" charset="2"/>
+              <a:buChar char=""/>
+            </a:pPr>
+            <a:endParaRPr lang="ru-RU" sz="1600" dirty="0">
+              <a:latin typeface="Times New Roman" panose="02020603050405020304" pitchFamily="18" charset="0"/>
+              <a:ea typeface="Times New Roman" panose="02020603050405020304" pitchFamily="18" charset="0"/>
+            </a:endParaRPr>
+          </a:p>
+          <a:p>
+            <a:pPr marL="342900" lvl="0" indent="-342900">
+              <a:buFont typeface="Symbol" panose="05050102010706020507" pitchFamily="18" charset="2"/>
+              <a:buChar char=""/>
+            </a:pPr>
+            <a:r>
+              <a:rPr lang="ru-RU" dirty="0">
+                <a:solidFill>
+                  <a:srgbClr val="000000"/>
+                </a:solidFill>
+                <a:latin typeface="Times New Roman" panose="02020603050405020304" pitchFamily="18" charset="0"/>
+                <a:ea typeface="Times New Roman" panose="02020603050405020304" pitchFamily="18" charset="0"/>
+              </a:rPr>
+              <a:t>Должно быть два режима работы, а именно: режим эксперта с возможностью редактирования БЗ и режим пользователя.</a:t>
+            </a:r>
+          </a:p>
+          <a:p>
+            <a:pPr marL="342900" lvl="0" indent="-342900">
+              <a:buFont typeface="Symbol" panose="05050102010706020507" pitchFamily="18" charset="2"/>
+              <a:buChar char=""/>
+            </a:pPr>
+            <a:endParaRPr lang="ru-RU" sz="1600" dirty="0">
+              <a:latin typeface="Times New Roman" panose="02020603050405020304" pitchFamily="18" charset="0"/>
+              <a:ea typeface="Times New Roman" panose="02020603050405020304" pitchFamily="18" charset="0"/>
+            </a:endParaRPr>
+          </a:p>
+          <a:p>
+            <a:pPr marL="342900" lvl="0" indent="-342900">
+              <a:buFont typeface="Symbol" panose="05050102010706020507" pitchFamily="18" charset="2"/>
+              <a:buChar char=""/>
+            </a:pPr>
+            <a:r>
+              <a:rPr lang="ru-RU" dirty="0">
+                <a:solidFill>
+                  <a:srgbClr val="000000"/>
+                </a:solidFill>
+                <a:latin typeface="Times New Roman" panose="02020603050405020304" pitchFamily="18" charset="0"/>
+                <a:ea typeface="Times New Roman" panose="02020603050405020304" pitchFamily="18" charset="0"/>
+              </a:rPr>
+              <a:t>Необходимо производить загрузку данных о пациенте из базы данных.</a:t>
+            </a:r>
+          </a:p>
+          <a:p>
+            <a:pPr marL="342900" lvl="0" indent="-342900">
+              <a:buFont typeface="Symbol" panose="05050102010706020507" pitchFamily="18" charset="2"/>
+              <a:buChar char=""/>
+            </a:pPr>
+            <a:endParaRPr lang="ru-RU" sz="1600" dirty="0">
+              <a:latin typeface="Times New Roman" panose="02020603050405020304" pitchFamily="18" charset="0"/>
+              <a:ea typeface="Times New Roman" panose="02020603050405020304" pitchFamily="18" charset="0"/>
+            </a:endParaRPr>
+          </a:p>
+          <a:p>
+            <a:pPr marL="342900" lvl="0" indent="-342900">
+              <a:buFont typeface="Symbol" panose="05050102010706020507" pitchFamily="18" charset="2"/>
+              <a:buChar char=""/>
+            </a:pPr>
+            <a:r>
+              <a:rPr lang="ru-RU" dirty="0">
+                <a:solidFill>
+                  <a:srgbClr val="000000"/>
+                </a:solidFill>
+                <a:latin typeface="Times New Roman" panose="02020603050405020304" pitchFamily="18" charset="0"/>
+                <a:ea typeface="Times New Roman" panose="02020603050405020304" pitchFamily="18" charset="0"/>
+              </a:rPr>
+              <a:t>Интерфейс системы должен быть минималистичным</a:t>
+            </a:r>
+            <a:endParaRPr lang="ru-RU" sz="1600" dirty="0">
+              <a:effectLst/>
+              <a:latin typeface="Times New Roman" panose="02020603050405020304" pitchFamily="18" charset="0"/>
+              <a:ea typeface="Times New Roman" panose="02020603050405020304" pitchFamily="18" charset="0"/>
+            </a:endParaRPr>
+          </a:p>
+        </p:txBody>
+      </p:sp>
     </p:spTree>
     <p:extLst>
       <p:ext uri="{BB962C8B-B14F-4D97-AF65-F5344CB8AC3E}">
-        <p14:creationId xmlns:p14="http://schemas.microsoft.com/office/powerpoint/2010/main" val="3438001406"/>
+        <p14:creationId xmlns:p14="http://schemas.microsoft.com/office/powerpoint/2010/main" val="561301958"/>
       </p:ext>
     </p:extLst>
   </p:cSld>
@@ -6327,121 +5434,18 @@
           <a:chExt cx="0" cy="0"/>
         </a:xfrm>
       </p:grpSpPr>
-      <p:sp>
-        <p:nvSpPr>
-          <p:cNvPr id="4" name="Номер слайда 3"/>
-          <p:cNvSpPr>
-            <a:spLocks noGrp="1"/>
-          </p:cNvSpPr>
-          <p:nvPr>
-            <p:ph type="sldNum" sz="quarter" idx="4"/>
-          </p:nvPr>
-        </p:nvSpPr>
-        <p:spPr/>
-        <p:txBody>
-          <a:bodyPr/>
-          <a:lstStyle/>
-          <a:p>
-            <a:fld id="{24882390-5E8C-4CFA-AF90-B2445B96FD8B}" type="slidenum">
-              <a:rPr lang="ru-RU" smtClean="0"/>
-              <a:pPr/>
-              <a:t>15</a:t>
-            </a:fld>
-            <a:endParaRPr lang="ru-RU" dirty="0"/>
-          </a:p>
-        </p:txBody>
-      </p:sp>
-      <p:sp>
-        <p:nvSpPr>
-          <p:cNvPr id="10" name="TextBox 9">
-            <a:extLst>
-              <a:ext uri="{FF2B5EF4-FFF2-40B4-BE49-F238E27FC236}">
-                <a16:creationId xmlns:a16="http://schemas.microsoft.com/office/drawing/2014/main" id="{4CCE84FA-9EDB-4A46-9BE8-0AD1281C9633}"/>
-              </a:ext>
-            </a:extLst>
-          </p:cNvPr>
-          <p:cNvSpPr txBox="1"/>
-          <p:nvPr/>
-        </p:nvSpPr>
-        <p:spPr>
-          <a:xfrm>
-            <a:off x="628650" y="1081331"/>
-            <a:ext cx="6475228" cy="523220"/>
-          </a:xfrm>
-          <a:prstGeom prst="rect">
-            <a:avLst/>
-          </a:prstGeom>
-          <a:noFill/>
-        </p:spPr>
-        <p:txBody>
-          <a:bodyPr wrap="square" rtlCol="0">
-            <a:spAutoFit/>
-          </a:bodyPr>
-          <a:lstStyle/>
-          <a:p>
-            <a:r>
-              <a:rPr lang="en-US" sz="2800" dirty="0">
-                <a:latin typeface="Times New Roman" panose="02020603050405020304" pitchFamily="18" charset="0"/>
-                <a:cs typeface="Times New Roman" panose="02020603050405020304" pitchFamily="18" charset="0"/>
-              </a:rPr>
-              <a:t>III. </a:t>
-            </a:r>
-            <a:r>
-              <a:rPr lang="ru-RU" sz="2800" dirty="0">
-                <a:latin typeface="Times New Roman" panose="02020603050405020304" pitchFamily="18" charset="0"/>
-                <a:cs typeface="Times New Roman" panose="02020603050405020304" pitchFamily="18" charset="0"/>
-              </a:rPr>
-              <a:t>Этап реализации</a:t>
-            </a:r>
-          </a:p>
-        </p:txBody>
-      </p:sp>
-      <p:sp>
-        <p:nvSpPr>
-          <p:cNvPr id="11" name="Заголовок 1">
-            <a:extLst>
-              <a:ext uri="{FF2B5EF4-FFF2-40B4-BE49-F238E27FC236}">
-                <a16:creationId xmlns:a16="http://schemas.microsoft.com/office/drawing/2014/main" id="{C2389ED9-B796-47F1-9401-BAECDE3DF258}"/>
-              </a:ext>
-            </a:extLst>
-          </p:cNvPr>
-          <p:cNvSpPr>
-            <a:spLocks noGrp="1"/>
-          </p:cNvSpPr>
-          <p:nvPr>
-            <p:ph type="title"/>
-          </p:nvPr>
-        </p:nvSpPr>
-        <p:spPr>
-          <a:xfrm>
-            <a:off x="628650" y="36094"/>
-            <a:ext cx="7886700" cy="687013"/>
-          </a:xfrm>
-        </p:spPr>
-        <p:txBody>
-          <a:bodyPr>
-            <a:normAutofit/>
-          </a:bodyPr>
-          <a:lstStyle/>
-          <a:p>
-            <a:pPr algn="ctr"/>
-            <a:r>
-              <a:rPr lang="ru-RU" sz="3200" dirty="0"/>
-              <a:t>Построение прототипа ИЭС</a:t>
-            </a:r>
-          </a:p>
-        </p:txBody>
-      </p:sp>
       <p:pic>
         <p:nvPicPr>
-          <p:cNvPr id="12" name="Рисунок 11">
-            <a:extLst>
-              <a:ext uri="{FF2B5EF4-FFF2-40B4-BE49-F238E27FC236}">
-                <a16:creationId xmlns:a16="http://schemas.microsoft.com/office/drawing/2014/main" id="{9CFB1061-B385-43E5-879D-3BA1C9662F92}"/>
-              </a:ext>
-            </a:extLst>
-          </p:cNvPr>
-          <p:cNvPicPr/>
+          <p:cNvPr id="3" name="Рисунок 2">
+            <a:extLst>
+              <a:ext uri="{FF2B5EF4-FFF2-40B4-BE49-F238E27FC236}">
+                <a16:creationId xmlns:a16="http://schemas.microsoft.com/office/drawing/2014/main" id="{6D0EE9C6-F839-4CDB-8D23-6C2BC564BFD6}"/>
+              </a:ext>
+            </a:extLst>
+          </p:cNvPr>
+          <p:cNvPicPr>
+            <a:picLocks noChangeAspect="1"/>
+          </p:cNvPicPr>
           <p:nvPr/>
         </p:nvPicPr>
         <p:blipFill>
@@ -6452,8 +5456,162 @@
         </p:blipFill>
         <p:spPr>
           <a:xfrm>
-            <a:off x="1668757" y="1648144"/>
-            <a:ext cx="6096221" cy="4342141"/>
+            <a:off x="1108468" y="1763779"/>
+            <a:ext cx="3703564" cy="4668818"/>
+          </a:xfrm>
+          <a:prstGeom prst="rect">
+            <a:avLst/>
+          </a:prstGeom>
+        </p:spPr>
+      </p:pic>
+      <p:pic>
+        <p:nvPicPr>
+          <p:cNvPr id="6" name="Рисунок 5">
+            <a:extLst>
+              <a:ext uri="{FF2B5EF4-FFF2-40B4-BE49-F238E27FC236}">
+                <a16:creationId xmlns:a16="http://schemas.microsoft.com/office/drawing/2014/main" id="{479C8806-7C4E-49F1-891A-1D78B93F2A0C}"/>
+              </a:ext>
+            </a:extLst>
+          </p:cNvPr>
+          <p:cNvPicPr>
+            <a:picLocks noChangeAspect="1"/>
+          </p:cNvPicPr>
+          <p:nvPr/>
+        </p:nvPicPr>
+        <p:blipFill>
+          <a:blip r:embed="rId3"/>
+          <a:stretch>
+            <a:fillRect/>
+          </a:stretch>
+        </p:blipFill>
+        <p:spPr>
+          <a:xfrm>
+            <a:off x="3077208" y="2210346"/>
+            <a:ext cx="5934075" cy="3943350"/>
+          </a:xfrm>
+          <a:prstGeom prst="rect">
+            <a:avLst/>
+          </a:prstGeom>
+        </p:spPr>
+      </p:pic>
+      <p:sp>
+        <p:nvSpPr>
+          <p:cNvPr id="2" name="Заголовок 1"/>
+          <p:cNvSpPr>
+            <a:spLocks noGrp="1"/>
+          </p:cNvSpPr>
+          <p:nvPr>
+            <p:ph type="title"/>
+          </p:nvPr>
+        </p:nvSpPr>
+        <p:spPr/>
+        <p:txBody>
+          <a:bodyPr>
+            <a:noAutofit/>
+          </a:bodyPr>
+          <a:lstStyle/>
+          <a:p>
+            <a:pPr algn="ctr"/>
+            <a:r>
+              <a:rPr lang="ru-RU" sz="3200" dirty="0"/>
+              <a:t>Построение прототипа ИЭС</a:t>
+            </a:r>
+          </a:p>
+        </p:txBody>
+      </p:sp>
+      <p:sp>
+        <p:nvSpPr>
+          <p:cNvPr id="4" name="Номер слайда 3"/>
+          <p:cNvSpPr>
+            <a:spLocks noGrp="1"/>
+          </p:cNvSpPr>
+          <p:nvPr>
+            <p:ph type="sldNum" sz="quarter" idx="4"/>
+          </p:nvPr>
+        </p:nvSpPr>
+        <p:spPr/>
+        <p:txBody>
+          <a:bodyPr/>
+          <a:lstStyle/>
+          <a:p>
+            <a:fld id="{24882390-5E8C-4CFA-AF90-B2445B96FD8B}" type="slidenum">
+              <a:rPr lang="ru-RU" smtClean="0"/>
+              <a:pPr/>
+              <a:t>15</a:t>
+            </a:fld>
+            <a:endParaRPr lang="ru-RU" dirty="0"/>
+          </a:p>
+        </p:txBody>
+      </p:sp>
+      <p:sp>
+        <p:nvSpPr>
+          <p:cNvPr id="10" name="TextBox 9">
+            <a:extLst>
+              <a:ext uri="{FF2B5EF4-FFF2-40B4-BE49-F238E27FC236}">
+                <a16:creationId xmlns:a16="http://schemas.microsoft.com/office/drawing/2014/main" id="{321269B3-0855-4D83-9F09-90F7F7DE02C2}"/>
+              </a:ext>
+            </a:extLst>
+          </p:cNvPr>
+          <p:cNvSpPr txBox="1"/>
+          <p:nvPr/>
+        </p:nvSpPr>
+        <p:spPr>
+          <a:xfrm>
+            <a:off x="628650" y="1081331"/>
+            <a:ext cx="6475228" cy="523220"/>
+          </a:xfrm>
+          <a:prstGeom prst="rect">
+            <a:avLst/>
+          </a:prstGeom>
+          <a:noFill/>
+        </p:spPr>
+        <p:txBody>
+          <a:bodyPr wrap="square" rtlCol="0">
+            <a:spAutoFit/>
+          </a:bodyPr>
+          <a:lstStyle/>
+          <a:p>
+            <a:r>
+              <a:rPr lang="en-US" sz="2800" dirty="0">
+                <a:latin typeface="Times New Roman" panose="02020603050405020304" pitchFamily="18" charset="0"/>
+                <a:cs typeface="Times New Roman" panose="02020603050405020304" pitchFamily="18" charset="0"/>
+              </a:rPr>
+              <a:t>II. </a:t>
+            </a:r>
+            <a:r>
+              <a:rPr lang="ru-RU" sz="2800" dirty="0">
+                <a:latin typeface="Times New Roman" panose="02020603050405020304" pitchFamily="18" charset="0"/>
+                <a:cs typeface="Times New Roman" panose="02020603050405020304" pitchFamily="18" charset="0"/>
+              </a:rPr>
+              <a:t>Этап детального проектирования</a:t>
+            </a:r>
+          </a:p>
+        </p:txBody>
+      </p:sp>
+      <p:pic>
+        <p:nvPicPr>
+          <p:cNvPr id="5" name="Рисунок 4">
+            <a:extLst>
+              <a:ext uri="{FF2B5EF4-FFF2-40B4-BE49-F238E27FC236}">
+                <a16:creationId xmlns:a16="http://schemas.microsoft.com/office/drawing/2014/main" id="{91529864-A40C-43BF-B60C-C032A631F858}"/>
+              </a:ext>
+            </a:extLst>
+          </p:cNvPr>
+          <p:cNvPicPr>
+            <a:picLocks noChangeAspect="1"/>
+          </p:cNvPicPr>
+          <p:nvPr/>
+        </p:nvPicPr>
+        <p:blipFill>
+          <a:blip r:embed="rId4"/>
+          <a:stretch>
+            <a:fillRect/>
+          </a:stretch>
+        </p:blipFill>
+        <p:spPr>
+          <a:xfrm>
+            <a:off x="2088712" y="3303070"/>
+            <a:ext cx="3838575" cy="1400175"/>
           </a:xfrm>
           <a:prstGeom prst="rect">
             <a:avLst/>
@@ -6463,7 +5621,7 @@
     </p:spTree>
     <p:extLst>
       <p:ext uri="{BB962C8B-B14F-4D97-AF65-F5344CB8AC3E}">
-        <p14:creationId xmlns:p14="http://schemas.microsoft.com/office/powerpoint/2010/main" val="220867694"/>
+        <p14:creationId xmlns:p14="http://schemas.microsoft.com/office/powerpoint/2010/main" val="3438001406"/>
       </p:ext>
     </p:extLst>
   </p:cSld>
@@ -6492,10 +5650,79 @@
       </p:grpSpPr>
       <p:sp>
         <p:nvSpPr>
-          <p:cNvPr id="2" name="Заголовок 1">
-            <a:extLst>
-              <a:ext uri="{FF2B5EF4-FFF2-40B4-BE49-F238E27FC236}">
-                <a16:creationId xmlns:a16="http://schemas.microsoft.com/office/drawing/2014/main" id="{F45E7167-93AC-45B8-975E-EB300E4CD903}"/>
+          <p:cNvPr id="4" name="Номер слайда 3"/>
+          <p:cNvSpPr>
+            <a:spLocks noGrp="1"/>
+          </p:cNvSpPr>
+          <p:nvPr>
+            <p:ph type="sldNum" sz="quarter" idx="4"/>
+          </p:nvPr>
+        </p:nvSpPr>
+        <p:spPr/>
+        <p:txBody>
+          <a:bodyPr/>
+          <a:lstStyle/>
+          <a:p>
+            <a:fld id="{24882390-5E8C-4CFA-AF90-B2445B96FD8B}" type="slidenum">
+              <a:rPr lang="ru-RU" smtClean="0"/>
+              <a:pPr/>
+              <a:t>16</a:t>
+            </a:fld>
+            <a:endParaRPr lang="ru-RU" dirty="0"/>
+          </a:p>
+        </p:txBody>
+      </p:sp>
+      <p:sp>
+        <p:nvSpPr>
+          <p:cNvPr id="10" name="TextBox 9">
+            <a:extLst>
+              <a:ext uri="{FF2B5EF4-FFF2-40B4-BE49-F238E27FC236}">
+                <a16:creationId xmlns:a16="http://schemas.microsoft.com/office/drawing/2014/main" id="{4CCE84FA-9EDB-4A46-9BE8-0AD1281C9633}"/>
+              </a:ext>
+            </a:extLst>
+          </p:cNvPr>
+          <p:cNvSpPr txBox="1"/>
+          <p:nvPr/>
+        </p:nvSpPr>
+        <p:spPr>
+          <a:xfrm>
+            <a:off x="628650" y="1081331"/>
+            <a:ext cx="6475228" cy="523220"/>
+          </a:xfrm>
+          <a:prstGeom prst="rect">
+            <a:avLst/>
+          </a:prstGeom>
+          <a:noFill/>
+        </p:spPr>
+        <p:txBody>
+          <a:bodyPr wrap="square" rtlCol="0">
+            <a:spAutoFit/>
+          </a:bodyPr>
+          <a:lstStyle/>
+          <a:p>
+            <a:r>
+              <a:rPr lang="en-US" sz="2800" dirty="0">
+                <a:latin typeface="Times New Roman" panose="02020603050405020304" pitchFamily="18" charset="0"/>
+                <a:cs typeface="Times New Roman" panose="02020603050405020304" pitchFamily="18" charset="0"/>
+              </a:rPr>
+              <a:t>III. </a:t>
+            </a:r>
+            <a:r>
+              <a:rPr lang="ru-RU" sz="2800" dirty="0">
+                <a:latin typeface="Times New Roman" panose="02020603050405020304" pitchFamily="18" charset="0"/>
+                <a:cs typeface="Times New Roman" panose="02020603050405020304" pitchFamily="18" charset="0"/>
+              </a:rPr>
+              <a:t>Этап реализации</a:t>
+            </a:r>
+          </a:p>
+        </p:txBody>
+      </p:sp>
+      <p:sp>
+        <p:nvSpPr>
+          <p:cNvPr id="11" name="Заголовок 1">
+            <a:extLst>
+              <a:ext uri="{FF2B5EF4-FFF2-40B4-BE49-F238E27FC236}">
+                <a16:creationId xmlns:a16="http://schemas.microsoft.com/office/drawing/2014/main" id="{C2389ED9-B796-47F1-9401-BAECDE3DF258}"/>
               </a:ext>
             </a:extLst>
           </p:cNvPr>
@@ -6506,7 +5733,12 @@
             <p:ph type="title"/>
           </p:nvPr>
         </p:nvSpPr>
-        <p:spPr/>
+        <p:spPr>
+          <a:xfrm>
+            <a:off x="628650" y="36094"/>
+            <a:ext cx="7886700" cy="687013"/>
+          </a:xfrm>
+        </p:spPr>
         <p:txBody>
           <a:bodyPr>
             <a:normAutofit/>
@@ -6521,93 +5753,16 @@
           </a:p>
         </p:txBody>
       </p:sp>
-      <p:sp>
-        <p:nvSpPr>
-          <p:cNvPr id="4" name="Номер слайда 3">
-            <a:extLst>
-              <a:ext uri="{FF2B5EF4-FFF2-40B4-BE49-F238E27FC236}">
-                <a16:creationId xmlns:a16="http://schemas.microsoft.com/office/drawing/2014/main" id="{32626DD7-7A04-46BC-87B1-4C818B43FD2D}"/>
-              </a:ext>
-            </a:extLst>
-          </p:cNvPr>
-          <p:cNvSpPr>
-            <a:spLocks noGrp="1"/>
-          </p:cNvSpPr>
-          <p:nvPr>
-            <p:ph type="sldNum" sz="quarter" idx="4"/>
-          </p:nvPr>
-        </p:nvSpPr>
-        <p:spPr/>
-        <p:txBody>
-          <a:bodyPr/>
-          <a:lstStyle/>
-          <a:p>
-            <a:fld id="{24882390-5E8C-4CFA-AF90-B2445B96FD8B}" type="slidenum">
-              <a:rPr lang="ru-RU" smtClean="0"/>
-              <a:pPr/>
-              <a:t>16</a:t>
-            </a:fld>
-            <a:endParaRPr lang="ru-RU" dirty="0"/>
-          </a:p>
-        </p:txBody>
-      </p:sp>
-      <p:sp>
-        <p:nvSpPr>
-          <p:cNvPr id="5" name="TextBox 4">
-            <a:extLst>
-              <a:ext uri="{FF2B5EF4-FFF2-40B4-BE49-F238E27FC236}">
-                <a16:creationId xmlns:a16="http://schemas.microsoft.com/office/drawing/2014/main" id="{3D7BA749-9AAC-4DB6-AD1D-329F22D3C437}"/>
-              </a:ext>
-            </a:extLst>
-          </p:cNvPr>
-          <p:cNvSpPr txBox="1"/>
-          <p:nvPr/>
-        </p:nvSpPr>
-        <p:spPr>
-          <a:xfrm>
-            <a:off x="628650" y="1081331"/>
-            <a:ext cx="6475228" cy="523220"/>
-          </a:xfrm>
-          <a:prstGeom prst="rect">
-            <a:avLst/>
-          </a:prstGeom>
-          <a:noFill/>
-        </p:spPr>
-        <p:txBody>
-          <a:bodyPr wrap="square" rtlCol="0">
-            <a:spAutoFit/>
-          </a:bodyPr>
-          <a:lstStyle/>
-          <a:p>
-            <a:r>
-              <a:rPr lang="en-US" sz="2800" dirty="0">
-                <a:latin typeface="Times New Roman" panose="02020603050405020304" pitchFamily="18" charset="0"/>
-                <a:cs typeface="Times New Roman" panose="02020603050405020304" pitchFamily="18" charset="0"/>
-              </a:rPr>
-              <a:t>IV. </a:t>
-            </a:r>
-            <a:r>
-              <a:rPr lang="ru-RU" sz="2800" dirty="0">
-                <a:latin typeface="Times New Roman" panose="02020603050405020304" pitchFamily="18" charset="0"/>
-                <a:cs typeface="Times New Roman" panose="02020603050405020304" pitchFamily="18" charset="0"/>
-              </a:rPr>
-              <a:t>Этап тестирования</a:t>
-            </a:r>
-          </a:p>
-        </p:txBody>
-      </p:sp>
       <p:pic>
         <p:nvPicPr>
-          <p:cNvPr id="3" name="Рисунок 2">
-            <a:extLst>
-              <a:ext uri="{FF2B5EF4-FFF2-40B4-BE49-F238E27FC236}">
-                <a16:creationId xmlns:a16="http://schemas.microsoft.com/office/drawing/2014/main" id="{D3BC91A3-0E16-4508-B9EE-4F784DD20C4C}"/>
-              </a:ext>
-            </a:extLst>
-          </p:cNvPr>
-          <p:cNvPicPr>
-            <a:picLocks noChangeAspect="1"/>
-          </p:cNvPicPr>
+          <p:cNvPr id="12" name="Рисунок 11">
+            <a:extLst>
+              <a:ext uri="{FF2B5EF4-FFF2-40B4-BE49-F238E27FC236}">
+                <a16:creationId xmlns:a16="http://schemas.microsoft.com/office/drawing/2014/main" id="{9CFB1061-B385-43E5-879D-3BA1C9662F92}"/>
+              </a:ext>
+            </a:extLst>
+          </p:cNvPr>
+          <p:cNvPicPr/>
           <p:nvPr/>
         </p:nvPicPr>
         <p:blipFill>
@@ -6618,8 +5773,8 @@
         </p:blipFill>
         <p:spPr>
           <a:xfrm>
-            <a:off x="1044969" y="1081331"/>
-            <a:ext cx="7106625" cy="5329969"/>
+            <a:off x="1668757" y="1648144"/>
+            <a:ext cx="6096221" cy="4342141"/>
           </a:xfrm>
           <a:prstGeom prst="rect">
             <a:avLst/>
@@ -6629,7 +5784,7 @@
     </p:spTree>
     <p:extLst>
       <p:ext uri="{BB962C8B-B14F-4D97-AF65-F5344CB8AC3E}">
-        <p14:creationId xmlns:p14="http://schemas.microsoft.com/office/powerpoint/2010/main" val="3960882125"/>
+        <p14:creationId xmlns:p14="http://schemas.microsoft.com/office/powerpoint/2010/main" val="220867694"/>
       </p:ext>
     </p:extLst>
   </p:cSld>
@@ -6658,7 +5813,13 @@
       </p:grpSpPr>
       <p:sp>
         <p:nvSpPr>
-          <p:cNvPr id="2" name="Заголовок 1"/>
+          <p:cNvPr id="2" name="Заголовок 1">
+            <a:extLst>
+              <a:ext uri="{FF2B5EF4-FFF2-40B4-BE49-F238E27FC236}">
+                <a16:creationId xmlns:a16="http://schemas.microsoft.com/office/drawing/2014/main" id="{F45E7167-93AC-45B8-975E-EB300E4CD903}"/>
+              </a:ext>
+            </a:extLst>
+          </p:cNvPr>
           <p:cNvSpPr>
             <a:spLocks noGrp="1"/>
           </p:cNvSpPr>
@@ -6676,14 +5837,20 @@
             <a:pPr algn="ctr"/>
             <a:r>
               <a:rPr lang="ru-RU" sz="3200" dirty="0"/>
-              <a:t>Тестирование АТ-РЕШАТЕЛЯ</a:t>
-            </a:r>
-          </a:p>
-        </p:txBody>
-      </p:sp>
-      <p:sp>
-        <p:nvSpPr>
-          <p:cNvPr id="4" name="Номер слайда 3"/>
+              <a:t>Построение прототипа ИЭС</a:t>
+            </a:r>
+          </a:p>
+        </p:txBody>
+      </p:sp>
+      <p:sp>
+        <p:nvSpPr>
+          <p:cNvPr id="4" name="Номер слайда 3">
+            <a:extLst>
+              <a:ext uri="{FF2B5EF4-FFF2-40B4-BE49-F238E27FC236}">
+                <a16:creationId xmlns:a16="http://schemas.microsoft.com/office/drawing/2014/main" id="{32626DD7-7A04-46BC-87B1-4C818B43FD2D}"/>
+              </a:ext>
+            </a:extLst>
+          </p:cNvPr>
           <p:cNvSpPr>
             <a:spLocks noGrp="1"/>
           </p:cNvSpPr>
@@ -6705,12 +5872,57 @@
           </a:p>
         </p:txBody>
       </p:sp>
+      <p:sp>
+        <p:nvSpPr>
+          <p:cNvPr id="5" name="TextBox 4">
+            <a:extLst>
+              <a:ext uri="{FF2B5EF4-FFF2-40B4-BE49-F238E27FC236}">
+                <a16:creationId xmlns:a16="http://schemas.microsoft.com/office/drawing/2014/main" id="{3D7BA749-9AAC-4DB6-AD1D-329F22D3C437}"/>
+              </a:ext>
+            </a:extLst>
+          </p:cNvPr>
+          <p:cNvSpPr txBox="1"/>
+          <p:nvPr/>
+        </p:nvSpPr>
+        <p:spPr>
+          <a:xfrm>
+            <a:off x="628650" y="1081331"/>
+            <a:ext cx="6475228" cy="523220"/>
+          </a:xfrm>
+          <a:prstGeom prst="rect">
+            <a:avLst/>
+          </a:prstGeom>
+          <a:noFill/>
+        </p:spPr>
+        <p:txBody>
+          <a:bodyPr wrap="square" rtlCol="0">
+            <a:spAutoFit/>
+          </a:bodyPr>
+          <a:lstStyle/>
+          <a:p>
+            <a:r>
+              <a:rPr lang="en-US" sz="2800" dirty="0">
+                <a:latin typeface="Times New Roman" panose="02020603050405020304" pitchFamily="18" charset="0"/>
+                <a:cs typeface="Times New Roman" panose="02020603050405020304" pitchFamily="18" charset="0"/>
+              </a:rPr>
+              <a:t>IV. </a:t>
+            </a:r>
+            <a:r>
+              <a:rPr lang="ru-RU" sz="2800" dirty="0">
+                <a:latin typeface="Times New Roman" panose="02020603050405020304" pitchFamily="18" charset="0"/>
+                <a:cs typeface="Times New Roman" panose="02020603050405020304" pitchFamily="18" charset="0"/>
+              </a:rPr>
+              <a:t>Этап тестирования</a:t>
+            </a:r>
+          </a:p>
+        </p:txBody>
+      </p:sp>
       <p:pic>
         <p:nvPicPr>
-          <p:cNvPr id="13" name="Рисунок 12">
-            <a:extLst>
-              <a:ext uri="{FF2B5EF4-FFF2-40B4-BE49-F238E27FC236}">
-                <a16:creationId xmlns:a16="http://schemas.microsoft.com/office/drawing/2014/main" id="{A289D3B9-6050-4624-8922-50F06D7B41C6}"/>
+          <p:cNvPr id="3" name="Рисунок 2">
+            <a:extLst>
+              <a:ext uri="{FF2B5EF4-FFF2-40B4-BE49-F238E27FC236}">
+                <a16:creationId xmlns:a16="http://schemas.microsoft.com/office/drawing/2014/main" id="{D3BC91A3-0E16-4508-B9EE-4F784DD20C4C}"/>
               </a:ext>
             </a:extLst>
           </p:cNvPr>
@@ -6720,21 +5932,15 @@
           <p:nvPr/>
         </p:nvPicPr>
         <p:blipFill>
-          <a:blip r:embed="rId2">
-            <a:extLst>
-              <a:ext uri="{28A0092B-C50C-407E-A947-70E740481C1C}">
-                <a14:useLocalDpi xmlns:a14="http://schemas.microsoft.com/office/drawing/2010/main" val="0"/>
-              </a:ext>
-            </a:extLst>
-          </a:blip>
+          <a:blip r:embed="rId2"/>
           <a:stretch>
             <a:fillRect/>
           </a:stretch>
         </p:blipFill>
         <p:spPr>
           <a:xfrm>
-            <a:off x="551901" y="1289395"/>
-            <a:ext cx="8520261" cy="4279210"/>
+            <a:off x="1044969" y="1081331"/>
+            <a:ext cx="7106625" cy="5329969"/>
           </a:xfrm>
           <a:prstGeom prst="rect">
             <a:avLst/>
@@ -6744,7 +5950,7 @@
     </p:spTree>
     <p:extLst>
       <p:ext uri="{BB962C8B-B14F-4D97-AF65-F5344CB8AC3E}">
-        <p14:creationId xmlns:p14="http://schemas.microsoft.com/office/powerpoint/2010/main" val="580101788"/>
+        <p14:creationId xmlns:p14="http://schemas.microsoft.com/office/powerpoint/2010/main" val="3960882125"/>
       </p:ext>
     </p:extLst>
   </p:cSld>
@@ -6773,72 +5979,32 @@
       </p:grpSpPr>
       <p:sp>
         <p:nvSpPr>
-          <p:cNvPr id="16" name="Блок-схема: внутренняя память 15">
-            <a:extLst>
-              <a:ext uri="{FF2B5EF4-FFF2-40B4-BE49-F238E27FC236}">
-                <a16:creationId xmlns:a16="http://schemas.microsoft.com/office/drawing/2014/main" id="{7270CF74-4FCA-4AC2-84B8-85A399298BB5}"/>
-              </a:ext>
-            </a:extLst>
-          </p:cNvPr>
-          <p:cNvSpPr/>
-          <p:nvPr/>
-        </p:nvSpPr>
-        <p:spPr>
-          <a:xfrm>
-            <a:off x="6642364" y="1281223"/>
-            <a:ext cx="1871331" cy="1860698"/>
-          </a:xfrm>
-          <a:prstGeom prst="flowChartInternalStorage">
-            <a:avLst/>
-          </a:prstGeom>
-          <a:effectLst>
-            <a:outerShdw blurRad="50800" dist="38100" algn="l" rotWithShape="0">
-              <a:prstClr val="black">
-                <a:alpha val="40000"/>
-              </a:prstClr>
-            </a:outerShdw>
-          </a:effectLst>
-        </p:spPr>
-        <p:style>
-          <a:lnRef idx="2">
-            <a:schemeClr val="dk1"/>
-          </a:lnRef>
-          <a:fillRef idx="1">
-            <a:schemeClr val="lt1"/>
-          </a:fillRef>
-          <a:effectRef idx="0">
-            <a:schemeClr val="dk1"/>
-          </a:effectRef>
-          <a:fontRef idx="minor">
-            <a:schemeClr val="dk1"/>
-          </a:fontRef>
-        </p:style>
-        <p:txBody>
-          <a:bodyPr rtlCol="0" anchor="t"/>
+          <p:cNvPr id="2" name="Заголовок 1"/>
+          <p:cNvSpPr>
+            <a:spLocks noGrp="1"/>
+          </p:cNvSpPr>
+          <p:nvPr>
+            <p:ph type="title"/>
+          </p:nvPr>
+        </p:nvSpPr>
+        <p:spPr/>
+        <p:txBody>
+          <a:bodyPr>
+            <a:normAutofit/>
+          </a:bodyPr>
           <a:lstStyle/>
           <a:p>
             <a:pPr algn="ctr"/>
             <a:r>
-              <a:rPr lang="ru-RU" dirty="0"/>
-              <a:t>Объекты </a:t>
-            </a:r>
-            <a:r>
-              <a:rPr lang="en-US" dirty="0"/>
-              <a:t>Pascal</a:t>
-            </a:r>
-            <a:endParaRPr lang="ru-RU" dirty="0"/>
-          </a:p>
-        </p:txBody>
-      </p:sp>
-      <p:sp>
-        <p:nvSpPr>
-          <p:cNvPr id="4" name="Номер слайда 3">
-            <a:extLst>
-              <a:ext uri="{FF2B5EF4-FFF2-40B4-BE49-F238E27FC236}">
-                <a16:creationId xmlns:a16="http://schemas.microsoft.com/office/drawing/2014/main" id="{C4CB720F-C480-4F89-9754-5E8B3BD3259F}"/>
-              </a:ext>
-            </a:extLst>
-          </p:cNvPr>
+              <a:rPr lang="ru-RU" sz="3200" dirty="0"/>
+              <a:t>Тестирование АТ-РЕШАТЕЛЯ</a:t>
+            </a:r>
+          </a:p>
+        </p:txBody>
+      </p:sp>
+      <p:sp>
+        <p:nvSpPr>
+          <p:cNvPr id="4" name="Номер слайда 3"/>
           <p:cNvSpPr>
             <a:spLocks noGrp="1"/>
           </p:cNvSpPr>
@@ -6860,247 +6026,12 @@
           </a:p>
         </p:txBody>
       </p:sp>
-      <p:sp>
-        <p:nvSpPr>
-          <p:cNvPr id="6" name="Заголовок 1">
-            <a:extLst>
-              <a:ext uri="{FF2B5EF4-FFF2-40B4-BE49-F238E27FC236}">
-                <a16:creationId xmlns:a16="http://schemas.microsoft.com/office/drawing/2014/main" id="{176D0AB6-CDEE-4967-9AAB-6213363CB8E1}"/>
-              </a:ext>
-            </a:extLst>
-          </p:cNvPr>
-          <p:cNvSpPr>
-            <a:spLocks noGrp="1"/>
-          </p:cNvSpPr>
-          <p:nvPr>
-            <p:ph type="title"/>
-          </p:nvPr>
-        </p:nvSpPr>
-        <p:spPr>
-          <a:xfrm>
-            <a:off x="628650" y="36094"/>
-            <a:ext cx="7886700" cy="687013"/>
-          </a:xfrm>
-        </p:spPr>
-        <p:txBody>
-          <a:bodyPr>
-            <a:normAutofit/>
-          </a:bodyPr>
-          <a:lstStyle/>
-          <a:p>
-            <a:pPr algn="ctr"/>
-            <a:r>
-              <a:rPr lang="ru-RU" sz="3200" dirty="0"/>
-              <a:t>Инициализация АТ-РЕШАТЕЛЯ</a:t>
-            </a:r>
-          </a:p>
-        </p:txBody>
-      </p:sp>
-      <p:sp>
-        <p:nvSpPr>
-          <p:cNvPr id="5" name="Куб 4">
-            <a:extLst>
-              <a:ext uri="{FF2B5EF4-FFF2-40B4-BE49-F238E27FC236}">
-                <a16:creationId xmlns:a16="http://schemas.microsoft.com/office/drawing/2014/main" id="{D013B6F1-20B0-4D5E-B9FE-096B34FC120D}"/>
-              </a:ext>
-            </a:extLst>
-          </p:cNvPr>
-          <p:cNvSpPr/>
-          <p:nvPr/>
-        </p:nvSpPr>
-        <p:spPr>
-          <a:xfrm>
-            <a:off x="628650" y="1589565"/>
-            <a:ext cx="1966556" cy="1095155"/>
-          </a:xfrm>
-          <a:prstGeom prst="cube">
-            <a:avLst>
-              <a:gd name="adj" fmla="val 17553"/>
-            </a:avLst>
-          </a:prstGeom>
-          <a:effectLst>
-            <a:outerShdw blurRad="50800" dist="38100" algn="l" rotWithShape="0">
-              <a:prstClr val="black">
-                <a:alpha val="40000"/>
-              </a:prstClr>
-            </a:outerShdw>
-          </a:effectLst>
-        </p:spPr>
-        <p:style>
-          <a:lnRef idx="2">
-            <a:schemeClr val="dk1"/>
-          </a:lnRef>
-          <a:fillRef idx="1">
-            <a:schemeClr val="lt1"/>
-          </a:fillRef>
-          <a:effectRef idx="0">
-            <a:schemeClr val="dk1"/>
-          </a:effectRef>
-          <a:fontRef idx="minor">
-            <a:schemeClr val="dk1"/>
-          </a:fontRef>
-        </p:style>
-        <p:txBody>
-          <a:bodyPr rtlCol="0" anchor="t"/>
-          <a:lstStyle/>
-          <a:p>
-            <a:pPr algn="ctr"/>
-            <a:r>
-              <a:rPr lang="ru-RU" dirty="0"/>
-              <a:t>База знаний</a:t>
-            </a:r>
-          </a:p>
-        </p:txBody>
-      </p:sp>
-      <p:sp>
-        <p:nvSpPr>
-          <p:cNvPr id="7" name="Стрелка: вправо 6">
-            <a:extLst>
-              <a:ext uri="{FF2B5EF4-FFF2-40B4-BE49-F238E27FC236}">
-                <a16:creationId xmlns:a16="http://schemas.microsoft.com/office/drawing/2014/main" id="{B1E1A7AB-246E-414A-97FD-3B4848DD41C8}"/>
-              </a:ext>
-            </a:extLst>
-          </p:cNvPr>
-          <p:cNvSpPr/>
-          <p:nvPr/>
-        </p:nvSpPr>
-        <p:spPr>
-          <a:xfrm>
-            <a:off x="2766494" y="1945757"/>
-            <a:ext cx="1116418" cy="467833"/>
-          </a:xfrm>
-          <a:prstGeom prst="rightArrow">
-            <a:avLst/>
-          </a:prstGeom>
-        </p:spPr>
-        <p:style>
-          <a:lnRef idx="1">
-            <a:schemeClr val="dk1"/>
-          </a:lnRef>
-          <a:fillRef idx="2">
-            <a:schemeClr val="dk1"/>
-          </a:fillRef>
-          <a:effectRef idx="1">
-            <a:schemeClr val="dk1"/>
-          </a:effectRef>
-          <a:fontRef idx="minor">
-            <a:schemeClr val="dk1"/>
-          </a:fontRef>
-        </p:style>
-        <p:txBody>
-          <a:bodyPr rtlCol="0" anchor="ctr"/>
-          <a:lstStyle/>
-          <a:p>
-            <a:pPr algn="ctr"/>
-            <a:endParaRPr lang="ru-RU"/>
-          </a:p>
-        </p:txBody>
-      </p:sp>
-      <p:sp>
-        <p:nvSpPr>
-          <p:cNvPr id="8" name="Прямоугольник: один усеченный угол 7">
-            <a:extLst>
-              <a:ext uri="{FF2B5EF4-FFF2-40B4-BE49-F238E27FC236}">
-                <a16:creationId xmlns:a16="http://schemas.microsoft.com/office/drawing/2014/main" id="{09267601-B2D1-40C9-AF73-5E4DD358B06C}"/>
-              </a:ext>
-            </a:extLst>
-          </p:cNvPr>
-          <p:cNvSpPr/>
-          <p:nvPr/>
-        </p:nvSpPr>
-        <p:spPr>
-          <a:xfrm>
-            <a:off x="3967940" y="1520456"/>
-            <a:ext cx="1301690" cy="1382232"/>
-          </a:xfrm>
-          <a:prstGeom prst="snip1Rect">
-            <a:avLst/>
-          </a:prstGeom>
-          <a:effectLst>
-            <a:outerShdw blurRad="50800" dist="38100" algn="l" rotWithShape="0">
-              <a:prstClr val="black">
-                <a:alpha val="40000"/>
-              </a:prstClr>
-            </a:outerShdw>
-          </a:effectLst>
-        </p:spPr>
-        <p:style>
-          <a:lnRef idx="2">
-            <a:schemeClr val="dk1"/>
-          </a:lnRef>
-          <a:fillRef idx="1">
-            <a:schemeClr val="lt1"/>
-          </a:fillRef>
-          <a:effectRef idx="0">
-            <a:schemeClr val="dk1"/>
-          </a:effectRef>
-          <a:fontRef idx="minor">
-            <a:schemeClr val="dk1"/>
-          </a:fontRef>
-        </p:style>
-        <p:txBody>
-          <a:bodyPr rtlCol="0" anchor="ctr"/>
-          <a:lstStyle/>
-          <a:p>
-            <a:pPr algn="ctr"/>
-            <a:r>
-              <a:rPr lang="en-US" dirty="0"/>
-              <a:t>XML</a:t>
-            </a:r>
-            <a:endParaRPr lang="ru-RU" dirty="0"/>
-          </a:p>
-        </p:txBody>
-      </p:sp>
-      <p:sp>
-        <p:nvSpPr>
-          <p:cNvPr id="10" name="Стрелка: вправо 9">
-            <a:extLst>
-              <a:ext uri="{FF2B5EF4-FFF2-40B4-BE49-F238E27FC236}">
-                <a16:creationId xmlns:a16="http://schemas.microsoft.com/office/drawing/2014/main" id="{BB86DF4F-A994-4C73-98B4-D91BBBF23583}"/>
-              </a:ext>
-            </a:extLst>
-          </p:cNvPr>
-          <p:cNvSpPr/>
-          <p:nvPr/>
-        </p:nvSpPr>
-        <p:spPr>
-          <a:xfrm>
-            <a:off x="5461121" y="1945757"/>
-            <a:ext cx="1116418" cy="467833"/>
-          </a:xfrm>
-          <a:prstGeom prst="rightArrow">
-            <a:avLst/>
-          </a:prstGeom>
-        </p:spPr>
-        <p:style>
-          <a:lnRef idx="1">
-            <a:schemeClr val="dk1"/>
-          </a:lnRef>
-          <a:fillRef idx="2">
-            <a:schemeClr val="dk1"/>
-          </a:fillRef>
-          <a:effectRef idx="1">
-            <a:schemeClr val="dk1"/>
-          </a:effectRef>
-          <a:fontRef idx="minor">
-            <a:schemeClr val="dk1"/>
-          </a:fontRef>
-        </p:style>
-        <p:txBody>
-          <a:bodyPr rtlCol="0" anchor="ctr"/>
-          <a:lstStyle/>
-          <a:p>
-            <a:pPr algn="ctr"/>
-            <a:endParaRPr lang="ru-RU"/>
-          </a:p>
-        </p:txBody>
-      </p:sp>
       <p:pic>
         <p:nvPicPr>
-          <p:cNvPr id="11" name="Рисунок 10" descr="Веб-дизайн ">
-            <a:extLst>
-              <a:ext uri="{FF2B5EF4-FFF2-40B4-BE49-F238E27FC236}">
-                <a16:creationId xmlns:a16="http://schemas.microsoft.com/office/drawing/2014/main" id="{1BCC0CCE-5557-478F-9F2E-5B442F153328}"/>
+          <p:cNvPr id="13" name="Рисунок 12">
+            <a:extLst>
+              <a:ext uri="{FF2B5EF4-FFF2-40B4-BE49-F238E27FC236}">
+                <a16:creationId xmlns:a16="http://schemas.microsoft.com/office/drawing/2014/main" id="{A289D3B9-6050-4624-8922-50F06D7B41C6}"/>
               </a:ext>
             </a:extLst>
           </p:cNvPr>
@@ -7115,9 +6046,6 @@
               <a:ext uri="{28A0092B-C50C-407E-A947-70E740481C1C}">
                 <a14:useLocalDpi xmlns:a14="http://schemas.microsoft.com/office/drawing/2010/main" val="0"/>
               </a:ext>
-              <a:ext uri="{96DAC541-7B7A-43D3-8B79-37D633B846F1}">
-                <asvg:svgBlip xmlns:asvg="http://schemas.microsoft.com/office/drawing/2016/SVG/main" r:embed="rId3"/>
-              </a:ext>
             </a:extLst>
           </a:blip>
           <a:stretch>
@@ -7126,321 +6054,18 @@
         </p:blipFill>
         <p:spPr>
           <a:xfrm>
-            <a:off x="4027481" y="1520456"/>
-            <a:ext cx="478465" cy="478465"/>
+            <a:off x="551901" y="1289395"/>
+            <a:ext cx="8520261" cy="4279210"/>
           </a:xfrm>
           <a:prstGeom prst="rect">
             <a:avLst/>
           </a:prstGeom>
         </p:spPr>
       </p:pic>
-      <p:pic>
-        <p:nvPicPr>
-          <p:cNvPr id="13" name="Рисунок 12" descr="База данных">
-            <a:extLst>
-              <a:ext uri="{FF2B5EF4-FFF2-40B4-BE49-F238E27FC236}">
-                <a16:creationId xmlns:a16="http://schemas.microsoft.com/office/drawing/2014/main" id="{72ABA249-5B2F-4A96-BC57-93C3B0906EBD}"/>
-              </a:ext>
-            </a:extLst>
-          </p:cNvPr>
-          <p:cNvPicPr>
-            <a:picLocks noChangeAspect="1"/>
-          </p:cNvPicPr>
-          <p:nvPr/>
-        </p:nvPicPr>
-        <p:blipFill>
-          <a:blip r:embed="rId4">
-            <a:extLst>
-              <a:ext uri="{28A0092B-C50C-407E-A947-70E740481C1C}">
-                <a14:useLocalDpi xmlns:a14="http://schemas.microsoft.com/office/drawing/2010/main" val="0"/>
-              </a:ext>
-              <a:ext uri="{96DAC541-7B7A-43D3-8B79-37D633B846F1}">
-                <asvg:svgBlip xmlns:asvg="http://schemas.microsoft.com/office/drawing/2016/SVG/main" r:embed="rId5"/>
-              </a:ext>
-            </a:extLst>
-          </a:blip>
-          <a:stretch>
-            <a:fillRect/>
-          </a:stretch>
-        </p:blipFill>
-        <p:spPr>
-          <a:xfrm>
-            <a:off x="1254873" y="2073349"/>
-            <a:ext cx="574158" cy="574158"/>
-          </a:xfrm>
-          <a:prstGeom prst="rect">
-            <a:avLst/>
-          </a:prstGeom>
-        </p:spPr>
-      </p:pic>
-      <p:pic>
-        <p:nvPicPr>
-          <p:cNvPr id="15" name="Рисунок 14" descr="Сетевая диаграмма ">
-            <a:extLst>
-              <a:ext uri="{FF2B5EF4-FFF2-40B4-BE49-F238E27FC236}">
-                <a16:creationId xmlns:a16="http://schemas.microsoft.com/office/drawing/2014/main" id="{7795DEBE-6C7A-4446-B0AE-32175C2622B8}"/>
-              </a:ext>
-            </a:extLst>
-          </p:cNvPr>
-          <p:cNvPicPr>
-            <a:picLocks noChangeAspect="1"/>
-          </p:cNvPicPr>
-          <p:nvPr/>
-        </p:nvPicPr>
-        <p:blipFill>
-          <a:blip r:embed="rId6">
-            <a:extLst>
-              <a:ext uri="{28A0092B-C50C-407E-A947-70E740481C1C}">
-                <a14:useLocalDpi xmlns:a14="http://schemas.microsoft.com/office/drawing/2010/main" val="0"/>
-              </a:ext>
-              <a:ext uri="{96DAC541-7B7A-43D3-8B79-37D633B846F1}">
-                <asvg:svgBlip xmlns:asvg="http://schemas.microsoft.com/office/drawing/2016/SVG/main" r:embed="rId7"/>
-              </a:ext>
-            </a:extLst>
-          </a:blip>
-          <a:stretch>
-            <a:fillRect/>
-          </a:stretch>
-        </p:blipFill>
-        <p:spPr>
-          <a:xfrm>
-            <a:off x="7406048" y="2280683"/>
-            <a:ext cx="632637" cy="632637"/>
-          </a:xfrm>
-          <a:prstGeom prst="rect">
-            <a:avLst/>
-          </a:prstGeom>
-        </p:spPr>
-      </p:pic>
-      <p:pic>
-        <p:nvPicPr>
-          <p:cNvPr id="17" name="Рисунок 16">
-            <a:extLst>
-              <a:ext uri="{FF2B5EF4-FFF2-40B4-BE49-F238E27FC236}">
-                <a16:creationId xmlns:a16="http://schemas.microsoft.com/office/drawing/2014/main" id="{BB06E959-B624-43E3-AE0D-62FDD604B1A6}"/>
-              </a:ext>
-            </a:extLst>
-          </p:cNvPr>
-          <p:cNvPicPr>
-            <a:picLocks noChangeAspect="1"/>
-          </p:cNvPicPr>
-          <p:nvPr/>
-        </p:nvPicPr>
-        <p:blipFill>
-          <a:blip r:embed="rId8"/>
-          <a:stretch>
-            <a:fillRect/>
-          </a:stretch>
-        </p:blipFill>
-        <p:spPr>
-          <a:xfrm>
-            <a:off x="3324703" y="3636240"/>
-            <a:ext cx="2708145" cy="1860698"/>
-          </a:xfrm>
-          <a:prstGeom prst="rect">
-            <a:avLst/>
-          </a:prstGeom>
-        </p:spPr>
-      </p:pic>
-      <p:pic>
-        <p:nvPicPr>
-          <p:cNvPr id="18" name="Рисунок 17">
-            <a:extLst>
-              <a:ext uri="{FF2B5EF4-FFF2-40B4-BE49-F238E27FC236}">
-                <a16:creationId xmlns:a16="http://schemas.microsoft.com/office/drawing/2014/main" id="{A3C4D94A-6C53-4A8C-88E2-8B8CE48A2CD7}"/>
-              </a:ext>
-            </a:extLst>
-          </p:cNvPr>
-          <p:cNvPicPr>
-            <a:picLocks noChangeAspect="1"/>
-          </p:cNvPicPr>
-          <p:nvPr/>
-        </p:nvPicPr>
-        <p:blipFill>
-          <a:blip r:embed="rId9"/>
-          <a:stretch>
-            <a:fillRect/>
-          </a:stretch>
-        </p:blipFill>
-        <p:spPr>
-          <a:xfrm>
-            <a:off x="580347" y="3429000"/>
-            <a:ext cx="1857928" cy="2229514"/>
-          </a:xfrm>
-          <a:prstGeom prst="rect">
-            <a:avLst/>
-          </a:prstGeom>
-        </p:spPr>
-      </p:pic>
-      <p:sp>
-        <p:nvSpPr>
-          <p:cNvPr id="20" name="TextBox 19">
-            <a:extLst>
-              <a:ext uri="{FF2B5EF4-FFF2-40B4-BE49-F238E27FC236}">
-                <a16:creationId xmlns:a16="http://schemas.microsoft.com/office/drawing/2014/main" id="{FD9FCD4A-579D-4371-8BDC-2BC7749A2803}"/>
-              </a:ext>
-            </a:extLst>
-          </p:cNvPr>
-          <p:cNvSpPr txBox="1"/>
-          <p:nvPr/>
-        </p:nvSpPr>
-        <p:spPr>
-          <a:xfrm>
-            <a:off x="897605" y="4220591"/>
-            <a:ext cx="1223412" cy="646331"/>
-          </a:xfrm>
-          <a:prstGeom prst="rect">
-            <a:avLst/>
-          </a:prstGeom>
-          <a:noFill/>
-        </p:spPr>
-        <p:txBody>
-          <a:bodyPr wrap="none" rtlCol="0">
-            <a:spAutoFit/>
-          </a:bodyPr>
-          <a:lstStyle/>
-          <a:p>
-            <a:r>
-              <a:rPr lang="en-US" sz="3600" b="1" dirty="0">
-                <a:latin typeface="Times New Roman" panose="02020603050405020304" pitchFamily="18" charset="0"/>
-                <a:cs typeface="Times New Roman" panose="02020603050405020304" pitchFamily="18" charset="0"/>
-              </a:rPr>
-              <a:t>.KBS</a:t>
-            </a:r>
-            <a:endParaRPr lang="ru-RU" sz="3600" b="1" dirty="0">
-              <a:latin typeface="Times New Roman" panose="02020603050405020304" pitchFamily="18" charset="0"/>
-              <a:cs typeface="Times New Roman" panose="02020603050405020304" pitchFamily="18" charset="0"/>
-            </a:endParaRPr>
-          </a:p>
-        </p:txBody>
-      </p:sp>
-      <p:sp>
-        <p:nvSpPr>
-          <p:cNvPr id="22" name="TextBox 21">
-            <a:extLst>
-              <a:ext uri="{FF2B5EF4-FFF2-40B4-BE49-F238E27FC236}">
-                <a16:creationId xmlns:a16="http://schemas.microsoft.com/office/drawing/2014/main" id="{BBEF9276-C896-40F3-8196-FAE8095E2744}"/>
-              </a:ext>
-            </a:extLst>
-          </p:cNvPr>
-          <p:cNvSpPr txBox="1"/>
-          <p:nvPr/>
-        </p:nvSpPr>
-        <p:spPr>
-          <a:xfrm>
-            <a:off x="3930135" y="4220591"/>
-            <a:ext cx="1377300" cy="646331"/>
-          </a:xfrm>
-          <a:prstGeom prst="rect">
-            <a:avLst/>
-          </a:prstGeom>
-          <a:noFill/>
-        </p:spPr>
-        <p:txBody>
-          <a:bodyPr wrap="none" rtlCol="0">
-            <a:spAutoFit/>
-          </a:bodyPr>
-          <a:lstStyle/>
-          <a:p>
-            <a:r>
-              <a:rPr lang="en-US" sz="3600" b="1" dirty="0">
-                <a:latin typeface="Times New Roman" panose="02020603050405020304" pitchFamily="18" charset="0"/>
-                <a:cs typeface="Times New Roman" panose="02020603050405020304" pitchFamily="18" charset="0"/>
-              </a:rPr>
-              <a:t>.XML</a:t>
-            </a:r>
-            <a:endParaRPr lang="ru-RU" sz="3600" b="1" dirty="0">
-              <a:latin typeface="Times New Roman" panose="02020603050405020304" pitchFamily="18" charset="0"/>
-              <a:cs typeface="Times New Roman" panose="02020603050405020304" pitchFamily="18" charset="0"/>
-            </a:endParaRPr>
-          </a:p>
-        </p:txBody>
-      </p:sp>
-      <p:pic>
-        <p:nvPicPr>
-          <p:cNvPr id="21" name="Рисунок 20">
-            <a:extLst>
-              <a:ext uri="{FF2B5EF4-FFF2-40B4-BE49-F238E27FC236}">
-                <a16:creationId xmlns:a16="http://schemas.microsoft.com/office/drawing/2014/main" id="{F6A59885-0DF0-47B9-8B2D-FA3F790A11E9}"/>
-              </a:ext>
-            </a:extLst>
-          </p:cNvPr>
-          <p:cNvPicPr>
-            <a:picLocks noChangeAspect="1"/>
-          </p:cNvPicPr>
-          <p:nvPr/>
-        </p:nvPicPr>
-        <p:blipFill>
-          <a:blip r:embed="rId10"/>
-          <a:stretch>
-            <a:fillRect/>
-          </a:stretch>
-        </p:blipFill>
-        <p:spPr>
-          <a:xfrm>
-            <a:off x="6394264" y="3526816"/>
-            <a:ext cx="2656204" cy="2033880"/>
-          </a:xfrm>
-          <a:prstGeom prst="rect">
-            <a:avLst/>
-          </a:prstGeom>
-        </p:spPr>
-      </p:pic>
-      <p:sp>
-        <p:nvSpPr>
-          <p:cNvPr id="24" name="TextBox 23">
-            <a:extLst>
-              <a:ext uri="{FF2B5EF4-FFF2-40B4-BE49-F238E27FC236}">
-                <a16:creationId xmlns:a16="http://schemas.microsoft.com/office/drawing/2014/main" id="{4273CB32-6998-4B92-81D8-88453030FCE7}"/>
-              </a:ext>
-            </a:extLst>
-          </p:cNvPr>
-          <p:cNvSpPr txBox="1"/>
-          <p:nvPr/>
-        </p:nvSpPr>
-        <p:spPr>
-          <a:xfrm>
-            <a:off x="6919276" y="3943591"/>
-            <a:ext cx="1518364" cy="1200329"/>
-          </a:xfrm>
-          <a:prstGeom prst="rect">
-            <a:avLst/>
-          </a:prstGeom>
-          <a:noFill/>
-        </p:spPr>
-        <p:txBody>
-          <a:bodyPr wrap="none" rtlCol="0">
-            <a:spAutoFit/>
-          </a:bodyPr>
-          <a:lstStyle/>
-          <a:p>
-            <a:r>
-              <a:rPr lang="en-US" sz="3600" b="1" dirty="0">
-                <a:latin typeface="Times New Roman" panose="02020603050405020304" pitchFamily="18" charset="0"/>
-                <a:cs typeface="Times New Roman" panose="02020603050405020304" pitchFamily="18" charset="0"/>
-              </a:rPr>
-              <a:t>Object</a:t>
-            </a:r>
-          </a:p>
-          <a:p>
-            <a:r>
-              <a:rPr lang="en-US" sz="3600" b="1" dirty="0">
-                <a:latin typeface="Times New Roman" panose="02020603050405020304" pitchFamily="18" charset="0"/>
-                <a:cs typeface="Times New Roman" panose="02020603050405020304" pitchFamily="18" charset="0"/>
-              </a:rPr>
-              <a:t>Pascal</a:t>
-            </a:r>
-            <a:endParaRPr lang="ru-RU" sz="3600" b="1" dirty="0">
-              <a:latin typeface="Times New Roman" panose="02020603050405020304" pitchFamily="18" charset="0"/>
-              <a:cs typeface="Times New Roman" panose="02020603050405020304" pitchFamily="18" charset="0"/>
-            </a:endParaRPr>
-          </a:p>
-        </p:txBody>
-      </p:sp>
     </p:spTree>
     <p:extLst>
       <p:ext uri="{BB962C8B-B14F-4D97-AF65-F5344CB8AC3E}">
-        <p14:creationId xmlns:p14="http://schemas.microsoft.com/office/powerpoint/2010/main" val="1742834513"/>
+        <p14:creationId xmlns:p14="http://schemas.microsoft.com/office/powerpoint/2010/main" val="580101788"/>
       </p:ext>
     </p:extLst>
   </p:cSld>
@@ -7469,10 +6094,69 @@
       </p:grpSpPr>
       <p:sp>
         <p:nvSpPr>
+          <p:cNvPr id="16" name="Блок-схема: внутренняя память 15">
+            <a:extLst>
+              <a:ext uri="{FF2B5EF4-FFF2-40B4-BE49-F238E27FC236}">
+                <a16:creationId xmlns:a16="http://schemas.microsoft.com/office/drawing/2014/main" id="{7270CF74-4FCA-4AC2-84B8-85A399298BB5}"/>
+              </a:ext>
+            </a:extLst>
+          </p:cNvPr>
+          <p:cNvSpPr/>
+          <p:nvPr/>
+        </p:nvSpPr>
+        <p:spPr>
+          <a:xfrm>
+            <a:off x="6642364" y="1281223"/>
+            <a:ext cx="1871331" cy="1860698"/>
+          </a:xfrm>
+          <a:prstGeom prst="flowChartInternalStorage">
+            <a:avLst/>
+          </a:prstGeom>
+          <a:effectLst>
+            <a:outerShdw blurRad="50800" dist="38100" algn="l" rotWithShape="0">
+              <a:prstClr val="black">
+                <a:alpha val="40000"/>
+              </a:prstClr>
+            </a:outerShdw>
+          </a:effectLst>
+        </p:spPr>
+        <p:style>
+          <a:lnRef idx="2">
+            <a:schemeClr val="dk1"/>
+          </a:lnRef>
+          <a:fillRef idx="1">
+            <a:schemeClr val="lt1"/>
+          </a:fillRef>
+          <a:effectRef idx="0">
+            <a:schemeClr val="dk1"/>
+          </a:effectRef>
+          <a:fontRef idx="minor">
+            <a:schemeClr val="dk1"/>
+          </a:fontRef>
+        </p:style>
+        <p:txBody>
+          <a:bodyPr rtlCol="0" anchor="t"/>
+          <a:lstStyle/>
+          <a:p>
+            <a:pPr algn="ctr"/>
+            <a:r>
+              <a:rPr lang="ru-RU" dirty="0"/>
+              <a:t>Объекты </a:t>
+            </a:r>
+            <a:r>
+              <a:rPr lang="en-US" dirty="0"/>
+              <a:t>Pascal</a:t>
+            </a:r>
+            <a:endParaRPr lang="ru-RU" dirty="0"/>
+          </a:p>
+        </p:txBody>
+      </p:sp>
+      <p:sp>
+        <p:nvSpPr>
           <p:cNvPr id="4" name="Номер слайда 3">
             <a:extLst>
               <a:ext uri="{FF2B5EF4-FFF2-40B4-BE49-F238E27FC236}">
-                <a16:creationId xmlns:a16="http://schemas.microsoft.com/office/drawing/2014/main" id="{309D8972-073B-4E61-9148-69F6305175B6}"/>
+                <a16:creationId xmlns:a16="http://schemas.microsoft.com/office/drawing/2014/main" id="{C4CB720F-C480-4F89-9754-5E8B3BD3259F}"/>
               </a:ext>
             </a:extLst>
           </p:cNvPr>
@@ -7492,6 +6176,878 @@
               <a:rPr lang="ru-RU" smtClean="0"/>
               <a:pPr/>
               <a:t>19</a:t>
+            </a:fld>
+            <a:endParaRPr lang="ru-RU" dirty="0"/>
+          </a:p>
+        </p:txBody>
+      </p:sp>
+      <p:sp>
+        <p:nvSpPr>
+          <p:cNvPr id="6" name="Заголовок 1">
+            <a:extLst>
+              <a:ext uri="{FF2B5EF4-FFF2-40B4-BE49-F238E27FC236}">
+                <a16:creationId xmlns:a16="http://schemas.microsoft.com/office/drawing/2014/main" id="{176D0AB6-CDEE-4967-9AAB-6213363CB8E1}"/>
+              </a:ext>
+            </a:extLst>
+          </p:cNvPr>
+          <p:cNvSpPr>
+            <a:spLocks noGrp="1"/>
+          </p:cNvSpPr>
+          <p:nvPr>
+            <p:ph type="title"/>
+          </p:nvPr>
+        </p:nvSpPr>
+        <p:spPr>
+          <a:xfrm>
+            <a:off x="628650" y="36094"/>
+            <a:ext cx="7886700" cy="687013"/>
+          </a:xfrm>
+        </p:spPr>
+        <p:txBody>
+          <a:bodyPr>
+            <a:normAutofit/>
+          </a:bodyPr>
+          <a:lstStyle/>
+          <a:p>
+            <a:pPr algn="ctr"/>
+            <a:r>
+              <a:rPr lang="ru-RU" sz="3200" dirty="0"/>
+              <a:t>Инициализация АТ-РЕШАТЕЛЯ</a:t>
+            </a:r>
+          </a:p>
+        </p:txBody>
+      </p:sp>
+      <p:sp>
+        <p:nvSpPr>
+          <p:cNvPr id="5" name="Куб 4">
+            <a:extLst>
+              <a:ext uri="{FF2B5EF4-FFF2-40B4-BE49-F238E27FC236}">
+                <a16:creationId xmlns:a16="http://schemas.microsoft.com/office/drawing/2014/main" id="{D013B6F1-20B0-4D5E-B9FE-096B34FC120D}"/>
+              </a:ext>
+            </a:extLst>
+          </p:cNvPr>
+          <p:cNvSpPr/>
+          <p:nvPr/>
+        </p:nvSpPr>
+        <p:spPr>
+          <a:xfrm>
+            <a:off x="628650" y="1589565"/>
+            <a:ext cx="1966556" cy="1095155"/>
+          </a:xfrm>
+          <a:prstGeom prst="cube">
+            <a:avLst>
+              <a:gd name="adj" fmla="val 17553"/>
+            </a:avLst>
+          </a:prstGeom>
+          <a:effectLst>
+            <a:outerShdw blurRad="50800" dist="38100" algn="l" rotWithShape="0">
+              <a:prstClr val="black">
+                <a:alpha val="40000"/>
+              </a:prstClr>
+            </a:outerShdw>
+          </a:effectLst>
+        </p:spPr>
+        <p:style>
+          <a:lnRef idx="2">
+            <a:schemeClr val="dk1"/>
+          </a:lnRef>
+          <a:fillRef idx="1">
+            <a:schemeClr val="lt1"/>
+          </a:fillRef>
+          <a:effectRef idx="0">
+            <a:schemeClr val="dk1"/>
+          </a:effectRef>
+          <a:fontRef idx="minor">
+            <a:schemeClr val="dk1"/>
+          </a:fontRef>
+        </p:style>
+        <p:txBody>
+          <a:bodyPr rtlCol="0" anchor="t"/>
+          <a:lstStyle/>
+          <a:p>
+            <a:pPr algn="ctr"/>
+            <a:r>
+              <a:rPr lang="ru-RU" dirty="0"/>
+              <a:t>База знаний</a:t>
+            </a:r>
+          </a:p>
+        </p:txBody>
+      </p:sp>
+      <p:sp>
+        <p:nvSpPr>
+          <p:cNvPr id="7" name="Стрелка: вправо 6">
+            <a:extLst>
+              <a:ext uri="{FF2B5EF4-FFF2-40B4-BE49-F238E27FC236}">
+                <a16:creationId xmlns:a16="http://schemas.microsoft.com/office/drawing/2014/main" id="{B1E1A7AB-246E-414A-97FD-3B4848DD41C8}"/>
+              </a:ext>
+            </a:extLst>
+          </p:cNvPr>
+          <p:cNvSpPr/>
+          <p:nvPr/>
+        </p:nvSpPr>
+        <p:spPr>
+          <a:xfrm>
+            <a:off x="2766494" y="1945757"/>
+            <a:ext cx="1116418" cy="467833"/>
+          </a:xfrm>
+          <a:prstGeom prst="rightArrow">
+            <a:avLst/>
+          </a:prstGeom>
+        </p:spPr>
+        <p:style>
+          <a:lnRef idx="1">
+            <a:schemeClr val="dk1"/>
+          </a:lnRef>
+          <a:fillRef idx="2">
+            <a:schemeClr val="dk1"/>
+          </a:fillRef>
+          <a:effectRef idx="1">
+            <a:schemeClr val="dk1"/>
+          </a:effectRef>
+          <a:fontRef idx="minor">
+            <a:schemeClr val="dk1"/>
+          </a:fontRef>
+        </p:style>
+        <p:txBody>
+          <a:bodyPr rtlCol="0" anchor="ctr"/>
+          <a:lstStyle/>
+          <a:p>
+            <a:pPr algn="ctr"/>
+            <a:endParaRPr lang="ru-RU"/>
+          </a:p>
+        </p:txBody>
+      </p:sp>
+      <p:sp>
+        <p:nvSpPr>
+          <p:cNvPr id="8" name="Прямоугольник: один усеченный угол 7">
+            <a:extLst>
+              <a:ext uri="{FF2B5EF4-FFF2-40B4-BE49-F238E27FC236}">
+                <a16:creationId xmlns:a16="http://schemas.microsoft.com/office/drawing/2014/main" id="{09267601-B2D1-40C9-AF73-5E4DD358B06C}"/>
+              </a:ext>
+            </a:extLst>
+          </p:cNvPr>
+          <p:cNvSpPr/>
+          <p:nvPr/>
+        </p:nvSpPr>
+        <p:spPr>
+          <a:xfrm>
+            <a:off x="3967940" y="1520456"/>
+            <a:ext cx="1301690" cy="1382232"/>
+          </a:xfrm>
+          <a:prstGeom prst="snip1Rect">
+            <a:avLst/>
+          </a:prstGeom>
+          <a:effectLst>
+            <a:outerShdw blurRad="50800" dist="38100" algn="l" rotWithShape="0">
+              <a:prstClr val="black">
+                <a:alpha val="40000"/>
+              </a:prstClr>
+            </a:outerShdw>
+          </a:effectLst>
+        </p:spPr>
+        <p:style>
+          <a:lnRef idx="2">
+            <a:schemeClr val="dk1"/>
+          </a:lnRef>
+          <a:fillRef idx="1">
+            <a:schemeClr val="lt1"/>
+          </a:fillRef>
+          <a:effectRef idx="0">
+            <a:schemeClr val="dk1"/>
+          </a:effectRef>
+          <a:fontRef idx="minor">
+            <a:schemeClr val="dk1"/>
+          </a:fontRef>
+        </p:style>
+        <p:txBody>
+          <a:bodyPr rtlCol="0" anchor="ctr"/>
+          <a:lstStyle/>
+          <a:p>
+            <a:pPr algn="ctr"/>
+            <a:r>
+              <a:rPr lang="en-US" dirty="0"/>
+              <a:t>XML</a:t>
+            </a:r>
+            <a:endParaRPr lang="ru-RU" dirty="0"/>
+          </a:p>
+        </p:txBody>
+      </p:sp>
+      <p:sp>
+        <p:nvSpPr>
+          <p:cNvPr id="10" name="Стрелка: вправо 9">
+            <a:extLst>
+              <a:ext uri="{FF2B5EF4-FFF2-40B4-BE49-F238E27FC236}">
+                <a16:creationId xmlns:a16="http://schemas.microsoft.com/office/drawing/2014/main" id="{BB86DF4F-A994-4C73-98B4-D91BBBF23583}"/>
+              </a:ext>
+            </a:extLst>
+          </p:cNvPr>
+          <p:cNvSpPr/>
+          <p:nvPr/>
+        </p:nvSpPr>
+        <p:spPr>
+          <a:xfrm>
+            <a:off x="5461121" y="1945757"/>
+            <a:ext cx="1116418" cy="467833"/>
+          </a:xfrm>
+          <a:prstGeom prst="rightArrow">
+            <a:avLst/>
+          </a:prstGeom>
+        </p:spPr>
+        <p:style>
+          <a:lnRef idx="1">
+            <a:schemeClr val="dk1"/>
+          </a:lnRef>
+          <a:fillRef idx="2">
+            <a:schemeClr val="dk1"/>
+          </a:fillRef>
+          <a:effectRef idx="1">
+            <a:schemeClr val="dk1"/>
+          </a:effectRef>
+          <a:fontRef idx="minor">
+            <a:schemeClr val="dk1"/>
+          </a:fontRef>
+        </p:style>
+        <p:txBody>
+          <a:bodyPr rtlCol="0" anchor="ctr"/>
+          <a:lstStyle/>
+          <a:p>
+            <a:pPr algn="ctr"/>
+            <a:endParaRPr lang="ru-RU"/>
+          </a:p>
+        </p:txBody>
+      </p:sp>
+      <p:pic>
+        <p:nvPicPr>
+          <p:cNvPr id="11" name="Рисунок 10" descr="Веб-дизайн ">
+            <a:extLst>
+              <a:ext uri="{FF2B5EF4-FFF2-40B4-BE49-F238E27FC236}">
+                <a16:creationId xmlns:a16="http://schemas.microsoft.com/office/drawing/2014/main" id="{1BCC0CCE-5557-478F-9F2E-5B442F153328}"/>
+              </a:ext>
+            </a:extLst>
+          </p:cNvPr>
+          <p:cNvPicPr>
+            <a:picLocks noChangeAspect="1"/>
+          </p:cNvPicPr>
+          <p:nvPr/>
+        </p:nvPicPr>
+        <p:blipFill>
+          <a:blip r:embed="rId2">
+            <a:extLst>
+              <a:ext uri="{28A0092B-C50C-407E-A947-70E740481C1C}">
+                <a14:useLocalDpi xmlns:a14="http://schemas.microsoft.com/office/drawing/2010/main" val="0"/>
+              </a:ext>
+              <a:ext uri="{96DAC541-7B7A-43D3-8B79-37D633B846F1}">
+                <asvg:svgBlip xmlns:asvg="http://schemas.microsoft.com/office/drawing/2016/SVG/main" r:embed="rId3"/>
+              </a:ext>
+            </a:extLst>
+          </a:blip>
+          <a:stretch>
+            <a:fillRect/>
+          </a:stretch>
+        </p:blipFill>
+        <p:spPr>
+          <a:xfrm>
+            <a:off x="4027481" y="1520456"/>
+            <a:ext cx="478465" cy="478465"/>
+          </a:xfrm>
+          <a:prstGeom prst="rect">
+            <a:avLst/>
+          </a:prstGeom>
+        </p:spPr>
+      </p:pic>
+      <p:pic>
+        <p:nvPicPr>
+          <p:cNvPr id="13" name="Рисунок 12" descr="База данных">
+            <a:extLst>
+              <a:ext uri="{FF2B5EF4-FFF2-40B4-BE49-F238E27FC236}">
+                <a16:creationId xmlns:a16="http://schemas.microsoft.com/office/drawing/2014/main" id="{72ABA249-5B2F-4A96-BC57-93C3B0906EBD}"/>
+              </a:ext>
+            </a:extLst>
+          </p:cNvPr>
+          <p:cNvPicPr>
+            <a:picLocks noChangeAspect="1"/>
+          </p:cNvPicPr>
+          <p:nvPr/>
+        </p:nvPicPr>
+        <p:blipFill>
+          <a:blip r:embed="rId4">
+            <a:extLst>
+              <a:ext uri="{28A0092B-C50C-407E-A947-70E740481C1C}">
+                <a14:useLocalDpi xmlns:a14="http://schemas.microsoft.com/office/drawing/2010/main" val="0"/>
+              </a:ext>
+              <a:ext uri="{96DAC541-7B7A-43D3-8B79-37D633B846F1}">
+                <asvg:svgBlip xmlns:asvg="http://schemas.microsoft.com/office/drawing/2016/SVG/main" r:embed="rId5"/>
+              </a:ext>
+            </a:extLst>
+          </a:blip>
+          <a:stretch>
+            <a:fillRect/>
+          </a:stretch>
+        </p:blipFill>
+        <p:spPr>
+          <a:xfrm>
+            <a:off x="1254873" y="2073349"/>
+            <a:ext cx="574158" cy="574158"/>
+          </a:xfrm>
+          <a:prstGeom prst="rect">
+            <a:avLst/>
+          </a:prstGeom>
+        </p:spPr>
+      </p:pic>
+      <p:pic>
+        <p:nvPicPr>
+          <p:cNvPr id="15" name="Рисунок 14" descr="Сетевая диаграмма ">
+            <a:extLst>
+              <a:ext uri="{FF2B5EF4-FFF2-40B4-BE49-F238E27FC236}">
+                <a16:creationId xmlns:a16="http://schemas.microsoft.com/office/drawing/2014/main" id="{7795DEBE-6C7A-4446-B0AE-32175C2622B8}"/>
+              </a:ext>
+            </a:extLst>
+          </p:cNvPr>
+          <p:cNvPicPr>
+            <a:picLocks noChangeAspect="1"/>
+          </p:cNvPicPr>
+          <p:nvPr/>
+        </p:nvPicPr>
+        <p:blipFill>
+          <a:blip r:embed="rId6">
+            <a:extLst>
+              <a:ext uri="{28A0092B-C50C-407E-A947-70E740481C1C}">
+                <a14:useLocalDpi xmlns:a14="http://schemas.microsoft.com/office/drawing/2010/main" val="0"/>
+              </a:ext>
+              <a:ext uri="{96DAC541-7B7A-43D3-8B79-37D633B846F1}">
+                <asvg:svgBlip xmlns:asvg="http://schemas.microsoft.com/office/drawing/2016/SVG/main" r:embed="rId7"/>
+              </a:ext>
+            </a:extLst>
+          </a:blip>
+          <a:stretch>
+            <a:fillRect/>
+          </a:stretch>
+        </p:blipFill>
+        <p:spPr>
+          <a:xfrm>
+            <a:off x="7406048" y="2280683"/>
+            <a:ext cx="632637" cy="632637"/>
+          </a:xfrm>
+          <a:prstGeom prst="rect">
+            <a:avLst/>
+          </a:prstGeom>
+        </p:spPr>
+      </p:pic>
+      <p:pic>
+        <p:nvPicPr>
+          <p:cNvPr id="17" name="Рисунок 16">
+            <a:extLst>
+              <a:ext uri="{FF2B5EF4-FFF2-40B4-BE49-F238E27FC236}">
+                <a16:creationId xmlns:a16="http://schemas.microsoft.com/office/drawing/2014/main" id="{BB06E959-B624-43E3-AE0D-62FDD604B1A6}"/>
+              </a:ext>
+            </a:extLst>
+          </p:cNvPr>
+          <p:cNvPicPr>
+            <a:picLocks noChangeAspect="1"/>
+          </p:cNvPicPr>
+          <p:nvPr/>
+        </p:nvPicPr>
+        <p:blipFill>
+          <a:blip r:embed="rId8"/>
+          <a:stretch>
+            <a:fillRect/>
+          </a:stretch>
+        </p:blipFill>
+        <p:spPr>
+          <a:xfrm>
+            <a:off x="3324703" y="3636240"/>
+            <a:ext cx="2708145" cy="1860698"/>
+          </a:xfrm>
+          <a:prstGeom prst="rect">
+            <a:avLst/>
+          </a:prstGeom>
+        </p:spPr>
+      </p:pic>
+      <p:pic>
+        <p:nvPicPr>
+          <p:cNvPr id="18" name="Рисунок 17">
+            <a:extLst>
+              <a:ext uri="{FF2B5EF4-FFF2-40B4-BE49-F238E27FC236}">
+                <a16:creationId xmlns:a16="http://schemas.microsoft.com/office/drawing/2014/main" id="{A3C4D94A-6C53-4A8C-88E2-8B8CE48A2CD7}"/>
+              </a:ext>
+            </a:extLst>
+          </p:cNvPr>
+          <p:cNvPicPr>
+            <a:picLocks noChangeAspect="1"/>
+          </p:cNvPicPr>
+          <p:nvPr/>
+        </p:nvPicPr>
+        <p:blipFill>
+          <a:blip r:embed="rId9"/>
+          <a:stretch>
+            <a:fillRect/>
+          </a:stretch>
+        </p:blipFill>
+        <p:spPr>
+          <a:xfrm>
+            <a:off x="580347" y="3429000"/>
+            <a:ext cx="1857928" cy="2229514"/>
+          </a:xfrm>
+          <a:prstGeom prst="rect">
+            <a:avLst/>
+          </a:prstGeom>
+        </p:spPr>
+      </p:pic>
+      <p:sp>
+        <p:nvSpPr>
+          <p:cNvPr id="20" name="TextBox 19">
+            <a:extLst>
+              <a:ext uri="{FF2B5EF4-FFF2-40B4-BE49-F238E27FC236}">
+                <a16:creationId xmlns:a16="http://schemas.microsoft.com/office/drawing/2014/main" id="{FD9FCD4A-579D-4371-8BDC-2BC7749A2803}"/>
+              </a:ext>
+            </a:extLst>
+          </p:cNvPr>
+          <p:cNvSpPr txBox="1"/>
+          <p:nvPr/>
+        </p:nvSpPr>
+        <p:spPr>
+          <a:xfrm>
+            <a:off x="897605" y="4220591"/>
+            <a:ext cx="1223412" cy="646331"/>
+          </a:xfrm>
+          <a:prstGeom prst="rect">
+            <a:avLst/>
+          </a:prstGeom>
+          <a:noFill/>
+        </p:spPr>
+        <p:txBody>
+          <a:bodyPr wrap="none" rtlCol="0">
+            <a:spAutoFit/>
+          </a:bodyPr>
+          <a:lstStyle/>
+          <a:p>
+            <a:r>
+              <a:rPr lang="en-US" sz="3600" b="1" dirty="0">
+                <a:latin typeface="Times New Roman" panose="02020603050405020304" pitchFamily="18" charset="0"/>
+                <a:cs typeface="Times New Roman" panose="02020603050405020304" pitchFamily="18" charset="0"/>
+              </a:rPr>
+              <a:t>.KBS</a:t>
+            </a:r>
+            <a:endParaRPr lang="ru-RU" sz="3600" b="1" dirty="0">
+              <a:latin typeface="Times New Roman" panose="02020603050405020304" pitchFamily="18" charset="0"/>
+              <a:cs typeface="Times New Roman" panose="02020603050405020304" pitchFamily="18" charset="0"/>
+            </a:endParaRPr>
+          </a:p>
+        </p:txBody>
+      </p:sp>
+      <p:sp>
+        <p:nvSpPr>
+          <p:cNvPr id="22" name="TextBox 21">
+            <a:extLst>
+              <a:ext uri="{FF2B5EF4-FFF2-40B4-BE49-F238E27FC236}">
+                <a16:creationId xmlns:a16="http://schemas.microsoft.com/office/drawing/2014/main" id="{BBEF9276-C896-40F3-8196-FAE8095E2744}"/>
+              </a:ext>
+            </a:extLst>
+          </p:cNvPr>
+          <p:cNvSpPr txBox="1"/>
+          <p:nvPr/>
+        </p:nvSpPr>
+        <p:spPr>
+          <a:xfrm>
+            <a:off x="3930135" y="4220591"/>
+            <a:ext cx="1377300" cy="646331"/>
+          </a:xfrm>
+          <a:prstGeom prst="rect">
+            <a:avLst/>
+          </a:prstGeom>
+          <a:noFill/>
+        </p:spPr>
+        <p:txBody>
+          <a:bodyPr wrap="none" rtlCol="0">
+            <a:spAutoFit/>
+          </a:bodyPr>
+          <a:lstStyle/>
+          <a:p>
+            <a:r>
+              <a:rPr lang="en-US" sz="3600" b="1" dirty="0">
+                <a:latin typeface="Times New Roman" panose="02020603050405020304" pitchFamily="18" charset="0"/>
+                <a:cs typeface="Times New Roman" panose="02020603050405020304" pitchFamily="18" charset="0"/>
+              </a:rPr>
+              <a:t>.XML</a:t>
+            </a:r>
+            <a:endParaRPr lang="ru-RU" sz="3600" b="1" dirty="0">
+              <a:latin typeface="Times New Roman" panose="02020603050405020304" pitchFamily="18" charset="0"/>
+              <a:cs typeface="Times New Roman" panose="02020603050405020304" pitchFamily="18" charset="0"/>
+            </a:endParaRPr>
+          </a:p>
+        </p:txBody>
+      </p:sp>
+      <p:pic>
+        <p:nvPicPr>
+          <p:cNvPr id="21" name="Рисунок 20">
+            <a:extLst>
+              <a:ext uri="{FF2B5EF4-FFF2-40B4-BE49-F238E27FC236}">
+                <a16:creationId xmlns:a16="http://schemas.microsoft.com/office/drawing/2014/main" id="{F6A59885-0DF0-47B9-8B2D-FA3F790A11E9}"/>
+              </a:ext>
+            </a:extLst>
+          </p:cNvPr>
+          <p:cNvPicPr>
+            <a:picLocks noChangeAspect="1"/>
+          </p:cNvPicPr>
+          <p:nvPr/>
+        </p:nvPicPr>
+        <p:blipFill>
+          <a:blip r:embed="rId10"/>
+          <a:stretch>
+            <a:fillRect/>
+          </a:stretch>
+        </p:blipFill>
+        <p:spPr>
+          <a:xfrm>
+            <a:off x="6394264" y="3526816"/>
+            <a:ext cx="2656204" cy="2033880"/>
+          </a:xfrm>
+          <a:prstGeom prst="rect">
+            <a:avLst/>
+          </a:prstGeom>
+        </p:spPr>
+      </p:pic>
+      <p:sp>
+        <p:nvSpPr>
+          <p:cNvPr id="24" name="TextBox 23">
+            <a:extLst>
+              <a:ext uri="{FF2B5EF4-FFF2-40B4-BE49-F238E27FC236}">
+                <a16:creationId xmlns:a16="http://schemas.microsoft.com/office/drawing/2014/main" id="{4273CB32-6998-4B92-81D8-88453030FCE7}"/>
+              </a:ext>
+            </a:extLst>
+          </p:cNvPr>
+          <p:cNvSpPr txBox="1"/>
+          <p:nvPr/>
+        </p:nvSpPr>
+        <p:spPr>
+          <a:xfrm>
+            <a:off x="6919276" y="3943591"/>
+            <a:ext cx="1518364" cy="1200329"/>
+          </a:xfrm>
+          <a:prstGeom prst="rect">
+            <a:avLst/>
+          </a:prstGeom>
+          <a:noFill/>
+        </p:spPr>
+        <p:txBody>
+          <a:bodyPr wrap="none" rtlCol="0">
+            <a:spAutoFit/>
+          </a:bodyPr>
+          <a:lstStyle/>
+          <a:p>
+            <a:r>
+              <a:rPr lang="en-US" sz="3600" b="1" dirty="0">
+                <a:latin typeface="Times New Roman" panose="02020603050405020304" pitchFamily="18" charset="0"/>
+                <a:cs typeface="Times New Roman" panose="02020603050405020304" pitchFamily="18" charset="0"/>
+              </a:rPr>
+              <a:t>Object</a:t>
+            </a:r>
+          </a:p>
+          <a:p>
+            <a:r>
+              <a:rPr lang="en-US" sz="3600" b="1" dirty="0">
+                <a:latin typeface="Times New Roman" panose="02020603050405020304" pitchFamily="18" charset="0"/>
+                <a:cs typeface="Times New Roman" panose="02020603050405020304" pitchFamily="18" charset="0"/>
+              </a:rPr>
+              <a:t>Pascal</a:t>
+            </a:r>
+            <a:endParaRPr lang="ru-RU" sz="3600" b="1" dirty="0">
+              <a:latin typeface="Times New Roman" panose="02020603050405020304" pitchFamily="18" charset="0"/>
+              <a:cs typeface="Times New Roman" panose="02020603050405020304" pitchFamily="18" charset="0"/>
+            </a:endParaRPr>
+          </a:p>
+        </p:txBody>
+      </p:sp>
+    </p:spTree>
+    <p:extLst>
+      <p:ext uri="{BB962C8B-B14F-4D97-AF65-F5344CB8AC3E}">
+        <p14:creationId xmlns:p14="http://schemas.microsoft.com/office/powerpoint/2010/main" val="1742834513"/>
+      </p:ext>
+    </p:extLst>
+  </p:cSld>
+  <p:clrMapOvr>
+    <a:masterClrMapping/>
+  </p:clrMapOvr>
+</p:sld>
+</file>
+
+<file path=ppt/slides/slide2.xml><?xml version="1.0" encoding="utf-8"?>
+<p:sld xmlns:a="http://schemas.openxmlformats.org/drawingml/2006/main" xmlns:r="http://schemas.openxmlformats.org/officeDocument/2006/relationships" xmlns:p="http://schemas.openxmlformats.org/presentationml/2006/main">
+  <p:cSld>
+    <p:spTree>
+      <p:nvGrpSpPr>
+        <p:cNvPr id="1" name=""/>
+        <p:cNvGrpSpPr/>
+        <p:nvPr/>
+      </p:nvGrpSpPr>
+      <p:grpSpPr>
+        <a:xfrm>
+          <a:off x="0" y="0"/>
+          <a:ext cx="0" cy="0"/>
+          <a:chOff x="0" y="0"/>
+          <a:chExt cx="0" cy="0"/>
+        </a:xfrm>
+      </p:grpSpPr>
+      <p:sp>
+        <p:nvSpPr>
+          <p:cNvPr id="2" name="Заголовок 1">
+            <a:extLst>
+              <a:ext uri="{FF2B5EF4-FFF2-40B4-BE49-F238E27FC236}">
+                <a16:creationId xmlns:a16="http://schemas.microsoft.com/office/drawing/2014/main" id="{C9202C55-90FC-4F03-9B69-0EB83398371E}"/>
+              </a:ext>
+            </a:extLst>
+          </p:cNvPr>
+          <p:cNvSpPr>
+            <a:spLocks noGrp="1"/>
+          </p:cNvSpPr>
+          <p:nvPr>
+            <p:ph type="title"/>
+          </p:nvPr>
+        </p:nvSpPr>
+        <p:spPr/>
+        <p:txBody>
+          <a:bodyPr/>
+          <a:lstStyle/>
+          <a:p>
+            <a:pPr algn="ctr"/>
+            <a:r>
+              <a:rPr lang="ru-RU" sz="3600" dirty="0"/>
+              <a:t>Реферат</a:t>
+            </a:r>
+            <a:endParaRPr lang="ru-RU" dirty="0"/>
+          </a:p>
+        </p:txBody>
+      </p:sp>
+      <p:sp>
+        <p:nvSpPr>
+          <p:cNvPr id="3" name="Объект 2">
+            <a:extLst>
+              <a:ext uri="{FF2B5EF4-FFF2-40B4-BE49-F238E27FC236}">
+                <a16:creationId xmlns:a16="http://schemas.microsoft.com/office/drawing/2014/main" id="{3B86C53B-B465-4F3B-B49B-55327FED702B}"/>
+              </a:ext>
+            </a:extLst>
+          </p:cNvPr>
+          <p:cNvSpPr>
+            <a:spLocks noGrp="1"/>
+          </p:cNvSpPr>
+          <p:nvPr>
+            <p:ph idx="1"/>
+          </p:nvPr>
+        </p:nvSpPr>
+        <p:spPr>
+          <a:xfrm>
+            <a:off x="628650" y="925882"/>
+            <a:ext cx="7842250" cy="5251085"/>
+          </a:xfrm>
+        </p:spPr>
+        <p:txBody>
+          <a:bodyPr>
+            <a:normAutofit/>
+          </a:bodyPr>
+          <a:lstStyle/>
+          <a:p>
+            <a:pPr marL="0" indent="0">
+              <a:buNone/>
+            </a:pPr>
+            <a:r>
+              <a:rPr lang="ru-RU" sz="2600" dirty="0"/>
+              <a:t>Пояснительная записка содержит:  </a:t>
+            </a:r>
+          </a:p>
+          <a:p>
+            <a:pPr marL="271463" indent="0">
+              <a:buNone/>
+            </a:pPr>
+            <a:r>
+              <a:rPr lang="en-US" sz="2600" dirty="0">
+                <a:solidFill>
+                  <a:schemeClr val="bg1">
+                    <a:lumMod val="50000"/>
+                  </a:schemeClr>
+                </a:solidFill>
+              </a:rPr>
+              <a:t>36</a:t>
+            </a:r>
+            <a:r>
+              <a:rPr lang="ru-RU" sz="2600" dirty="0">
+                <a:solidFill>
+                  <a:schemeClr val="bg1">
+                    <a:lumMod val="50000"/>
+                  </a:schemeClr>
+                </a:solidFill>
+              </a:rPr>
+              <a:t> страниц, </a:t>
+            </a:r>
+            <a:r>
+              <a:rPr lang="en-US" sz="2600" dirty="0">
+                <a:solidFill>
+                  <a:schemeClr val="bg1">
+                    <a:lumMod val="50000"/>
+                  </a:schemeClr>
+                </a:solidFill>
+              </a:rPr>
+              <a:t>22</a:t>
+            </a:r>
+            <a:r>
+              <a:rPr lang="ru-RU" sz="2600" dirty="0">
+                <a:solidFill>
+                  <a:schemeClr val="bg1">
+                    <a:lumMod val="50000"/>
+                  </a:schemeClr>
+                </a:solidFill>
+              </a:rPr>
+              <a:t> рисунков, 2</a:t>
+            </a:r>
+            <a:r>
+              <a:rPr lang="en-US" sz="2600" dirty="0">
+                <a:solidFill>
+                  <a:schemeClr val="bg1">
+                    <a:lumMod val="50000"/>
+                  </a:schemeClr>
+                </a:solidFill>
+              </a:rPr>
+              <a:t>3</a:t>
+            </a:r>
+            <a:r>
+              <a:rPr lang="ru-RU" sz="2600" dirty="0">
+                <a:solidFill>
+                  <a:schemeClr val="bg1">
+                    <a:lumMod val="50000"/>
+                  </a:schemeClr>
+                </a:solidFill>
+              </a:rPr>
+              <a:t> ссылки на источники</a:t>
+            </a:r>
+          </a:p>
+          <a:p>
+            <a:pPr marL="0" indent="0">
+              <a:buNone/>
+            </a:pPr>
+            <a:r>
+              <a:rPr lang="ru-RU" sz="2600" dirty="0"/>
+              <a:t>Ключевые слова: </a:t>
+            </a:r>
+          </a:p>
+          <a:p>
+            <a:pPr marL="271463" indent="0">
+              <a:buNone/>
+            </a:pPr>
+            <a:r>
+              <a:rPr lang="ru-RU" sz="2600" dirty="0">
+                <a:solidFill>
+                  <a:schemeClr val="bg1">
+                    <a:lumMod val="50000"/>
+                  </a:schemeClr>
+                </a:solidFill>
+              </a:rPr>
+              <a:t>задачно-ориентированная методология, инструментальный комплекс АТ-ТЕХНОЛОГИЯ, интегрированные экспертные системы.</a:t>
+            </a:r>
+          </a:p>
+          <a:p>
+            <a:pPr marL="0" indent="0" algn="just">
+              <a:buNone/>
+            </a:pPr>
+            <a:endParaRPr lang="ru-RU" sz="2000" dirty="0"/>
+          </a:p>
+          <a:p>
+            <a:pPr marL="0" indent="0" algn="just">
+              <a:buNone/>
+            </a:pPr>
+            <a:endParaRPr lang="ru-RU" sz="2000" dirty="0"/>
+          </a:p>
+          <a:p>
+            <a:pPr marL="0" indent="0">
+              <a:buNone/>
+            </a:pPr>
+            <a:endParaRPr lang="ru-RU" sz="2000" dirty="0"/>
+          </a:p>
+        </p:txBody>
+      </p:sp>
+      <p:sp>
+        <p:nvSpPr>
+          <p:cNvPr id="4" name="Номер слайда 3">
+            <a:extLst>
+              <a:ext uri="{FF2B5EF4-FFF2-40B4-BE49-F238E27FC236}">
+                <a16:creationId xmlns:a16="http://schemas.microsoft.com/office/drawing/2014/main" id="{C481C50F-E29F-4C4B-B814-44C06F435D67}"/>
+              </a:ext>
+            </a:extLst>
+          </p:cNvPr>
+          <p:cNvSpPr>
+            <a:spLocks noGrp="1"/>
+          </p:cNvSpPr>
+          <p:nvPr>
+            <p:ph type="sldNum" sz="quarter" idx="4"/>
+          </p:nvPr>
+        </p:nvSpPr>
+        <p:spPr/>
+        <p:txBody>
+          <a:bodyPr/>
+          <a:lstStyle/>
+          <a:p>
+            <a:fld id="{24882390-5E8C-4CFA-AF90-B2445B96FD8B}" type="slidenum">
+              <a:rPr lang="ru-RU" smtClean="0"/>
+              <a:pPr/>
+              <a:t>2</a:t>
+            </a:fld>
+            <a:endParaRPr lang="ru-RU" dirty="0"/>
+          </a:p>
+        </p:txBody>
+      </p:sp>
+    </p:spTree>
+    <p:extLst>
+      <p:ext uri="{BB962C8B-B14F-4D97-AF65-F5344CB8AC3E}">
+        <p14:creationId xmlns:p14="http://schemas.microsoft.com/office/powerpoint/2010/main" val="2490735407"/>
+      </p:ext>
+    </p:extLst>
+  </p:cSld>
+  <p:clrMapOvr>
+    <a:masterClrMapping/>
+  </p:clrMapOvr>
+</p:sld>
+</file>
+
+<file path=ppt/slides/slide20.xml><?xml version="1.0" encoding="utf-8"?>
+<p:sld xmlns:a="http://schemas.openxmlformats.org/drawingml/2006/main" xmlns:r="http://schemas.openxmlformats.org/officeDocument/2006/relationships" xmlns:p="http://schemas.openxmlformats.org/presentationml/2006/main">
+  <p:cSld>
+    <p:spTree>
+      <p:nvGrpSpPr>
+        <p:cNvPr id="1" name=""/>
+        <p:cNvGrpSpPr/>
+        <p:nvPr/>
+      </p:nvGrpSpPr>
+      <p:grpSpPr>
+        <a:xfrm>
+          <a:off x="0" y="0"/>
+          <a:ext cx="0" cy="0"/>
+          <a:chOff x="0" y="0"/>
+          <a:chExt cx="0" cy="0"/>
+        </a:xfrm>
+      </p:grpSpPr>
+      <p:sp>
+        <p:nvSpPr>
+          <p:cNvPr id="4" name="Номер слайда 3">
+            <a:extLst>
+              <a:ext uri="{FF2B5EF4-FFF2-40B4-BE49-F238E27FC236}">
+                <a16:creationId xmlns:a16="http://schemas.microsoft.com/office/drawing/2014/main" id="{309D8972-073B-4E61-9148-69F6305175B6}"/>
+              </a:ext>
+            </a:extLst>
+          </p:cNvPr>
+          <p:cNvSpPr>
+            <a:spLocks noGrp="1"/>
+          </p:cNvSpPr>
+          <p:nvPr>
+            <p:ph type="sldNum" sz="quarter" idx="4"/>
+          </p:nvPr>
+        </p:nvSpPr>
+        <p:spPr/>
+        <p:txBody>
+          <a:bodyPr/>
+          <a:lstStyle/>
+          <a:p>
+            <a:fld id="{24882390-5E8C-4CFA-AF90-B2445B96FD8B}" type="slidenum">
+              <a:rPr lang="ru-RU" smtClean="0"/>
+              <a:pPr/>
+              <a:t>20</a:t>
             </a:fld>
             <a:endParaRPr lang="ru-RU" dirty="0"/>
           </a:p>
@@ -8093,364 +7649,6 @@
 </p:sld>
 </file>
 
-<file path=ppt/slides/slide2.xml><?xml version="1.0" encoding="utf-8"?>
-<p:sld xmlns:a="http://schemas.openxmlformats.org/drawingml/2006/main" xmlns:r="http://schemas.openxmlformats.org/officeDocument/2006/relationships" xmlns:p="http://schemas.openxmlformats.org/presentationml/2006/main">
-  <p:cSld>
-    <p:spTree>
-      <p:nvGrpSpPr>
-        <p:cNvPr id="1" name=""/>
-        <p:cNvGrpSpPr/>
-        <p:nvPr/>
-      </p:nvGrpSpPr>
-      <p:grpSpPr>
-        <a:xfrm>
-          <a:off x="0" y="0"/>
-          <a:ext cx="0" cy="0"/>
-          <a:chOff x="0" y="0"/>
-          <a:chExt cx="0" cy="0"/>
-        </a:xfrm>
-      </p:grpSpPr>
-      <p:sp>
-        <p:nvSpPr>
-          <p:cNvPr id="2" name="Заголовок 1">
-            <a:extLst>
-              <a:ext uri="{FF2B5EF4-FFF2-40B4-BE49-F238E27FC236}">
-                <a16:creationId xmlns:a16="http://schemas.microsoft.com/office/drawing/2014/main" id="{C9202C55-90FC-4F03-9B69-0EB83398371E}"/>
-              </a:ext>
-            </a:extLst>
-          </p:cNvPr>
-          <p:cNvSpPr>
-            <a:spLocks noGrp="1"/>
-          </p:cNvSpPr>
-          <p:nvPr>
-            <p:ph type="title"/>
-          </p:nvPr>
-        </p:nvSpPr>
-        <p:spPr/>
-        <p:txBody>
-          <a:bodyPr/>
-          <a:lstStyle/>
-          <a:p>
-            <a:pPr algn="ctr"/>
-            <a:r>
-              <a:rPr lang="ru-RU" sz="3600" dirty="0"/>
-              <a:t>Реферат</a:t>
-            </a:r>
-            <a:endParaRPr lang="ru-RU" dirty="0"/>
-          </a:p>
-        </p:txBody>
-      </p:sp>
-      <p:sp>
-        <p:nvSpPr>
-          <p:cNvPr id="3" name="Объект 2">
-            <a:extLst>
-              <a:ext uri="{FF2B5EF4-FFF2-40B4-BE49-F238E27FC236}">
-                <a16:creationId xmlns:a16="http://schemas.microsoft.com/office/drawing/2014/main" id="{3B86C53B-B465-4F3B-B49B-55327FED702B}"/>
-              </a:ext>
-            </a:extLst>
-          </p:cNvPr>
-          <p:cNvSpPr>
-            <a:spLocks noGrp="1"/>
-          </p:cNvSpPr>
-          <p:nvPr>
-            <p:ph idx="1"/>
-          </p:nvPr>
-        </p:nvSpPr>
-        <p:spPr>
-          <a:xfrm>
-            <a:off x="628650" y="925882"/>
-            <a:ext cx="7842250" cy="5251085"/>
-          </a:xfrm>
-        </p:spPr>
-        <p:txBody>
-          <a:bodyPr>
-            <a:normAutofit/>
-          </a:bodyPr>
-          <a:lstStyle/>
-          <a:p>
-            <a:pPr marL="0" indent="0">
-              <a:buNone/>
-            </a:pPr>
-            <a:r>
-              <a:rPr lang="ru-RU" sz="2600" dirty="0"/>
-              <a:t>Пояснительная записка содержит:  </a:t>
-            </a:r>
-          </a:p>
-          <a:p>
-            <a:pPr marL="271463" indent="0">
-              <a:buNone/>
-            </a:pPr>
-            <a:r>
-              <a:rPr lang="en-US" sz="2600" dirty="0">
-                <a:solidFill>
-                  <a:schemeClr val="bg1">
-                    <a:lumMod val="50000"/>
-                  </a:schemeClr>
-                </a:solidFill>
-              </a:rPr>
-              <a:t>43</a:t>
-            </a:r>
-            <a:r>
-              <a:rPr lang="ru-RU" sz="2600" dirty="0">
-                <a:solidFill>
-                  <a:schemeClr val="bg1">
-                    <a:lumMod val="50000"/>
-                  </a:schemeClr>
-                </a:solidFill>
-              </a:rPr>
-              <a:t> страницы, 18 рисунков, 2 таблицы,  </a:t>
-            </a:r>
-            <a:r>
-              <a:rPr lang="en-US" sz="2600" dirty="0">
-                <a:solidFill>
-                  <a:schemeClr val="bg1">
-                    <a:lumMod val="50000"/>
-                  </a:schemeClr>
-                </a:solidFill>
-              </a:rPr>
-              <a:t>47</a:t>
-            </a:r>
-            <a:r>
-              <a:rPr lang="ru-RU" sz="2600" dirty="0">
-                <a:solidFill>
-                  <a:schemeClr val="bg1">
-                    <a:lumMod val="50000"/>
-                  </a:schemeClr>
-                </a:solidFill>
-              </a:rPr>
-              <a:t> ссылок на источники</a:t>
-            </a:r>
-          </a:p>
-          <a:p>
-            <a:pPr marL="0" indent="0">
-              <a:buNone/>
-            </a:pPr>
-            <a:r>
-              <a:rPr lang="ru-RU" sz="2600" dirty="0"/>
-              <a:t>Ключевые слова: </a:t>
-            </a:r>
-          </a:p>
-          <a:p>
-            <a:pPr marL="271463" indent="0">
-              <a:buNone/>
-            </a:pPr>
-            <a:r>
-              <a:rPr lang="ru-RU" sz="2600" dirty="0">
-                <a:solidFill>
-                  <a:schemeClr val="bg1">
-                    <a:lumMod val="50000"/>
-                  </a:schemeClr>
-                </a:solidFill>
-              </a:rPr>
-              <a:t>задачно-ориентированная методология, инструментальный комплекс АТ-ТЕХНОЛОГИЯ, интегрированные экспертные системы.</a:t>
-            </a:r>
-          </a:p>
-          <a:p>
-            <a:pPr marL="0" indent="0">
-              <a:buNone/>
-            </a:pPr>
-            <a:r>
-              <a:rPr lang="ru-RU" sz="2600" dirty="0"/>
-              <a:t>Программная реализация компонентов инженерной части содержит: </a:t>
-            </a:r>
-          </a:p>
-          <a:p>
-            <a:pPr marL="271463" indent="0">
-              <a:buNone/>
-            </a:pPr>
-            <a:r>
-              <a:rPr lang="ru-RU" sz="2600" dirty="0">
-                <a:solidFill>
-                  <a:schemeClr val="bg1">
-                    <a:lumMod val="50000"/>
-                  </a:schemeClr>
-                </a:solidFill>
-              </a:rPr>
-              <a:t>14 классов, ~1800 строк программного кода</a:t>
-            </a:r>
-          </a:p>
-          <a:p>
-            <a:pPr marL="0" indent="0" algn="just">
-              <a:buNone/>
-            </a:pPr>
-            <a:endParaRPr lang="ru-RU" sz="2000" dirty="0"/>
-          </a:p>
-          <a:p>
-            <a:pPr marL="0" indent="0" algn="just">
-              <a:buNone/>
-            </a:pPr>
-            <a:endParaRPr lang="ru-RU" sz="2000" dirty="0"/>
-          </a:p>
-          <a:p>
-            <a:pPr marL="0" indent="0">
-              <a:buNone/>
-            </a:pPr>
-            <a:endParaRPr lang="ru-RU" sz="2000" dirty="0"/>
-          </a:p>
-        </p:txBody>
-      </p:sp>
-      <p:sp>
-        <p:nvSpPr>
-          <p:cNvPr id="4" name="Номер слайда 3">
-            <a:extLst>
-              <a:ext uri="{FF2B5EF4-FFF2-40B4-BE49-F238E27FC236}">
-                <a16:creationId xmlns:a16="http://schemas.microsoft.com/office/drawing/2014/main" id="{C481C50F-E29F-4C4B-B814-44C06F435D67}"/>
-              </a:ext>
-            </a:extLst>
-          </p:cNvPr>
-          <p:cNvSpPr>
-            <a:spLocks noGrp="1"/>
-          </p:cNvSpPr>
-          <p:nvPr>
-            <p:ph type="sldNum" sz="quarter" idx="4"/>
-          </p:nvPr>
-        </p:nvSpPr>
-        <p:spPr/>
-        <p:txBody>
-          <a:bodyPr/>
-          <a:lstStyle/>
-          <a:p>
-            <a:fld id="{24882390-5E8C-4CFA-AF90-B2445B96FD8B}" type="slidenum">
-              <a:rPr lang="ru-RU" smtClean="0"/>
-              <a:pPr/>
-              <a:t>2</a:t>
-            </a:fld>
-            <a:endParaRPr lang="ru-RU" dirty="0"/>
-          </a:p>
-        </p:txBody>
-      </p:sp>
-    </p:spTree>
-    <p:extLst>
-      <p:ext uri="{BB962C8B-B14F-4D97-AF65-F5344CB8AC3E}">
-        <p14:creationId xmlns:p14="http://schemas.microsoft.com/office/powerpoint/2010/main" val="2490735407"/>
-      </p:ext>
-    </p:extLst>
-  </p:cSld>
-  <p:clrMapOvr>
-    <a:masterClrMapping/>
-  </p:clrMapOvr>
-</p:sld>
-</file>
-
-<file path=ppt/slides/slide20.xml><?xml version="1.0" encoding="utf-8"?>
-<p:sld xmlns:a="http://schemas.openxmlformats.org/drawingml/2006/main" xmlns:r="http://schemas.openxmlformats.org/officeDocument/2006/relationships" xmlns:p="http://schemas.openxmlformats.org/presentationml/2006/main">
-  <p:cSld>
-    <p:spTree>
-      <p:nvGrpSpPr>
-        <p:cNvPr id="1" name=""/>
-        <p:cNvGrpSpPr/>
-        <p:nvPr/>
-      </p:nvGrpSpPr>
-      <p:grpSpPr>
-        <a:xfrm>
-          <a:off x="0" y="0"/>
-          <a:ext cx="0" cy="0"/>
-          <a:chOff x="0" y="0"/>
-          <a:chExt cx="0" cy="0"/>
-        </a:xfrm>
-      </p:grpSpPr>
-      <p:sp>
-        <p:nvSpPr>
-          <p:cNvPr id="2" name="Заголовок 1"/>
-          <p:cNvSpPr>
-            <a:spLocks noGrp="1"/>
-          </p:cNvSpPr>
-          <p:nvPr>
-            <p:ph type="title"/>
-          </p:nvPr>
-        </p:nvSpPr>
-        <p:spPr/>
-        <p:txBody>
-          <a:bodyPr>
-            <a:normAutofit/>
-          </a:bodyPr>
-          <a:lstStyle/>
-          <a:p>
-            <a:pPr algn="ctr"/>
-            <a:r>
-              <a:rPr lang="ru-RU" sz="3600" dirty="0"/>
-              <a:t>Заключение</a:t>
-            </a:r>
-          </a:p>
-        </p:txBody>
-      </p:sp>
-      <p:sp>
-        <p:nvSpPr>
-          <p:cNvPr id="4" name="Номер слайда 3"/>
-          <p:cNvSpPr>
-            <a:spLocks noGrp="1"/>
-          </p:cNvSpPr>
-          <p:nvPr>
-            <p:ph type="sldNum" sz="quarter" idx="4"/>
-          </p:nvPr>
-        </p:nvSpPr>
-        <p:spPr/>
-        <p:txBody>
-          <a:bodyPr/>
-          <a:lstStyle/>
-          <a:p>
-            <a:fld id="{24882390-5E8C-4CFA-AF90-B2445B96FD8B}" type="slidenum">
-              <a:rPr lang="ru-RU" smtClean="0"/>
-              <a:pPr/>
-              <a:t>20</a:t>
-            </a:fld>
-            <a:endParaRPr lang="ru-RU" dirty="0"/>
-          </a:p>
-        </p:txBody>
-      </p:sp>
-      <p:sp>
-        <p:nvSpPr>
-          <p:cNvPr id="6" name="Объект 5">
-            <a:extLst>
-              <a:ext uri="{FF2B5EF4-FFF2-40B4-BE49-F238E27FC236}">
-                <a16:creationId xmlns:a16="http://schemas.microsoft.com/office/drawing/2014/main" id="{97A16F38-C76B-4AB4-B188-C1C2BE9BA159}"/>
-              </a:ext>
-            </a:extLst>
-          </p:cNvPr>
-          <p:cNvSpPr>
-            <a:spLocks noGrp="1"/>
-          </p:cNvSpPr>
-          <p:nvPr>
-            <p:ph idx="1"/>
-          </p:nvPr>
-        </p:nvSpPr>
-        <p:spPr/>
-        <p:txBody>
-          <a:bodyPr/>
-          <a:lstStyle/>
-          <a:p>
-            <a:r>
-              <a:rPr lang="ru-RU" dirty="0"/>
-              <a:t>Проведено исследование отдельных компонентов комплекса АТ-ТЕХНОЛОГИЯ.</a:t>
-            </a:r>
-          </a:p>
-          <a:p>
-            <a:r>
-              <a:rPr lang="ru-RU" dirty="0"/>
-              <a:t>Построен и протестирован демонстрационный прототип интегрированной экспертной системы по проблемной области «Медицинская ультразвуковая диагностика» в направлении диагностики рака молочной железы.</a:t>
-            </a:r>
-          </a:p>
-          <a:p>
-            <a:r>
-              <a:rPr lang="ru-RU" dirty="0"/>
-              <a:t>Проведено программное исследование и разработаны предложения по реинжинирингу универсального АТ-РЕШАТЕЛЯ.</a:t>
-            </a:r>
-          </a:p>
-        </p:txBody>
-      </p:sp>
-    </p:spTree>
-    <p:extLst>
-      <p:ext uri="{BB962C8B-B14F-4D97-AF65-F5344CB8AC3E}">
-        <p14:creationId xmlns:p14="http://schemas.microsoft.com/office/powerpoint/2010/main" val="1439077611"/>
-      </p:ext>
-    </p:extLst>
-  </p:cSld>
-  <p:clrMapOvr>
-    <a:masterClrMapping/>
-  </p:clrMapOvr>
-</p:sld>
-</file>
-
 <file path=ppt/slides/slide21.xml><?xml version="1.0" encoding="utf-8"?>
 <p:sld xmlns:a="http://schemas.openxmlformats.org/drawingml/2006/main" xmlns:r="http://schemas.openxmlformats.org/officeDocument/2006/relationships" xmlns:p="http://schemas.openxmlformats.org/presentationml/2006/main">
   <p:cSld>
@@ -8470,13 +7668,7 @@
       </p:grpSpPr>
       <p:sp>
         <p:nvSpPr>
-          <p:cNvPr id="2" name="Заголовок 1">
-            <a:extLst>
-              <a:ext uri="{FF2B5EF4-FFF2-40B4-BE49-F238E27FC236}">
-                <a16:creationId xmlns:a16="http://schemas.microsoft.com/office/drawing/2014/main" id="{5FD859FE-0C84-474E-96A4-72A9CAF34CBA}"/>
-              </a:ext>
-            </a:extLst>
-          </p:cNvPr>
+          <p:cNvPr id="2" name="Заголовок 1"/>
           <p:cNvSpPr>
             <a:spLocks noGrp="1"/>
           </p:cNvSpPr>
@@ -8487,27 +7679,21 @@
         <p:spPr/>
         <p:txBody>
           <a:bodyPr>
-            <a:noAutofit/>
+            <a:normAutofit/>
           </a:bodyPr>
           <a:lstStyle/>
           <a:p>
             <a:pPr algn="ctr"/>
             <a:r>
-              <a:rPr lang="ru-RU" sz="2800" dirty="0"/>
-              <a:t>Список литературы</a:t>
-            </a:r>
-          </a:p>
-        </p:txBody>
-      </p:sp>
-      <p:sp>
-        <p:nvSpPr>
-          <p:cNvPr id="4" name="Номер слайда 3">
-            <a:extLst>
-              <a:ext uri="{FF2B5EF4-FFF2-40B4-BE49-F238E27FC236}">
-                <a16:creationId xmlns:a16="http://schemas.microsoft.com/office/drawing/2014/main" id="{637AA394-B5C2-4F01-84A1-584E5DBA3388}"/>
-              </a:ext>
-            </a:extLst>
-          </p:cNvPr>
+              <a:rPr lang="ru-RU" sz="3600" dirty="0"/>
+              <a:t>Заключение</a:t>
+            </a:r>
+          </a:p>
+        </p:txBody>
+      </p:sp>
+      <p:sp>
+        <p:nvSpPr>
+          <p:cNvPr id="4" name="Номер слайда 3"/>
           <p:cNvSpPr>
             <a:spLocks noGrp="1"/>
           </p:cNvSpPr>
@@ -8531,10 +7717,10 @@
       </p:sp>
       <p:sp>
         <p:nvSpPr>
-          <p:cNvPr id="5" name="Объект 4">
-            <a:extLst>
-              <a:ext uri="{FF2B5EF4-FFF2-40B4-BE49-F238E27FC236}">
-                <a16:creationId xmlns:a16="http://schemas.microsoft.com/office/drawing/2014/main" id="{2F473416-6538-491E-82A2-E86C7075E8B2}"/>
+          <p:cNvPr id="6" name="Объект 5">
+            <a:extLst>
+              <a:ext uri="{FF2B5EF4-FFF2-40B4-BE49-F238E27FC236}">
+                <a16:creationId xmlns:a16="http://schemas.microsoft.com/office/drawing/2014/main" id="{97A16F38-C76B-4AB4-B188-C1C2BE9BA159}"/>
               </a:ext>
             </a:extLst>
           </p:cNvPr>
@@ -8550,71 +7736,29 @@
           <a:bodyPr/>
           <a:lstStyle/>
           <a:p>
-            <a:pPr marL="514350" indent="-514350">
-              <a:buAutoNum type="arabicPeriod"/>
-            </a:pPr>
             <a:r>
               <a:rPr lang="ru-RU" dirty="0"/>
-              <a:t>Рыбина Г.В. Теория и технология построения интегрированных экспертных систем. Монография. М.:</a:t>
-            </a:r>
-            <a:r>
-              <a:rPr lang="en-US" dirty="0"/>
-              <a:t>”</a:t>
-            </a:r>
+              <a:t>Проведено исследование отдельных компонентов комплекса АТ-ТЕХНОЛОГИЯ.</a:t>
+            </a:r>
+          </a:p>
+          <a:p>
             <a:r>
               <a:rPr lang="ru-RU" dirty="0"/>
-              <a:t>Научтехлитиздат</a:t>
-            </a:r>
-            <a:r>
-              <a:rPr lang="en-US" dirty="0"/>
-              <a:t>”</a:t>
-            </a:r>
+              <a:t>Построен и протестирован демонстрационный прототип интегрированной экспертной системы по проблемной области «Медицинская ультразвуковая диагностика» в направлении диагностики рака молочной железы.</a:t>
+            </a:r>
+          </a:p>
+          <a:p>
             <a:r>
               <a:rPr lang="ru-RU" dirty="0"/>
-              <a:t>, 2008. – 482 с.</a:t>
-            </a:r>
-          </a:p>
-          <a:p>
-            <a:pPr marL="514350" indent="-514350">
-              <a:buAutoNum type="arabicPeriod"/>
-            </a:pPr>
-            <a:r>
-              <a:rPr lang="ru-RU" dirty="0"/>
-              <a:t>Рыбина Г.В., Демидов Д.В. Модели, методы и программные средства вывода в интегрированных экспертных системах // Инженерная физика. №2,2007. с.51-60.</a:t>
-            </a:r>
-          </a:p>
-          <a:p>
-            <a:pPr marL="514350" indent="-514350">
-              <a:buAutoNum type="arabicPeriod"/>
-            </a:pPr>
-            <a:r>
-              <a:rPr lang="en-US" dirty="0"/>
-              <a:t>Dominique A. Lobar Approach to Breast Ultrasound. – </a:t>
-            </a:r>
-            <a:r>
-              <a:rPr lang="ru-RU" dirty="0"/>
-              <a:t>М</a:t>
-            </a:r>
-            <a:r>
-              <a:rPr lang="en-US" dirty="0"/>
-              <a:t>.: Springer International Publishing AG. Part of Springer Nature 2018. – 346 </a:t>
-            </a:r>
-            <a:r>
-              <a:rPr lang="ru-RU" dirty="0"/>
-              <a:t>с</a:t>
-            </a:r>
-            <a:r>
-              <a:rPr lang="en-US" dirty="0"/>
-              <a:t>. </a:t>
-            </a:r>
-            <a:endParaRPr lang="ru-RU" dirty="0"/>
+              <a:t>Проведено программное исследование и разработаны предложения по реинжинирингу универсального АТ-РЕШАТЕЛЯ.</a:t>
+            </a:r>
           </a:p>
         </p:txBody>
       </p:sp>
     </p:spTree>
     <p:extLst>
       <p:ext uri="{BB962C8B-B14F-4D97-AF65-F5344CB8AC3E}">
-        <p14:creationId xmlns:p14="http://schemas.microsoft.com/office/powerpoint/2010/main" val="1750056012"/>
+        <p14:creationId xmlns:p14="http://schemas.microsoft.com/office/powerpoint/2010/main" val="1439077611"/>
       </p:ext>
     </p:extLst>
   </p:cSld>
@@ -8643,10 +7787,41 @@
       </p:grpSpPr>
       <p:sp>
         <p:nvSpPr>
+          <p:cNvPr id="2" name="Заголовок 1">
+            <a:extLst>
+              <a:ext uri="{FF2B5EF4-FFF2-40B4-BE49-F238E27FC236}">
+                <a16:creationId xmlns:a16="http://schemas.microsoft.com/office/drawing/2014/main" id="{5FD859FE-0C84-474E-96A4-72A9CAF34CBA}"/>
+              </a:ext>
+            </a:extLst>
+          </p:cNvPr>
+          <p:cNvSpPr>
+            <a:spLocks noGrp="1"/>
+          </p:cNvSpPr>
+          <p:nvPr>
+            <p:ph type="title"/>
+          </p:nvPr>
+        </p:nvSpPr>
+        <p:spPr/>
+        <p:txBody>
+          <a:bodyPr>
+            <a:noAutofit/>
+          </a:bodyPr>
+          <a:lstStyle/>
+          <a:p>
+            <a:pPr algn="ctr"/>
+            <a:r>
+              <a:rPr lang="ru-RU" sz="2800" dirty="0"/>
+              <a:t>Список литературы</a:t>
+            </a:r>
+          </a:p>
+        </p:txBody>
+      </p:sp>
+      <p:sp>
+        <p:nvSpPr>
           <p:cNvPr id="4" name="Номер слайда 3">
             <a:extLst>
               <a:ext uri="{FF2B5EF4-FFF2-40B4-BE49-F238E27FC236}">
-                <a16:creationId xmlns:a16="http://schemas.microsoft.com/office/drawing/2014/main" id="{669CC55E-4EB3-4177-9E4C-130DE6DB234C}"/>
+                <a16:creationId xmlns:a16="http://schemas.microsoft.com/office/drawing/2014/main" id="{637AA394-B5C2-4F01-84A1-584E5DBA3388}"/>
               </a:ext>
             </a:extLst>
           </p:cNvPr>
@@ -8666,6 +7841,148 @@
               <a:rPr lang="ru-RU" smtClean="0"/>
               <a:pPr/>
               <a:t>22</a:t>
+            </a:fld>
+            <a:endParaRPr lang="ru-RU" dirty="0"/>
+          </a:p>
+        </p:txBody>
+      </p:sp>
+      <p:sp>
+        <p:nvSpPr>
+          <p:cNvPr id="5" name="Объект 4">
+            <a:extLst>
+              <a:ext uri="{FF2B5EF4-FFF2-40B4-BE49-F238E27FC236}">
+                <a16:creationId xmlns:a16="http://schemas.microsoft.com/office/drawing/2014/main" id="{2F473416-6538-491E-82A2-E86C7075E8B2}"/>
+              </a:ext>
+            </a:extLst>
+          </p:cNvPr>
+          <p:cNvSpPr>
+            <a:spLocks noGrp="1"/>
+          </p:cNvSpPr>
+          <p:nvPr>
+            <p:ph idx="1"/>
+          </p:nvPr>
+        </p:nvSpPr>
+        <p:spPr/>
+        <p:txBody>
+          <a:bodyPr/>
+          <a:lstStyle/>
+          <a:p>
+            <a:pPr marL="514350" indent="-514350">
+              <a:buAutoNum type="arabicPeriod"/>
+            </a:pPr>
+            <a:r>
+              <a:rPr lang="ru-RU" dirty="0"/>
+              <a:t>Рыбина Г.В. Теория и технология построения интегрированных экспертных систем. Монография. М.:</a:t>
+            </a:r>
+            <a:r>
+              <a:rPr lang="en-US" dirty="0"/>
+              <a:t>”</a:t>
+            </a:r>
+            <a:r>
+              <a:rPr lang="ru-RU" dirty="0"/>
+              <a:t>Научтехлитиздат</a:t>
+            </a:r>
+            <a:r>
+              <a:rPr lang="en-US" dirty="0"/>
+              <a:t>”</a:t>
+            </a:r>
+            <a:r>
+              <a:rPr lang="ru-RU" dirty="0"/>
+              <a:t>, 2008. – 482 с.</a:t>
+            </a:r>
+          </a:p>
+          <a:p>
+            <a:pPr marL="514350" indent="-514350">
+              <a:buAutoNum type="arabicPeriod"/>
+            </a:pPr>
+            <a:r>
+              <a:rPr lang="ru-RU" dirty="0"/>
+              <a:t>Рыбина Г.В., Демидов Д.В. Модели, методы и программные средства вывода в интегрированных экспертных системах // Инженерная физика. №2,2007. с.51-60.</a:t>
+            </a:r>
+          </a:p>
+          <a:p>
+            <a:pPr marL="514350" indent="-514350">
+              <a:buAutoNum type="arabicPeriod"/>
+            </a:pPr>
+            <a:r>
+              <a:rPr lang="en-US" dirty="0"/>
+              <a:t>Dominique A. Lobar Approach to Breast Ultrasound. – </a:t>
+            </a:r>
+            <a:r>
+              <a:rPr lang="ru-RU" dirty="0"/>
+              <a:t>М</a:t>
+            </a:r>
+            <a:r>
+              <a:rPr lang="en-US" dirty="0"/>
+              <a:t>.: Springer International Publishing AG. Part of Springer Nature 2018. – 346 </a:t>
+            </a:r>
+            <a:r>
+              <a:rPr lang="ru-RU" dirty="0"/>
+              <a:t>с</a:t>
+            </a:r>
+            <a:r>
+              <a:rPr lang="en-US" dirty="0"/>
+              <a:t>. </a:t>
+            </a:r>
+            <a:endParaRPr lang="ru-RU" dirty="0"/>
+          </a:p>
+        </p:txBody>
+      </p:sp>
+    </p:spTree>
+    <p:extLst>
+      <p:ext uri="{BB962C8B-B14F-4D97-AF65-F5344CB8AC3E}">
+        <p14:creationId xmlns:p14="http://schemas.microsoft.com/office/powerpoint/2010/main" val="1750056012"/>
+      </p:ext>
+    </p:extLst>
+  </p:cSld>
+  <p:clrMapOvr>
+    <a:masterClrMapping/>
+  </p:clrMapOvr>
+</p:sld>
+</file>
+
+<file path=ppt/slides/slide23.xml><?xml version="1.0" encoding="utf-8"?>
+<p:sld xmlns:a="http://schemas.openxmlformats.org/drawingml/2006/main" xmlns:r="http://schemas.openxmlformats.org/officeDocument/2006/relationships" xmlns:p="http://schemas.openxmlformats.org/presentationml/2006/main">
+  <p:cSld>
+    <p:spTree>
+      <p:nvGrpSpPr>
+        <p:cNvPr id="1" name=""/>
+        <p:cNvGrpSpPr/>
+        <p:nvPr/>
+      </p:nvGrpSpPr>
+      <p:grpSpPr>
+        <a:xfrm>
+          <a:off x="0" y="0"/>
+          <a:ext cx="0" cy="0"/>
+          <a:chOff x="0" y="0"/>
+          <a:chExt cx="0" cy="0"/>
+        </a:xfrm>
+      </p:grpSpPr>
+      <p:sp>
+        <p:nvSpPr>
+          <p:cNvPr id="4" name="Номер слайда 3">
+            <a:extLst>
+              <a:ext uri="{FF2B5EF4-FFF2-40B4-BE49-F238E27FC236}">
+                <a16:creationId xmlns:a16="http://schemas.microsoft.com/office/drawing/2014/main" id="{669CC55E-4EB3-4177-9E4C-130DE6DB234C}"/>
+              </a:ext>
+            </a:extLst>
+          </p:cNvPr>
+          <p:cNvSpPr>
+            <a:spLocks noGrp="1"/>
+          </p:cNvSpPr>
+          <p:nvPr>
+            <p:ph type="sldNum" sz="quarter" idx="4"/>
+          </p:nvPr>
+        </p:nvSpPr>
+        <p:spPr/>
+        <p:txBody>
+          <a:bodyPr/>
+          <a:lstStyle/>
+          <a:p>
+            <a:fld id="{24882390-5E8C-4CFA-AF90-B2445B96FD8B}" type="slidenum">
+              <a:rPr lang="ru-RU" smtClean="0"/>
+              <a:pPr/>
+              <a:t>23</a:t>
             </a:fld>
             <a:endParaRPr lang="ru-RU" dirty="0"/>
           </a:p>
@@ -10281,7 +9598,7 @@
                 <a:latin typeface="Times New Roman" panose="02020603050405020304" pitchFamily="18" charset="0"/>
                 <a:cs typeface="Times New Roman" panose="02020603050405020304" pitchFamily="18" charset="0"/>
               </a:rPr>
-              <a:t>Автоматизированное приобретение знаний</a:t>
+              <a:t>Интеллектуализация приобретения знаний</a:t>
             </a:r>
           </a:p>
         </p:txBody>
@@ -10348,32 +9665,118 @@
       </p:sp>
       <p:pic>
         <p:nvPicPr>
-          <p:cNvPr id="12" name="Рисунок 11">
-            <a:extLst>
-              <a:ext uri="{FF2B5EF4-FFF2-40B4-BE49-F238E27FC236}">
-                <a16:creationId xmlns:a16="http://schemas.microsoft.com/office/drawing/2014/main" id="{326BC743-BE1F-4698-A241-AF9133A55965}"/>
-              </a:ext>
-            </a:extLst>
-          </p:cNvPr>
-          <p:cNvPicPr/>
+          <p:cNvPr id="5" name="Рисунок 4">
+            <a:extLst>
+              <a:ext uri="{FF2B5EF4-FFF2-40B4-BE49-F238E27FC236}">
+                <a16:creationId xmlns:a16="http://schemas.microsoft.com/office/drawing/2014/main" id="{FDE8204E-805F-4FF2-AEAF-FDD3A0D08DED}"/>
+              </a:ext>
+            </a:extLst>
+          </p:cNvPr>
+          <p:cNvPicPr>
+            <a:picLocks noChangeAspect="1"/>
+          </p:cNvPicPr>
           <p:nvPr/>
         </p:nvPicPr>
         <p:blipFill>
-          <a:blip r:embed="rId2">
-            <a:extLst>
-              <a:ext uri="{28A0092B-C50C-407E-A947-70E740481C1C}">
-                <a14:useLocalDpi xmlns:a14="http://schemas.microsoft.com/office/drawing/2010/main" val="0"/>
-              </a:ext>
-            </a:extLst>
-          </a:blip>
+          <a:blip r:embed="rId2"/>
           <a:stretch>
             <a:fillRect/>
           </a:stretch>
         </p:blipFill>
         <p:spPr>
           <a:xfrm>
-            <a:off x="1029507" y="1137683"/>
-            <a:ext cx="7299515" cy="4741759"/>
+            <a:off x="628649" y="988828"/>
+            <a:ext cx="5347047" cy="4353921"/>
+          </a:xfrm>
+          <a:prstGeom prst="rect">
+            <a:avLst/>
+          </a:prstGeom>
+        </p:spPr>
+      </p:pic>
+      <p:pic>
+        <p:nvPicPr>
+          <p:cNvPr id="6" name="Рисунок 5">
+            <a:extLst>
+              <a:ext uri="{FF2B5EF4-FFF2-40B4-BE49-F238E27FC236}">
+                <a16:creationId xmlns:a16="http://schemas.microsoft.com/office/drawing/2014/main" id="{E1B70CCB-B395-4736-94E2-C080422697EA}"/>
+              </a:ext>
+            </a:extLst>
+          </p:cNvPr>
+          <p:cNvPicPr>
+            <a:picLocks noChangeAspect="1"/>
+          </p:cNvPicPr>
+          <p:nvPr/>
+        </p:nvPicPr>
+        <p:blipFill>
+          <a:blip r:embed="rId3"/>
+          <a:stretch>
+            <a:fillRect/>
+          </a:stretch>
+        </p:blipFill>
+        <p:spPr>
+          <a:xfrm>
+            <a:off x="4276172" y="893135"/>
+            <a:ext cx="4383542" cy="3193643"/>
+          </a:xfrm>
+          <a:prstGeom prst="rect">
+            <a:avLst/>
+          </a:prstGeom>
+        </p:spPr>
+      </p:pic>
+      <p:pic>
+        <p:nvPicPr>
+          <p:cNvPr id="8" name="Рисунок 7">
+            <a:extLst>
+              <a:ext uri="{FF2B5EF4-FFF2-40B4-BE49-F238E27FC236}">
+                <a16:creationId xmlns:a16="http://schemas.microsoft.com/office/drawing/2014/main" id="{F727DFD1-8557-4B0F-B792-3C3C54FFFD60}"/>
+              </a:ext>
+            </a:extLst>
+          </p:cNvPr>
+          <p:cNvPicPr>
+            <a:picLocks noChangeAspect="1"/>
+          </p:cNvPicPr>
+          <p:nvPr/>
+        </p:nvPicPr>
+        <p:blipFill>
+          <a:blip r:embed="rId4"/>
+          <a:stretch>
+            <a:fillRect/>
+          </a:stretch>
+        </p:blipFill>
+        <p:spPr>
+          <a:xfrm>
+            <a:off x="4786231" y="1454555"/>
+            <a:ext cx="3057525" cy="4086225"/>
+          </a:xfrm>
+          <a:prstGeom prst="rect">
+            <a:avLst/>
+          </a:prstGeom>
+        </p:spPr>
+      </p:pic>
+      <p:pic>
+        <p:nvPicPr>
+          <p:cNvPr id="7" name="Рисунок 6">
+            <a:extLst>
+              <a:ext uri="{FF2B5EF4-FFF2-40B4-BE49-F238E27FC236}">
+                <a16:creationId xmlns:a16="http://schemas.microsoft.com/office/drawing/2014/main" id="{99F17EF9-1B6F-4C1C-B885-BF73A88C6C7B}"/>
+              </a:ext>
+            </a:extLst>
+          </p:cNvPr>
+          <p:cNvPicPr>
+            <a:picLocks noChangeAspect="1"/>
+          </p:cNvPicPr>
+          <p:nvPr/>
+        </p:nvPicPr>
+        <p:blipFill>
+          <a:blip r:embed="rId5"/>
+          <a:stretch>
+            <a:fillRect/>
+          </a:stretch>
+        </p:blipFill>
+        <p:spPr>
+          <a:xfrm>
+            <a:off x="1395302" y="1998921"/>
+            <a:ext cx="4919692" cy="3739891"/>
           </a:xfrm>
           <a:prstGeom prst="rect">
             <a:avLst/>
@@ -10476,66 +9879,608 @@
           </a:p>
         </p:txBody>
       </p:sp>
-      <p:pic>
-        <p:nvPicPr>
-          <p:cNvPr id="3074" name="Picture 2" descr="Структура АТ-РЕШАТЕЛЯ">
-            <a:extLst>
-              <a:ext uri="{FF2B5EF4-FFF2-40B4-BE49-F238E27FC236}">
-                <a16:creationId xmlns:a16="http://schemas.microsoft.com/office/drawing/2014/main" id="{EF42777B-7280-42BE-AD48-758D255C64B7}"/>
-              </a:ext>
-            </a:extLst>
-          </p:cNvPr>
-          <p:cNvPicPr>
-            <a:picLocks noChangeAspect="1" noChangeArrowheads="1"/>
-          </p:cNvPicPr>
+      <p:graphicFrame>
+        <p:nvGraphicFramePr>
+          <p:cNvPr id="3" name="Таблица 2">
+            <a:extLst>
+              <a:ext uri="{FF2B5EF4-FFF2-40B4-BE49-F238E27FC236}">
+                <a16:creationId xmlns:a16="http://schemas.microsoft.com/office/drawing/2014/main" id="{8045BDE8-C752-44AA-9551-886A7FCCE975}"/>
+              </a:ext>
+            </a:extLst>
+          </p:cNvPr>
+          <p:cNvGraphicFramePr>
+            <a:graphicFrameLocks noGrp="1"/>
+          </p:cNvGraphicFramePr>
+          <p:nvPr>
+            <p:extLst>
+              <p:ext uri="{D42A27DB-BD31-4B8C-83A1-F6EECF244321}">
+                <p14:modId xmlns:p14="http://schemas.microsoft.com/office/powerpoint/2010/main" val="3925630662"/>
+              </p:ext>
+            </p:extLst>
+          </p:nvPr>
+        </p:nvGraphicFramePr>
+        <p:xfrm>
+          <a:off x="3203944" y="994010"/>
+          <a:ext cx="1974111" cy="370840"/>
+        </p:xfrm>
+        <a:graphic>
+          <a:graphicData uri="http://schemas.openxmlformats.org/drawingml/2006/table">
+            <a:tbl>
+              <a:tblPr firstRow="1" bandRow="1">
+                <a:tableStyleId>{69CF1AB2-1976-4502-BF36-3FF5EA218861}</a:tableStyleId>
+              </a:tblPr>
+              <a:tblGrid>
+                <a:gridCol w="1974111">
+                  <a:extLst>
+                    <a:ext uri="{9D8B030D-6E8A-4147-A177-3AD203B41FA5}">
+                      <a16:colId xmlns:a16="http://schemas.microsoft.com/office/drawing/2014/main" val="3637122518"/>
+                    </a:ext>
+                  </a:extLst>
+                </a:gridCol>
+              </a:tblGrid>
+              <a:tr h="370840">
+                <a:tc>
+                  <a:txBody>
+                    <a:bodyPr/>
+                    <a:lstStyle/>
+                    <a:p>
+                      <a:r>
+                        <a:rPr lang="ru-RU" b="0" dirty="0">
+                          <a:latin typeface="Times New Roman" panose="02020603050405020304" pitchFamily="18" charset="0"/>
+                          <a:cs typeface="Times New Roman" panose="02020603050405020304" pitchFamily="18" charset="0"/>
+                        </a:rPr>
+                        <a:t>Прямой вывод</a:t>
+                      </a:r>
+                    </a:p>
+                  </a:txBody>
+                  <a:tcPr/>
+                </a:tc>
+                <a:extLst>
+                  <a:ext uri="{0D108BD9-81ED-4DB2-BD59-A6C34878D82A}">
+                    <a16:rowId xmlns:a16="http://schemas.microsoft.com/office/drawing/2014/main" val="3723107500"/>
+                  </a:ext>
+                </a:extLst>
+              </a:tr>
+            </a:tbl>
+          </a:graphicData>
+        </a:graphic>
+      </p:graphicFrame>
+      <p:graphicFrame>
+        <p:nvGraphicFramePr>
+          <p:cNvPr id="6" name="Таблица 5">
+            <a:extLst>
+              <a:ext uri="{FF2B5EF4-FFF2-40B4-BE49-F238E27FC236}">
+                <a16:creationId xmlns:a16="http://schemas.microsoft.com/office/drawing/2014/main" id="{121CB355-6B76-4DF0-A634-38CE8F646368}"/>
+              </a:ext>
+            </a:extLst>
+          </p:cNvPr>
+          <p:cNvGraphicFramePr>
+            <a:graphicFrameLocks noGrp="1"/>
+          </p:cNvGraphicFramePr>
+          <p:nvPr>
+            <p:extLst>
+              <p:ext uri="{D42A27DB-BD31-4B8C-83A1-F6EECF244321}">
+                <p14:modId xmlns:p14="http://schemas.microsoft.com/office/powerpoint/2010/main" val="446774230"/>
+              </p:ext>
+            </p:extLst>
+          </p:nvPr>
+        </p:nvGraphicFramePr>
+        <p:xfrm>
+          <a:off x="514220" y="2729464"/>
+          <a:ext cx="1974112" cy="370840"/>
+        </p:xfrm>
+        <a:graphic>
+          <a:graphicData uri="http://schemas.openxmlformats.org/drawingml/2006/table">
+            <a:tbl>
+              <a:tblPr firstRow="1" bandRow="1">
+                <a:tableStyleId>{69CF1AB2-1976-4502-BF36-3FF5EA218861}</a:tableStyleId>
+              </a:tblPr>
+              <a:tblGrid>
+                <a:gridCol w="1974112">
+                  <a:extLst>
+                    <a:ext uri="{9D8B030D-6E8A-4147-A177-3AD203B41FA5}">
+                      <a16:colId xmlns:a16="http://schemas.microsoft.com/office/drawing/2014/main" val="3637122518"/>
+                    </a:ext>
+                  </a:extLst>
+                </a:gridCol>
+              </a:tblGrid>
+              <a:tr h="370840">
+                <a:tc>
+                  <a:txBody>
+                    <a:bodyPr/>
+                    <a:lstStyle/>
+                    <a:p>
+                      <a:r>
+                        <a:rPr lang="ru-RU" b="0" dirty="0">
+                          <a:latin typeface="Times New Roman" panose="02020603050405020304" pitchFamily="18" charset="0"/>
+                          <a:cs typeface="Times New Roman" panose="02020603050405020304" pitchFamily="18" charset="0"/>
+                        </a:rPr>
+                        <a:t>Обратный вывод</a:t>
+                      </a:r>
+                    </a:p>
+                  </a:txBody>
+                  <a:tcPr/>
+                </a:tc>
+                <a:extLst>
+                  <a:ext uri="{0D108BD9-81ED-4DB2-BD59-A6C34878D82A}">
+                    <a16:rowId xmlns:a16="http://schemas.microsoft.com/office/drawing/2014/main" val="3723107500"/>
+                  </a:ext>
+                </a:extLst>
+              </a:tr>
+            </a:tbl>
+          </a:graphicData>
+        </a:graphic>
+      </p:graphicFrame>
+      <p:graphicFrame>
+        <p:nvGraphicFramePr>
+          <p:cNvPr id="7" name="Таблица 6">
+            <a:extLst>
+              <a:ext uri="{FF2B5EF4-FFF2-40B4-BE49-F238E27FC236}">
+                <a16:creationId xmlns:a16="http://schemas.microsoft.com/office/drawing/2014/main" id="{578FA4D6-C83D-481B-AA6E-702577AB39AB}"/>
+              </a:ext>
+            </a:extLst>
+          </p:cNvPr>
+          <p:cNvGraphicFramePr>
+            <a:graphicFrameLocks noGrp="1"/>
+          </p:cNvGraphicFramePr>
+          <p:nvPr>
+            <p:extLst>
+              <p:ext uri="{D42A27DB-BD31-4B8C-83A1-F6EECF244321}">
+                <p14:modId xmlns:p14="http://schemas.microsoft.com/office/powerpoint/2010/main" val="3655588285"/>
+              </p:ext>
+            </p:extLst>
+          </p:nvPr>
+        </p:nvGraphicFramePr>
+        <p:xfrm>
+          <a:off x="1726017" y="4502676"/>
+          <a:ext cx="1974111" cy="640080"/>
+        </p:xfrm>
+        <a:graphic>
+          <a:graphicData uri="http://schemas.openxmlformats.org/drawingml/2006/table">
+            <a:tbl>
+              <a:tblPr firstRow="1" bandRow="1">
+                <a:tableStyleId>{69CF1AB2-1976-4502-BF36-3FF5EA218861}</a:tableStyleId>
+              </a:tblPr>
+              <a:tblGrid>
+                <a:gridCol w="1974111">
+                  <a:extLst>
+                    <a:ext uri="{9D8B030D-6E8A-4147-A177-3AD203B41FA5}">
+                      <a16:colId xmlns:a16="http://schemas.microsoft.com/office/drawing/2014/main" val="3637122518"/>
+                    </a:ext>
+                  </a:extLst>
+                </a:gridCol>
+              </a:tblGrid>
+              <a:tr h="370840">
+                <a:tc>
+                  <a:txBody>
+                    <a:bodyPr/>
+                    <a:lstStyle/>
+                    <a:p>
+                      <a:r>
+                        <a:rPr lang="ru-RU" b="0" dirty="0">
+                          <a:latin typeface="Times New Roman" panose="02020603050405020304" pitchFamily="18" charset="0"/>
+                          <a:cs typeface="Times New Roman" panose="02020603050405020304" pitchFamily="18" charset="0"/>
+                        </a:rPr>
+                        <a:t>Смешанный вывод</a:t>
+                      </a:r>
+                    </a:p>
+                  </a:txBody>
+                  <a:tcPr/>
+                </a:tc>
+                <a:extLst>
+                  <a:ext uri="{0D108BD9-81ED-4DB2-BD59-A6C34878D82A}">
+                    <a16:rowId xmlns:a16="http://schemas.microsoft.com/office/drawing/2014/main" val="3723107500"/>
+                  </a:ext>
+                </a:extLst>
+              </a:tr>
+            </a:tbl>
+          </a:graphicData>
+        </a:graphic>
+      </p:graphicFrame>
+      <p:graphicFrame>
+        <p:nvGraphicFramePr>
+          <p:cNvPr id="8" name="Таблица 7">
+            <a:extLst>
+              <a:ext uri="{FF2B5EF4-FFF2-40B4-BE49-F238E27FC236}">
+                <a16:creationId xmlns:a16="http://schemas.microsoft.com/office/drawing/2014/main" id="{E5E190C6-26FA-4728-9CA6-CF25715A29EE}"/>
+              </a:ext>
+            </a:extLst>
+          </p:cNvPr>
+          <p:cNvGraphicFramePr>
+            <a:graphicFrameLocks noGrp="1"/>
+          </p:cNvGraphicFramePr>
+          <p:nvPr>
+            <p:extLst>
+              <p:ext uri="{D42A27DB-BD31-4B8C-83A1-F6EECF244321}">
+                <p14:modId xmlns:p14="http://schemas.microsoft.com/office/powerpoint/2010/main" val="3450826688"/>
+              </p:ext>
+            </p:extLst>
+          </p:nvPr>
+        </p:nvGraphicFramePr>
+        <p:xfrm>
+          <a:off x="6170547" y="4488641"/>
+          <a:ext cx="1974112" cy="640080"/>
+        </p:xfrm>
+        <a:graphic>
+          <a:graphicData uri="http://schemas.openxmlformats.org/drawingml/2006/table">
+            <a:tbl>
+              <a:tblPr firstRow="1" bandRow="1">
+                <a:tableStyleId>{69CF1AB2-1976-4502-BF36-3FF5EA218861}</a:tableStyleId>
+              </a:tblPr>
+              <a:tblGrid>
+                <a:gridCol w="1974112">
+                  <a:extLst>
+                    <a:ext uri="{9D8B030D-6E8A-4147-A177-3AD203B41FA5}">
+                      <a16:colId xmlns:a16="http://schemas.microsoft.com/office/drawing/2014/main" val="3637122518"/>
+                    </a:ext>
+                  </a:extLst>
+                </a:gridCol>
+              </a:tblGrid>
+              <a:tr h="312149">
+                <a:tc>
+                  <a:txBody>
+                    <a:bodyPr/>
+                    <a:lstStyle/>
+                    <a:p>
+                      <a:r>
+                        <a:rPr lang="ru-RU" b="0" dirty="0">
+                          <a:latin typeface="Times New Roman" panose="02020603050405020304" pitchFamily="18" charset="0"/>
+                          <a:cs typeface="Times New Roman" panose="02020603050405020304" pitchFamily="18" charset="0"/>
+                        </a:rPr>
+                        <a:t>Пошаговый вывод</a:t>
+                      </a:r>
+                    </a:p>
+                  </a:txBody>
+                  <a:tcPr/>
+                </a:tc>
+                <a:extLst>
+                  <a:ext uri="{0D108BD9-81ED-4DB2-BD59-A6C34878D82A}">
+                    <a16:rowId xmlns:a16="http://schemas.microsoft.com/office/drawing/2014/main" val="3723107500"/>
+                  </a:ext>
+                </a:extLst>
+              </a:tr>
+            </a:tbl>
+          </a:graphicData>
+        </a:graphic>
+      </p:graphicFrame>
+      <p:graphicFrame>
+        <p:nvGraphicFramePr>
+          <p:cNvPr id="9" name="Таблица 8">
+            <a:extLst>
+              <a:ext uri="{FF2B5EF4-FFF2-40B4-BE49-F238E27FC236}">
+                <a16:creationId xmlns:a16="http://schemas.microsoft.com/office/drawing/2014/main" id="{B5459585-8A09-43C2-B6B4-98177BB8353A}"/>
+              </a:ext>
+            </a:extLst>
+          </p:cNvPr>
+          <p:cNvGraphicFramePr>
+            <a:graphicFrameLocks noGrp="1"/>
+          </p:cNvGraphicFramePr>
+          <p:nvPr>
+            <p:extLst>
+              <p:ext uri="{D42A27DB-BD31-4B8C-83A1-F6EECF244321}">
+                <p14:modId xmlns:p14="http://schemas.microsoft.com/office/powerpoint/2010/main" val="4272598014"/>
+              </p:ext>
+            </p:extLst>
+          </p:nvPr>
+        </p:nvGraphicFramePr>
+        <p:xfrm>
+          <a:off x="6983819" y="1726164"/>
+          <a:ext cx="1974111" cy="1188720"/>
+        </p:xfrm>
+        <a:graphic>
+          <a:graphicData uri="http://schemas.openxmlformats.org/drawingml/2006/table">
+            <a:tbl>
+              <a:tblPr firstRow="1" bandRow="1">
+                <a:tableStyleId>{69CF1AB2-1976-4502-BF36-3FF5EA218861}</a:tableStyleId>
+              </a:tblPr>
+              <a:tblGrid>
+                <a:gridCol w="1974111">
+                  <a:extLst>
+                    <a:ext uri="{9D8B030D-6E8A-4147-A177-3AD203B41FA5}">
+                      <a16:colId xmlns:a16="http://schemas.microsoft.com/office/drawing/2014/main" val="3637122518"/>
+                    </a:ext>
+                  </a:extLst>
+                </a:gridCol>
+              </a:tblGrid>
+              <a:tr h="1027719">
+                <a:tc>
+                  <a:txBody>
+                    <a:bodyPr/>
+                    <a:lstStyle/>
+                    <a:p>
+                      <a:r>
+                        <a:rPr lang="ru-RU" b="0" dirty="0">
+                          <a:latin typeface="Times New Roman" panose="02020603050405020304" pitchFamily="18" charset="0"/>
+                          <a:cs typeface="Times New Roman" panose="02020603050405020304" pitchFamily="18" charset="0"/>
+                        </a:rPr>
+                        <a:t>Подтверждение гипотез и ведение уточняющих поддиалогов</a:t>
+                      </a:r>
+                    </a:p>
+                  </a:txBody>
+                  <a:tcPr/>
+                </a:tc>
+                <a:extLst>
+                  <a:ext uri="{0D108BD9-81ED-4DB2-BD59-A6C34878D82A}">
+                    <a16:rowId xmlns:a16="http://schemas.microsoft.com/office/drawing/2014/main" val="3723107500"/>
+                  </a:ext>
+                </a:extLst>
+              </a:tr>
+            </a:tbl>
+          </a:graphicData>
+        </a:graphic>
+      </p:graphicFrame>
+      <p:sp>
+        <p:nvSpPr>
+          <p:cNvPr id="5" name="Прямоугольник: скругленные углы 4">
+            <a:extLst>
+              <a:ext uri="{FF2B5EF4-FFF2-40B4-BE49-F238E27FC236}">
+                <a16:creationId xmlns:a16="http://schemas.microsoft.com/office/drawing/2014/main" id="{4A1F24B4-F185-40AE-A45A-8336DF1589E3}"/>
+              </a:ext>
+            </a:extLst>
+          </p:cNvPr>
+          <p:cNvSpPr/>
           <p:nvPr/>
-        </p:nvPicPr>
-        <p:blipFill>
-          <a:blip r:embed="rId2">
-            <a:extLst>
-              <a:ext uri="{28A0092B-C50C-407E-A947-70E740481C1C}">
-                <a14:useLocalDpi xmlns:a14="http://schemas.microsoft.com/office/drawing/2010/main" val="0"/>
-              </a:ext>
-            </a:extLst>
-          </a:blip>
-          <a:srcRect/>
-          <a:stretch>
-            <a:fillRect/>
-          </a:stretch>
-        </p:blipFill>
-        <p:spPr bwMode="auto">
-          <a:xfrm>
-            <a:off x="800617" y="1004223"/>
-            <a:ext cx="7736304" cy="4418381"/>
-          </a:xfrm>
-          <a:prstGeom prst="rect">
+        </p:nvSpPr>
+        <p:spPr>
+          <a:xfrm>
+            <a:off x="3574225" y="2512348"/>
+            <a:ext cx="2475614" cy="914400"/>
+          </a:xfrm>
+          <a:prstGeom prst="roundRect">
             <a:avLst/>
           </a:prstGeom>
-          <a:noFill/>
-          <a:ln>
-            <a:noFill/>
-          </a:ln>
-          <a:extLst>
-            <a:ext uri="{909E8E84-426E-40DD-AFC4-6F175D3DCCD1}">
-              <a14:hiddenFill xmlns:a14="http://schemas.microsoft.com/office/drawing/2010/main">
-                <a:solidFill>
-                  <a:srgbClr val="FFFFFF"/>
-                </a:solidFill>
-              </a14:hiddenFill>
-            </a:ext>
-            <a:ext uri="{91240B29-F687-4F45-9708-019B960494DF}">
-              <a14:hiddenLine xmlns:a14="http://schemas.microsoft.com/office/drawing/2010/main" w="9525">
-                <a:solidFill>
-                  <a:srgbClr val="000000"/>
-                </a:solidFill>
-                <a:miter lim="800000"/>
-                <a:headEnd/>
-                <a:tailEnd/>
-              </a14:hiddenLine>
-            </a:ext>
-          </a:extLst>
-        </p:spPr>
-      </p:pic>
+        </p:spPr>
+        <p:style>
+          <a:lnRef idx="2">
+            <a:schemeClr val="accent1">
+              <a:shade val="50000"/>
+            </a:schemeClr>
+          </a:lnRef>
+          <a:fillRef idx="1">
+            <a:schemeClr val="accent1"/>
+          </a:fillRef>
+          <a:effectRef idx="0">
+            <a:schemeClr val="accent1"/>
+          </a:effectRef>
+          <a:fontRef idx="minor">
+            <a:schemeClr val="lt1"/>
+          </a:fontRef>
+        </p:style>
+        <p:txBody>
+          <a:bodyPr rtlCol="0" anchor="ctr"/>
+          <a:lstStyle/>
+          <a:p>
+            <a:pPr algn="ctr"/>
+            <a:r>
+              <a:rPr lang="ru-RU" sz="2400" dirty="0">
+                <a:latin typeface="Times New Roman" panose="02020603050405020304" pitchFamily="18" charset="0"/>
+                <a:cs typeface="Times New Roman" panose="02020603050405020304" pitchFamily="18" charset="0"/>
+              </a:rPr>
+              <a:t>АТ-РЕШАТЕЛЬ</a:t>
+            </a:r>
+          </a:p>
+        </p:txBody>
+      </p:sp>
+      <p:sp>
+        <p:nvSpPr>
+          <p:cNvPr id="10" name="Стрелка: вниз 9">
+            <a:extLst>
+              <a:ext uri="{FF2B5EF4-FFF2-40B4-BE49-F238E27FC236}">
+                <a16:creationId xmlns:a16="http://schemas.microsoft.com/office/drawing/2014/main" id="{4EAD52A8-4400-4952-A228-BDF2FFDC4D01}"/>
+              </a:ext>
+            </a:extLst>
+          </p:cNvPr>
+          <p:cNvSpPr/>
+          <p:nvPr/>
+        </p:nvSpPr>
+        <p:spPr>
+          <a:xfrm rot="1388079">
+            <a:off x="3675685" y="3709216"/>
+            <a:ext cx="427500" cy="534510"/>
+          </a:xfrm>
+          <a:prstGeom prst="downArrow">
+            <a:avLst/>
+          </a:prstGeom>
+        </p:spPr>
+        <p:style>
+          <a:lnRef idx="1">
+            <a:schemeClr val="accent1"/>
+          </a:lnRef>
+          <a:fillRef idx="2">
+            <a:schemeClr val="accent1"/>
+          </a:fillRef>
+          <a:effectRef idx="1">
+            <a:schemeClr val="accent1"/>
+          </a:effectRef>
+          <a:fontRef idx="minor">
+            <a:schemeClr val="dk1"/>
+          </a:fontRef>
+        </p:style>
+        <p:txBody>
+          <a:bodyPr rtlCol="0" anchor="ctr"/>
+          <a:lstStyle/>
+          <a:p>
+            <a:pPr algn="ctr"/>
+            <a:endParaRPr lang="ru-RU"/>
+          </a:p>
+        </p:txBody>
+      </p:sp>
+      <p:sp>
+        <p:nvSpPr>
+          <p:cNvPr id="12" name="Стрелка: вниз 11">
+            <a:extLst>
+              <a:ext uri="{FF2B5EF4-FFF2-40B4-BE49-F238E27FC236}">
+                <a16:creationId xmlns:a16="http://schemas.microsoft.com/office/drawing/2014/main" id="{A72F1365-FA38-4D0F-92E8-35DE83C1CAFA}"/>
+              </a:ext>
+            </a:extLst>
+          </p:cNvPr>
+          <p:cNvSpPr/>
+          <p:nvPr/>
+        </p:nvSpPr>
+        <p:spPr>
+          <a:xfrm rot="19503499">
+            <a:off x="5956795" y="3697457"/>
+            <a:ext cx="427500" cy="534510"/>
+          </a:xfrm>
+          <a:prstGeom prst="downArrow">
+            <a:avLst/>
+          </a:prstGeom>
+        </p:spPr>
+        <p:style>
+          <a:lnRef idx="1">
+            <a:schemeClr val="accent1"/>
+          </a:lnRef>
+          <a:fillRef idx="2">
+            <a:schemeClr val="accent1"/>
+          </a:fillRef>
+          <a:effectRef idx="1">
+            <a:schemeClr val="accent1"/>
+          </a:effectRef>
+          <a:fontRef idx="minor">
+            <a:schemeClr val="dk1"/>
+          </a:fontRef>
+        </p:style>
+        <p:txBody>
+          <a:bodyPr rtlCol="0" anchor="ctr"/>
+          <a:lstStyle/>
+          <a:p>
+            <a:pPr algn="ctr"/>
+            <a:endParaRPr lang="ru-RU"/>
+          </a:p>
+        </p:txBody>
+      </p:sp>
+      <p:sp>
+        <p:nvSpPr>
+          <p:cNvPr id="13" name="Стрелка: вниз 12">
+            <a:extLst>
+              <a:ext uri="{FF2B5EF4-FFF2-40B4-BE49-F238E27FC236}">
+                <a16:creationId xmlns:a16="http://schemas.microsoft.com/office/drawing/2014/main" id="{0577A32E-6BBB-47F3-A062-A1BB1B877B84}"/>
+              </a:ext>
+            </a:extLst>
+          </p:cNvPr>
+          <p:cNvSpPr/>
+          <p:nvPr/>
+        </p:nvSpPr>
+        <p:spPr>
+          <a:xfrm rot="15190367">
+            <a:off x="6316050" y="2245093"/>
+            <a:ext cx="427500" cy="534510"/>
+          </a:xfrm>
+          <a:prstGeom prst="downArrow">
+            <a:avLst/>
+          </a:prstGeom>
+        </p:spPr>
+        <p:style>
+          <a:lnRef idx="1">
+            <a:schemeClr val="accent1"/>
+          </a:lnRef>
+          <a:fillRef idx="2">
+            <a:schemeClr val="accent1"/>
+          </a:fillRef>
+          <a:effectRef idx="1">
+            <a:schemeClr val="accent1"/>
+          </a:effectRef>
+          <a:fontRef idx="minor">
+            <a:schemeClr val="dk1"/>
+          </a:fontRef>
+        </p:style>
+        <p:txBody>
+          <a:bodyPr rtlCol="0" anchor="ctr"/>
+          <a:lstStyle/>
+          <a:p>
+            <a:pPr algn="ctr"/>
+            <a:endParaRPr lang="ru-RU"/>
+          </a:p>
+        </p:txBody>
+      </p:sp>
+      <p:sp>
+        <p:nvSpPr>
+          <p:cNvPr id="14" name="Стрелка: вниз 13">
+            <a:extLst>
+              <a:ext uri="{FF2B5EF4-FFF2-40B4-BE49-F238E27FC236}">
+                <a16:creationId xmlns:a16="http://schemas.microsoft.com/office/drawing/2014/main" id="{CCF4E040-1BAA-4ECE-B618-7E6842474074}"/>
+              </a:ext>
+            </a:extLst>
+          </p:cNvPr>
+          <p:cNvSpPr/>
+          <p:nvPr/>
+        </p:nvSpPr>
+        <p:spPr>
+          <a:xfrm rot="10393537">
+            <a:off x="4354499" y="1622059"/>
+            <a:ext cx="427500" cy="534510"/>
+          </a:xfrm>
+          <a:prstGeom prst="downArrow">
+            <a:avLst/>
+          </a:prstGeom>
+        </p:spPr>
+        <p:style>
+          <a:lnRef idx="1">
+            <a:schemeClr val="accent1"/>
+          </a:lnRef>
+          <a:fillRef idx="2">
+            <a:schemeClr val="accent1"/>
+          </a:fillRef>
+          <a:effectRef idx="1">
+            <a:schemeClr val="accent1"/>
+          </a:effectRef>
+          <a:fontRef idx="minor">
+            <a:schemeClr val="dk1"/>
+          </a:fontRef>
+        </p:style>
+        <p:txBody>
+          <a:bodyPr rtlCol="0" anchor="ctr"/>
+          <a:lstStyle/>
+          <a:p>
+            <a:pPr algn="ctr"/>
+            <a:endParaRPr lang="ru-RU"/>
+          </a:p>
+        </p:txBody>
+      </p:sp>
+      <p:sp>
+        <p:nvSpPr>
+          <p:cNvPr id="15" name="Стрелка: вниз 14">
+            <a:extLst>
+              <a:ext uri="{FF2B5EF4-FFF2-40B4-BE49-F238E27FC236}">
+                <a16:creationId xmlns:a16="http://schemas.microsoft.com/office/drawing/2014/main" id="{D0406824-A0AB-4765-818F-A3C8D6BC4A9D}"/>
+              </a:ext>
+            </a:extLst>
+          </p:cNvPr>
+          <p:cNvSpPr/>
+          <p:nvPr/>
+        </p:nvSpPr>
+        <p:spPr>
+          <a:xfrm rot="5400000">
+            <a:off x="2817528" y="2647629"/>
+            <a:ext cx="427500" cy="534510"/>
+          </a:xfrm>
+          <a:prstGeom prst="downArrow">
+            <a:avLst/>
+          </a:prstGeom>
+        </p:spPr>
+        <p:style>
+          <a:lnRef idx="1">
+            <a:schemeClr val="accent1"/>
+          </a:lnRef>
+          <a:fillRef idx="2">
+            <a:schemeClr val="accent1"/>
+          </a:fillRef>
+          <a:effectRef idx="1">
+            <a:schemeClr val="accent1"/>
+          </a:effectRef>
+          <a:fontRef idx="minor">
+            <a:schemeClr val="dk1"/>
+          </a:fontRef>
+        </p:style>
+        <p:txBody>
+          <a:bodyPr rtlCol="0" anchor="ctr"/>
+          <a:lstStyle/>
+          <a:p>
+            <a:pPr algn="ctr"/>
+            <a:endParaRPr lang="ru-RU"/>
+          </a:p>
+        </p:txBody>
+      </p:sp>
     </p:spTree>
     <p:extLst>
       <p:ext uri="{BB962C8B-B14F-4D97-AF65-F5344CB8AC3E}">
